--- a/Project 2 Presentation.pptx
+++ b/Project 2 Presentation.pptx
@@ -18416,20 +18416,40 @@
           <a:lstStyle/>
           <a:p>
             <a:r>
+              <a:rPr lang="en-US" b="1" dirty="0"/>
+              <a:t>Problem: </a:t>
+            </a:r>
+            <a:r>
               <a:rPr lang="en-US" dirty="0"/>
-              <a:t>Problem: Identify the countries where percentage of female graduates is less than 30%.</a:t>
+              <a:t>Identify the countries where percentage of female graduates is less than 30%.</a:t>
             </a:r>
           </a:p>
           <a:p>
             <a:r>
+              <a:rPr lang="en-US" b="1" dirty="0"/>
+              <a:t>Solution: </a:t>
+            </a:r>
+            <a:r>
               <a:rPr lang="en-US" dirty="0"/>
-              <a:t>Solution: Using MapReduce, find the most recent years for non-null values for gross graduation ratio for females in tertiary education up to five years combined. Take these percentages and find the average by dividing the sum of the percentages by the number of percentages (years accounted for) isolating below 30%.</a:t>
+              <a:t>Using </a:t>
+            </a:r>
+            <a:r>
+              <a:rPr lang="en-US" u="sng" dirty="0"/>
+              <a:t>MapReduce</a:t>
+            </a:r>
+            <a:r>
+              <a:rPr lang="en-US" dirty="0"/>
+              <a:t>, find the most recent years for non-null values for gross graduation ratio for females in tertiary education up to five years combined. Take these percentages and find the average by dividing the sum of the percentages by the number of percentages (years accounted for) isolating below 30%.</a:t>
             </a:r>
           </a:p>
           <a:p>
             <a:r>
+              <a:rPr lang="en-US" b="1" dirty="0"/>
+              <a:t>Conclusions: </a:t>
+            </a:r>
+            <a:r>
               <a:rPr lang="en-US" dirty="0"/>
-              <a:t>Conclusions: Out of 89 nations, the vast majority in the final output are Third World. Sub-Saharan Africa are on average on the lower end of the percentage range while Asian and some South American countries are closer to the cap of 30%.</a:t>
+              <a:t>Out of 89 nations, the vast majority in the final output are Third World. Sub-Saharan Africa are on average on the lower end of the percentage range while Asian and some South American countries are closer to the cap of 30%.</a:t>
             </a:r>
           </a:p>
         </p:txBody>
@@ -18514,26 +18534,41 @@
           <a:lstStyle/>
           <a:p>
             <a:r>
+              <a:rPr lang="en-US" b="1" dirty="0"/>
+              <a:t>Problem: </a:t>
+            </a:r>
+            <a:r>
               <a:rPr lang="en-US" dirty="0"/>
-              <a:t>Problem: List the percentage of change made in male employment from the year 2000.</a:t>
+              <a:t>List the percentage of change made in male employment from the year 2000.</a:t>
             </a:r>
           </a:p>
           <a:p>
             <a:r>
+              <a:rPr lang="en-US" b="1" dirty="0"/>
+              <a:t>Solution: </a:t>
+            </a:r>
+            <a:r>
               <a:rPr lang="en-US" dirty="0"/>
-              <a:t>Solution: Using MapReduce, find the percent of employment for the year 2000 and compare it to 2016 or the most recent year. Take both of these percentages.</a:t>
+              <a:t>Using </a:t>
+            </a:r>
+            <a:r>
+              <a:rPr lang="en-US" u="sng" dirty="0"/>
+              <a:t>MapReduce</a:t>
+            </a:r>
+            <a:r>
+              <a:rPr lang="en-US" dirty="0"/>
+              <a:t>, find the percent of employment for the year 2000 and compare it to 2016 or the most recent year. Take both of these percentages.</a:t>
             </a:r>
           </a:p>
           <a:p>
             <a:r>
-              <a:rPr lang="en-US" dirty="0"/>
-              <a:t>Conclusions: Mostly European countries fell into the negative values for change in male employment since the year 2000 while South American countries’ numbers </a:t>
+              <a:rPr lang="en-US" b="1" dirty="0"/>
+              <a:t>Conclusions: </a:t>
             </a:r>
             <a:r>
-              <a:rPr lang="en-US"/>
-              <a:t>are rising.</a:t>
+              <a:rPr lang="en-US" dirty="0"/>
+              <a:t>Mostly European countries fell into the negative values for change in male employment since the year 2000 while South American countries’ numbers are rising.</a:t>
             </a:r>
-            <a:endParaRPr lang="en-US" dirty="0"/>
           </a:p>
         </p:txBody>
       </p:sp>
@@ -18617,34 +18652,42 @@
           <a:lstStyle/>
           <a:p>
             <a:r>
+              <a:rPr lang="en-US" b="1" dirty="0"/>
+              <a:t>Problem: </a:t>
+            </a:r>
+            <a:r>
               <a:rPr lang="en-US" dirty="0"/>
-              <a:t>Problem: List the average increase in female education in the U.S. from the year 2000.</a:t>
+              <a:t>List the average increase in female education in the U.S. from the year 2000.</a:t>
             </a:r>
           </a:p>
           <a:p>
             <a:r>
-              <a:rPr lang="en-US" dirty="0"/>
-              <a:t>Solution: Find the percent change between the years 2004 and 2015 (2000 – 2003, </a:t>
-            </a:r>
-            <a:r>
-              <a:rPr lang="en-US"/>
-              <a:t>2016 null) </a:t>
+              <a:rPr lang="en-US" b="1" dirty="0"/>
+              <a:t>Solution: </a:t>
             </a:r>
             <a:r>
               <a:rPr lang="en-US" dirty="0"/>
-              <a:t>for women in the US based on bachelor’s degree attainment.</a:t>
+              <a:t>Find the percent change between the years 2004 and 2015 (2000 – 2003, 2016 null) for women in the US based on master’s, bachelor’s , secondary school and no schooling and average them.</a:t>
             </a:r>
           </a:p>
           <a:p>
             <a:r>
+              <a:rPr lang="en-US" b="1" dirty="0"/>
+              <a:t>Conclusions: </a:t>
+            </a:r>
+            <a:r>
               <a:rPr lang="en-US" dirty="0"/>
-              <a:t>Conclusions: Female education by the benchmark of bachelor’s attainment for ages 25+ has dropped by around 41.5%.</a:t>
+              <a:t>Female education in the US dropped overall by 22% between the years 2004 and 2015.</a:t>
             </a:r>
           </a:p>
           <a:p>
             <a:r>
+              <a:rPr lang="en-US" b="1" dirty="0"/>
+              <a:t>Stipulations: </a:t>
+            </a:r>
+            <a:r>
               <a:rPr lang="en-US" dirty="0"/>
-              <a:t>Stipulations: Starting from 2004, all levels of tertiary education were included; however 2012 onward, no other notes in the data included.</a:t>
+              <a:t>Starting from 2004, all levels of tertiary education were included; however 2012 onward, no other notes in the data included.</a:t>
             </a:r>
           </a:p>
         </p:txBody>
@@ -18729,20 +18772,32 @@
           <a:lstStyle/>
           <a:p>
             <a:r>
+              <a:rPr lang="en-US" b="1" dirty="0"/>
+              <a:t>Problem: </a:t>
+            </a:r>
+            <a:r>
               <a:rPr lang="en-US" dirty="0"/>
-              <a:t>Problem: List the percentage of change in female employment from the year 2000.</a:t>
+              <a:t>List the percentage of change in female employment from the year 2000.</a:t>
             </a:r>
           </a:p>
           <a:p>
             <a:r>
+              <a:rPr lang="en-US" b="1" dirty="0"/>
+              <a:t>Solution: </a:t>
+            </a:r>
+            <a:r>
               <a:rPr lang="en-US" dirty="0"/>
-              <a:t>Solution: Find the percent change in the employment to population ratio for females globally between the years of 2000 and 2016, since these were the most recent years after 1999 available for the WLD data set.</a:t>
+              <a:t>Find the percent change in the employment to population ratio for females globally between the years of 2000 and 2016, since these were the most recent years after 1999 available for the “WLD” data set.</a:t>
             </a:r>
           </a:p>
           <a:p>
             <a:r>
+              <a:rPr lang="en-US" b="1" dirty="0"/>
+              <a:t>Conclusions: </a:t>
+            </a:r>
+            <a:r>
               <a:rPr lang="en-US" dirty="0"/>
-              <a:t>Conclusions: The percentage of change for the world’s female employment went down about 4%.</a:t>
+              <a:t>The percentage of change for the world’s female employment went down about 4%.</a:t>
             </a:r>
           </a:p>
         </p:txBody>
@@ -18828,13 +18883,13 @@
           <a:p>
             <a:r>
               <a:rPr lang="en-US" dirty="0"/>
-              <a:t>Problem: List the percentage of women participating in major household decisions for all countries. </a:t>
+              <a:t>Problem: List the percentage of women who are financially independent in all countries.</a:t>
             </a:r>
           </a:p>
           <a:p>
             <a:r>
               <a:rPr lang="en-US" dirty="0"/>
-              <a:t>Solution: Find the average percentage of women participating in major decisions for all available year percentages, minimum 5 non-null year values for each country.</a:t>
+              <a:t>Solution: </a:t>
             </a:r>
           </a:p>
         </p:txBody>

--- a/Project 2 Presentation.pptx
+++ b/Project 2 Presentation.pptx
@@ -8,11 +8,20 @@
     <p:sldId id="256" r:id="rId2"/>
     <p:sldId id="257" r:id="rId3"/>
     <p:sldId id="258" r:id="rId4"/>
-    <p:sldId id="260" r:id="rId5"/>
-    <p:sldId id="262" r:id="rId6"/>
-    <p:sldId id="264" r:id="rId7"/>
-    <p:sldId id="266" r:id="rId8"/>
-    <p:sldId id="268" r:id="rId9"/>
+    <p:sldId id="269" r:id="rId5"/>
+    <p:sldId id="270" r:id="rId6"/>
+    <p:sldId id="260" r:id="rId7"/>
+    <p:sldId id="271" r:id="rId8"/>
+    <p:sldId id="272" r:id="rId9"/>
+    <p:sldId id="262" r:id="rId10"/>
+    <p:sldId id="273" r:id="rId11"/>
+    <p:sldId id="274" r:id="rId12"/>
+    <p:sldId id="275" r:id="rId13"/>
+    <p:sldId id="264" r:id="rId14"/>
+    <p:sldId id="276" r:id="rId15"/>
+    <p:sldId id="277" r:id="rId16"/>
+    <p:sldId id="266" r:id="rId17"/>
+    <p:sldId id="268" r:id="rId18"/>
   </p:sldIdLst>
   <p:sldSz cx="12192000" cy="6858000"/>
   <p:notesSz cx="6858000" cy="9144000"/>
@@ -1528,7 +1537,7 @@
           <a:p>
             <a:fld id="{176895A5-63F3-4EFE-8476-0A203414A556}" type="datetimeFigureOut">
               <a:rPr lang="en-US" smtClean="0"/>
-              <a:t>24/7/2019</a:t>
+              <a:t>25/7/2019</a:t>
             </a:fld>
             <a:endParaRPr lang="en-US"/>
           </a:p>
@@ -2987,7 +2996,7 @@
           <a:p>
             <a:fld id="{176895A5-63F3-4EFE-8476-0A203414A556}" type="datetimeFigureOut">
               <a:rPr lang="en-US" smtClean="0"/>
-              <a:t>24/7/2019</a:t>
+              <a:t>25/7/2019</a:t>
             </a:fld>
             <a:endParaRPr lang="en-US"/>
           </a:p>
@@ -4440,7 +4449,7 @@
           <a:p>
             <a:fld id="{176895A5-63F3-4EFE-8476-0A203414A556}" type="datetimeFigureOut">
               <a:rPr lang="en-US" smtClean="0"/>
-              <a:t>24/7/2019</a:t>
+              <a:t>25/7/2019</a:t>
             </a:fld>
             <a:endParaRPr lang="en-US"/>
           </a:p>
@@ -5895,7 +5904,7 @@
           <a:p>
             <a:fld id="{176895A5-63F3-4EFE-8476-0A203414A556}" type="datetimeFigureOut">
               <a:rPr lang="en-US" smtClean="0"/>
-              <a:t>24/7/2019</a:t>
+              <a:t>25/7/2019</a:t>
             </a:fld>
             <a:endParaRPr lang="en-US"/>
           </a:p>
@@ -7403,7 +7412,7 @@
           <a:p>
             <a:fld id="{176895A5-63F3-4EFE-8476-0A203414A556}" type="datetimeFigureOut">
               <a:rPr lang="en-US" smtClean="0"/>
-              <a:t>24/7/2019</a:t>
+              <a:t>25/7/2019</a:t>
             </a:fld>
             <a:endParaRPr lang="en-US"/>
           </a:p>
@@ -8924,7 +8933,7 @@
           <a:p>
             <a:fld id="{176895A5-63F3-4EFE-8476-0A203414A556}" type="datetimeFigureOut">
               <a:rPr lang="en-US" smtClean="0"/>
-              <a:t>24/7/2019</a:t>
+              <a:t>25/7/2019</a:t>
             </a:fld>
             <a:endParaRPr lang="en-US"/>
           </a:p>
@@ -10589,7 +10598,7 @@
           <a:p>
             <a:fld id="{176895A5-63F3-4EFE-8476-0A203414A556}" type="datetimeFigureOut">
               <a:rPr lang="en-US" smtClean="0"/>
-              <a:t>24/7/2019</a:t>
+              <a:t>25/7/2019</a:t>
             </a:fld>
             <a:endParaRPr lang="en-US"/>
           </a:p>
@@ -11987,7 +11996,7 @@
           <a:p>
             <a:fld id="{176895A5-63F3-4EFE-8476-0A203414A556}" type="datetimeFigureOut">
               <a:rPr lang="en-US" smtClean="0"/>
-              <a:t>24/7/2019</a:t>
+              <a:t>25/7/2019</a:t>
             </a:fld>
             <a:endParaRPr lang="en-US"/>
           </a:p>
@@ -12087,7 +12096,7 @@
           <a:p>
             <a:fld id="{176895A5-63F3-4EFE-8476-0A203414A556}" type="datetimeFigureOut">
               <a:rPr lang="en-US" smtClean="0"/>
-              <a:t>24/7/2019</a:t>
+              <a:t>25/7/2019</a:t>
             </a:fld>
             <a:endParaRPr lang="en-US"/>
           </a:p>
@@ -13613,7 +13622,7 @@
           <a:p>
             <a:fld id="{176895A5-63F3-4EFE-8476-0A203414A556}" type="datetimeFigureOut">
               <a:rPr lang="en-US" smtClean="0"/>
-              <a:t>24/7/2019</a:t>
+              <a:t>25/7/2019</a:t>
             </a:fld>
             <a:endParaRPr lang="en-US"/>
           </a:p>
@@ -15149,7 +15158,7 @@
           <a:p>
             <a:fld id="{176895A5-63F3-4EFE-8476-0A203414A556}" type="datetimeFigureOut">
               <a:rPr lang="en-US" smtClean="0"/>
-              <a:t>24/7/2019</a:t>
+              <a:t>25/7/2019</a:t>
             </a:fld>
             <a:endParaRPr lang="en-US"/>
           </a:p>
@@ -15372,7 +15381,7 @@
           <a:p>
             <a:fld id="{176895A5-63F3-4EFE-8476-0A203414A556}" type="datetimeFigureOut">
               <a:rPr lang="en-US" smtClean="0"/>
-              <a:t>24/7/2019</a:t>
+              <a:t>25/7/2019</a:t>
             </a:fld>
             <a:endParaRPr lang="en-US"/>
           </a:p>
@@ -15928,2426 +15937,7 @@
 </p:sld>
 </file>
 
-<file path=ppt/slides/slide2.xml><?xml version="1.0" encoding="utf-8"?>
-<p:sld xmlns:a="http://schemas.openxmlformats.org/drawingml/2006/main" xmlns:r="http://schemas.openxmlformats.org/officeDocument/2006/relationships" xmlns:p="http://schemas.openxmlformats.org/presentationml/2006/main">
-  <p:cSld>
-    <p:bg>
-      <p:bgPr>
-        <a:solidFill>
-          <a:schemeClr val="bg1"/>
-        </a:solidFill>
-        <a:effectLst/>
-      </p:bgPr>
-    </p:bg>
-    <p:spTree>
-      <p:nvGrpSpPr>
-        <p:cNvPr id="1" name=""/>
-        <p:cNvGrpSpPr/>
-        <p:nvPr/>
-      </p:nvGrpSpPr>
-      <p:grpSpPr>
-        <a:xfrm>
-          <a:off x="0" y="0"/>
-          <a:ext cx="0" cy="0"/>
-          <a:chOff x="0" y="0"/>
-          <a:chExt cx="0" cy="0"/>
-        </a:xfrm>
-      </p:grpSpPr>
-      <p:sp useBgFill="1">
-        <p:nvSpPr>
-          <p:cNvPr id="40" name="Rectangle 39">
-            <a:extLst>
-              <a:ext uri="{FF2B5EF4-FFF2-40B4-BE49-F238E27FC236}">
-                <a16:creationId xmlns:a16="http://schemas.microsoft.com/office/drawing/2014/main" id="{EDFF257A-042C-46B5-80D1-3E8CFD33446E}"/>
-              </a:ext>
-              <a:ext uri="{C183D7F6-B498-43B3-948B-1728B52AA6E4}">
-                <adec:decorative xmlns:adec="http://schemas.microsoft.com/office/drawing/2017/decorative" val="1"/>
-              </a:ext>
-            </a:extLst>
-          </p:cNvPr>
-          <p:cNvSpPr>
-            <a:spLocks noGrp="1" noRot="1" noChangeAspect="1" noMove="1" noResize="1" noEditPoints="1" noAdjustHandles="1" noChangeArrowheads="1" noChangeShapeType="1" noTextEdit="1"/>
-          </p:cNvSpPr>
-          <p:nvPr>
-            <p:extLst>
-              <p:ext uri="{386F3935-93C4-4BCD-93E2-E3B085C9AB24}">
-                <p16:designElem xmlns:p16="http://schemas.microsoft.com/office/powerpoint/2015/main" val="1"/>
-              </p:ext>
-            </p:extLst>
-          </p:nvPr>
-        </p:nvSpPr>
-        <p:spPr>
-          <a:xfrm>
-            <a:off x="0" y="0"/>
-            <a:ext cx="12191695" cy="6858000"/>
-          </a:xfrm>
-          <a:prstGeom prst="rect">
-            <a:avLst/>
-          </a:prstGeom>
-          <a:ln>
-            <a:noFill/>
-          </a:ln>
-        </p:spPr>
-        <p:style>
-          <a:lnRef idx="2">
-            <a:schemeClr val="accent1">
-              <a:shade val="50000"/>
-            </a:schemeClr>
-          </a:lnRef>
-          <a:fillRef idx="1">
-            <a:schemeClr val="accent1"/>
-          </a:fillRef>
-          <a:effectRef idx="0">
-            <a:schemeClr val="accent1"/>
-          </a:effectRef>
-          <a:fontRef idx="minor">
-            <a:schemeClr val="lt1"/>
-          </a:fontRef>
-        </p:style>
-        <p:txBody>
-          <a:bodyPr rtlCol="0" anchor="ctr"/>
-          <a:lstStyle/>
-          <a:p>
-            <a:pPr algn="ctr"/>
-            <a:endParaRPr lang="en-US"/>
-          </a:p>
-        </p:txBody>
-      </p:sp>
-      <p:grpSp>
-        <p:nvGrpSpPr>
-          <p:cNvPr id="42" name="Group 41">
-            <a:extLst>
-              <a:ext uri="{FF2B5EF4-FFF2-40B4-BE49-F238E27FC236}">
-                <a16:creationId xmlns:a16="http://schemas.microsoft.com/office/drawing/2014/main" id="{E2836BD6-A1CD-4253-813F-3EDA642A7ACC}"/>
-              </a:ext>
-              <a:ext uri="{C183D7F6-B498-43B3-948B-1728B52AA6E4}">
-                <adec:decorative xmlns:adec="http://schemas.microsoft.com/office/drawing/2017/decorative" val="1"/>
-              </a:ext>
-            </a:extLst>
-          </p:cNvPr>
-          <p:cNvGrpSpPr>
-            <a:grpSpLocks noGrp="1" noUngrp="1" noRot="1" noChangeAspect="1" noMove="1" noResize="1"/>
-          </p:cNvGrpSpPr>
-          <p:nvPr>
-            <p:extLst>
-              <p:ext uri="{386F3935-93C4-4BCD-93E2-E3B085C9AB24}">
-                <p16:designElem xmlns:p16="http://schemas.microsoft.com/office/powerpoint/2015/main" val="1"/>
-              </p:ext>
-            </p:extLst>
-          </p:nvPr>
-        </p:nvGrpSpPr>
-        <p:grpSpPr>
-          <a:xfrm>
-            <a:off x="-417513" y="0"/>
-            <a:ext cx="12584114" cy="6853238"/>
-            <a:chOff x="-417513" y="0"/>
-            <a:chExt cx="12584114" cy="6853238"/>
-          </a:xfrm>
-        </p:grpSpPr>
-        <p:sp>
-          <p:nvSpPr>
-            <p:cNvPr id="43" name="Freeform 5">
-              <a:extLst>
-                <a:ext uri="{FF2B5EF4-FFF2-40B4-BE49-F238E27FC236}">
-                  <a16:creationId xmlns:a16="http://schemas.microsoft.com/office/drawing/2014/main" id="{63EE4AB3-C905-497E-988B-4D7394894B2F}"/>
-                </a:ext>
-                <a:ext uri="{C183D7F6-B498-43B3-948B-1728B52AA6E4}">
-                  <adec:decorative xmlns:adec="http://schemas.microsoft.com/office/drawing/2017/decorative" val="1"/>
-                </a:ext>
-              </a:extLst>
-            </p:cNvPr>
-            <p:cNvSpPr>
-              <a:spLocks/>
-            </p:cNvSpPr>
-            <p:nvPr>
-              <p:extLst>
-                <p:ext uri="{386F3935-93C4-4BCD-93E2-E3B085C9AB24}">
-                  <p16:designElem xmlns:p16="http://schemas.microsoft.com/office/powerpoint/2015/main" val="1"/>
-                </p:ext>
-              </p:extLst>
-            </p:nvPr>
-          </p:nvSpPr>
-          <p:spPr bwMode="auto">
-            <a:xfrm>
-              <a:off x="1306513" y="0"/>
-              <a:ext cx="3862388" cy="6843713"/>
-            </a:xfrm>
-            <a:custGeom>
-              <a:avLst/>
-              <a:gdLst>
-                <a:gd name="T0" fmla="*/ 813 w 813"/>
-                <a:gd name="T1" fmla="*/ 0 h 1440"/>
-                <a:gd name="T2" fmla="*/ 435 w 813"/>
-                <a:gd name="T3" fmla="*/ 1440 h 1440"/>
-              </a:gdLst>
-              <a:ahLst/>
-              <a:cxnLst>
-                <a:cxn ang="0">
-                  <a:pos x="T0" y="T1"/>
-                </a:cxn>
-                <a:cxn ang="0">
-                  <a:pos x="T2" y="T3"/>
-                </a:cxn>
-              </a:cxnLst>
-              <a:rect l="0" t="0" r="r" b="b"/>
-              <a:pathLst>
-                <a:path w="813" h="1440">
-                  <a:moveTo>
-                    <a:pt x="813" y="0"/>
-                  </a:moveTo>
-                  <a:cubicBezTo>
-                    <a:pt x="331" y="221"/>
-                    <a:pt x="0" y="1039"/>
-                    <a:pt x="435" y="1440"/>
-                  </a:cubicBezTo>
-                </a:path>
-              </a:pathLst>
-            </a:custGeom>
-            <a:noFill/>
-            <a:ln w="9525" cap="flat">
-              <a:solidFill>
-                <a:schemeClr val="tx1">
-                  <a:alpha val="20000"/>
-                </a:schemeClr>
-              </a:solidFill>
-              <a:prstDash val="solid"/>
-              <a:miter lim="800000"/>
-              <a:headEnd/>
-              <a:tailEnd/>
-            </a:ln>
-            <a:extLst>
-              <a:ext uri="{909E8E84-426E-40DD-AFC4-6F175D3DCCD1}">
-                <a14:hiddenFill xmlns:a14="http://schemas.microsoft.com/office/drawing/2010/main">
-                  <a:solidFill>
-                    <a:srgbClr val="FFFFFF"/>
-                  </a:solidFill>
-                </a14:hiddenFill>
-              </a:ext>
-            </a:extLst>
-          </p:spPr>
-          <p:txBody>
-            <a:bodyPr vert="horz" wrap="square" lIns="91440" tIns="45720" rIns="91440" bIns="45720" numCol="1" anchor="t" anchorCtr="0" compatLnSpc="1">
-              <a:prstTxWarp prst="textNoShape">
-                <a:avLst/>
-              </a:prstTxWarp>
-            </a:bodyPr>
-            <a:lstStyle/>
-            <a:p>
-              <a:endParaRPr lang="en-US"/>
-            </a:p>
-          </p:txBody>
-        </p:sp>
-        <p:sp>
-          <p:nvSpPr>
-            <p:cNvPr id="44" name="Freeform 6">
-              <a:extLst>
-                <a:ext uri="{FF2B5EF4-FFF2-40B4-BE49-F238E27FC236}">
-                  <a16:creationId xmlns:a16="http://schemas.microsoft.com/office/drawing/2014/main" id="{774DC5FF-D912-4C9F-811A-337208A3B4BF}"/>
-                </a:ext>
-                <a:ext uri="{C183D7F6-B498-43B3-948B-1728B52AA6E4}">
-                  <adec:decorative xmlns:adec="http://schemas.microsoft.com/office/drawing/2017/decorative" val="1"/>
-                </a:ext>
-              </a:extLst>
-            </p:cNvPr>
-            <p:cNvSpPr>
-              <a:spLocks/>
-            </p:cNvSpPr>
-            <p:nvPr>
-              <p:extLst>
-                <p:ext uri="{386F3935-93C4-4BCD-93E2-E3B085C9AB24}">
-                  <p16:designElem xmlns:p16="http://schemas.microsoft.com/office/powerpoint/2015/main" val="1"/>
-                </p:ext>
-              </p:extLst>
-            </p:nvPr>
-          </p:nvSpPr>
-          <p:spPr bwMode="auto">
-            <a:xfrm>
-              <a:off x="10626725" y="9525"/>
-              <a:ext cx="1539875" cy="555625"/>
-            </a:xfrm>
-            <a:custGeom>
-              <a:avLst/>
-              <a:gdLst>
-                <a:gd name="T0" fmla="*/ 324 w 324"/>
-                <a:gd name="T1" fmla="*/ 117 h 117"/>
-                <a:gd name="T2" fmla="*/ 0 w 324"/>
-                <a:gd name="T3" fmla="*/ 0 h 117"/>
-              </a:gdLst>
-              <a:ahLst/>
-              <a:cxnLst>
-                <a:cxn ang="0">
-                  <a:pos x="T0" y="T1"/>
-                </a:cxn>
-                <a:cxn ang="0">
-                  <a:pos x="T2" y="T3"/>
-                </a:cxn>
-              </a:cxnLst>
-              <a:rect l="0" t="0" r="r" b="b"/>
-              <a:pathLst>
-                <a:path w="324" h="117">
-                  <a:moveTo>
-                    <a:pt x="324" y="117"/>
-                  </a:moveTo>
-                  <a:cubicBezTo>
-                    <a:pt x="223" y="64"/>
-                    <a:pt x="107" y="28"/>
-                    <a:pt x="0" y="0"/>
-                  </a:cubicBezTo>
-                </a:path>
-              </a:pathLst>
-            </a:custGeom>
-            <a:noFill/>
-            <a:ln w="9525" cap="flat">
-              <a:solidFill>
-                <a:schemeClr val="tx1">
-                  <a:alpha val="20000"/>
-                </a:schemeClr>
-              </a:solidFill>
-              <a:prstDash val="solid"/>
-              <a:miter lim="800000"/>
-              <a:headEnd/>
-              <a:tailEnd/>
-            </a:ln>
-            <a:extLst>
-              <a:ext uri="{909E8E84-426E-40DD-AFC4-6F175D3DCCD1}">
-                <a14:hiddenFill xmlns:a14="http://schemas.microsoft.com/office/drawing/2010/main">
-                  <a:solidFill>
-                    <a:srgbClr val="FFFFFF"/>
-                  </a:solidFill>
-                </a14:hiddenFill>
-              </a:ext>
-            </a:extLst>
-          </p:spPr>
-          <p:txBody>
-            <a:bodyPr vert="horz" wrap="square" lIns="91440" tIns="45720" rIns="91440" bIns="45720" numCol="1" anchor="t" anchorCtr="0" compatLnSpc="1">
-              <a:prstTxWarp prst="textNoShape">
-                <a:avLst/>
-              </a:prstTxWarp>
-            </a:bodyPr>
-            <a:lstStyle/>
-            <a:p>
-              <a:endParaRPr lang="en-US"/>
-            </a:p>
-          </p:txBody>
-        </p:sp>
-        <p:sp>
-          <p:nvSpPr>
-            <p:cNvPr id="45" name="Freeform 7">
-              <a:extLst>
-                <a:ext uri="{FF2B5EF4-FFF2-40B4-BE49-F238E27FC236}">
-                  <a16:creationId xmlns:a16="http://schemas.microsoft.com/office/drawing/2014/main" id="{E04E6A71-624A-4806-A53E-87BC73A85B3F}"/>
-                </a:ext>
-                <a:ext uri="{C183D7F6-B498-43B3-948B-1728B52AA6E4}">
-                  <adec:decorative xmlns:adec="http://schemas.microsoft.com/office/drawing/2017/decorative" val="1"/>
-                </a:ext>
-              </a:extLst>
-            </p:cNvPr>
-            <p:cNvSpPr>
-              <a:spLocks/>
-            </p:cNvSpPr>
-            <p:nvPr>
-              <p:extLst>
-                <p:ext uri="{386F3935-93C4-4BCD-93E2-E3B085C9AB24}">
-                  <p16:designElem xmlns:p16="http://schemas.microsoft.com/office/powerpoint/2015/main" val="1"/>
-                </p:ext>
-              </p:extLst>
-            </p:nvPr>
-          </p:nvSpPr>
-          <p:spPr bwMode="auto">
-            <a:xfrm>
-              <a:off x="10247313" y="5013325"/>
-              <a:ext cx="1919288" cy="1830388"/>
-            </a:xfrm>
-            <a:custGeom>
-              <a:avLst/>
-              <a:gdLst>
-                <a:gd name="T0" fmla="*/ 0 w 404"/>
-                <a:gd name="T1" fmla="*/ 385 h 385"/>
-                <a:gd name="T2" fmla="*/ 404 w 404"/>
-                <a:gd name="T3" fmla="*/ 0 h 385"/>
-              </a:gdLst>
-              <a:ahLst/>
-              <a:cxnLst>
-                <a:cxn ang="0">
-                  <a:pos x="T0" y="T1"/>
-                </a:cxn>
-                <a:cxn ang="0">
-                  <a:pos x="T2" y="T3"/>
-                </a:cxn>
-              </a:cxnLst>
-              <a:rect l="0" t="0" r="r" b="b"/>
-              <a:pathLst>
-                <a:path w="404" h="385">
-                  <a:moveTo>
-                    <a:pt x="0" y="385"/>
-                  </a:moveTo>
-                  <a:cubicBezTo>
-                    <a:pt x="146" y="272"/>
-                    <a:pt x="285" y="142"/>
-                    <a:pt x="404" y="0"/>
-                  </a:cubicBezTo>
-                </a:path>
-              </a:pathLst>
-            </a:custGeom>
-            <a:noFill/>
-            <a:ln w="9525" cap="flat">
-              <a:solidFill>
-                <a:schemeClr val="tx1">
-                  <a:alpha val="20000"/>
-                </a:schemeClr>
-              </a:solidFill>
-              <a:prstDash val="solid"/>
-              <a:miter lim="800000"/>
-              <a:headEnd/>
-              <a:tailEnd/>
-            </a:ln>
-            <a:extLst>
-              <a:ext uri="{909E8E84-426E-40DD-AFC4-6F175D3DCCD1}">
-                <a14:hiddenFill xmlns:a14="http://schemas.microsoft.com/office/drawing/2010/main">
-                  <a:solidFill>
-                    <a:srgbClr val="FFFFFF"/>
-                  </a:solidFill>
-                </a14:hiddenFill>
-              </a:ext>
-            </a:extLst>
-          </p:spPr>
-          <p:txBody>
-            <a:bodyPr vert="horz" wrap="square" lIns="91440" tIns="45720" rIns="91440" bIns="45720" numCol="1" anchor="t" anchorCtr="0" compatLnSpc="1">
-              <a:prstTxWarp prst="textNoShape">
-                <a:avLst/>
-              </a:prstTxWarp>
-            </a:bodyPr>
-            <a:lstStyle/>
-            <a:p>
-              <a:endParaRPr lang="en-US"/>
-            </a:p>
-          </p:txBody>
-        </p:sp>
-        <p:sp>
-          <p:nvSpPr>
-            <p:cNvPr id="46" name="Freeform 8">
-              <a:extLst>
-                <a:ext uri="{FF2B5EF4-FFF2-40B4-BE49-F238E27FC236}">
-                  <a16:creationId xmlns:a16="http://schemas.microsoft.com/office/drawing/2014/main" id="{E1871C83-254F-49CD-8EA7-8CB7089B8087}"/>
-                </a:ext>
-                <a:ext uri="{C183D7F6-B498-43B3-948B-1728B52AA6E4}">
-                  <adec:decorative xmlns:adec="http://schemas.microsoft.com/office/drawing/2017/decorative" val="1"/>
-                </a:ext>
-              </a:extLst>
-            </p:cNvPr>
-            <p:cNvSpPr>
-              <a:spLocks/>
-            </p:cNvSpPr>
-            <p:nvPr>
-              <p:extLst>
-                <p:ext uri="{386F3935-93C4-4BCD-93E2-E3B085C9AB24}">
-                  <p16:designElem xmlns:p16="http://schemas.microsoft.com/office/powerpoint/2015/main" val="1"/>
-                </p:ext>
-              </p:extLst>
-            </p:nvPr>
-          </p:nvSpPr>
-          <p:spPr bwMode="auto">
-            <a:xfrm>
-              <a:off x="1120775" y="0"/>
-              <a:ext cx="3676650" cy="6843713"/>
-            </a:xfrm>
-            <a:custGeom>
-              <a:avLst/>
-              <a:gdLst>
-                <a:gd name="T0" fmla="*/ 774 w 774"/>
-                <a:gd name="T1" fmla="*/ 0 h 1440"/>
-                <a:gd name="T2" fmla="*/ 411 w 774"/>
-                <a:gd name="T3" fmla="*/ 1440 h 1440"/>
-              </a:gdLst>
-              <a:ahLst/>
-              <a:cxnLst>
-                <a:cxn ang="0">
-                  <a:pos x="T0" y="T1"/>
-                </a:cxn>
-                <a:cxn ang="0">
-                  <a:pos x="T2" y="T3"/>
-                </a:cxn>
-              </a:cxnLst>
-              <a:rect l="0" t="0" r="r" b="b"/>
-              <a:pathLst>
-                <a:path w="774" h="1440">
-                  <a:moveTo>
-                    <a:pt x="774" y="0"/>
-                  </a:moveTo>
-                  <a:cubicBezTo>
-                    <a:pt x="312" y="240"/>
-                    <a:pt x="0" y="1034"/>
-                    <a:pt x="411" y="1440"/>
-                  </a:cubicBezTo>
-                </a:path>
-              </a:pathLst>
-            </a:custGeom>
-            <a:noFill/>
-            <a:ln w="9525" cap="flat">
-              <a:solidFill>
-                <a:schemeClr val="tx1">
-                  <a:alpha val="20000"/>
-                </a:schemeClr>
-              </a:solidFill>
-              <a:prstDash val="dash"/>
-              <a:miter lim="800000"/>
-              <a:headEnd/>
-              <a:tailEnd/>
-            </a:ln>
-            <a:extLst>
-              <a:ext uri="{909E8E84-426E-40DD-AFC4-6F175D3DCCD1}">
-                <a14:hiddenFill xmlns:a14="http://schemas.microsoft.com/office/drawing/2010/main">
-                  <a:solidFill>
-                    <a:srgbClr val="FFFFFF"/>
-                  </a:solidFill>
-                </a14:hiddenFill>
-              </a:ext>
-            </a:extLst>
-          </p:spPr>
-          <p:txBody>
-            <a:bodyPr vert="horz" wrap="square" lIns="91440" tIns="45720" rIns="91440" bIns="45720" numCol="1" anchor="t" anchorCtr="0" compatLnSpc="1">
-              <a:prstTxWarp prst="textNoShape">
-                <a:avLst/>
-              </a:prstTxWarp>
-            </a:bodyPr>
-            <a:lstStyle/>
-            <a:p>
-              <a:endParaRPr lang="en-US"/>
-            </a:p>
-          </p:txBody>
-        </p:sp>
-        <p:sp>
-          <p:nvSpPr>
-            <p:cNvPr id="47" name="Freeform 9">
-              <a:extLst>
-                <a:ext uri="{FF2B5EF4-FFF2-40B4-BE49-F238E27FC236}">
-                  <a16:creationId xmlns:a16="http://schemas.microsoft.com/office/drawing/2014/main" id="{427141DF-5457-4673-B816-C6C5C72AE915}"/>
-                </a:ext>
-                <a:ext uri="{C183D7F6-B498-43B3-948B-1728B52AA6E4}">
-                  <adec:decorative xmlns:adec="http://schemas.microsoft.com/office/drawing/2017/decorative" val="1"/>
-                </a:ext>
-              </a:extLst>
-            </p:cNvPr>
-            <p:cNvSpPr>
-              <a:spLocks/>
-            </p:cNvSpPr>
-            <p:nvPr>
-              <p:extLst>
-                <p:ext uri="{386F3935-93C4-4BCD-93E2-E3B085C9AB24}">
-                  <p16:designElem xmlns:p16="http://schemas.microsoft.com/office/powerpoint/2015/main" val="1"/>
-                </p:ext>
-              </p:extLst>
-            </p:nvPr>
-          </p:nvSpPr>
-          <p:spPr bwMode="auto">
-            <a:xfrm>
-              <a:off x="11202988" y="9525"/>
-              <a:ext cx="963613" cy="366713"/>
-            </a:xfrm>
-            <a:custGeom>
-              <a:avLst/>
-              <a:gdLst>
-                <a:gd name="T0" fmla="*/ 203 w 203"/>
-                <a:gd name="T1" fmla="*/ 77 h 77"/>
-                <a:gd name="T2" fmla="*/ 0 w 203"/>
-                <a:gd name="T3" fmla="*/ 0 h 77"/>
-              </a:gdLst>
-              <a:ahLst/>
-              <a:cxnLst>
-                <a:cxn ang="0">
-                  <a:pos x="T0" y="T1"/>
-                </a:cxn>
-                <a:cxn ang="0">
-                  <a:pos x="T2" y="T3"/>
-                </a:cxn>
-              </a:cxnLst>
-              <a:rect l="0" t="0" r="r" b="b"/>
-              <a:pathLst>
-                <a:path w="203" h="77">
-                  <a:moveTo>
-                    <a:pt x="203" y="77"/>
-                  </a:moveTo>
-                  <a:cubicBezTo>
-                    <a:pt x="138" y="46"/>
-                    <a:pt x="68" y="21"/>
-                    <a:pt x="0" y="0"/>
-                  </a:cubicBezTo>
-                </a:path>
-              </a:pathLst>
-            </a:custGeom>
-            <a:noFill/>
-            <a:ln w="9525" cap="flat">
-              <a:solidFill>
-                <a:schemeClr val="tx1">
-                  <a:alpha val="20000"/>
-                </a:schemeClr>
-              </a:solidFill>
-              <a:prstDash val="dash"/>
-              <a:miter lim="800000"/>
-              <a:headEnd/>
-              <a:tailEnd/>
-            </a:ln>
-            <a:extLst>
-              <a:ext uri="{909E8E84-426E-40DD-AFC4-6F175D3DCCD1}">
-                <a14:hiddenFill xmlns:a14="http://schemas.microsoft.com/office/drawing/2010/main">
-                  <a:solidFill>
-                    <a:srgbClr val="FFFFFF"/>
-                  </a:solidFill>
-                </a14:hiddenFill>
-              </a:ext>
-            </a:extLst>
-          </p:spPr>
-          <p:txBody>
-            <a:bodyPr vert="horz" wrap="square" lIns="91440" tIns="45720" rIns="91440" bIns="45720" numCol="1" anchor="t" anchorCtr="0" compatLnSpc="1">
-              <a:prstTxWarp prst="textNoShape">
-                <a:avLst/>
-              </a:prstTxWarp>
-            </a:bodyPr>
-            <a:lstStyle/>
-            <a:p>
-              <a:endParaRPr lang="en-US"/>
-            </a:p>
-          </p:txBody>
-        </p:sp>
-        <p:sp>
-          <p:nvSpPr>
-            <p:cNvPr id="48" name="Freeform 10">
-              <a:extLst>
-                <a:ext uri="{FF2B5EF4-FFF2-40B4-BE49-F238E27FC236}">
-                  <a16:creationId xmlns:a16="http://schemas.microsoft.com/office/drawing/2014/main" id="{BC9A176E-C84F-4816-97D4-426B396FC0BE}"/>
-                </a:ext>
-                <a:ext uri="{C183D7F6-B498-43B3-948B-1728B52AA6E4}">
-                  <adec:decorative xmlns:adec="http://schemas.microsoft.com/office/drawing/2017/decorative" val="1"/>
-                </a:ext>
-              </a:extLst>
-            </p:cNvPr>
-            <p:cNvSpPr>
-              <a:spLocks/>
-            </p:cNvSpPr>
-            <p:nvPr>
-              <p:extLst>
-                <p:ext uri="{386F3935-93C4-4BCD-93E2-E3B085C9AB24}">
-                  <p16:designElem xmlns:p16="http://schemas.microsoft.com/office/powerpoint/2015/main" val="1"/>
-                </p:ext>
-              </p:extLst>
-            </p:nvPr>
-          </p:nvSpPr>
-          <p:spPr bwMode="auto">
-            <a:xfrm>
-              <a:off x="10494963" y="5275263"/>
-              <a:ext cx="1666875" cy="1577975"/>
-            </a:xfrm>
-            <a:custGeom>
-              <a:avLst/>
-              <a:gdLst>
-                <a:gd name="T0" fmla="*/ 0 w 351"/>
-                <a:gd name="T1" fmla="*/ 332 h 332"/>
-                <a:gd name="T2" fmla="*/ 351 w 351"/>
-                <a:gd name="T3" fmla="*/ 0 h 332"/>
-              </a:gdLst>
-              <a:ahLst/>
-              <a:cxnLst>
-                <a:cxn ang="0">
-                  <a:pos x="T0" y="T1"/>
-                </a:cxn>
-                <a:cxn ang="0">
-                  <a:pos x="T2" y="T3"/>
-                </a:cxn>
-              </a:cxnLst>
-              <a:rect l="0" t="0" r="r" b="b"/>
-              <a:pathLst>
-                <a:path w="351" h="332">
-                  <a:moveTo>
-                    <a:pt x="0" y="332"/>
-                  </a:moveTo>
-                  <a:cubicBezTo>
-                    <a:pt x="125" y="232"/>
-                    <a:pt x="245" y="121"/>
-                    <a:pt x="351" y="0"/>
-                  </a:cubicBezTo>
-                </a:path>
-              </a:pathLst>
-            </a:custGeom>
-            <a:noFill/>
-            <a:ln w="9525" cap="flat">
-              <a:solidFill>
-                <a:schemeClr val="tx1">
-                  <a:alpha val="20000"/>
-                </a:schemeClr>
-              </a:solidFill>
-              <a:prstDash val="dash"/>
-              <a:miter lim="800000"/>
-              <a:headEnd/>
-              <a:tailEnd/>
-            </a:ln>
-            <a:extLst>
-              <a:ext uri="{909E8E84-426E-40DD-AFC4-6F175D3DCCD1}">
-                <a14:hiddenFill xmlns:a14="http://schemas.microsoft.com/office/drawing/2010/main">
-                  <a:solidFill>
-                    <a:srgbClr val="FFFFFF"/>
-                  </a:solidFill>
-                </a14:hiddenFill>
-              </a:ext>
-            </a:extLst>
-          </p:spPr>
-          <p:txBody>
-            <a:bodyPr vert="horz" wrap="square" lIns="91440" tIns="45720" rIns="91440" bIns="45720" numCol="1" anchor="t" anchorCtr="0" compatLnSpc="1">
-              <a:prstTxWarp prst="textNoShape">
-                <a:avLst/>
-              </a:prstTxWarp>
-            </a:bodyPr>
-            <a:lstStyle/>
-            <a:p>
-              <a:endParaRPr lang="en-US"/>
-            </a:p>
-          </p:txBody>
-        </p:sp>
-        <p:sp>
-          <p:nvSpPr>
-            <p:cNvPr id="49" name="Freeform 11">
-              <a:extLst>
-                <a:ext uri="{FF2B5EF4-FFF2-40B4-BE49-F238E27FC236}">
-                  <a16:creationId xmlns:a16="http://schemas.microsoft.com/office/drawing/2014/main" id="{981B905A-332A-49BC-9456-7D0337D9BD35}"/>
-                </a:ext>
-                <a:ext uri="{C183D7F6-B498-43B3-948B-1728B52AA6E4}">
-                  <adec:decorative xmlns:adec="http://schemas.microsoft.com/office/drawing/2017/decorative" val="1"/>
-                </a:ext>
-              </a:extLst>
-            </p:cNvPr>
-            <p:cNvSpPr>
-              <a:spLocks/>
-            </p:cNvSpPr>
-            <p:nvPr>
-              <p:extLst>
-                <p:ext uri="{386F3935-93C4-4BCD-93E2-E3B085C9AB24}">
-                  <p16:designElem xmlns:p16="http://schemas.microsoft.com/office/powerpoint/2015/main" val="1"/>
-                </p:ext>
-              </p:extLst>
-            </p:nvPr>
-          </p:nvSpPr>
-          <p:spPr bwMode="auto">
-            <a:xfrm>
-              <a:off x="1001713" y="0"/>
-              <a:ext cx="3621088" cy="6843713"/>
-            </a:xfrm>
-            <a:custGeom>
-              <a:avLst/>
-              <a:gdLst>
-                <a:gd name="T0" fmla="*/ 762 w 762"/>
-                <a:gd name="T1" fmla="*/ 0 h 1440"/>
-                <a:gd name="T2" fmla="*/ 403 w 762"/>
-                <a:gd name="T3" fmla="*/ 1440 h 1440"/>
-              </a:gdLst>
-              <a:ahLst/>
-              <a:cxnLst>
-                <a:cxn ang="0">
-                  <a:pos x="T0" y="T1"/>
-                </a:cxn>
-                <a:cxn ang="0">
-                  <a:pos x="T2" y="T3"/>
-                </a:cxn>
-              </a:cxnLst>
-              <a:rect l="0" t="0" r="r" b="b"/>
-              <a:pathLst>
-                <a:path w="762" h="1440">
-                  <a:moveTo>
-                    <a:pt x="762" y="0"/>
-                  </a:moveTo>
-                  <a:cubicBezTo>
-                    <a:pt x="308" y="245"/>
-                    <a:pt x="0" y="1033"/>
-                    <a:pt x="403" y="1440"/>
-                  </a:cubicBezTo>
-                </a:path>
-              </a:pathLst>
-            </a:custGeom>
-            <a:noFill/>
-            <a:ln w="9525" cap="flat">
-              <a:solidFill>
-                <a:schemeClr val="tx1">
-                  <a:alpha val="20000"/>
-                </a:schemeClr>
-              </a:solidFill>
-              <a:prstDash val="solid"/>
-              <a:miter lim="800000"/>
-              <a:headEnd/>
-              <a:tailEnd/>
-            </a:ln>
-            <a:extLst>
-              <a:ext uri="{909E8E84-426E-40DD-AFC4-6F175D3DCCD1}">
-                <a14:hiddenFill xmlns:a14="http://schemas.microsoft.com/office/drawing/2010/main">
-                  <a:solidFill>
-                    <a:srgbClr val="FFFFFF"/>
-                  </a:solidFill>
-                </a14:hiddenFill>
-              </a:ext>
-            </a:extLst>
-          </p:spPr>
-          <p:txBody>
-            <a:bodyPr vert="horz" wrap="square" lIns="91440" tIns="45720" rIns="91440" bIns="45720" numCol="1" anchor="t" anchorCtr="0" compatLnSpc="1">
-              <a:prstTxWarp prst="textNoShape">
-                <a:avLst/>
-              </a:prstTxWarp>
-            </a:bodyPr>
-            <a:lstStyle/>
-            <a:p>
-              <a:endParaRPr lang="en-US"/>
-            </a:p>
-          </p:txBody>
-        </p:sp>
-        <p:sp>
-          <p:nvSpPr>
-            <p:cNvPr id="50" name="Freeform 12">
-              <a:extLst>
-                <a:ext uri="{FF2B5EF4-FFF2-40B4-BE49-F238E27FC236}">
-                  <a16:creationId xmlns:a16="http://schemas.microsoft.com/office/drawing/2014/main" id="{2EBD9769-DFB9-4970-91FF-137E685AF6BA}"/>
-                </a:ext>
-                <a:ext uri="{C183D7F6-B498-43B3-948B-1728B52AA6E4}">
-                  <adec:decorative xmlns:adec="http://schemas.microsoft.com/office/drawing/2017/decorative" val="1"/>
-                </a:ext>
-              </a:extLst>
-            </p:cNvPr>
-            <p:cNvSpPr>
-              <a:spLocks/>
-            </p:cNvSpPr>
-            <p:nvPr>
-              <p:extLst>
-                <p:ext uri="{386F3935-93C4-4BCD-93E2-E3B085C9AB24}">
-                  <p16:designElem xmlns:p16="http://schemas.microsoft.com/office/powerpoint/2015/main" val="1"/>
-                </p:ext>
-              </p:extLst>
-            </p:nvPr>
-          </p:nvSpPr>
-          <p:spPr bwMode="auto">
-            <a:xfrm>
-              <a:off x="11501438" y="9525"/>
-              <a:ext cx="665163" cy="257175"/>
-            </a:xfrm>
-            <a:custGeom>
-              <a:avLst/>
-              <a:gdLst>
-                <a:gd name="T0" fmla="*/ 140 w 140"/>
-                <a:gd name="T1" fmla="*/ 54 h 54"/>
-                <a:gd name="T2" fmla="*/ 0 w 140"/>
-                <a:gd name="T3" fmla="*/ 0 h 54"/>
-              </a:gdLst>
-              <a:ahLst/>
-              <a:cxnLst>
-                <a:cxn ang="0">
-                  <a:pos x="T0" y="T1"/>
-                </a:cxn>
-                <a:cxn ang="0">
-                  <a:pos x="T2" y="T3"/>
-                </a:cxn>
-              </a:cxnLst>
-              <a:rect l="0" t="0" r="r" b="b"/>
-              <a:pathLst>
-                <a:path w="140" h="54">
-                  <a:moveTo>
-                    <a:pt x="140" y="54"/>
-                  </a:moveTo>
-                  <a:cubicBezTo>
-                    <a:pt x="95" y="34"/>
-                    <a:pt x="48" y="16"/>
-                    <a:pt x="0" y="0"/>
-                  </a:cubicBezTo>
-                </a:path>
-              </a:pathLst>
-            </a:custGeom>
-            <a:noFill/>
-            <a:ln w="9525" cap="flat">
-              <a:solidFill>
-                <a:schemeClr val="tx1">
-                  <a:alpha val="20000"/>
-                </a:schemeClr>
-              </a:solidFill>
-              <a:prstDash val="solid"/>
-              <a:miter lim="800000"/>
-              <a:headEnd/>
-              <a:tailEnd/>
-            </a:ln>
-            <a:extLst>
-              <a:ext uri="{909E8E84-426E-40DD-AFC4-6F175D3DCCD1}">
-                <a14:hiddenFill xmlns:a14="http://schemas.microsoft.com/office/drawing/2010/main">
-                  <a:solidFill>
-                    <a:srgbClr val="FFFFFF"/>
-                  </a:solidFill>
-                </a14:hiddenFill>
-              </a:ext>
-            </a:extLst>
-          </p:spPr>
-          <p:txBody>
-            <a:bodyPr vert="horz" wrap="square" lIns="91440" tIns="45720" rIns="91440" bIns="45720" numCol="1" anchor="t" anchorCtr="0" compatLnSpc="1">
-              <a:prstTxWarp prst="textNoShape">
-                <a:avLst/>
-              </a:prstTxWarp>
-            </a:bodyPr>
-            <a:lstStyle/>
-            <a:p>
-              <a:endParaRPr lang="en-US"/>
-            </a:p>
-          </p:txBody>
-        </p:sp>
-        <p:sp>
-          <p:nvSpPr>
-            <p:cNvPr id="51" name="Freeform 13">
-              <a:extLst>
-                <a:ext uri="{FF2B5EF4-FFF2-40B4-BE49-F238E27FC236}">
-                  <a16:creationId xmlns:a16="http://schemas.microsoft.com/office/drawing/2014/main" id="{21DCB916-2D3C-46BC-9A95-EFC166D96CFB}"/>
-                </a:ext>
-                <a:ext uri="{C183D7F6-B498-43B3-948B-1728B52AA6E4}">
-                  <adec:decorative xmlns:adec="http://schemas.microsoft.com/office/drawing/2017/decorative" val="1"/>
-                </a:ext>
-              </a:extLst>
-            </p:cNvPr>
-            <p:cNvSpPr>
-              <a:spLocks/>
-            </p:cNvSpPr>
-            <p:nvPr>
-              <p:extLst>
-                <p:ext uri="{386F3935-93C4-4BCD-93E2-E3B085C9AB24}">
-                  <p16:designElem xmlns:p16="http://schemas.microsoft.com/office/powerpoint/2015/main" val="1"/>
-                </p:ext>
-              </p:extLst>
-            </p:nvPr>
-          </p:nvSpPr>
-          <p:spPr bwMode="auto">
-            <a:xfrm>
-              <a:off x="10641013" y="5408613"/>
-              <a:ext cx="1525588" cy="1435100"/>
-            </a:xfrm>
-            <a:custGeom>
-              <a:avLst/>
-              <a:gdLst>
-                <a:gd name="T0" fmla="*/ 0 w 321"/>
-                <a:gd name="T1" fmla="*/ 302 h 302"/>
-                <a:gd name="T2" fmla="*/ 321 w 321"/>
-                <a:gd name="T3" fmla="*/ 0 h 302"/>
-              </a:gdLst>
-              <a:ahLst/>
-              <a:cxnLst>
-                <a:cxn ang="0">
-                  <a:pos x="T0" y="T1"/>
-                </a:cxn>
-                <a:cxn ang="0">
-                  <a:pos x="T2" y="T3"/>
-                </a:cxn>
-              </a:cxnLst>
-              <a:rect l="0" t="0" r="r" b="b"/>
-              <a:pathLst>
-                <a:path w="321" h="302">
-                  <a:moveTo>
-                    <a:pt x="0" y="302"/>
-                  </a:moveTo>
-                  <a:cubicBezTo>
-                    <a:pt x="114" y="210"/>
-                    <a:pt x="223" y="109"/>
-                    <a:pt x="321" y="0"/>
-                  </a:cubicBezTo>
-                </a:path>
-              </a:pathLst>
-            </a:custGeom>
-            <a:noFill/>
-            <a:ln w="9525" cap="flat">
-              <a:solidFill>
-                <a:schemeClr val="tx1">
-                  <a:alpha val="20000"/>
-                </a:schemeClr>
-              </a:solidFill>
-              <a:prstDash val="solid"/>
-              <a:miter lim="800000"/>
-              <a:headEnd/>
-              <a:tailEnd/>
-            </a:ln>
-            <a:extLst>
-              <a:ext uri="{909E8E84-426E-40DD-AFC4-6F175D3DCCD1}">
-                <a14:hiddenFill xmlns:a14="http://schemas.microsoft.com/office/drawing/2010/main">
-                  <a:solidFill>
-                    <a:srgbClr val="FFFFFF"/>
-                  </a:solidFill>
-                </a14:hiddenFill>
-              </a:ext>
-            </a:extLst>
-          </p:spPr>
-          <p:txBody>
-            <a:bodyPr vert="horz" wrap="square" lIns="91440" tIns="45720" rIns="91440" bIns="45720" numCol="1" anchor="t" anchorCtr="0" compatLnSpc="1">
-              <a:prstTxWarp prst="textNoShape">
-                <a:avLst/>
-              </a:prstTxWarp>
-            </a:bodyPr>
-            <a:lstStyle/>
-            <a:p>
-              <a:endParaRPr lang="en-US"/>
-            </a:p>
-          </p:txBody>
-        </p:sp>
-        <p:sp>
-          <p:nvSpPr>
-            <p:cNvPr id="52" name="Freeform 14">
-              <a:extLst>
-                <a:ext uri="{FF2B5EF4-FFF2-40B4-BE49-F238E27FC236}">
-                  <a16:creationId xmlns:a16="http://schemas.microsoft.com/office/drawing/2014/main" id="{189DAD37-FFF7-49FA-8FBB-D20A992D48FD}"/>
-                </a:ext>
-                <a:ext uri="{C183D7F6-B498-43B3-948B-1728B52AA6E4}">
-                  <adec:decorative xmlns:adec="http://schemas.microsoft.com/office/drawing/2017/decorative" val="1"/>
-                </a:ext>
-              </a:extLst>
-            </p:cNvPr>
-            <p:cNvSpPr>
-              <a:spLocks/>
-            </p:cNvSpPr>
-            <p:nvPr>
-              <p:extLst>
-                <p:ext uri="{386F3935-93C4-4BCD-93E2-E3B085C9AB24}">
-                  <p16:designElem xmlns:p16="http://schemas.microsoft.com/office/powerpoint/2015/main" val="1"/>
-                </p:ext>
-              </p:extLst>
-            </p:nvPr>
-          </p:nvSpPr>
-          <p:spPr bwMode="auto">
-            <a:xfrm>
-              <a:off x="1001713" y="0"/>
-              <a:ext cx="3244850" cy="6843713"/>
-            </a:xfrm>
-            <a:custGeom>
-              <a:avLst/>
-              <a:gdLst>
-                <a:gd name="T0" fmla="*/ 683 w 683"/>
-                <a:gd name="T1" fmla="*/ 0 h 1440"/>
-                <a:gd name="T2" fmla="*/ 355 w 683"/>
-                <a:gd name="T3" fmla="*/ 1440 h 1440"/>
-              </a:gdLst>
-              <a:ahLst/>
-              <a:cxnLst>
-                <a:cxn ang="0">
-                  <a:pos x="T0" y="T1"/>
-                </a:cxn>
-                <a:cxn ang="0">
-                  <a:pos x="T2" y="T3"/>
-                </a:cxn>
-              </a:cxnLst>
-              <a:rect l="0" t="0" r="r" b="b"/>
-              <a:pathLst>
-                <a:path w="683" h="1440">
-                  <a:moveTo>
-                    <a:pt x="683" y="0"/>
-                  </a:moveTo>
-                  <a:cubicBezTo>
-                    <a:pt x="258" y="256"/>
-                    <a:pt x="0" y="1041"/>
-                    <a:pt x="355" y="1440"/>
-                  </a:cubicBezTo>
-                </a:path>
-              </a:pathLst>
-            </a:custGeom>
-            <a:noFill/>
-            <a:ln w="9525" cap="flat">
-              <a:solidFill>
-                <a:schemeClr val="tx1">
-                  <a:alpha val="20000"/>
-                </a:schemeClr>
-              </a:solidFill>
-              <a:prstDash val="solid"/>
-              <a:miter lim="800000"/>
-              <a:headEnd/>
-              <a:tailEnd/>
-            </a:ln>
-            <a:extLst>
-              <a:ext uri="{909E8E84-426E-40DD-AFC4-6F175D3DCCD1}">
-                <a14:hiddenFill xmlns:a14="http://schemas.microsoft.com/office/drawing/2010/main">
-                  <a:solidFill>
-                    <a:srgbClr val="FFFFFF"/>
-                  </a:solidFill>
-                </a14:hiddenFill>
-              </a:ext>
-            </a:extLst>
-          </p:spPr>
-          <p:txBody>
-            <a:bodyPr vert="horz" wrap="square" lIns="91440" tIns="45720" rIns="91440" bIns="45720" numCol="1" anchor="t" anchorCtr="0" compatLnSpc="1">
-              <a:prstTxWarp prst="textNoShape">
-                <a:avLst/>
-              </a:prstTxWarp>
-            </a:bodyPr>
-            <a:lstStyle/>
-            <a:p>
-              <a:endParaRPr lang="en-US"/>
-            </a:p>
-          </p:txBody>
-        </p:sp>
-        <p:sp>
-          <p:nvSpPr>
-            <p:cNvPr id="53" name="Freeform 15">
-              <a:extLst>
-                <a:ext uri="{FF2B5EF4-FFF2-40B4-BE49-F238E27FC236}">
-                  <a16:creationId xmlns:a16="http://schemas.microsoft.com/office/drawing/2014/main" id="{D148A64A-D598-4309-BCA9-F67ADE72CB4D}"/>
-                </a:ext>
-                <a:ext uri="{C183D7F6-B498-43B3-948B-1728B52AA6E4}">
-                  <adec:decorative xmlns:adec="http://schemas.microsoft.com/office/drawing/2017/decorative" val="1"/>
-                </a:ext>
-              </a:extLst>
-            </p:cNvPr>
-            <p:cNvSpPr>
-              <a:spLocks/>
-            </p:cNvSpPr>
-            <p:nvPr>
-              <p:extLst>
-                <p:ext uri="{386F3935-93C4-4BCD-93E2-E3B085C9AB24}">
-                  <p16:designElem xmlns:p16="http://schemas.microsoft.com/office/powerpoint/2015/main" val="1"/>
-                </p:ext>
-              </p:extLst>
-            </p:nvPr>
-          </p:nvSpPr>
-          <p:spPr bwMode="auto">
-            <a:xfrm>
-              <a:off x="10802938" y="5518150"/>
-              <a:ext cx="1363663" cy="1325563"/>
-            </a:xfrm>
-            <a:custGeom>
-              <a:avLst/>
-              <a:gdLst>
-                <a:gd name="T0" fmla="*/ 0 w 287"/>
-                <a:gd name="T1" fmla="*/ 279 h 279"/>
-                <a:gd name="T2" fmla="*/ 287 w 287"/>
-                <a:gd name="T3" fmla="*/ 0 h 279"/>
-              </a:gdLst>
-              <a:ahLst/>
-              <a:cxnLst>
-                <a:cxn ang="0">
-                  <a:pos x="T0" y="T1"/>
-                </a:cxn>
-                <a:cxn ang="0">
-                  <a:pos x="T2" y="T3"/>
-                </a:cxn>
-              </a:cxnLst>
-              <a:rect l="0" t="0" r="r" b="b"/>
-              <a:pathLst>
-                <a:path w="287" h="279">
-                  <a:moveTo>
-                    <a:pt x="0" y="279"/>
-                  </a:moveTo>
-                  <a:cubicBezTo>
-                    <a:pt x="101" y="193"/>
-                    <a:pt x="198" y="100"/>
-                    <a:pt x="287" y="0"/>
-                  </a:cubicBezTo>
-                </a:path>
-              </a:pathLst>
-            </a:custGeom>
-            <a:noFill/>
-            <a:ln w="9525" cap="flat">
-              <a:solidFill>
-                <a:schemeClr val="tx1">
-                  <a:alpha val="20000"/>
-                </a:schemeClr>
-              </a:solidFill>
-              <a:prstDash val="solid"/>
-              <a:miter lim="800000"/>
-              <a:headEnd/>
-              <a:tailEnd/>
-            </a:ln>
-            <a:extLst>
-              <a:ext uri="{909E8E84-426E-40DD-AFC4-6F175D3DCCD1}">
-                <a14:hiddenFill xmlns:a14="http://schemas.microsoft.com/office/drawing/2010/main">
-                  <a:solidFill>
-                    <a:srgbClr val="FFFFFF"/>
-                  </a:solidFill>
-                </a14:hiddenFill>
-              </a:ext>
-            </a:extLst>
-          </p:spPr>
-          <p:txBody>
-            <a:bodyPr vert="horz" wrap="square" lIns="91440" tIns="45720" rIns="91440" bIns="45720" numCol="1" anchor="t" anchorCtr="0" compatLnSpc="1">
-              <a:prstTxWarp prst="textNoShape">
-                <a:avLst/>
-              </a:prstTxWarp>
-            </a:bodyPr>
-            <a:lstStyle/>
-            <a:p>
-              <a:endParaRPr lang="en-US"/>
-            </a:p>
-          </p:txBody>
-        </p:sp>
-        <p:sp>
-          <p:nvSpPr>
-            <p:cNvPr id="54" name="Freeform 16">
-              <a:extLst>
-                <a:ext uri="{FF2B5EF4-FFF2-40B4-BE49-F238E27FC236}">
-                  <a16:creationId xmlns:a16="http://schemas.microsoft.com/office/drawing/2014/main" id="{38A95D77-7745-4551-BBD5-3515A074D3D5}"/>
-                </a:ext>
-                <a:ext uri="{C183D7F6-B498-43B3-948B-1728B52AA6E4}">
-                  <adec:decorative xmlns:adec="http://schemas.microsoft.com/office/drawing/2017/decorative" val="1"/>
-                </a:ext>
-              </a:extLst>
-            </p:cNvPr>
-            <p:cNvSpPr>
-              <a:spLocks/>
-            </p:cNvSpPr>
-            <p:nvPr>
-              <p:extLst>
-                <p:ext uri="{386F3935-93C4-4BCD-93E2-E3B085C9AB24}">
-                  <p16:designElem xmlns:p16="http://schemas.microsoft.com/office/powerpoint/2015/main" val="1"/>
-                </p:ext>
-              </p:extLst>
-            </p:nvPr>
-          </p:nvSpPr>
-          <p:spPr bwMode="auto">
-            <a:xfrm>
-              <a:off x="889000" y="0"/>
-              <a:ext cx="3230563" cy="6843713"/>
-            </a:xfrm>
-            <a:custGeom>
-              <a:avLst/>
-              <a:gdLst>
-                <a:gd name="T0" fmla="*/ 680 w 680"/>
-                <a:gd name="T1" fmla="*/ 0 h 1440"/>
-                <a:gd name="T2" fmla="*/ 337 w 680"/>
-                <a:gd name="T3" fmla="*/ 1440 h 1440"/>
-              </a:gdLst>
-              <a:ahLst/>
-              <a:cxnLst>
-                <a:cxn ang="0">
-                  <a:pos x="T0" y="T1"/>
-                </a:cxn>
-                <a:cxn ang="0">
-                  <a:pos x="T2" y="T3"/>
-                </a:cxn>
-              </a:cxnLst>
-              <a:rect l="0" t="0" r="r" b="b"/>
-              <a:pathLst>
-                <a:path w="680" h="1440">
-                  <a:moveTo>
-                    <a:pt x="680" y="0"/>
-                  </a:moveTo>
-                  <a:cubicBezTo>
-                    <a:pt x="257" y="265"/>
-                    <a:pt x="0" y="1026"/>
-                    <a:pt x="337" y="1440"/>
-                  </a:cubicBezTo>
-                </a:path>
-              </a:pathLst>
-            </a:custGeom>
-            <a:noFill/>
-            <a:ln w="9525" cap="flat">
-              <a:solidFill>
-                <a:schemeClr val="tx1">
-                  <a:alpha val="20000"/>
-                </a:schemeClr>
-              </a:solidFill>
-              <a:prstDash val="solid"/>
-              <a:miter lim="800000"/>
-              <a:headEnd/>
-              <a:tailEnd/>
-            </a:ln>
-            <a:extLst>
-              <a:ext uri="{909E8E84-426E-40DD-AFC4-6F175D3DCCD1}">
-                <a14:hiddenFill xmlns:a14="http://schemas.microsoft.com/office/drawing/2010/main">
-                  <a:solidFill>
-                    <a:srgbClr val="FFFFFF"/>
-                  </a:solidFill>
-                </a14:hiddenFill>
-              </a:ext>
-            </a:extLst>
-          </p:spPr>
-          <p:txBody>
-            <a:bodyPr vert="horz" wrap="square" lIns="91440" tIns="45720" rIns="91440" bIns="45720" numCol="1" anchor="t" anchorCtr="0" compatLnSpc="1">
-              <a:prstTxWarp prst="textNoShape">
-                <a:avLst/>
-              </a:prstTxWarp>
-            </a:bodyPr>
-            <a:lstStyle/>
-            <a:p>
-              <a:endParaRPr lang="en-US"/>
-            </a:p>
-          </p:txBody>
-        </p:sp>
-        <p:sp>
-          <p:nvSpPr>
-            <p:cNvPr id="55" name="Freeform 17">
-              <a:extLst>
-                <a:ext uri="{FF2B5EF4-FFF2-40B4-BE49-F238E27FC236}">
-                  <a16:creationId xmlns:a16="http://schemas.microsoft.com/office/drawing/2014/main" id="{A2C20B7F-80D6-4D48-BB2A-9AEC85494897}"/>
-                </a:ext>
-                <a:ext uri="{C183D7F6-B498-43B3-948B-1728B52AA6E4}">
-                  <adec:decorative xmlns:adec="http://schemas.microsoft.com/office/drawing/2017/decorative" val="1"/>
-                </a:ext>
-              </a:extLst>
-            </p:cNvPr>
-            <p:cNvSpPr>
-              <a:spLocks/>
-            </p:cNvSpPr>
-            <p:nvPr>
-              <p:extLst>
-                <p:ext uri="{386F3935-93C4-4BCD-93E2-E3B085C9AB24}">
-                  <p16:designElem xmlns:p16="http://schemas.microsoft.com/office/powerpoint/2015/main" val="1"/>
-                </p:ext>
-              </p:extLst>
-            </p:nvPr>
-          </p:nvSpPr>
-          <p:spPr bwMode="auto">
-            <a:xfrm>
-              <a:off x="10979150" y="5694363"/>
-              <a:ext cx="1187450" cy="1149350"/>
-            </a:xfrm>
-            <a:custGeom>
-              <a:avLst/>
-              <a:gdLst>
-                <a:gd name="T0" fmla="*/ 0 w 250"/>
-                <a:gd name="T1" fmla="*/ 242 h 242"/>
-                <a:gd name="T2" fmla="*/ 250 w 250"/>
-                <a:gd name="T3" fmla="*/ 0 h 242"/>
-              </a:gdLst>
-              <a:ahLst/>
-              <a:cxnLst>
-                <a:cxn ang="0">
-                  <a:pos x="T0" y="T1"/>
-                </a:cxn>
-                <a:cxn ang="0">
-                  <a:pos x="T2" y="T3"/>
-                </a:cxn>
-              </a:cxnLst>
-              <a:rect l="0" t="0" r="r" b="b"/>
-              <a:pathLst>
-                <a:path w="250" h="242">
-                  <a:moveTo>
-                    <a:pt x="0" y="242"/>
-                  </a:moveTo>
-                  <a:cubicBezTo>
-                    <a:pt x="88" y="166"/>
-                    <a:pt x="172" y="85"/>
-                    <a:pt x="250" y="0"/>
-                  </a:cubicBezTo>
-                </a:path>
-              </a:pathLst>
-            </a:custGeom>
-            <a:noFill/>
-            <a:ln w="9525" cap="flat">
-              <a:solidFill>
-                <a:schemeClr val="tx1">
-                  <a:alpha val="20000"/>
-                </a:schemeClr>
-              </a:solidFill>
-              <a:prstDash val="solid"/>
-              <a:miter lim="800000"/>
-              <a:headEnd/>
-              <a:tailEnd/>
-            </a:ln>
-            <a:extLst>
-              <a:ext uri="{909E8E84-426E-40DD-AFC4-6F175D3DCCD1}">
-                <a14:hiddenFill xmlns:a14="http://schemas.microsoft.com/office/drawing/2010/main">
-                  <a:solidFill>
-                    <a:srgbClr val="FFFFFF"/>
-                  </a:solidFill>
-                </a14:hiddenFill>
-              </a:ext>
-            </a:extLst>
-          </p:spPr>
-          <p:txBody>
-            <a:bodyPr vert="horz" wrap="square" lIns="91440" tIns="45720" rIns="91440" bIns="45720" numCol="1" anchor="t" anchorCtr="0" compatLnSpc="1">
-              <a:prstTxWarp prst="textNoShape">
-                <a:avLst/>
-              </a:prstTxWarp>
-            </a:bodyPr>
-            <a:lstStyle/>
-            <a:p>
-              <a:endParaRPr lang="en-US"/>
-            </a:p>
-          </p:txBody>
-        </p:sp>
-        <p:sp>
-          <p:nvSpPr>
-            <p:cNvPr id="56" name="Freeform 18">
-              <a:extLst>
-                <a:ext uri="{FF2B5EF4-FFF2-40B4-BE49-F238E27FC236}">
-                  <a16:creationId xmlns:a16="http://schemas.microsoft.com/office/drawing/2014/main" id="{55589882-0BB8-42B0-B42F-32A75B191835}"/>
-                </a:ext>
-                <a:ext uri="{C183D7F6-B498-43B3-948B-1728B52AA6E4}">
-                  <adec:decorative xmlns:adec="http://schemas.microsoft.com/office/drawing/2017/decorative" val="1"/>
-                </a:ext>
-              </a:extLst>
-            </p:cNvPr>
-            <p:cNvSpPr>
-              <a:spLocks/>
-            </p:cNvSpPr>
-            <p:nvPr>
-              <p:extLst>
-                <p:ext uri="{386F3935-93C4-4BCD-93E2-E3B085C9AB24}">
-                  <p16:designElem xmlns:p16="http://schemas.microsoft.com/office/powerpoint/2015/main" val="1"/>
-                </p:ext>
-              </p:extLst>
-            </p:nvPr>
-          </p:nvSpPr>
-          <p:spPr bwMode="auto">
-            <a:xfrm>
-              <a:off x="484188" y="0"/>
-              <a:ext cx="3421063" cy="6843713"/>
-            </a:xfrm>
-            <a:custGeom>
-              <a:avLst/>
-              <a:gdLst>
-                <a:gd name="T0" fmla="*/ 720 w 720"/>
-                <a:gd name="T1" fmla="*/ 0 h 1440"/>
-                <a:gd name="T2" fmla="*/ 362 w 720"/>
-                <a:gd name="T3" fmla="*/ 1440 h 1440"/>
-              </a:gdLst>
-              <a:ahLst/>
-              <a:cxnLst>
-                <a:cxn ang="0">
-                  <a:pos x="T0" y="T1"/>
-                </a:cxn>
-                <a:cxn ang="0">
-                  <a:pos x="T2" y="T3"/>
-                </a:cxn>
-              </a:cxnLst>
-              <a:rect l="0" t="0" r="r" b="b"/>
-              <a:pathLst>
-                <a:path w="720" h="1440">
-                  <a:moveTo>
-                    <a:pt x="720" y="0"/>
-                  </a:moveTo>
-                  <a:cubicBezTo>
-                    <a:pt x="316" y="282"/>
-                    <a:pt x="0" y="1018"/>
-                    <a:pt x="362" y="1440"/>
-                  </a:cubicBezTo>
-                </a:path>
-              </a:pathLst>
-            </a:custGeom>
-            <a:noFill/>
-            <a:ln w="9525" cap="flat">
-              <a:solidFill>
-                <a:schemeClr val="tx1">
-                  <a:alpha val="20000"/>
-                </a:schemeClr>
-              </a:solidFill>
-              <a:prstDash val="solid"/>
-              <a:miter lim="800000"/>
-              <a:headEnd/>
-              <a:tailEnd/>
-            </a:ln>
-            <a:extLst>
-              <a:ext uri="{909E8E84-426E-40DD-AFC4-6F175D3DCCD1}">
-                <a14:hiddenFill xmlns:a14="http://schemas.microsoft.com/office/drawing/2010/main">
-                  <a:solidFill>
-                    <a:srgbClr val="FFFFFF"/>
-                  </a:solidFill>
-                </a14:hiddenFill>
-              </a:ext>
-            </a:extLst>
-          </p:spPr>
-          <p:txBody>
-            <a:bodyPr vert="horz" wrap="square" lIns="91440" tIns="45720" rIns="91440" bIns="45720" numCol="1" anchor="t" anchorCtr="0" compatLnSpc="1">
-              <a:prstTxWarp prst="textNoShape">
-                <a:avLst/>
-              </a:prstTxWarp>
-            </a:bodyPr>
-            <a:lstStyle/>
-            <a:p>
-              <a:endParaRPr lang="en-US"/>
-            </a:p>
-          </p:txBody>
-        </p:sp>
-        <p:sp>
-          <p:nvSpPr>
-            <p:cNvPr id="57" name="Freeform 19">
-              <a:extLst>
-                <a:ext uri="{FF2B5EF4-FFF2-40B4-BE49-F238E27FC236}">
-                  <a16:creationId xmlns:a16="http://schemas.microsoft.com/office/drawing/2014/main" id="{53673B9F-5864-445E-82E7-0A8324FA8549}"/>
-                </a:ext>
-                <a:ext uri="{C183D7F6-B498-43B3-948B-1728B52AA6E4}">
-                  <adec:decorative xmlns:adec="http://schemas.microsoft.com/office/drawing/2017/decorative" val="1"/>
-                </a:ext>
-              </a:extLst>
-            </p:cNvPr>
-            <p:cNvSpPr>
-              <a:spLocks/>
-            </p:cNvSpPr>
-            <p:nvPr>
-              <p:extLst>
-                <p:ext uri="{386F3935-93C4-4BCD-93E2-E3B085C9AB24}">
-                  <p16:designElem xmlns:p16="http://schemas.microsoft.com/office/powerpoint/2015/main" val="1"/>
-                </p:ext>
-              </p:extLst>
-            </p:nvPr>
-          </p:nvSpPr>
-          <p:spPr bwMode="auto">
-            <a:xfrm>
-              <a:off x="11287125" y="6049963"/>
-              <a:ext cx="879475" cy="793750"/>
-            </a:xfrm>
-            <a:custGeom>
-              <a:avLst/>
-              <a:gdLst>
-                <a:gd name="T0" fmla="*/ 0 w 185"/>
-                <a:gd name="T1" fmla="*/ 167 h 167"/>
-                <a:gd name="T2" fmla="*/ 185 w 185"/>
-                <a:gd name="T3" fmla="*/ 0 h 167"/>
-              </a:gdLst>
-              <a:ahLst/>
-              <a:cxnLst>
-                <a:cxn ang="0">
-                  <a:pos x="T0" y="T1"/>
-                </a:cxn>
-                <a:cxn ang="0">
-                  <a:pos x="T2" y="T3"/>
-                </a:cxn>
-              </a:cxnLst>
-              <a:rect l="0" t="0" r="r" b="b"/>
-              <a:pathLst>
-                <a:path w="185" h="167">
-                  <a:moveTo>
-                    <a:pt x="0" y="167"/>
-                  </a:moveTo>
-                  <a:cubicBezTo>
-                    <a:pt x="63" y="114"/>
-                    <a:pt x="125" y="58"/>
-                    <a:pt x="185" y="0"/>
-                  </a:cubicBezTo>
-                </a:path>
-              </a:pathLst>
-            </a:custGeom>
-            <a:noFill/>
-            <a:ln w="9525" cap="flat">
-              <a:solidFill>
-                <a:schemeClr val="tx1">
-                  <a:alpha val="20000"/>
-                </a:schemeClr>
-              </a:solidFill>
-              <a:prstDash val="solid"/>
-              <a:miter lim="800000"/>
-              <a:headEnd/>
-              <a:tailEnd/>
-            </a:ln>
-            <a:extLst>
-              <a:ext uri="{909E8E84-426E-40DD-AFC4-6F175D3DCCD1}">
-                <a14:hiddenFill xmlns:a14="http://schemas.microsoft.com/office/drawing/2010/main">
-                  <a:solidFill>
-                    <a:srgbClr val="FFFFFF"/>
-                  </a:solidFill>
-                </a14:hiddenFill>
-              </a:ext>
-            </a:extLst>
-          </p:spPr>
-          <p:txBody>
-            <a:bodyPr vert="horz" wrap="square" lIns="91440" tIns="45720" rIns="91440" bIns="45720" numCol="1" anchor="t" anchorCtr="0" compatLnSpc="1">
-              <a:prstTxWarp prst="textNoShape">
-                <a:avLst/>
-              </a:prstTxWarp>
-            </a:bodyPr>
-            <a:lstStyle/>
-            <a:p>
-              <a:endParaRPr lang="en-US"/>
-            </a:p>
-          </p:txBody>
-        </p:sp>
-        <p:sp>
-          <p:nvSpPr>
-            <p:cNvPr id="58" name="Freeform 20">
-              <a:extLst>
-                <a:ext uri="{FF2B5EF4-FFF2-40B4-BE49-F238E27FC236}">
-                  <a16:creationId xmlns:a16="http://schemas.microsoft.com/office/drawing/2014/main" id="{16FF3B3D-59FE-4AE1-AA54-14A691D6BFEA}"/>
-                </a:ext>
-                <a:ext uri="{C183D7F6-B498-43B3-948B-1728B52AA6E4}">
-                  <adec:decorative xmlns:adec="http://schemas.microsoft.com/office/drawing/2017/decorative" val="1"/>
-                </a:ext>
-              </a:extLst>
-            </p:cNvPr>
-            <p:cNvSpPr>
-              <a:spLocks/>
-            </p:cNvSpPr>
-            <p:nvPr>
-              <p:extLst>
-                <p:ext uri="{386F3935-93C4-4BCD-93E2-E3B085C9AB24}">
-                  <p16:designElem xmlns:p16="http://schemas.microsoft.com/office/powerpoint/2015/main" val="1"/>
-                </p:ext>
-              </p:extLst>
-            </p:nvPr>
-          </p:nvSpPr>
-          <p:spPr bwMode="auto">
-            <a:xfrm>
-              <a:off x="598488" y="0"/>
-              <a:ext cx="2717800" cy="6843713"/>
-            </a:xfrm>
-            <a:custGeom>
-              <a:avLst/>
-              <a:gdLst>
-                <a:gd name="T0" fmla="*/ 572 w 572"/>
-                <a:gd name="T1" fmla="*/ 0 h 1440"/>
-                <a:gd name="T2" fmla="*/ 164 w 572"/>
-                <a:gd name="T3" fmla="*/ 1440 h 1440"/>
-              </a:gdLst>
-              <a:ahLst/>
-              <a:cxnLst>
-                <a:cxn ang="0">
-                  <a:pos x="T0" y="T1"/>
-                </a:cxn>
-                <a:cxn ang="0">
-                  <a:pos x="T2" y="T3"/>
-                </a:cxn>
-              </a:cxnLst>
-              <a:rect l="0" t="0" r="r" b="b"/>
-              <a:pathLst>
-                <a:path w="572" h="1440">
-                  <a:moveTo>
-                    <a:pt x="572" y="0"/>
-                  </a:moveTo>
-                  <a:cubicBezTo>
-                    <a:pt x="213" y="320"/>
-                    <a:pt x="0" y="979"/>
-                    <a:pt x="164" y="1440"/>
-                  </a:cubicBezTo>
-                </a:path>
-              </a:pathLst>
-            </a:custGeom>
-            <a:noFill/>
-            <a:ln w="12700" cap="flat">
-              <a:solidFill>
-                <a:schemeClr val="tx1">
-                  <a:alpha val="20000"/>
-                </a:schemeClr>
-              </a:solidFill>
-              <a:prstDash val="dashDot"/>
-              <a:miter lim="800000"/>
-              <a:headEnd/>
-              <a:tailEnd/>
-            </a:ln>
-            <a:extLst>
-              <a:ext uri="{909E8E84-426E-40DD-AFC4-6F175D3DCCD1}">
-                <a14:hiddenFill xmlns:a14="http://schemas.microsoft.com/office/drawing/2010/main">
-                  <a:solidFill>
-                    <a:srgbClr val="FFFFFF"/>
-                  </a:solidFill>
-                </a14:hiddenFill>
-              </a:ext>
-            </a:extLst>
-          </p:spPr>
-          <p:txBody>
-            <a:bodyPr vert="horz" wrap="square" lIns="91440" tIns="45720" rIns="91440" bIns="45720" numCol="1" anchor="t" anchorCtr="0" compatLnSpc="1">
-              <a:prstTxWarp prst="textNoShape">
-                <a:avLst/>
-              </a:prstTxWarp>
-            </a:bodyPr>
-            <a:lstStyle/>
-            <a:p>
-              <a:endParaRPr lang="en-US"/>
-            </a:p>
-          </p:txBody>
-        </p:sp>
-        <p:sp>
-          <p:nvSpPr>
-            <p:cNvPr id="59" name="Freeform 21">
-              <a:extLst>
-                <a:ext uri="{FF2B5EF4-FFF2-40B4-BE49-F238E27FC236}">
-                  <a16:creationId xmlns:a16="http://schemas.microsoft.com/office/drawing/2014/main" id="{901CA0F0-4962-4EC5-BA5B-3F0A967FC8AC}"/>
-                </a:ext>
-                <a:ext uri="{C183D7F6-B498-43B3-948B-1728B52AA6E4}">
-                  <adec:decorative xmlns:adec="http://schemas.microsoft.com/office/drawing/2017/decorative" val="1"/>
-                </a:ext>
-              </a:extLst>
-            </p:cNvPr>
-            <p:cNvSpPr>
-              <a:spLocks/>
-            </p:cNvSpPr>
-            <p:nvPr>
-              <p:extLst>
-                <p:ext uri="{386F3935-93C4-4BCD-93E2-E3B085C9AB24}">
-                  <p16:designElem xmlns:p16="http://schemas.microsoft.com/office/powerpoint/2015/main" val="1"/>
-                </p:ext>
-              </p:extLst>
-            </p:nvPr>
-          </p:nvSpPr>
-          <p:spPr bwMode="auto">
-            <a:xfrm>
-              <a:off x="261938" y="0"/>
-              <a:ext cx="2944813" cy="6843713"/>
-            </a:xfrm>
-            <a:custGeom>
-              <a:avLst/>
-              <a:gdLst>
-                <a:gd name="T0" fmla="*/ 620 w 620"/>
-                <a:gd name="T1" fmla="*/ 0 h 1440"/>
-                <a:gd name="T2" fmla="*/ 186 w 620"/>
-                <a:gd name="T3" fmla="*/ 1440 h 1440"/>
-              </a:gdLst>
-              <a:ahLst/>
-              <a:cxnLst>
-                <a:cxn ang="0">
-                  <a:pos x="T0" y="T1"/>
-                </a:cxn>
-                <a:cxn ang="0">
-                  <a:pos x="T2" y="T3"/>
-                </a:cxn>
-              </a:cxnLst>
-              <a:rect l="0" t="0" r="r" b="b"/>
-              <a:pathLst>
-                <a:path w="620" h="1440">
-                  <a:moveTo>
-                    <a:pt x="620" y="0"/>
-                  </a:moveTo>
-                  <a:cubicBezTo>
-                    <a:pt x="248" y="325"/>
-                    <a:pt x="0" y="960"/>
-                    <a:pt x="186" y="1440"/>
-                  </a:cubicBezTo>
-                </a:path>
-              </a:pathLst>
-            </a:custGeom>
-            <a:noFill/>
-            <a:ln w="9525" cap="flat">
-              <a:solidFill>
-                <a:schemeClr val="tx1">
-                  <a:alpha val="20000"/>
-                </a:schemeClr>
-              </a:solidFill>
-              <a:prstDash val="lgDash"/>
-              <a:miter lim="800000"/>
-              <a:headEnd/>
-              <a:tailEnd/>
-            </a:ln>
-            <a:extLst>
-              <a:ext uri="{909E8E84-426E-40DD-AFC4-6F175D3DCCD1}">
-                <a14:hiddenFill xmlns:a14="http://schemas.microsoft.com/office/drawing/2010/main">
-                  <a:solidFill>
-                    <a:srgbClr val="FFFFFF"/>
-                  </a:solidFill>
-                </a14:hiddenFill>
-              </a:ext>
-            </a:extLst>
-          </p:spPr>
-          <p:txBody>
-            <a:bodyPr vert="horz" wrap="square" lIns="91440" tIns="45720" rIns="91440" bIns="45720" numCol="1" anchor="t" anchorCtr="0" compatLnSpc="1">
-              <a:prstTxWarp prst="textNoShape">
-                <a:avLst/>
-              </a:prstTxWarp>
-            </a:bodyPr>
-            <a:lstStyle/>
-            <a:p>
-              <a:endParaRPr lang="en-US"/>
-            </a:p>
-          </p:txBody>
-        </p:sp>
-        <p:sp>
-          <p:nvSpPr>
-            <p:cNvPr id="60" name="Freeform 22">
-              <a:extLst>
-                <a:ext uri="{FF2B5EF4-FFF2-40B4-BE49-F238E27FC236}">
-                  <a16:creationId xmlns:a16="http://schemas.microsoft.com/office/drawing/2014/main" id="{3DD02E26-C2AD-4062-85BD-28D172C9E74C}"/>
-                </a:ext>
-                <a:ext uri="{C183D7F6-B498-43B3-948B-1728B52AA6E4}">
-                  <adec:decorative xmlns:adec="http://schemas.microsoft.com/office/drawing/2017/decorative" val="1"/>
-                </a:ext>
-              </a:extLst>
-            </p:cNvPr>
-            <p:cNvSpPr>
-              <a:spLocks/>
-            </p:cNvSpPr>
-            <p:nvPr>
-              <p:extLst>
-                <p:ext uri="{386F3935-93C4-4BCD-93E2-E3B085C9AB24}">
-                  <p16:designElem xmlns:p16="http://schemas.microsoft.com/office/powerpoint/2015/main" val="1"/>
-                </p:ext>
-              </p:extLst>
-            </p:nvPr>
-          </p:nvSpPr>
-          <p:spPr bwMode="auto">
-            <a:xfrm>
-              <a:off x="-417513" y="0"/>
-              <a:ext cx="2403475" cy="6843713"/>
-            </a:xfrm>
-            <a:custGeom>
-              <a:avLst/>
-              <a:gdLst>
-                <a:gd name="T0" fmla="*/ 506 w 506"/>
-                <a:gd name="T1" fmla="*/ 0 h 1440"/>
-                <a:gd name="T2" fmla="*/ 171 w 506"/>
-                <a:gd name="T3" fmla="*/ 1440 h 1440"/>
-              </a:gdLst>
-              <a:ahLst/>
-              <a:cxnLst>
-                <a:cxn ang="0">
-                  <a:pos x="T0" y="T1"/>
-                </a:cxn>
-                <a:cxn ang="0">
-                  <a:pos x="T2" y="T3"/>
-                </a:cxn>
-              </a:cxnLst>
-              <a:rect l="0" t="0" r="r" b="b"/>
-              <a:pathLst>
-                <a:path w="506" h="1440">
-                  <a:moveTo>
-                    <a:pt x="506" y="0"/>
-                  </a:moveTo>
-                  <a:cubicBezTo>
-                    <a:pt x="109" y="356"/>
-                    <a:pt x="0" y="943"/>
-                    <a:pt x="171" y="1440"/>
-                  </a:cubicBezTo>
-                </a:path>
-              </a:pathLst>
-            </a:custGeom>
-            <a:noFill/>
-            <a:ln w="9525" cap="flat">
-              <a:solidFill>
-                <a:schemeClr val="tx1">
-                  <a:alpha val="20000"/>
-                </a:schemeClr>
-              </a:solidFill>
-              <a:prstDash val="solid"/>
-              <a:miter lim="800000"/>
-              <a:headEnd/>
-              <a:tailEnd/>
-            </a:ln>
-            <a:extLst>
-              <a:ext uri="{909E8E84-426E-40DD-AFC4-6F175D3DCCD1}">
-                <a14:hiddenFill xmlns:a14="http://schemas.microsoft.com/office/drawing/2010/main">
-                  <a:solidFill>
-                    <a:srgbClr val="FFFFFF"/>
-                  </a:solidFill>
-                </a14:hiddenFill>
-              </a:ext>
-            </a:extLst>
-          </p:spPr>
-          <p:txBody>
-            <a:bodyPr vert="horz" wrap="square" lIns="91440" tIns="45720" rIns="91440" bIns="45720" numCol="1" anchor="t" anchorCtr="0" compatLnSpc="1">
-              <a:prstTxWarp prst="textNoShape">
-                <a:avLst/>
-              </a:prstTxWarp>
-            </a:bodyPr>
-            <a:lstStyle/>
-            <a:p>
-              <a:endParaRPr lang="en-US"/>
-            </a:p>
-          </p:txBody>
-        </p:sp>
-        <p:sp>
-          <p:nvSpPr>
-            <p:cNvPr id="61" name="Freeform 23">
-              <a:extLst>
-                <a:ext uri="{FF2B5EF4-FFF2-40B4-BE49-F238E27FC236}">
-                  <a16:creationId xmlns:a16="http://schemas.microsoft.com/office/drawing/2014/main" id="{D7B60BD4-07C1-461F-B38E-B39EBACA3A55}"/>
-                </a:ext>
-                <a:ext uri="{C183D7F6-B498-43B3-948B-1728B52AA6E4}">
-                  <adec:decorative xmlns:adec="http://schemas.microsoft.com/office/drawing/2017/decorative" val="1"/>
-                </a:ext>
-              </a:extLst>
-            </p:cNvPr>
-            <p:cNvSpPr>
-              <a:spLocks/>
-            </p:cNvSpPr>
-            <p:nvPr>
-              <p:extLst>
-                <p:ext uri="{386F3935-93C4-4BCD-93E2-E3B085C9AB24}">
-                  <p16:designElem xmlns:p16="http://schemas.microsoft.com/office/powerpoint/2015/main" val="1"/>
-                </p:ext>
-              </p:extLst>
-            </p:nvPr>
-          </p:nvSpPr>
-          <p:spPr bwMode="auto">
-            <a:xfrm>
-              <a:off x="14288" y="9525"/>
-              <a:ext cx="1771650" cy="3198813"/>
-            </a:xfrm>
-            <a:custGeom>
-              <a:avLst/>
-              <a:gdLst>
-                <a:gd name="T0" fmla="*/ 373 w 373"/>
-                <a:gd name="T1" fmla="*/ 0 h 673"/>
-                <a:gd name="T2" fmla="*/ 0 w 373"/>
-                <a:gd name="T3" fmla="*/ 673 h 673"/>
-              </a:gdLst>
-              <a:ahLst/>
-              <a:cxnLst>
-                <a:cxn ang="0">
-                  <a:pos x="T0" y="T1"/>
-                </a:cxn>
-                <a:cxn ang="0">
-                  <a:pos x="T2" y="T3"/>
-                </a:cxn>
-              </a:cxnLst>
-              <a:rect l="0" t="0" r="r" b="b"/>
-              <a:pathLst>
-                <a:path w="373" h="673">
-                  <a:moveTo>
-                    <a:pt x="373" y="0"/>
-                  </a:moveTo>
-                  <a:cubicBezTo>
-                    <a:pt x="175" y="183"/>
-                    <a:pt x="51" y="409"/>
-                    <a:pt x="0" y="673"/>
-                  </a:cubicBezTo>
-                </a:path>
-              </a:pathLst>
-            </a:custGeom>
-            <a:noFill/>
-            <a:ln w="9525" cap="flat">
-              <a:solidFill>
-                <a:schemeClr val="tx1">
-                  <a:alpha val="20000"/>
-                </a:schemeClr>
-              </a:solidFill>
-              <a:prstDash val="solid"/>
-              <a:miter lim="800000"/>
-              <a:headEnd/>
-              <a:tailEnd/>
-            </a:ln>
-            <a:extLst>
-              <a:ext uri="{909E8E84-426E-40DD-AFC4-6F175D3DCCD1}">
-                <a14:hiddenFill xmlns:a14="http://schemas.microsoft.com/office/drawing/2010/main">
-                  <a:solidFill>
-                    <a:srgbClr val="FFFFFF"/>
-                  </a:solidFill>
-                </a14:hiddenFill>
-              </a:ext>
-            </a:extLst>
-          </p:spPr>
-          <p:txBody>
-            <a:bodyPr vert="horz" wrap="square" lIns="91440" tIns="45720" rIns="91440" bIns="45720" numCol="1" anchor="t" anchorCtr="0" compatLnSpc="1">
-              <a:prstTxWarp prst="textNoShape">
-                <a:avLst/>
-              </a:prstTxWarp>
-            </a:bodyPr>
-            <a:lstStyle/>
-            <a:p>
-              <a:endParaRPr lang="en-US"/>
-            </a:p>
-          </p:txBody>
-        </p:sp>
-        <p:sp>
-          <p:nvSpPr>
-            <p:cNvPr id="62" name="Freeform 24">
-              <a:extLst>
-                <a:ext uri="{FF2B5EF4-FFF2-40B4-BE49-F238E27FC236}">
-                  <a16:creationId xmlns:a16="http://schemas.microsoft.com/office/drawing/2014/main" id="{D81BB3F7-E4A5-4BD9-A70D-FDA6C9127F93}"/>
-                </a:ext>
-                <a:ext uri="{C183D7F6-B498-43B3-948B-1728B52AA6E4}">
-                  <adec:decorative xmlns:adec="http://schemas.microsoft.com/office/drawing/2017/decorative" val="1"/>
-                </a:ext>
-              </a:extLst>
-            </p:cNvPr>
-            <p:cNvSpPr>
-              <a:spLocks/>
-            </p:cNvSpPr>
-            <p:nvPr>
-              <p:extLst>
-                <p:ext uri="{386F3935-93C4-4BCD-93E2-E3B085C9AB24}">
-                  <p16:designElem xmlns:p16="http://schemas.microsoft.com/office/powerpoint/2015/main" val="1"/>
-                </p:ext>
-              </p:extLst>
-            </p:nvPr>
-          </p:nvSpPr>
-          <p:spPr bwMode="auto">
-            <a:xfrm>
-              <a:off x="4763" y="6016625"/>
-              <a:ext cx="214313" cy="827088"/>
-            </a:xfrm>
-            <a:custGeom>
-              <a:avLst/>
-              <a:gdLst>
-                <a:gd name="T0" fmla="*/ 0 w 45"/>
-                <a:gd name="T1" fmla="*/ 0 h 174"/>
-                <a:gd name="T2" fmla="*/ 45 w 45"/>
-                <a:gd name="T3" fmla="*/ 174 h 174"/>
-              </a:gdLst>
-              <a:ahLst/>
-              <a:cxnLst>
-                <a:cxn ang="0">
-                  <a:pos x="T0" y="T1"/>
-                </a:cxn>
-                <a:cxn ang="0">
-                  <a:pos x="T2" y="T3"/>
-                </a:cxn>
-              </a:cxnLst>
-              <a:rect l="0" t="0" r="r" b="b"/>
-              <a:pathLst>
-                <a:path w="45" h="174">
-                  <a:moveTo>
-                    <a:pt x="0" y="0"/>
-                  </a:moveTo>
-                  <a:cubicBezTo>
-                    <a:pt x="11" y="59"/>
-                    <a:pt x="26" y="118"/>
-                    <a:pt x="45" y="174"/>
-                  </a:cubicBezTo>
-                </a:path>
-              </a:pathLst>
-            </a:custGeom>
-            <a:noFill/>
-            <a:ln w="9525" cap="flat">
-              <a:solidFill>
-                <a:schemeClr val="tx1">
-                  <a:alpha val="20000"/>
-                </a:schemeClr>
-              </a:solidFill>
-              <a:prstDash val="solid"/>
-              <a:miter lim="800000"/>
-              <a:headEnd/>
-              <a:tailEnd/>
-            </a:ln>
-            <a:extLst>
-              <a:ext uri="{909E8E84-426E-40DD-AFC4-6F175D3DCCD1}">
-                <a14:hiddenFill xmlns:a14="http://schemas.microsoft.com/office/drawing/2010/main">
-                  <a:solidFill>
-                    <a:srgbClr val="FFFFFF"/>
-                  </a:solidFill>
-                </a14:hiddenFill>
-              </a:ext>
-            </a:extLst>
-          </p:spPr>
-          <p:txBody>
-            <a:bodyPr vert="horz" wrap="square" lIns="91440" tIns="45720" rIns="91440" bIns="45720" numCol="1" anchor="t" anchorCtr="0" compatLnSpc="1">
-              <a:prstTxWarp prst="textNoShape">
-                <a:avLst/>
-              </a:prstTxWarp>
-            </a:bodyPr>
-            <a:lstStyle/>
-            <a:p>
-              <a:endParaRPr lang="en-US"/>
-            </a:p>
-          </p:txBody>
-        </p:sp>
-        <p:sp>
-          <p:nvSpPr>
-            <p:cNvPr id="63" name="Freeform 25">
-              <a:extLst>
-                <a:ext uri="{FF2B5EF4-FFF2-40B4-BE49-F238E27FC236}">
-                  <a16:creationId xmlns:a16="http://schemas.microsoft.com/office/drawing/2014/main" id="{B93A80B5-32BA-48BB-941A-4FC64AC62EF7}"/>
-                </a:ext>
-                <a:ext uri="{C183D7F6-B498-43B3-948B-1728B52AA6E4}">
-                  <adec:decorative xmlns:adec="http://schemas.microsoft.com/office/drawing/2017/decorative" val="1"/>
-                </a:ext>
-              </a:extLst>
-            </p:cNvPr>
-            <p:cNvSpPr>
-              <a:spLocks/>
-            </p:cNvSpPr>
-            <p:nvPr>
-              <p:extLst>
-                <p:ext uri="{386F3935-93C4-4BCD-93E2-E3B085C9AB24}">
-                  <p16:designElem xmlns:p16="http://schemas.microsoft.com/office/powerpoint/2015/main" val="1"/>
-                </p:ext>
-              </p:extLst>
-            </p:nvPr>
-          </p:nvSpPr>
-          <p:spPr bwMode="auto">
-            <a:xfrm>
-              <a:off x="14288" y="0"/>
-              <a:ext cx="1562100" cy="2228850"/>
-            </a:xfrm>
-            <a:custGeom>
-              <a:avLst/>
-              <a:gdLst>
-                <a:gd name="T0" fmla="*/ 329 w 329"/>
-                <a:gd name="T1" fmla="*/ 0 h 469"/>
-                <a:gd name="T2" fmla="*/ 0 w 329"/>
-                <a:gd name="T3" fmla="*/ 469 h 469"/>
-              </a:gdLst>
-              <a:ahLst/>
-              <a:cxnLst>
-                <a:cxn ang="0">
-                  <a:pos x="T0" y="T1"/>
-                </a:cxn>
-                <a:cxn ang="0">
-                  <a:pos x="T2" y="T3"/>
-                </a:cxn>
-              </a:cxnLst>
-              <a:rect l="0" t="0" r="r" b="b"/>
-              <a:pathLst>
-                <a:path w="329" h="469">
-                  <a:moveTo>
-                    <a:pt x="329" y="0"/>
-                  </a:moveTo>
-                  <a:cubicBezTo>
-                    <a:pt x="189" y="133"/>
-                    <a:pt x="69" y="288"/>
-                    <a:pt x="0" y="469"/>
-                  </a:cubicBezTo>
-                </a:path>
-              </a:pathLst>
-            </a:custGeom>
-            <a:noFill/>
-            <a:ln w="9525" cap="flat">
-              <a:solidFill>
-                <a:schemeClr val="tx1">
-                  <a:alpha val="20000"/>
-                </a:schemeClr>
-              </a:solidFill>
-              <a:prstDash val="solid"/>
-              <a:miter lim="800000"/>
-              <a:headEnd/>
-              <a:tailEnd/>
-            </a:ln>
-            <a:extLst>
-              <a:ext uri="{909E8E84-426E-40DD-AFC4-6F175D3DCCD1}">
-                <a14:hiddenFill xmlns:a14="http://schemas.microsoft.com/office/drawing/2010/main">
-                  <a:solidFill>
-                    <a:srgbClr val="FFFFFF"/>
-                  </a:solidFill>
-                </a14:hiddenFill>
-              </a:ext>
-            </a:extLst>
-          </p:spPr>
-          <p:txBody>
-            <a:bodyPr vert="horz" wrap="square" lIns="91440" tIns="45720" rIns="91440" bIns="45720" numCol="1" anchor="t" anchorCtr="0" compatLnSpc="1">
-              <a:prstTxWarp prst="textNoShape">
-                <a:avLst/>
-              </a:prstTxWarp>
-            </a:bodyPr>
-            <a:lstStyle/>
-            <a:p>
-              <a:endParaRPr lang="en-US"/>
-            </a:p>
-          </p:txBody>
-        </p:sp>
-      </p:grpSp>
-      <p:sp>
-        <p:nvSpPr>
-          <p:cNvPr id="71" name="Rectangle 64">
-            <a:extLst>
-              <a:ext uri="{FF2B5EF4-FFF2-40B4-BE49-F238E27FC236}">
-                <a16:creationId xmlns:a16="http://schemas.microsoft.com/office/drawing/2014/main" id="{9C057A66-6E97-4BA5-B4B3-2690ACE3CE80}"/>
-              </a:ext>
-              <a:ext uri="{C183D7F6-B498-43B3-948B-1728B52AA6E4}">
-                <adec:decorative xmlns:adec="http://schemas.microsoft.com/office/drawing/2017/decorative" val="1"/>
-              </a:ext>
-            </a:extLst>
-          </p:cNvPr>
-          <p:cNvSpPr>
-            <a:spLocks noGrp="1" noRot="1" noChangeAspect="1" noMove="1" noResize="1" noEditPoints="1" noAdjustHandles="1" noChangeArrowheads="1" noChangeShapeType="1" noTextEdit="1"/>
-          </p:cNvSpPr>
-          <p:nvPr>
-            <p:extLst>
-              <p:ext uri="{386F3935-93C4-4BCD-93E2-E3B085C9AB24}">
-                <p16:designElem xmlns:p16="http://schemas.microsoft.com/office/powerpoint/2015/main" val="1"/>
-              </p:ext>
-            </p:extLst>
-          </p:nvPr>
-        </p:nvSpPr>
-        <p:spPr>
-          <a:xfrm>
-            <a:off x="791682" y="1047102"/>
-            <a:ext cx="5936885" cy="502920"/>
-          </a:xfrm>
-          <a:prstGeom prst="rect">
-            <a:avLst/>
-          </a:prstGeom>
-          <a:solidFill>
-            <a:schemeClr val="accent1"/>
-          </a:solidFill>
-          <a:ln>
-            <a:noFill/>
-          </a:ln>
-        </p:spPr>
-        <p:style>
-          <a:lnRef idx="2">
-            <a:schemeClr val="accent1">
-              <a:shade val="50000"/>
-            </a:schemeClr>
-          </a:lnRef>
-          <a:fillRef idx="1">
-            <a:schemeClr val="accent1"/>
-          </a:fillRef>
-          <a:effectRef idx="0">
-            <a:schemeClr val="accent1"/>
-          </a:effectRef>
-          <a:fontRef idx="minor">
-            <a:schemeClr val="lt1"/>
-          </a:fontRef>
-        </p:style>
-        <p:txBody>
-          <a:bodyPr rtlCol="0" anchor="ctr"/>
-          <a:lstStyle/>
-          <a:p>
-            <a:pPr algn="ctr"/>
-            <a:endParaRPr lang="en-US"/>
-          </a:p>
-        </p:txBody>
-      </p:sp>
-      <p:sp>
-        <p:nvSpPr>
-          <p:cNvPr id="67" name="Isosceles Triangle 22">
-            <a:extLst>
-              <a:ext uri="{FF2B5EF4-FFF2-40B4-BE49-F238E27FC236}">
-                <a16:creationId xmlns:a16="http://schemas.microsoft.com/office/drawing/2014/main" id="{764884A8-16DD-467F-A648-70B32E20BA99}"/>
-              </a:ext>
-              <a:ext uri="{C183D7F6-B498-43B3-948B-1728B52AA6E4}">
-                <adec:decorative xmlns:adec="http://schemas.microsoft.com/office/drawing/2017/decorative" val="1"/>
-              </a:ext>
-            </a:extLst>
-          </p:cNvPr>
-          <p:cNvSpPr>
-            <a:spLocks noGrp="1" noRot="1" noChangeAspect="1" noMove="1" noResize="1" noEditPoints="1" noAdjustHandles="1" noChangeArrowheads="1" noChangeShapeType="1" noTextEdit="1"/>
-          </p:cNvSpPr>
-          <p:nvPr>
-            <p:extLst>
-              <p:ext uri="{386F3935-93C4-4BCD-93E2-E3B085C9AB24}">
-                <p16:designElem xmlns:p16="http://schemas.microsoft.com/office/powerpoint/2015/main" val="1"/>
-              </p:ext>
-            </p:extLst>
-          </p:nvPr>
-        </p:nvSpPr>
-        <p:spPr>
-          <a:xfrm rot="10800000">
-            <a:off x="3602131" y="5546507"/>
-            <a:ext cx="315988" cy="272403"/>
-          </a:xfrm>
-          <a:prstGeom prst="triangle">
-            <a:avLst/>
-          </a:prstGeom>
-          <a:solidFill>
-            <a:schemeClr val="accent1"/>
-          </a:solidFill>
-          <a:ln>
-            <a:noFill/>
-          </a:ln>
-        </p:spPr>
-        <p:style>
-          <a:lnRef idx="2">
-            <a:schemeClr val="accent1">
-              <a:shade val="50000"/>
-            </a:schemeClr>
-          </a:lnRef>
-          <a:fillRef idx="1">
-            <a:schemeClr val="accent1"/>
-          </a:fillRef>
-          <a:effectRef idx="0">
-            <a:schemeClr val="accent1"/>
-          </a:effectRef>
-          <a:fontRef idx="minor">
-            <a:schemeClr val="lt1"/>
-          </a:fontRef>
-        </p:style>
-        <p:txBody>
-          <a:bodyPr rtlCol="0" anchor="ctr"/>
-          <a:lstStyle/>
-          <a:p>
-            <a:pPr algn="ctr"/>
-            <a:endParaRPr lang="en-US"/>
-          </a:p>
-        </p:txBody>
-      </p:sp>
-      <p:sp>
-        <p:nvSpPr>
-          <p:cNvPr id="72" name="Rectangle 68">
-            <a:extLst>
-              <a:ext uri="{FF2B5EF4-FFF2-40B4-BE49-F238E27FC236}">
-                <a16:creationId xmlns:a16="http://schemas.microsoft.com/office/drawing/2014/main" id="{276681CD-6924-4550-926C-667FC2C6A8B5}"/>
-              </a:ext>
-              <a:ext uri="{C183D7F6-B498-43B3-948B-1728B52AA6E4}">
-                <adec:decorative xmlns:adec="http://schemas.microsoft.com/office/drawing/2017/decorative" val="1"/>
-              </a:ext>
-            </a:extLst>
-          </p:cNvPr>
-          <p:cNvSpPr>
-            <a:spLocks noGrp="1" noRot="1" noChangeAspect="1" noMove="1" noResize="1" noEditPoints="1" noAdjustHandles="1" noChangeArrowheads="1" noChangeShapeType="1" noTextEdit="1"/>
-          </p:cNvSpPr>
-          <p:nvPr>
-            <p:extLst>
-              <p:ext uri="{386F3935-93C4-4BCD-93E2-E3B085C9AB24}">
-                <p16:designElem xmlns:p16="http://schemas.microsoft.com/office/powerpoint/2015/main" val="1"/>
-              </p:ext>
-            </p:extLst>
-          </p:nvPr>
-        </p:nvSpPr>
-        <p:spPr>
-          <a:xfrm>
-            <a:off x="791682" y="1634393"/>
-            <a:ext cx="5935796" cy="3917307"/>
-          </a:xfrm>
-          <a:prstGeom prst="rect">
-            <a:avLst/>
-          </a:prstGeom>
-          <a:solidFill>
-            <a:schemeClr val="accent1"/>
-          </a:solidFill>
-          <a:ln>
-            <a:noFill/>
-          </a:ln>
-        </p:spPr>
-        <p:style>
-          <a:lnRef idx="2">
-            <a:schemeClr val="accent1">
-              <a:shade val="50000"/>
-            </a:schemeClr>
-          </a:lnRef>
-          <a:fillRef idx="1">
-            <a:schemeClr val="accent1"/>
-          </a:fillRef>
-          <a:effectRef idx="0">
-            <a:schemeClr val="accent1"/>
-          </a:effectRef>
-          <a:fontRef idx="minor">
-            <a:schemeClr val="lt1"/>
-          </a:fontRef>
-        </p:style>
-        <p:txBody>
-          <a:bodyPr rtlCol="0" anchor="ctr"/>
-          <a:lstStyle/>
-          <a:p>
-            <a:pPr algn="ctr"/>
-            <a:endParaRPr lang="en-US"/>
-          </a:p>
-        </p:txBody>
-      </p:sp>
-      <p:sp>
-        <p:nvSpPr>
-          <p:cNvPr id="2" name="Title 1">
-            <a:extLst>
-              <a:ext uri="{FF2B5EF4-FFF2-40B4-BE49-F238E27FC236}">
-                <a16:creationId xmlns:a16="http://schemas.microsoft.com/office/drawing/2014/main" id="{9AFCDCB1-665D-4E18-A1AB-198301188C0D}"/>
-              </a:ext>
-            </a:extLst>
-          </p:cNvPr>
-          <p:cNvSpPr>
-            <a:spLocks noGrp="1"/>
-          </p:cNvSpPr>
-          <p:nvPr>
-            <p:ph type="title"/>
-          </p:nvPr>
-        </p:nvSpPr>
-        <p:spPr>
-          <a:xfrm>
-            <a:off x="873978" y="1718735"/>
-            <a:ext cx="5767566" cy="1072378"/>
-          </a:xfrm>
-        </p:spPr>
-        <p:txBody>
-          <a:bodyPr anchor="ctr">
-            <a:normAutofit/>
-          </a:bodyPr>
-          <a:lstStyle/>
-          <a:p>
-            <a:r>
-              <a:rPr lang="en-US" sz="3600" dirty="0"/>
-              <a:t>ABSTRACT</a:t>
-            </a:r>
-          </a:p>
-        </p:txBody>
-      </p:sp>
-      <p:sp>
-        <p:nvSpPr>
-          <p:cNvPr id="3" name="Content Placeholder 2">
-            <a:extLst>
-              <a:ext uri="{FF2B5EF4-FFF2-40B4-BE49-F238E27FC236}">
-                <a16:creationId xmlns:a16="http://schemas.microsoft.com/office/drawing/2014/main" id="{6A1FF52C-1424-4304-9EA1-14A70911E442}"/>
-              </a:ext>
-            </a:extLst>
-          </p:cNvPr>
-          <p:cNvSpPr>
-            <a:spLocks noGrp="1"/>
-          </p:cNvSpPr>
-          <p:nvPr>
-            <p:ph idx="1"/>
-          </p:nvPr>
-        </p:nvSpPr>
-        <p:spPr>
-          <a:xfrm>
-            <a:off x="873102" y="2789239"/>
-            <a:ext cx="5768442" cy="2683606"/>
-          </a:xfrm>
-        </p:spPr>
-        <p:txBody>
-          <a:bodyPr>
-            <a:normAutofit/>
-          </a:bodyPr>
-          <a:lstStyle/>
-          <a:p>
-            <a:pPr marL="0" indent="0">
-              <a:buClr>
-                <a:srgbClr val="C19C7C"/>
-              </a:buClr>
-              <a:buNone/>
-            </a:pPr>
-            <a:endParaRPr lang="en-US" sz="1600" dirty="0">
-              <a:solidFill>
-                <a:srgbClr val="FFFFFE"/>
-              </a:solidFill>
-            </a:endParaRPr>
-          </a:p>
-          <a:p>
-            <a:pPr>
-              <a:buClr>
-                <a:srgbClr val="C19C7C"/>
-              </a:buClr>
-            </a:pPr>
-            <a:r>
-              <a:rPr lang="en-US" b="1" dirty="0">
-                <a:solidFill>
-                  <a:srgbClr val="FFFFFE"/>
-                </a:solidFill>
-              </a:rPr>
-              <a:t>Goal: </a:t>
-            </a:r>
-            <a:r>
-              <a:rPr lang="en-US" dirty="0">
-                <a:solidFill>
-                  <a:srgbClr val="FFFFFE"/>
-                </a:solidFill>
-              </a:rPr>
-              <a:t>To find the variance in impact around the globe of education, employment and financial independence on special programs aimed towards women.</a:t>
-            </a:r>
-          </a:p>
-          <a:p>
-            <a:pPr>
-              <a:buClr>
-                <a:srgbClr val="C19C7C"/>
-              </a:buClr>
-            </a:pPr>
-            <a:endParaRPr lang="en-US" sz="1600" dirty="0">
-              <a:solidFill>
-                <a:srgbClr val="FFFFFE"/>
-              </a:solidFill>
-            </a:endParaRPr>
-          </a:p>
-        </p:txBody>
-      </p:sp>
-      <p:pic>
-        <p:nvPicPr>
-          <p:cNvPr id="5" name="Picture 4">
-            <a:extLst>
-              <a:ext uri="{FF2B5EF4-FFF2-40B4-BE49-F238E27FC236}">
-                <a16:creationId xmlns:a16="http://schemas.microsoft.com/office/drawing/2014/main" id="{A2BABFE5-BF1B-454A-9E46-21A9B2799219}"/>
-              </a:ext>
-            </a:extLst>
-          </p:cNvPr>
-          <p:cNvPicPr>
-            <a:picLocks noChangeAspect="1"/>
-          </p:cNvPicPr>
-          <p:nvPr/>
-        </p:nvPicPr>
-        <p:blipFill rotWithShape="1">
-          <a:blip r:embed="rId2">
-            <a:extLst>
-              <a:ext uri="{28A0092B-C50C-407E-A947-70E740481C1C}">
-                <a14:useLocalDpi xmlns:a14="http://schemas.microsoft.com/office/drawing/2010/main" val="0"/>
-              </a:ext>
-            </a:extLst>
-          </a:blip>
-          <a:srcRect l="29518" r="28517" b="-1"/>
-          <a:stretch/>
-        </p:blipFill>
-        <p:spPr>
-          <a:xfrm>
-            <a:off x="7549862" y="227"/>
-            <a:ext cx="4641833" cy="6858000"/>
-          </a:xfrm>
-          <a:prstGeom prst="rect">
-            <a:avLst/>
-          </a:prstGeom>
-        </p:spPr>
-      </p:pic>
-    </p:spTree>
-    <p:extLst>
-      <p:ext uri="{BB962C8B-B14F-4D97-AF65-F5344CB8AC3E}">
-        <p14:creationId xmlns:p14="http://schemas.microsoft.com/office/powerpoint/2010/main" val="3099141666"/>
-      </p:ext>
-    </p:extLst>
-  </p:cSld>
-  <p:clrMapOvr>
-    <a:masterClrMapping/>
-  </p:clrMapOvr>
-</p:sld>
-</file>
-
-<file path=ppt/slides/slide3.xml><?xml version="1.0" encoding="utf-8"?>
+<file path=ppt/slides/slide10.xml><?xml version="1.0" encoding="utf-8"?>
 <p:sld xmlns:a="http://schemas.openxmlformats.org/drawingml/2006/main" xmlns:r="http://schemas.openxmlformats.org/officeDocument/2006/relationships" xmlns:p="http://schemas.openxmlformats.org/presentationml/2006/main">
   <p:cSld>
     <p:spTree>
@@ -18369,7 +15959,7 @@
           <p:cNvPr id="2" name="Title 1">
             <a:extLst>
               <a:ext uri="{FF2B5EF4-FFF2-40B4-BE49-F238E27FC236}">
-                <a16:creationId xmlns:a16="http://schemas.microsoft.com/office/drawing/2014/main" id="{D826A6AC-2F4F-4E2D-8E32-DCAE791AA5D5}"/>
+                <a16:creationId xmlns:a16="http://schemas.microsoft.com/office/drawing/2014/main" id="{F48A6AE1-7F93-4DDA-9073-E2E059B93C86}"/>
               </a:ext>
             </a:extLst>
           </p:cNvPr>
@@ -18387,7 +15977,14 @@
           <a:p>
             <a:r>
               <a:rPr lang="en-US" dirty="0"/>
-              <a:t>Question 1</a:t>
+              <a:t>Question 2:</a:t>
+            </a:r>
+            <a:br>
+              <a:rPr lang="en-US" dirty="0"/>
+            </a:br>
+            <a:r>
+              <a:rPr lang="en-US" dirty="0"/>
+              <a:t>Solution</a:t>
             </a:r>
           </a:p>
         </p:txBody>
@@ -18397,7 +15994,7 @@
           <p:cNvPr id="3" name="Content Placeholder 2">
             <a:extLst>
               <a:ext uri="{FF2B5EF4-FFF2-40B4-BE49-F238E27FC236}">
-                <a16:creationId xmlns:a16="http://schemas.microsoft.com/office/drawing/2014/main" id="{451FBA7D-BD43-41D1-BB55-7C158D90C823}"/>
+                <a16:creationId xmlns:a16="http://schemas.microsoft.com/office/drawing/2014/main" id="{46F2082D-9C94-47B6-9A16-309071FF2A26}"/>
               </a:ext>
             </a:extLst>
           </p:cNvPr>
@@ -18410,54 +16007,23 @@
         </p:nvSpPr>
         <p:spPr/>
         <p:txBody>
-          <a:bodyPr>
-            <a:normAutofit/>
-          </a:bodyPr>
+          <a:bodyPr/>
           <a:lstStyle/>
           <a:p>
             <a:r>
-              <a:rPr lang="en-US" b="1" dirty="0"/>
-              <a:t>Problem: </a:t>
-            </a:r>
-            <a:r>
-              <a:rPr lang="en-US" dirty="0"/>
-              <a:t>Identify the countries where percentage of female graduates is less than 30%.</a:t>
+              <a:rPr lang="en-US" sz="2800" dirty="0"/>
+              <a:t>Find the percent change between the years 2004 and 2015 (2000 – 2003, 2016 null) for women in the US based on master’s, bachelor’s , secondary school and no schooling and average them.</a:t>
             </a:r>
           </a:p>
           <a:p>
-            <a:r>
-              <a:rPr lang="en-US" b="1" dirty="0"/>
-              <a:t>Solution: </a:t>
-            </a:r>
-            <a:r>
-              <a:rPr lang="en-US" dirty="0"/>
-              <a:t>Using </a:t>
-            </a:r>
-            <a:r>
-              <a:rPr lang="en-US" u="sng" dirty="0"/>
-              <a:t>MapReduce</a:t>
-            </a:r>
-            <a:r>
-              <a:rPr lang="en-US" dirty="0"/>
-              <a:t>, find the most recent years for non-null values for gross graduation ratio for females in tertiary education up to five years combined. Take these percentages and find the average by dividing the sum of the percentages by the number of percentages (years accounted for) isolating below 30%.</a:t>
-            </a:r>
-          </a:p>
-          <a:p>
-            <a:r>
-              <a:rPr lang="en-US" b="1" dirty="0"/>
-              <a:t>Conclusions: </a:t>
-            </a:r>
-            <a:r>
-              <a:rPr lang="en-US" dirty="0"/>
-              <a:t>Out of 89 nations, the vast majority in the final output are Third World. Sub-Saharan Africa are on average on the lower end of the percentage range while Asian and some South American countries are closer to the cap of 30%.</a:t>
-            </a:r>
+            <a:endParaRPr lang="en-US" dirty="0"/>
           </a:p>
         </p:txBody>
       </p:sp>
     </p:spTree>
     <p:extLst>
       <p:ext uri="{BB962C8B-B14F-4D97-AF65-F5344CB8AC3E}">
-        <p14:creationId xmlns:p14="http://schemas.microsoft.com/office/powerpoint/2010/main" val="818375715"/>
+        <p14:creationId xmlns:p14="http://schemas.microsoft.com/office/powerpoint/2010/main" val="3687717704"/>
       </p:ext>
     </p:extLst>
   </p:cSld>
@@ -18467,7 +16033,7 @@
 </p:sld>
 </file>
 
-<file path=ppt/slides/slide4.xml><?xml version="1.0" encoding="utf-8"?>
+<file path=ppt/slides/slide11.xml><?xml version="1.0" encoding="utf-8"?>
 <p:sld xmlns:a="http://schemas.openxmlformats.org/drawingml/2006/main" xmlns:r="http://schemas.openxmlformats.org/officeDocument/2006/relationships" xmlns:p="http://schemas.openxmlformats.org/presentationml/2006/main">
   <p:cSld>
     <p:spTree>
@@ -18489,7 +16055,7 @@
           <p:cNvPr id="2" name="Title 1">
             <a:extLst>
               <a:ext uri="{FF2B5EF4-FFF2-40B4-BE49-F238E27FC236}">
-                <a16:creationId xmlns:a16="http://schemas.microsoft.com/office/drawing/2014/main" id="{5D679F68-176B-4EEE-8F0F-3223E4812EC3}"/>
+                <a16:creationId xmlns:a16="http://schemas.microsoft.com/office/drawing/2014/main" id="{6A7A42CF-B716-4883-A3B2-8EC87B113FD7}"/>
               </a:ext>
             </a:extLst>
           </p:cNvPr>
@@ -18507,7 +16073,14 @@
           <a:p>
             <a:r>
               <a:rPr lang="en-US" dirty="0"/>
-              <a:t>Question 3</a:t>
+              <a:t>Question 2:</a:t>
+            </a:r>
+            <a:br>
+              <a:rPr lang="en-US" dirty="0"/>
+            </a:br>
+            <a:r>
+              <a:rPr lang="en-US" dirty="0"/>
+              <a:t>Conclusions</a:t>
             </a:r>
           </a:p>
         </p:txBody>
@@ -18517,7 +16090,7 @@
           <p:cNvPr id="3" name="Content Placeholder 2">
             <a:extLst>
               <a:ext uri="{FF2B5EF4-FFF2-40B4-BE49-F238E27FC236}">
-                <a16:creationId xmlns:a16="http://schemas.microsoft.com/office/drawing/2014/main" id="{76888587-F232-4C02-BF45-9505D8DF2C47}"/>
+                <a16:creationId xmlns:a16="http://schemas.microsoft.com/office/drawing/2014/main" id="{C2168EEA-A3CE-45F2-B9C3-15652458C00D}"/>
               </a:ext>
             </a:extLst>
           </p:cNvPr>
@@ -18530,44 +16103,14 @@
         </p:nvSpPr>
         <p:spPr/>
         <p:txBody>
-          <a:bodyPr/>
+          <a:bodyPr>
+            <a:normAutofit/>
+          </a:bodyPr>
           <a:lstStyle/>
           <a:p>
             <a:r>
-              <a:rPr lang="en-US" b="1" dirty="0"/>
-              <a:t>Problem: </a:t>
-            </a:r>
-            <a:r>
-              <a:rPr lang="en-US" dirty="0"/>
-              <a:t>List the percentage of change made in male employment from the year 2000.</a:t>
-            </a:r>
-          </a:p>
-          <a:p>
-            <a:r>
-              <a:rPr lang="en-US" b="1" dirty="0"/>
-              <a:t>Solution: </a:t>
-            </a:r>
-            <a:r>
-              <a:rPr lang="en-US" dirty="0"/>
-              <a:t>Using </a:t>
-            </a:r>
-            <a:r>
-              <a:rPr lang="en-US" u="sng" dirty="0"/>
-              <a:t>MapReduce</a:t>
-            </a:r>
-            <a:r>
-              <a:rPr lang="en-US" dirty="0"/>
-              <a:t>, find the percent of employment for the year 2000 and compare it to 2016 or the most recent year. Take both of these percentages.</a:t>
-            </a:r>
-          </a:p>
-          <a:p>
-            <a:r>
-              <a:rPr lang="en-US" b="1" dirty="0"/>
-              <a:t>Conclusions: </a:t>
-            </a:r>
-            <a:r>
-              <a:rPr lang="en-US" dirty="0"/>
-              <a:t>Mostly European countries fell into the negative values for change in male employment since the year 2000 while South American countries’ numbers are rising.</a:t>
+              <a:rPr lang="en-US" sz="2800" dirty="0"/>
+              <a:t>Female education in the US dropped overall by 22% between the years 2004 and 2015.</a:t>
             </a:r>
           </a:p>
         </p:txBody>
@@ -18575,7 +16118,7 @@
     </p:spTree>
     <p:extLst>
       <p:ext uri="{BB962C8B-B14F-4D97-AF65-F5344CB8AC3E}">
-        <p14:creationId xmlns:p14="http://schemas.microsoft.com/office/powerpoint/2010/main" val="2706574137"/>
+        <p14:creationId xmlns:p14="http://schemas.microsoft.com/office/powerpoint/2010/main" val="3078236864"/>
       </p:ext>
     </p:extLst>
   </p:cSld>
@@ -18585,7 +16128,7 @@
 </p:sld>
 </file>
 
-<file path=ppt/slides/slide5.xml><?xml version="1.0" encoding="utf-8"?>
+<file path=ppt/slides/slide12.xml><?xml version="1.0" encoding="utf-8"?>
 <p:sld xmlns:a="http://schemas.openxmlformats.org/drawingml/2006/main" xmlns:r="http://schemas.openxmlformats.org/officeDocument/2006/relationships" xmlns:p="http://schemas.openxmlformats.org/presentationml/2006/main">
   <p:cSld>
     <p:spTree>
@@ -18607,7 +16150,7 @@
           <p:cNvPr id="2" name="Title 1">
             <a:extLst>
               <a:ext uri="{FF2B5EF4-FFF2-40B4-BE49-F238E27FC236}">
-                <a16:creationId xmlns:a16="http://schemas.microsoft.com/office/drawing/2014/main" id="{D0E2B187-47DA-4BF4-93A6-010D03A1D9BC}"/>
+                <a16:creationId xmlns:a16="http://schemas.microsoft.com/office/drawing/2014/main" id="{779B23A0-6A2A-4ED3-BA93-6F0CCDA1AC8B}"/>
               </a:ext>
             </a:extLst>
           </p:cNvPr>
@@ -18625,7 +16168,14 @@
           <a:p>
             <a:r>
               <a:rPr lang="en-US" dirty="0"/>
-              <a:t>Question 2</a:t>
+              <a:t>Question 2:</a:t>
+            </a:r>
+            <a:br>
+              <a:rPr lang="en-US" dirty="0"/>
+            </a:br>
+            <a:r>
+              <a:rPr lang="en-US" dirty="0"/>
+              <a:t>Stipulations</a:t>
             </a:r>
           </a:p>
         </p:txBody>
@@ -18635,7 +16185,7 @@
           <p:cNvPr id="3" name="Content Placeholder 2">
             <a:extLst>
               <a:ext uri="{FF2B5EF4-FFF2-40B4-BE49-F238E27FC236}">
-                <a16:creationId xmlns:a16="http://schemas.microsoft.com/office/drawing/2014/main" id="{EFD57D37-12B9-4B8C-B6F5-14E463857494}"/>
+                <a16:creationId xmlns:a16="http://schemas.microsoft.com/office/drawing/2014/main" id="{D591C90A-E4D1-43C4-826C-34DC9CD000B3}"/>
               </a:ext>
             </a:extLst>
           </p:cNvPr>
@@ -18648,45 +16198,13 @@
         </p:nvSpPr>
         <p:spPr/>
         <p:txBody>
-          <a:bodyPr/>
+          <a:bodyPr>
+            <a:normAutofit/>
+          </a:bodyPr>
           <a:lstStyle/>
           <a:p>
             <a:r>
-              <a:rPr lang="en-US" b="1" dirty="0"/>
-              <a:t>Problem: </a:t>
-            </a:r>
-            <a:r>
-              <a:rPr lang="en-US" dirty="0"/>
-              <a:t>List the average increase in female education in the U.S. from the year 2000.</a:t>
-            </a:r>
-          </a:p>
-          <a:p>
-            <a:r>
-              <a:rPr lang="en-US" b="1" dirty="0"/>
-              <a:t>Solution: </a:t>
-            </a:r>
-            <a:r>
-              <a:rPr lang="en-US" dirty="0"/>
-              <a:t>Find the percent change between the years 2004 and 2015 (2000 – 2003, 2016 null) for women in the US based on master’s, bachelor’s , secondary school and no schooling and average them.</a:t>
-            </a:r>
-          </a:p>
-          <a:p>
-            <a:r>
-              <a:rPr lang="en-US" b="1" dirty="0"/>
-              <a:t>Conclusions: </a:t>
-            </a:r>
-            <a:r>
-              <a:rPr lang="en-US" dirty="0"/>
-              <a:t>Female education in the US dropped overall by 22% between the years 2004 and 2015.</a:t>
-            </a:r>
-          </a:p>
-          <a:p>
-            <a:r>
-              <a:rPr lang="en-US" b="1" dirty="0"/>
-              <a:t>Stipulations: </a:t>
-            </a:r>
-            <a:r>
-              <a:rPr lang="en-US" dirty="0"/>
+              <a:rPr lang="en-US" sz="2800" dirty="0"/>
               <a:t>Starting from 2004, all levels of tertiary education were included; however 2012 onward, no other notes in the data included.</a:t>
             </a:r>
           </a:p>
@@ -18695,7 +16213,7 @@
     </p:spTree>
     <p:extLst>
       <p:ext uri="{BB962C8B-B14F-4D97-AF65-F5344CB8AC3E}">
-        <p14:creationId xmlns:p14="http://schemas.microsoft.com/office/powerpoint/2010/main" val="1212466376"/>
+        <p14:creationId xmlns:p14="http://schemas.microsoft.com/office/powerpoint/2010/main" val="2571835784"/>
       </p:ext>
     </p:extLst>
   </p:cSld>
@@ -18705,7 +16223,7 @@
 </p:sld>
 </file>
 
-<file path=ppt/slides/slide6.xml><?xml version="1.0" encoding="utf-8"?>
+<file path=ppt/slides/slide13.xml><?xml version="1.0" encoding="utf-8"?>
 <p:sld xmlns:a="http://schemas.openxmlformats.org/drawingml/2006/main" xmlns:r="http://schemas.openxmlformats.org/officeDocument/2006/relationships" xmlns:p="http://schemas.openxmlformats.org/presentationml/2006/main">
   <p:cSld>
     <p:spTree>
@@ -18745,7 +16263,14 @@
           <a:p>
             <a:r>
               <a:rPr lang="en-US" dirty="0"/>
-              <a:t>Question 4</a:t>
+              <a:t>Question 4:</a:t>
+            </a:r>
+            <a:br>
+              <a:rPr lang="en-US" dirty="0"/>
+            </a:br>
+            <a:r>
+              <a:rPr lang="en-US" dirty="0"/>
+              <a:t>Problem</a:t>
             </a:r>
           </a:p>
         </p:txBody>
@@ -18768,36 +16293,14 @@
         </p:nvSpPr>
         <p:spPr/>
         <p:txBody>
-          <a:bodyPr/>
+          <a:bodyPr>
+            <a:normAutofit/>
+          </a:bodyPr>
           <a:lstStyle/>
           <a:p>
             <a:r>
-              <a:rPr lang="en-US" b="1" dirty="0"/>
-              <a:t>Problem: </a:t>
-            </a:r>
-            <a:r>
-              <a:rPr lang="en-US" dirty="0"/>
+              <a:rPr lang="en-US" sz="2800" dirty="0"/>
               <a:t>List the percentage of change in female employment from the year 2000.</a:t>
-            </a:r>
-          </a:p>
-          <a:p>
-            <a:r>
-              <a:rPr lang="en-US" b="1" dirty="0"/>
-              <a:t>Solution: </a:t>
-            </a:r>
-            <a:r>
-              <a:rPr lang="en-US" dirty="0"/>
-              <a:t>Find the percent change in the employment to population ratio for females globally between the years of 2000 and 2016, since these were the most recent years after 1999 available for the “WLD” data set.</a:t>
-            </a:r>
-          </a:p>
-          <a:p>
-            <a:r>
-              <a:rPr lang="en-US" b="1" dirty="0"/>
-              <a:t>Conclusions: </a:t>
-            </a:r>
-            <a:r>
-              <a:rPr lang="en-US" dirty="0"/>
-              <a:t>The percentage of change for the world’s female employment went down about 4%.</a:t>
             </a:r>
           </a:p>
         </p:txBody>
@@ -18815,7 +16318,197 @@
 </p:sld>
 </file>
 
-<file path=ppt/slides/slide7.xml><?xml version="1.0" encoding="utf-8"?>
+<file path=ppt/slides/slide14.xml><?xml version="1.0" encoding="utf-8"?>
+<p:sld xmlns:a="http://schemas.openxmlformats.org/drawingml/2006/main" xmlns:r="http://schemas.openxmlformats.org/officeDocument/2006/relationships" xmlns:p="http://schemas.openxmlformats.org/presentationml/2006/main">
+  <p:cSld>
+    <p:spTree>
+      <p:nvGrpSpPr>
+        <p:cNvPr id="1" name=""/>
+        <p:cNvGrpSpPr/>
+        <p:nvPr/>
+      </p:nvGrpSpPr>
+      <p:grpSpPr>
+        <a:xfrm>
+          <a:off x="0" y="0"/>
+          <a:ext cx="0" cy="0"/>
+          <a:chOff x="0" y="0"/>
+          <a:chExt cx="0" cy="0"/>
+        </a:xfrm>
+      </p:grpSpPr>
+      <p:sp>
+        <p:nvSpPr>
+          <p:cNvPr id="2" name="Title 1">
+            <a:extLst>
+              <a:ext uri="{FF2B5EF4-FFF2-40B4-BE49-F238E27FC236}">
+                <a16:creationId xmlns:a16="http://schemas.microsoft.com/office/drawing/2014/main" id="{87591E3C-DBB0-4950-B983-7535C8657BE5}"/>
+              </a:ext>
+            </a:extLst>
+          </p:cNvPr>
+          <p:cNvSpPr>
+            <a:spLocks noGrp="1"/>
+          </p:cNvSpPr>
+          <p:nvPr>
+            <p:ph type="title"/>
+          </p:nvPr>
+        </p:nvSpPr>
+        <p:spPr/>
+        <p:txBody>
+          <a:bodyPr/>
+          <a:lstStyle/>
+          <a:p>
+            <a:r>
+              <a:rPr lang="en-US" dirty="0"/>
+              <a:t>Question 4:</a:t>
+            </a:r>
+            <a:br>
+              <a:rPr lang="en-US" dirty="0"/>
+            </a:br>
+            <a:r>
+              <a:rPr lang="en-US" dirty="0"/>
+              <a:t>Solution</a:t>
+            </a:r>
+          </a:p>
+        </p:txBody>
+      </p:sp>
+      <p:sp>
+        <p:nvSpPr>
+          <p:cNvPr id="3" name="Content Placeholder 2">
+            <a:extLst>
+              <a:ext uri="{FF2B5EF4-FFF2-40B4-BE49-F238E27FC236}">
+                <a16:creationId xmlns:a16="http://schemas.microsoft.com/office/drawing/2014/main" id="{972898FF-1731-4259-89DB-50A46DAFA227}"/>
+              </a:ext>
+            </a:extLst>
+          </p:cNvPr>
+          <p:cNvSpPr>
+            <a:spLocks noGrp="1"/>
+          </p:cNvSpPr>
+          <p:nvPr>
+            <p:ph idx="1"/>
+          </p:nvPr>
+        </p:nvSpPr>
+        <p:spPr/>
+        <p:txBody>
+          <a:bodyPr>
+            <a:normAutofit/>
+          </a:bodyPr>
+          <a:lstStyle/>
+          <a:p>
+            <a:r>
+              <a:rPr lang="en-US" sz="2800" dirty="0"/>
+              <a:t>Find the percent change in the employment to population ratio for females globally between the years of 2000 and 2016, since these were the most recent years after 1999 available for the “WLD” data set.</a:t>
+            </a:r>
+          </a:p>
+        </p:txBody>
+      </p:sp>
+    </p:spTree>
+    <p:extLst>
+      <p:ext uri="{BB962C8B-B14F-4D97-AF65-F5344CB8AC3E}">
+        <p14:creationId xmlns:p14="http://schemas.microsoft.com/office/powerpoint/2010/main" val="362091583"/>
+      </p:ext>
+    </p:extLst>
+  </p:cSld>
+  <p:clrMapOvr>
+    <a:masterClrMapping/>
+  </p:clrMapOvr>
+</p:sld>
+</file>
+
+<file path=ppt/slides/slide15.xml><?xml version="1.0" encoding="utf-8"?>
+<p:sld xmlns:a="http://schemas.openxmlformats.org/drawingml/2006/main" xmlns:r="http://schemas.openxmlformats.org/officeDocument/2006/relationships" xmlns:p="http://schemas.openxmlformats.org/presentationml/2006/main">
+  <p:cSld>
+    <p:spTree>
+      <p:nvGrpSpPr>
+        <p:cNvPr id="1" name=""/>
+        <p:cNvGrpSpPr/>
+        <p:nvPr/>
+      </p:nvGrpSpPr>
+      <p:grpSpPr>
+        <a:xfrm>
+          <a:off x="0" y="0"/>
+          <a:ext cx="0" cy="0"/>
+          <a:chOff x="0" y="0"/>
+          <a:chExt cx="0" cy="0"/>
+        </a:xfrm>
+      </p:grpSpPr>
+      <p:sp>
+        <p:nvSpPr>
+          <p:cNvPr id="2" name="Title 1">
+            <a:extLst>
+              <a:ext uri="{FF2B5EF4-FFF2-40B4-BE49-F238E27FC236}">
+                <a16:creationId xmlns:a16="http://schemas.microsoft.com/office/drawing/2014/main" id="{CD4AB12F-88F6-404C-B215-57E971BBA8A3}"/>
+              </a:ext>
+            </a:extLst>
+          </p:cNvPr>
+          <p:cNvSpPr>
+            <a:spLocks noGrp="1"/>
+          </p:cNvSpPr>
+          <p:nvPr>
+            <p:ph type="title"/>
+          </p:nvPr>
+        </p:nvSpPr>
+        <p:spPr/>
+        <p:txBody>
+          <a:bodyPr/>
+          <a:lstStyle/>
+          <a:p>
+            <a:r>
+              <a:rPr lang="en-US" dirty="0"/>
+              <a:t>Question 4:</a:t>
+            </a:r>
+            <a:br>
+              <a:rPr lang="en-US" dirty="0"/>
+            </a:br>
+            <a:r>
+              <a:rPr lang="en-US" dirty="0"/>
+              <a:t>Conclusions</a:t>
+            </a:r>
+          </a:p>
+        </p:txBody>
+      </p:sp>
+      <p:sp>
+        <p:nvSpPr>
+          <p:cNvPr id="3" name="Content Placeholder 2">
+            <a:extLst>
+              <a:ext uri="{FF2B5EF4-FFF2-40B4-BE49-F238E27FC236}">
+                <a16:creationId xmlns:a16="http://schemas.microsoft.com/office/drawing/2014/main" id="{F1B7654A-B48B-417A-B689-F87550E50BEF}"/>
+              </a:ext>
+            </a:extLst>
+          </p:cNvPr>
+          <p:cNvSpPr>
+            <a:spLocks noGrp="1"/>
+          </p:cNvSpPr>
+          <p:nvPr>
+            <p:ph idx="1"/>
+          </p:nvPr>
+        </p:nvSpPr>
+        <p:spPr/>
+        <p:txBody>
+          <a:bodyPr>
+            <a:normAutofit/>
+          </a:bodyPr>
+          <a:lstStyle/>
+          <a:p>
+            <a:r>
+              <a:rPr lang="en-US" sz="2800" dirty="0"/>
+              <a:t>The percentage of change for the world’s female employment went down about 4%.</a:t>
+            </a:r>
+          </a:p>
+        </p:txBody>
+      </p:sp>
+    </p:spTree>
+    <p:extLst>
+      <p:ext uri="{BB962C8B-B14F-4D97-AF65-F5344CB8AC3E}">
+        <p14:creationId xmlns:p14="http://schemas.microsoft.com/office/powerpoint/2010/main" val="593096123"/>
+      </p:ext>
+    </p:extLst>
+  </p:cSld>
+  <p:clrMapOvr>
+    <a:masterClrMapping/>
+  </p:clrMapOvr>
+</p:sld>
+</file>
+
+<file path=ppt/slides/slide16.xml><?xml version="1.0" encoding="utf-8"?>
 <p:sld xmlns:a="http://schemas.openxmlformats.org/drawingml/2006/main" xmlns:r="http://schemas.openxmlformats.org/officeDocument/2006/relationships" xmlns:p="http://schemas.openxmlformats.org/presentationml/2006/main">
   <p:cSld>
     <p:spTree>
@@ -18907,7 +16600,7 @@
 </p:sld>
 </file>
 
-<file path=ppt/slides/slide8.xml><?xml version="1.0" encoding="utf-8"?>
+<file path=ppt/slides/slide17.xml><?xml version="1.0" encoding="utf-8"?>
 <p:sld xmlns:a="http://schemas.openxmlformats.org/drawingml/2006/main" xmlns:r="http://schemas.openxmlformats.org/officeDocument/2006/relationships" xmlns:p="http://schemas.openxmlformats.org/presentationml/2006/main">
   <p:cSld>
     <p:bg>
@@ -22505,6 +20198,3108 @@
     <p:extLst>
       <p:ext uri="{BB962C8B-B14F-4D97-AF65-F5344CB8AC3E}">
         <p14:creationId xmlns:p14="http://schemas.microsoft.com/office/powerpoint/2010/main" val="2156216071"/>
+      </p:ext>
+    </p:extLst>
+  </p:cSld>
+  <p:clrMapOvr>
+    <a:masterClrMapping/>
+  </p:clrMapOvr>
+</p:sld>
+</file>
+
+<file path=ppt/slides/slide2.xml><?xml version="1.0" encoding="utf-8"?>
+<p:sld xmlns:a="http://schemas.openxmlformats.org/drawingml/2006/main" xmlns:r="http://schemas.openxmlformats.org/officeDocument/2006/relationships" xmlns:p="http://schemas.openxmlformats.org/presentationml/2006/main">
+  <p:cSld>
+    <p:bg>
+      <p:bgPr>
+        <a:solidFill>
+          <a:schemeClr val="bg1"/>
+        </a:solidFill>
+        <a:effectLst/>
+      </p:bgPr>
+    </p:bg>
+    <p:spTree>
+      <p:nvGrpSpPr>
+        <p:cNvPr id="1" name=""/>
+        <p:cNvGrpSpPr/>
+        <p:nvPr/>
+      </p:nvGrpSpPr>
+      <p:grpSpPr>
+        <a:xfrm>
+          <a:off x="0" y="0"/>
+          <a:ext cx="0" cy="0"/>
+          <a:chOff x="0" y="0"/>
+          <a:chExt cx="0" cy="0"/>
+        </a:xfrm>
+      </p:grpSpPr>
+      <p:sp useBgFill="1">
+        <p:nvSpPr>
+          <p:cNvPr id="40" name="Rectangle 39">
+            <a:extLst>
+              <a:ext uri="{FF2B5EF4-FFF2-40B4-BE49-F238E27FC236}">
+                <a16:creationId xmlns:a16="http://schemas.microsoft.com/office/drawing/2014/main" id="{EDFF257A-042C-46B5-80D1-3E8CFD33446E}"/>
+              </a:ext>
+              <a:ext uri="{C183D7F6-B498-43B3-948B-1728B52AA6E4}">
+                <adec:decorative xmlns:adec="http://schemas.microsoft.com/office/drawing/2017/decorative" val="1"/>
+              </a:ext>
+            </a:extLst>
+          </p:cNvPr>
+          <p:cNvSpPr>
+            <a:spLocks noGrp="1" noRot="1" noChangeAspect="1" noMove="1" noResize="1" noEditPoints="1" noAdjustHandles="1" noChangeArrowheads="1" noChangeShapeType="1" noTextEdit="1"/>
+          </p:cNvSpPr>
+          <p:nvPr>
+            <p:extLst>
+              <p:ext uri="{386F3935-93C4-4BCD-93E2-E3B085C9AB24}">
+                <p16:designElem xmlns:p16="http://schemas.microsoft.com/office/powerpoint/2015/main" val="1"/>
+              </p:ext>
+            </p:extLst>
+          </p:nvPr>
+        </p:nvSpPr>
+        <p:spPr>
+          <a:xfrm>
+            <a:off x="0" y="0"/>
+            <a:ext cx="12191695" cy="6858000"/>
+          </a:xfrm>
+          <a:prstGeom prst="rect">
+            <a:avLst/>
+          </a:prstGeom>
+          <a:ln>
+            <a:noFill/>
+          </a:ln>
+        </p:spPr>
+        <p:style>
+          <a:lnRef idx="2">
+            <a:schemeClr val="accent1">
+              <a:shade val="50000"/>
+            </a:schemeClr>
+          </a:lnRef>
+          <a:fillRef idx="1">
+            <a:schemeClr val="accent1"/>
+          </a:fillRef>
+          <a:effectRef idx="0">
+            <a:schemeClr val="accent1"/>
+          </a:effectRef>
+          <a:fontRef idx="minor">
+            <a:schemeClr val="lt1"/>
+          </a:fontRef>
+        </p:style>
+        <p:txBody>
+          <a:bodyPr rtlCol="0" anchor="ctr"/>
+          <a:lstStyle/>
+          <a:p>
+            <a:pPr algn="ctr"/>
+            <a:endParaRPr lang="en-US"/>
+          </a:p>
+        </p:txBody>
+      </p:sp>
+      <p:grpSp>
+        <p:nvGrpSpPr>
+          <p:cNvPr id="42" name="Group 41">
+            <a:extLst>
+              <a:ext uri="{FF2B5EF4-FFF2-40B4-BE49-F238E27FC236}">
+                <a16:creationId xmlns:a16="http://schemas.microsoft.com/office/drawing/2014/main" id="{E2836BD6-A1CD-4253-813F-3EDA642A7ACC}"/>
+              </a:ext>
+              <a:ext uri="{C183D7F6-B498-43B3-948B-1728B52AA6E4}">
+                <adec:decorative xmlns:adec="http://schemas.microsoft.com/office/drawing/2017/decorative" val="1"/>
+              </a:ext>
+            </a:extLst>
+          </p:cNvPr>
+          <p:cNvGrpSpPr>
+            <a:grpSpLocks noGrp="1" noUngrp="1" noRot="1" noChangeAspect="1" noMove="1" noResize="1"/>
+          </p:cNvGrpSpPr>
+          <p:nvPr>
+            <p:extLst>
+              <p:ext uri="{386F3935-93C4-4BCD-93E2-E3B085C9AB24}">
+                <p16:designElem xmlns:p16="http://schemas.microsoft.com/office/powerpoint/2015/main" val="1"/>
+              </p:ext>
+            </p:extLst>
+          </p:nvPr>
+        </p:nvGrpSpPr>
+        <p:grpSpPr>
+          <a:xfrm>
+            <a:off x="-417513" y="0"/>
+            <a:ext cx="12584114" cy="6853238"/>
+            <a:chOff x="-417513" y="0"/>
+            <a:chExt cx="12584114" cy="6853238"/>
+          </a:xfrm>
+        </p:grpSpPr>
+        <p:sp>
+          <p:nvSpPr>
+            <p:cNvPr id="43" name="Freeform 5">
+              <a:extLst>
+                <a:ext uri="{FF2B5EF4-FFF2-40B4-BE49-F238E27FC236}">
+                  <a16:creationId xmlns:a16="http://schemas.microsoft.com/office/drawing/2014/main" id="{63EE4AB3-C905-497E-988B-4D7394894B2F}"/>
+                </a:ext>
+                <a:ext uri="{C183D7F6-B498-43B3-948B-1728B52AA6E4}">
+                  <adec:decorative xmlns:adec="http://schemas.microsoft.com/office/drawing/2017/decorative" val="1"/>
+                </a:ext>
+              </a:extLst>
+            </p:cNvPr>
+            <p:cNvSpPr>
+              <a:spLocks/>
+            </p:cNvSpPr>
+            <p:nvPr>
+              <p:extLst>
+                <p:ext uri="{386F3935-93C4-4BCD-93E2-E3B085C9AB24}">
+                  <p16:designElem xmlns:p16="http://schemas.microsoft.com/office/powerpoint/2015/main" val="1"/>
+                </p:ext>
+              </p:extLst>
+            </p:nvPr>
+          </p:nvSpPr>
+          <p:spPr bwMode="auto">
+            <a:xfrm>
+              <a:off x="1306513" y="0"/>
+              <a:ext cx="3862388" cy="6843713"/>
+            </a:xfrm>
+            <a:custGeom>
+              <a:avLst/>
+              <a:gdLst>
+                <a:gd name="T0" fmla="*/ 813 w 813"/>
+                <a:gd name="T1" fmla="*/ 0 h 1440"/>
+                <a:gd name="T2" fmla="*/ 435 w 813"/>
+                <a:gd name="T3" fmla="*/ 1440 h 1440"/>
+              </a:gdLst>
+              <a:ahLst/>
+              <a:cxnLst>
+                <a:cxn ang="0">
+                  <a:pos x="T0" y="T1"/>
+                </a:cxn>
+                <a:cxn ang="0">
+                  <a:pos x="T2" y="T3"/>
+                </a:cxn>
+              </a:cxnLst>
+              <a:rect l="0" t="0" r="r" b="b"/>
+              <a:pathLst>
+                <a:path w="813" h="1440">
+                  <a:moveTo>
+                    <a:pt x="813" y="0"/>
+                  </a:moveTo>
+                  <a:cubicBezTo>
+                    <a:pt x="331" y="221"/>
+                    <a:pt x="0" y="1039"/>
+                    <a:pt x="435" y="1440"/>
+                  </a:cubicBezTo>
+                </a:path>
+              </a:pathLst>
+            </a:custGeom>
+            <a:noFill/>
+            <a:ln w="9525" cap="flat">
+              <a:solidFill>
+                <a:schemeClr val="tx1">
+                  <a:alpha val="20000"/>
+                </a:schemeClr>
+              </a:solidFill>
+              <a:prstDash val="solid"/>
+              <a:miter lim="800000"/>
+              <a:headEnd/>
+              <a:tailEnd/>
+            </a:ln>
+            <a:extLst>
+              <a:ext uri="{909E8E84-426E-40DD-AFC4-6F175D3DCCD1}">
+                <a14:hiddenFill xmlns:a14="http://schemas.microsoft.com/office/drawing/2010/main">
+                  <a:solidFill>
+                    <a:srgbClr val="FFFFFF"/>
+                  </a:solidFill>
+                </a14:hiddenFill>
+              </a:ext>
+            </a:extLst>
+          </p:spPr>
+          <p:txBody>
+            <a:bodyPr vert="horz" wrap="square" lIns="91440" tIns="45720" rIns="91440" bIns="45720" numCol="1" anchor="t" anchorCtr="0" compatLnSpc="1">
+              <a:prstTxWarp prst="textNoShape">
+                <a:avLst/>
+              </a:prstTxWarp>
+            </a:bodyPr>
+            <a:lstStyle/>
+            <a:p>
+              <a:endParaRPr lang="en-US"/>
+            </a:p>
+          </p:txBody>
+        </p:sp>
+        <p:sp>
+          <p:nvSpPr>
+            <p:cNvPr id="44" name="Freeform 6">
+              <a:extLst>
+                <a:ext uri="{FF2B5EF4-FFF2-40B4-BE49-F238E27FC236}">
+                  <a16:creationId xmlns:a16="http://schemas.microsoft.com/office/drawing/2014/main" id="{774DC5FF-D912-4C9F-811A-337208A3B4BF}"/>
+                </a:ext>
+                <a:ext uri="{C183D7F6-B498-43B3-948B-1728B52AA6E4}">
+                  <adec:decorative xmlns:adec="http://schemas.microsoft.com/office/drawing/2017/decorative" val="1"/>
+                </a:ext>
+              </a:extLst>
+            </p:cNvPr>
+            <p:cNvSpPr>
+              <a:spLocks/>
+            </p:cNvSpPr>
+            <p:nvPr>
+              <p:extLst>
+                <p:ext uri="{386F3935-93C4-4BCD-93E2-E3B085C9AB24}">
+                  <p16:designElem xmlns:p16="http://schemas.microsoft.com/office/powerpoint/2015/main" val="1"/>
+                </p:ext>
+              </p:extLst>
+            </p:nvPr>
+          </p:nvSpPr>
+          <p:spPr bwMode="auto">
+            <a:xfrm>
+              <a:off x="10626725" y="9525"/>
+              <a:ext cx="1539875" cy="555625"/>
+            </a:xfrm>
+            <a:custGeom>
+              <a:avLst/>
+              <a:gdLst>
+                <a:gd name="T0" fmla="*/ 324 w 324"/>
+                <a:gd name="T1" fmla="*/ 117 h 117"/>
+                <a:gd name="T2" fmla="*/ 0 w 324"/>
+                <a:gd name="T3" fmla="*/ 0 h 117"/>
+              </a:gdLst>
+              <a:ahLst/>
+              <a:cxnLst>
+                <a:cxn ang="0">
+                  <a:pos x="T0" y="T1"/>
+                </a:cxn>
+                <a:cxn ang="0">
+                  <a:pos x="T2" y="T3"/>
+                </a:cxn>
+              </a:cxnLst>
+              <a:rect l="0" t="0" r="r" b="b"/>
+              <a:pathLst>
+                <a:path w="324" h="117">
+                  <a:moveTo>
+                    <a:pt x="324" y="117"/>
+                  </a:moveTo>
+                  <a:cubicBezTo>
+                    <a:pt x="223" y="64"/>
+                    <a:pt x="107" y="28"/>
+                    <a:pt x="0" y="0"/>
+                  </a:cubicBezTo>
+                </a:path>
+              </a:pathLst>
+            </a:custGeom>
+            <a:noFill/>
+            <a:ln w="9525" cap="flat">
+              <a:solidFill>
+                <a:schemeClr val="tx1">
+                  <a:alpha val="20000"/>
+                </a:schemeClr>
+              </a:solidFill>
+              <a:prstDash val="solid"/>
+              <a:miter lim="800000"/>
+              <a:headEnd/>
+              <a:tailEnd/>
+            </a:ln>
+            <a:extLst>
+              <a:ext uri="{909E8E84-426E-40DD-AFC4-6F175D3DCCD1}">
+                <a14:hiddenFill xmlns:a14="http://schemas.microsoft.com/office/drawing/2010/main">
+                  <a:solidFill>
+                    <a:srgbClr val="FFFFFF"/>
+                  </a:solidFill>
+                </a14:hiddenFill>
+              </a:ext>
+            </a:extLst>
+          </p:spPr>
+          <p:txBody>
+            <a:bodyPr vert="horz" wrap="square" lIns="91440" tIns="45720" rIns="91440" bIns="45720" numCol="1" anchor="t" anchorCtr="0" compatLnSpc="1">
+              <a:prstTxWarp prst="textNoShape">
+                <a:avLst/>
+              </a:prstTxWarp>
+            </a:bodyPr>
+            <a:lstStyle/>
+            <a:p>
+              <a:endParaRPr lang="en-US"/>
+            </a:p>
+          </p:txBody>
+        </p:sp>
+        <p:sp>
+          <p:nvSpPr>
+            <p:cNvPr id="45" name="Freeform 7">
+              <a:extLst>
+                <a:ext uri="{FF2B5EF4-FFF2-40B4-BE49-F238E27FC236}">
+                  <a16:creationId xmlns:a16="http://schemas.microsoft.com/office/drawing/2014/main" id="{E04E6A71-624A-4806-A53E-87BC73A85B3F}"/>
+                </a:ext>
+                <a:ext uri="{C183D7F6-B498-43B3-948B-1728B52AA6E4}">
+                  <adec:decorative xmlns:adec="http://schemas.microsoft.com/office/drawing/2017/decorative" val="1"/>
+                </a:ext>
+              </a:extLst>
+            </p:cNvPr>
+            <p:cNvSpPr>
+              <a:spLocks/>
+            </p:cNvSpPr>
+            <p:nvPr>
+              <p:extLst>
+                <p:ext uri="{386F3935-93C4-4BCD-93E2-E3B085C9AB24}">
+                  <p16:designElem xmlns:p16="http://schemas.microsoft.com/office/powerpoint/2015/main" val="1"/>
+                </p:ext>
+              </p:extLst>
+            </p:nvPr>
+          </p:nvSpPr>
+          <p:spPr bwMode="auto">
+            <a:xfrm>
+              <a:off x="10247313" y="5013325"/>
+              <a:ext cx="1919288" cy="1830388"/>
+            </a:xfrm>
+            <a:custGeom>
+              <a:avLst/>
+              <a:gdLst>
+                <a:gd name="T0" fmla="*/ 0 w 404"/>
+                <a:gd name="T1" fmla="*/ 385 h 385"/>
+                <a:gd name="T2" fmla="*/ 404 w 404"/>
+                <a:gd name="T3" fmla="*/ 0 h 385"/>
+              </a:gdLst>
+              <a:ahLst/>
+              <a:cxnLst>
+                <a:cxn ang="0">
+                  <a:pos x="T0" y="T1"/>
+                </a:cxn>
+                <a:cxn ang="0">
+                  <a:pos x="T2" y="T3"/>
+                </a:cxn>
+              </a:cxnLst>
+              <a:rect l="0" t="0" r="r" b="b"/>
+              <a:pathLst>
+                <a:path w="404" h="385">
+                  <a:moveTo>
+                    <a:pt x="0" y="385"/>
+                  </a:moveTo>
+                  <a:cubicBezTo>
+                    <a:pt x="146" y="272"/>
+                    <a:pt x="285" y="142"/>
+                    <a:pt x="404" y="0"/>
+                  </a:cubicBezTo>
+                </a:path>
+              </a:pathLst>
+            </a:custGeom>
+            <a:noFill/>
+            <a:ln w="9525" cap="flat">
+              <a:solidFill>
+                <a:schemeClr val="tx1">
+                  <a:alpha val="20000"/>
+                </a:schemeClr>
+              </a:solidFill>
+              <a:prstDash val="solid"/>
+              <a:miter lim="800000"/>
+              <a:headEnd/>
+              <a:tailEnd/>
+            </a:ln>
+            <a:extLst>
+              <a:ext uri="{909E8E84-426E-40DD-AFC4-6F175D3DCCD1}">
+                <a14:hiddenFill xmlns:a14="http://schemas.microsoft.com/office/drawing/2010/main">
+                  <a:solidFill>
+                    <a:srgbClr val="FFFFFF"/>
+                  </a:solidFill>
+                </a14:hiddenFill>
+              </a:ext>
+            </a:extLst>
+          </p:spPr>
+          <p:txBody>
+            <a:bodyPr vert="horz" wrap="square" lIns="91440" tIns="45720" rIns="91440" bIns="45720" numCol="1" anchor="t" anchorCtr="0" compatLnSpc="1">
+              <a:prstTxWarp prst="textNoShape">
+                <a:avLst/>
+              </a:prstTxWarp>
+            </a:bodyPr>
+            <a:lstStyle/>
+            <a:p>
+              <a:endParaRPr lang="en-US"/>
+            </a:p>
+          </p:txBody>
+        </p:sp>
+        <p:sp>
+          <p:nvSpPr>
+            <p:cNvPr id="46" name="Freeform 8">
+              <a:extLst>
+                <a:ext uri="{FF2B5EF4-FFF2-40B4-BE49-F238E27FC236}">
+                  <a16:creationId xmlns:a16="http://schemas.microsoft.com/office/drawing/2014/main" id="{E1871C83-254F-49CD-8EA7-8CB7089B8087}"/>
+                </a:ext>
+                <a:ext uri="{C183D7F6-B498-43B3-948B-1728B52AA6E4}">
+                  <adec:decorative xmlns:adec="http://schemas.microsoft.com/office/drawing/2017/decorative" val="1"/>
+                </a:ext>
+              </a:extLst>
+            </p:cNvPr>
+            <p:cNvSpPr>
+              <a:spLocks/>
+            </p:cNvSpPr>
+            <p:nvPr>
+              <p:extLst>
+                <p:ext uri="{386F3935-93C4-4BCD-93E2-E3B085C9AB24}">
+                  <p16:designElem xmlns:p16="http://schemas.microsoft.com/office/powerpoint/2015/main" val="1"/>
+                </p:ext>
+              </p:extLst>
+            </p:nvPr>
+          </p:nvSpPr>
+          <p:spPr bwMode="auto">
+            <a:xfrm>
+              <a:off x="1120775" y="0"/>
+              <a:ext cx="3676650" cy="6843713"/>
+            </a:xfrm>
+            <a:custGeom>
+              <a:avLst/>
+              <a:gdLst>
+                <a:gd name="T0" fmla="*/ 774 w 774"/>
+                <a:gd name="T1" fmla="*/ 0 h 1440"/>
+                <a:gd name="T2" fmla="*/ 411 w 774"/>
+                <a:gd name="T3" fmla="*/ 1440 h 1440"/>
+              </a:gdLst>
+              <a:ahLst/>
+              <a:cxnLst>
+                <a:cxn ang="0">
+                  <a:pos x="T0" y="T1"/>
+                </a:cxn>
+                <a:cxn ang="0">
+                  <a:pos x="T2" y="T3"/>
+                </a:cxn>
+              </a:cxnLst>
+              <a:rect l="0" t="0" r="r" b="b"/>
+              <a:pathLst>
+                <a:path w="774" h="1440">
+                  <a:moveTo>
+                    <a:pt x="774" y="0"/>
+                  </a:moveTo>
+                  <a:cubicBezTo>
+                    <a:pt x="312" y="240"/>
+                    <a:pt x="0" y="1034"/>
+                    <a:pt x="411" y="1440"/>
+                  </a:cubicBezTo>
+                </a:path>
+              </a:pathLst>
+            </a:custGeom>
+            <a:noFill/>
+            <a:ln w="9525" cap="flat">
+              <a:solidFill>
+                <a:schemeClr val="tx1">
+                  <a:alpha val="20000"/>
+                </a:schemeClr>
+              </a:solidFill>
+              <a:prstDash val="dash"/>
+              <a:miter lim="800000"/>
+              <a:headEnd/>
+              <a:tailEnd/>
+            </a:ln>
+            <a:extLst>
+              <a:ext uri="{909E8E84-426E-40DD-AFC4-6F175D3DCCD1}">
+                <a14:hiddenFill xmlns:a14="http://schemas.microsoft.com/office/drawing/2010/main">
+                  <a:solidFill>
+                    <a:srgbClr val="FFFFFF"/>
+                  </a:solidFill>
+                </a14:hiddenFill>
+              </a:ext>
+            </a:extLst>
+          </p:spPr>
+          <p:txBody>
+            <a:bodyPr vert="horz" wrap="square" lIns="91440" tIns="45720" rIns="91440" bIns="45720" numCol="1" anchor="t" anchorCtr="0" compatLnSpc="1">
+              <a:prstTxWarp prst="textNoShape">
+                <a:avLst/>
+              </a:prstTxWarp>
+            </a:bodyPr>
+            <a:lstStyle/>
+            <a:p>
+              <a:endParaRPr lang="en-US"/>
+            </a:p>
+          </p:txBody>
+        </p:sp>
+        <p:sp>
+          <p:nvSpPr>
+            <p:cNvPr id="47" name="Freeform 9">
+              <a:extLst>
+                <a:ext uri="{FF2B5EF4-FFF2-40B4-BE49-F238E27FC236}">
+                  <a16:creationId xmlns:a16="http://schemas.microsoft.com/office/drawing/2014/main" id="{427141DF-5457-4673-B816-C6C5C72AE915}"/>
+                </a:ext>
+                <a:ext uri="{C183D7F6-B498-43B3-948B-1728B52AA6E4}">
+                  <adec:decorative xmlns:adec="http://schemas.microsoft.com/office/drawing/2017/decorative" val="1"/>
+                </a:ext>
+              </a:extLst>
+            </p:cNvPr>
+            <p:cNvSpPr>
+              <a:spLocks/>
+            </p:cNvSpPr>
+            <p:nvPr>
+              <p:extLst>
+                <p:ext uri="{386F3935-93C4-4BCD-93E2-E3B085C9AB24}">
+                  <p16:designElem xmlns:p16="http://schemas.microsoft.com/office/powerpoint/2015/main" val="1"/>
+                </p:ext>
+              </p:extLst>
+            </p:nvPr>
+          </p:nvSpPr>
+          <p:spPr bwMode="auto">
+            <a:xfrm>
+              <a:off x="11202988" y="9525"/>
+              <a:ext cx="963613" cy="366713"/>
+            </a:xfrm>
+            <a:custGeom>
+              <a:avLst/>
+              <a:gdLst>
+                <a:gd name="T0" fmla="*/ 203 w 203"/>
+                <a:gd name="T1" fmla="*/ 77 h 77"/>
+                <a:gd name="T2" fmla="*/ 0 w 203"/>
+                <a:gd name="T3" fmla="*/ 0 h 77"/>
+              </a:gdLst>
+              <a:ahLst/>
+              <a:cxnLst>
+                <a:cxn ang="0">
+                  <a:pos x="T0" y="T1"/>
+                </a:cxn>
+                <a:cxn ang="0">
+                  <a:pos x="T2" y="T3"/>
+                </a:cxn>
+              </a:cxnLst>
+              <a:rect l="0" t="0" r="r" b="b"/>
+              <a:pathLst>
+                <a:path w="203" h="77">
+                  <a:moveTo>
+                    <a:pt x="203" y="77"/>
+                  </a:moveTo>
+                  <a:cubicBezTo>
+                    <a:pt x="138" y="46"/>
+                    <a:pt x="68" y="21"/>
+                    <a:pt x="0" y="0"/>
+                  </a:cubicBezTo>
+                </a:path>
+              </a:pathLst>
+            </a:custGeom>
+            <a:noFill/>
+            <a:ln w="9525" cap="flat">
+              <a:solidFill>
+                <a:schemeClr val="tx1">
+                  <a:alpha val="20000"/>
+                </a:schemeClr>
+              </a:solidFill>
+              <a:prstDash val="dash"/>
+              <a:miter lim="800000"/>
+              <a:headEnd/>
+              <a:tailEnd/>
+            </a:ln>
+            <a:extLst>
+              <a:ext uri="{909E8E84-426E-40DD-AFC4-6F175D3DCCD1}">
+                <a14:hiddenFill xmlns:a14="http://schemas.microsoft.com/office/drawing/2010/main">
+                  <a:solidFill>
+                    <a:srgbClr val="FFFFFF"/>
+                  </a:solidFill>
+                </a14:hiddenFill>
+              </a:ext>
+            </a:extLst>
+          </p:spPr>
+          <p:txBody>
+            <a:bodyPr vert="horz" wrap="square" lIns="91440" tIns="45720" rIns="91440" bIns="45720" numCol="1" anchor="t" anchorCtr="0" compatLnSpc="1">
+              <a:prstTxWarp prst="textNoShape">
+                <a:avLst/>
+              </a:prstTxWarp>
+            </a:bodyPr>
+            <a:lstStyle/>
+            <a:p>
+              <a:endParaRPr lang="en-US"/>
+            </a:p>
+          </p:txBody>
+        </p:sp>
+        <p:sp>
+          <p:nvSpPr>
+            <p:cNvPr id="48" name="Freeform 10">
+              <a:extLst>
+                <a:ext uri="{FF2B5EF4-FFF2-40B4-BE49-F238E27FC236}">
+                  <a16:creationId xmlns:a16="http://schemas.microsoft.com/office/drawing/2014/main" id="{BC9A176E-C84F-4816-97D4-426B396FC0BE}"/>
+                </a:ext>
+                <a:ext uri="{C183D7F6-B498-43B3-948B-1728B52AA6E4}">
+                  <adec:decorative xmlns:adec="http://schemas.microsoft.com/office/drawing/2017/decorative" val="1"/>
+                </a:ext>
+              </a:extLst>
+            </p:cNvPr>
+            <p:cNvSpPr>
+              <a:spLocks/>
+            </p:cNvSpPr>
+            <p:nvPr>
+              <p:extLst>
+                <p:ext uri="{386F3935-93C4-4BCD-93E2-E3B085C9AB24}">
+                  <p16:designElem xmlns:p16="http://schemas.microsoft.com/office/powerpoint/2015/main" val="1"/>
+                </p:ext>
+              </p:extLst>
+            </p:nvPr>
+          </p:nvSpPr>
+          <p:spPr bwMode="auto">
+            <a:xfrm>
+              <a:off x="10494963" y="5275263"/>
+              <a:ext cx="1666875" cy="1577975"/>
+            </a:xfrm>
+            <a:custGeom>
+              <a:avLst/>
+              <a:gdLst>
+                <a:gd name="T0" fmla="*/ 0 w 351"/>
+                <a:gd name="T1" fmla="*/ 332 h 332"/>
+                <a:gd name="T2" fmla="*/ 351 w 351"/>
+                <a:gd name="T3" fmla="*/ 0 h 332"/>
+              </a:gdLst>
+              <a:ahLst/>
+              <a:cxnLst>
+                <a:cxn ang="0">
+                  <a:pos x="T0" y="T1"/>
+                </a:cxn>
+                <a:cxn ang="0">
+                  <a:pos x="T2" y="T3"/>
+                </a:cxn>
+              </a:cxnLst>
+              <a:rect l="0" t="0" r="r" b="b"/>
+              <a:pathLst>
+                <a:path w="351" h="332">
+                  <a:moveTo>
+                    <a:pt x="0" y="332"/>
+                  </a:moveTo>
+                  <a:cubicBezTo>
+                    <a:pt x="125" y="232"/>
+                    <a:pt x="245" y="121"/>
+                    <a:pt x="351" y="0"/>
+                  </a:cubicBezTo>
+                </a:path>
+              </a:pathLst>
+            </a:custGeom>
+            <a:noFill/>
+            <a:ln w="9525" cap="flat">
+              <a:solidFill>
+                <a:schemeClr val="tx1">
+                  <a:alpha val="20000"/>
+                </a:schemeClr>
+              </a:solidFill>
+              <a:prstDash val="dash"/>
+              <a:miter lim="800000"/>
+              <a:headEnd/>
+              <a:tailEnd/>
+            </a:ln>
+            <a:extLst>
+              <a:ext uri="{909E8E84-426E-40DD-AFC4-6F175D3DCCD1}">
+                <a14:hiddenFill xmlns:a14="http://schemas.microsoft.com/office/drawing/2010/main">
+                  <a:solidFill>
+                    <a:srgbClr val="FFFFFF"/>
+                  </a:solidFill>
+                </a14:hiddenFill>
+              </a:ext>
+            </a:extLst>
+          </p:spPr>
+          <p:txBody>
+            <a:bodyPr vert="horz" wrap="square" lIns="91440" tIns="45720" rIns="91440" bIns="45720" numCol="1" anchor="t" anchorCtr="0" compatLnSpc="1">
+              <a:prstTxWarp prst="textNoShape">
+                <a:avLst/>
+              </a:prstTxWarp>
+            </a:bodyPr>
+            <a:lstStyle/>
+            <a:p>
+              <a:endParaRPr lang="en-US"/>
+            </a:p>
+          </p:txBody>
+        </p:sp>
+        <p:sp>
+          <p:nvSpPr>
+            <p:cNvPr id="49" name="Freeform 11">
+              <a:extLst>
+                <a:ext uri="{FF2B5EF4-FFF2-40B4-BE49-F238E27FC236}">
+                  <a16:creationId xmlns:a16="http://schemas.microsoft.com/office/drawing/2014/main" id="{981B905A-332A-49BC-9456-7D0337D9BD35}"/>
+                </a:ext>
+                <a:ext uri="{C183D7F6-B498-43B3-948B-1728B52AA6E4}">
+                  <adec:decorative xmlns:adec="http://schemas.microsoft.com/office/drawing/2017/decorative" val="1"/>
+                </a:ext>
+              </a:extLst>
+            </p:cNvPr>
+            <p:cNvSpPr>
+              <a:spLocks/>
+            </p:cNvSpPr>
+            <p:nvPr>
+              <p:extLst>
+                <p:ext uri="{386F3935-93C4-4BCD-93E2-E3B085C9AB24}">
+                  <p16:designElem xmlns:p16="http://schemas.microsoft.com/office/powerpoint/2015/main" val="1"/>
+                </p:ext>
+              </p:extLst>
+            </p:nvPr>
+          </p:nvSpPr>
+          <p:spPr bwMode="auto">
+            <a:xfrm>
+              <a:off x="1001713" y="0"/>
+              <a:ext cx="3621088" cy="6843713"/>
+            </a:xfrm>
+            <a:custGeom>
+              <a:avLst/>
+              <a:gdLst>
+                <a:gd name="T0" fmla="*/ 762 w 762"/>
+                <a:gd name="T1" fmla="*/ 0 h 1440"/>
+                <a:gd name="T2" fmla="*/ 403 w 762"/>
+                <a:gd name="T3" fmla="*/ 1440 h 1440"/>
+              </a:gdLst>
+              <a:ahLst/>
+              <a:cxnLst>
+                <a:cxn ang="0">
+                  <a:pos x="T0" y="T1"/>
+                </a:cxn>
+                <a:cxn ang="0">
+                  <a:pos x="T2" y="T3"/>
+                </a:cxn>
+              </a:cxnLst>
+              <a:rect l="0" t="0" r="r" b="b"/>
+              <a:pathLst>
+                <a:path w="762" h="1440">
+                  <a:moveTo>
+                    <a:pt x="762" y="0"/>
+                  </a:moveTo>
+                  <a:cubicBezTo>
+                    <a:pt x="308" y="245"/>
+                    <a:pt x="0" y="1033"/>
+                    <a:pt x="403" y="1440"/>
+                  </a:cubicBezTo>
+                </a:path>
+              </a:pathLst>
+            </a:custGeom>
+            <a:noFill/>
+            <a:ln w="9525" cap="flat">
+              <a:solidFill>
+                <a:schemeClr val="tx1">
+                  <a:alpha val="20000"/>
+                </a:schemeClr>
+              </a:solidFill>
+              <a:prstDash val="solid"/>
+              <a:miter lim="800000"/>
+              <a:headEnd/>
+              <a:tailEnd/>
+            </a:ln>
+            <a:extLst>
+              <a:ext uri="{909E8E84-426E-40DD-AFC4-6F175D3DCCD1}">
+                <a14:hiddenFill xmlns:a14="http://schemas.microsoft.com/office/drawing/2010/main">
+                  <a:solidFill>
+                    <a:srgbClr val="FFFFFF"/>
+                  </a:solidFill>
+                </a14:hiddenFill>
+              </a:ext>
+            </a:extLst>
+          </p:spPr>
+          <p:txBody>
+            <a:bodyPr vert="horz" wrap="square" lIns="91440" tIns="45720" rIns="91440" bIns="45720" numCol="1" anchor="t" anchorCtr="0" compatLnSpc="1">
+              <a:prstTxWarp prst="textNoShape">
+                <a:avLst/>
+              </a:prstTxWarp>
+            </a:bodyPr>
+            <a:lstStyle/>
+            <a:p>
+              <a:endParaRPr lang="en-US"/>
+            </a:p>
+          </p:txBody>
+        </p:sp>
+        <p:sp>
+          <p:nvSpPr>
+            <p:cNvPr id="50" name="Freeform 12">
+              <a:extLst>
+                <a:ext uri="{FF2B5EF4-FFF2-40B4-BE49-F238E27FC236}">
+                  <a16:creationId xmlns:a16="http://schemas.microsoft.com/office/drawing/2014/main" id="{2EBD9769-DFB9-4970-91FF-137E685AF6BA}"/>
+                </a:ext>
+                <a:ext uri="{C183D7F6-B498-43B3-948B-1728B52AA6E4}">
+                  <adec:decorative xmlns:adec="http://schemas.microsoft.com/office/drawing/2017/decorative" val="1"/>
+                </a:ext>
+              </a:extLst>
+            </p:cNvPr>
+            <p:cNvSpPr>
+              <a:spLocks/>
+            </p:cNvSpPr>
+            <p:nvPr>
+              <p:extLst>
+                <p:ext uri="{386F3935-93C4-4BCD-93E2-E3B085C9AB24}">
+                  <p16:designElem xmlns:p16="http://schemas.microsoft.com/office/powerpoint/2015/main" val="1"/>
+                </p:ext>
+              </p:extLst>
+            </p:nvPr>
+          </p:nvSpPr>
+          <p:spPr bwMode="auto">
+            <a:xfrm>
+              <a:off x="11501438" y="9525"/>
+              <a:ext cx="665163" cy="257175"/>
+            </a:xfrm>
+            <a:custGeom>
+              <a:avLst/>
+              <a:gdLst>
+                <a:gd name="T0" fmla="*/ 140 w 140"/>
+                <a:gd name="T1" fmla="*/ 54 h 54"/>
+                <a:gd name="T2" fmla="*/ 0 w 140"/>
+                <a:gd name="T3" fmla="*/ 0 h 54"/>
+              </a:gdLst>
+              <a:ahLst/>
+              <a:cxnLst>
+                <a:cxn ang="0">
+                  <a:pos x="T0" y="T1"/>
+                </a:cxn>
+                <a:cxn ang="0">
+                  <a:pos x="T2" y="T3"/>
+                </a:cxn>
+              </a:cxnLst>
+              <a:rect l="0" t="0" r="r" b="b"/>
+              <a:pathLst>
+                <a:path w="140" h="54">
+                  <a:moveTo>
+                    <a:pt x="140" y="54"/>
+                  </a:moveTo>
+                  <a:cubicBezTo>
+                    <a:pt x="95" y="34"/>
+                    <a:pt x="48" y="16"/>
+                    <a:pt x="0" y="0"/>
+                  </a:cubicBezTo>
+                </a:path>
+              </a:pathLst>
+            </a:custGeom>
+            <a:noFill/>
+            <a:ln w="9525" cap="flat">
+              <a:solidFill>
+                <a:schemeClr val="tx1">
+                  <a:alpha val="20000"/>
+                </a:schemeClr>
+              </a:solidFill>
+              <a:prstDash val="solid"/>
+              <a:miter lim="800000"/>
+              <a:headEnd/>
+              <a:tailEnd/>
+            </a:ln>
+            <a:extLst>
+              <a:ext uri="{909E8E84-426E-40DD-AFC4-6F175D3DCCD1}">
+                <a14:hiddenFill xmlns:a14="http://schemas.microsoft.com/office/drawing/2010/main">
+                  <a:solidFill>
+                    <a:srgbClr val="FFFFFF"/>
+                  </a:solidFill>
+                </a14:hiddenFill>
+              </a:ext>
+            </a:extLst>
+          </p:spPr>
+          <p:txBody>
+            <a:bodyPr vert="horz" wrap="square" lIns="91440" tIns="45720" rIns="91440" bIns="45720" numCol="1" anchor="t" anchorCtr="0" compatLnSpc="1">
+              <a:prstTxWarp prst="textNoShape">
+                <a:avLst/>
+              </a:prstTxWarp>
+            </a:bodyPr>
+            <a:lstStyle/>
+            <a:p>
+              <a:endParaRPr lang="en-US"/>
+            </a:p>
+          </p:txBody>
+        </p:sp>
+        <p:sp>
+          <p:nvSpPr>
+            <p:cNvPr id="51" name="Freeform 13">
+              <a:extLst>
+                <a:ext uri="{FF2B5EF4-FFF2-40B4-BE49-F238E27FC236}">
+                  <a16:creationId xmlns:a16="http://schemas.microsoft.com/office/drawing/2014/main" id="{21DCB916-2D3C-46BC-9A95-EFC166D96CFB}"/>
+                </a:ext>
+                <a:ext uri="{C183D7F6-B498-43B3-948B-1728B52AA6E4}">
+                  <adec:decorative xmlns:adec="http://schemas.microsoft.com/office/drawing/2017/decorative" val="1"/>
+                </a:ext>
+              </a:extLst>
+            </p:cNvPr>
+            <p:cNvSpPr>
+              <a:spLocks/>
+            </p:cNvSpPr>
+            <p:nvPr>
+              <p:extLst>
+                <p:ext uri="{386F3935-93C4-4BCD-93E2-E3B085C9AB24}">
+                  <p16:designElem xmlns:p16="http://schemas.microsoft.com/office/powerpoint/2015/main" val="1"/>
+                </p:ext>
+              </p:extLst>
+            </p:nvPr>
+          </p:nvSpPr>
+          <p:spPr bwMode="auto">
+            <a:xfrm>
+              <a:off x="10641013" y="5408613"/>
+              <a:ext cx="1525588" cy="1435100"/>
+            </a:xfrm>
+            <a:custGeom>
+              <a:avLst/>
+              <a:gdLst>
+                <a:gd name="T0" fmla="*/ 0 w 321"/>
+                <a:gd name="T1" fmla="*/ 302 h 302"/>
+                <a:gd name="T2" fmla="*/ 321 w 321"/>
+                <a:gd name="T3" fmla="*/ 0 h 302"/>
+              </a:gdLst>
+              <a:ahLst/>
+              <a:cxnLst>
+                <a:cxn ang="0">
+                  <a:pos x="T0" y="T1"/>
+                </a:cxn>
+                <a:cxn ang="0">
+                  <a:pos x="T2" y="T3"/>
+                </a:cxn>
+              </a:cxnLst>
+              <a:rect l="0" t="0" r="r" b="b"/>
+              <a:pathLst>
+                <a:path w="321" h="302">
+                  <a:moveTo>
+                    <a:pt x="0" y="302"/>
+                  </a:moveTo>
+                  <a:cubicBezTo>
+                    <a:pt x="114" y="210"/>
+                    <a:pt x="223" y="109"/>
+                    <a:pt x="321" y="0"/>
+                  </a:cubicBezTo>
+                </a:path>
+              </a:pathLst>
+            </a:custGeom>
+            <a:noFill/>
+            <a:ln w="9525" cap="flat">
+              <a:solidFill>
+                <a:schemeClr val="tx1">
+                  <a:alpha val="20000"/>
+                </a:schemeClr>
+              </a:solidFill>
+              <a:prstDash val="solid"/>
+              <a:miter lim="800000"/>
+              <a:headEnd/>
+              <a:tailEnd/>
+            </a:ln>
+            <a:extLst>
+              <a:ext uri="{909E8E84-426E-40DD-AFC4-6F175D3DCCD1}">
+                <a14:hiddenFill xmlns:a14="http://schemas.microsoft.com/office/drawing/2010/main">
+                  <a:solidFill>
+                    <a:srgbClr val="FFFFFF"/>
+                  </a:solidFill>
+                </a14:hiddenFill>
+              </a:ext>
+            </a:extLst>
+          </p:spPr>
+          <p:txBody>
+            <a:bodyPr vert="horz" wrap="square" lIns="91440" tIns="45720" rIns="91440" bIns="45720" numCol="1" anchor="t" anchorCtr="0" compatLnSpc="1">
+              <a:prstTxWarp prst="textNoShape">
+                <a:avLst/>
+              </a:prstTxWarp>
+            </a:bodyPr>
+            <a:lstStyle/>
+            <a:p>
+              <a:endParaRPr lang="en-US"/>
+            </a:p>
+          </p:txBody>
+        </p:sp>
+        <p:sp>
+          <p:nvSpPr>
+            <p:cNvPr id="52" name="Freeform 14">
+              <a:extLst>
+                <a:ext uri="{FF2B5EF4-FFF2-40B4-BE49-F238E27FC236}">
+                  <a16:creationId xmlns:a16="http://schemas.microsoft.com/office/drawing/2014/main" id="{189DAD37-FFF7-49FA-8FBB-D20A992D48FD}"/>
+                </a:ext>
+                <a:ext uri="{C183D7F6-B498-43B3-948B-1728B52AA6E4}">
+                  <adec:decorative xmlns:adec="http://schemas.microsoft.com/office/drawing/2017/decorative" val="1"/>
+                </a:ext>
+              </a:extLst>
+            </p:cNvPr>
+            <p:cNvSpPr>
+              <a:spLocks/>
+            </p:cNvSpPr>
+            <p:nvPr>
+              <p:extLst>
+                <p:ext uri="{386F3935-93C4-4BCD-93E2-E3B085C9AB24}">
+                  <p16:designElem xmlns:p16="http://schemas.microsoft.com/office/powerpoint/2015/main" val="1"/>
+                </p:ext>
+              </p:extLst>
+            </p:nvPr>
+          </p:nvSpPr>
+          <p:spPr bwMode="auto">
+            <a:xfrm>
+              <a:off x="1001713" y="0"/>
+              <a:ext cx="3244850" cy="6843713"/>
+            </a:xfrm>
+            <a:custGeom>
+              <a:avLst/>
+              <a:gdLst>
+                <a:gd name="T0" fmla="*/ 683 w 683"/>
+                <a:gd name="T1" fmla="*/ 0 h 1440"/>
+                <a:gd name="T2" fmla="*/ 355 w 683"/>
+                <a:gd name="T3" fmla="*/ 1440 h 1440"/>
+              </a:gdLst>
+              <a:ahLst/>
+              <a:cxnLst>
+                <a:cxn ang="0">
+                  <a:pos x="T0" y="T1"/>
+                </a:cxn>
+                <a:cxn ang="0">
+                  <a:pos x="T2" y="T3"/>
+                </a:cxn>
+              </a:cxnLst>
+              <a:rect l="0" t="0" r="r" b="b"/>
+              <a:pathLst>
+                <a:path w="683" h="1440">
+                  <a:moveTo>
+                    <a:pt x="683" y="0"/>
+                  </a:moveTo>
+                  <a:cubicBezTo>
+                    <a:pt x="258" y="256"/>
+                    <a:pt x="0" y="1041"/>
+                    <a:pt x="355" y="1440"/>
+                  </a:cubicBezTo>
+                </a:path>
+              </a:pathLst>
+            </a:custGeom>
+            <a:noFill/>
+            <a:ln w="9525" cap="flat">
+              <a:solidFill>
+                <a:schemeClr val="tx1">
+                  <a:alpha val="20000"/>
+                </a:schemeClr>
+              </a:solidFill>
+              <a:prstDash val="solid"/>
+              <a:miter lim="800000"/>
+              <a:headEnd/>
+              <a:tailEnd/>
+            </a:ln>
+            <a:extLst>
+              <a:ext uri="{909E8E84-426E-40DD-AFC4-6F175D3DCCD1}">
+                <a14:hiddenFill xmlns:a14="http://schemas.microsoft.com/office/drawing/2010/main">
+                  <a:solidFill>
+                    <a:srgbClr val="FFFFFF"/>
+                  </a:solidFill>
+                </a14:hiddenFill>
+              </a:ext>
+            </a:extLst>
+          </p:spPr>
+          <p:txBody>
+            <a:bodyPr vert="horz" wrap="square" lIns="91440" tIns="45720" rIns="91440" bIns="45720" numCol="1" anchor="t" anchorCtr="0" compatLnSpc="1">
+              <a:prstTxWarp prst="textNoShape">
+                <a:avLst/>
+              </a:prstTxWarp>
+            </a:bodyPr>
+            <a:lstStyle/>
+            <a:p>
+              <a:endParaRPr lang="en-US"/>
+            </a:p>
+          </p:txBody>
+        </p:sp>
+        <p:sp>
+          <p:nvSpPr>
+            <p:cNvPr id="53" name="Freeform 15">
+              <a:extLst>
+                <a:ext uri="{FF2B5EF4-FFF2-40B4-BE49-F238E27FC236}">
+                  <a16:creationId xmlns:a16="http://schemas.microsoft.com/office/drawing/2014/main" id="{D148A64A-D598-4309-BCA9-F67ADE72CB4D}"/>
+                </a:ext>
+                <a:ext uri="{C183D7F6-B498-43B3-948B-1728B52AA6E4}">
+                  <adec:decorative xmlns:adec="http://schemas.microsoft.com/office/drawing/2017/decorative" val="1"/>
+                </a:ext>
+              </a:extLst>
+            </p:cNvPr>
+            <p:cNvSpPr>
+              <a:spLocks/>
+            </p:cNvSpPr>
+            <p:nvPr>
+              <p:extLst>
+                <p:ext uri="{386F3935-93C4-4BCD-93E2-E3B085C9AB24}">
+                  <p16:designElem xmlns:p16="http://schemas.microsoft.com/office/powerpoint/2015/main" val="1"/>
+                </p:ext>
+              </p:extLst>
+            </p:nvPr>
+          </p:nvSpPr>
+          <p:spPr bwMode="auto">
+            <a:xfrm>
+              <a:off x="10802938" y="5518150"/>
+              <a:ext cx="1363663" cy="1325563"/>
+            </a:xfrm>
+            <a:custGeom>
+              <a:avLst/>
+              <a:gdLst>
+                <a:gd name="T0" fmla="*/ 0 w 287"/>
+                <a:gd name="T1" fmla="*/ 279 h 279"/>
+                <a:gd name="T2" fmla="*/ 287 w 287"/>
+                <a:gd name="T3" fmla="*/ 0 h 279"/>
+              </a:gdLst>
+              <a:ahLst/>
+              <a:cxnLst>
+                <a:cxn ang="0">
+                  <a:pos x="T0" y="T1"/>
+                </a:cxn>
+                <a:cxn ang="0">
+                  <a:pos x="T2" y="T3"/>
+                </a:cxn>
+              </a:cxnLst>
+              <a:rect l="0" t="0" r="r" b="b"/>
+              <a:pathLst>
+                <a:path w="287" h="279">
+                  <a:moveTo>
+                    <a:pt x="0" y="279"/>
+                  </a:moveTo>
+                  <a:cubicBezTo>
+                    <a:pt x="101" y="193"/>
+                    <a:pt x="198" y="100"/>
+                    <a:pt x="287" y="0"/>
+                  </a:cubicBezTo>
+                </a:path>
+              </a:pathLst>
+            </a:custGeom>
+            <a:noFill/>
+            <a:ln w="9525" cap="flat">
+              <a:solidFill>
+                <a:schemeClr val="tx1">
+                  <a:alpha val="20000"/>
+                </a:schemeClr>
+              </a:solidFill>
+              <a:prstDash val="solid"/>
+              <a:miter lim="800000"/>
+              <a:headEnd/>
+              <a:tailEnd/>
+            </a:ln>
+            <a:extLst>
+              <a:ext uri="{909E8E84-426E-40DD-AFC4-6F175D3DCCD1}">
+                <a14:hiddenFill xmlns:a14="http://schemas.microsoft.com/office/drawing/2010/main">
+                  <a:solidFill>
+                    <a:srgbClr val="FFFFFF"/>
+                  </a:solidFill>
+                </a14:hiddenFill>
+              </a:ext>
+            </a:extLst>
+          </p:spPr>
+          <p:txBody>
+            <a:bodyPr vert="horz" wrap="square" lIns="91440" tIns="45720" rIns="91440" bIns="45720" numCol="1" anchor="t" anchorCtr="0" compatLnSpc="1">
+              <a:prstTxWarp prst="textNoShape">
+                <a:avLst/>
+              </a:prstTxWarp>
+            </a:bodyPr>
+            <a:lstStyle/>
+            <a:p>
+              <a:endParaRPr lang="en-US"/>
+            </a:p>
+          </p:txBody>
+        </p:sp>
+        <p:sp>
+          <p:nvSpPr>
+            <p:cNvPr id="54" name="Freeform 16">
+              <a:extLst>
+                <a:ext uri="{FF2B5EF4-FFF2-40B4-BE49-F238E27FC236}">
+                  <a16:creationId xmlns:a16="http://schemas.microsoft.com/office/drawing/2014/main" id="{38A95D77-7745-4551-BBD5-3515A074D3D5}"/>
+                </a:ext>
+                <a:ext uri="{C183D7F6-B498-43B3-948B-1728B52AA6E4}">
+                  <adec:decorative xmlns:adec="http://schemas.microsoft.com/office/drawing/2017/decorative" val="1"/>
+                </a:ext>
+              </a:extLst>
+            </p:cNvPr>
+            <p:cNvSpPr>
+              <a:spLocks/>
+            </p:cNvSpPr>
+            <p:nvPr>
+              <p:extLst>
+                <p:ext uri="{386F3935-93C4-4BCD-93E2-E3B085C9AB24}">
+                  <p16:designElem xmlns:p16="http://schemas.microsoft.com/office/powerpoint/2015/main" val="1"/>
+                </p:ext>
+              </p:extLst>
+            </p:nvPr>
+          </p:nvSpPr>
+          <p:spPr bwMode="auto">
+            <a:xfrm>
+              <a:off x="889000" y="0"/>
+              <a:ext cx="3230563" cy="6843713"/>
+            </a:xfrm>
+            <a:custGeom>
+              <a:avLst/>
+              <a:gdLst>
+                <a:gd name="T0" fmla="*/ 680 w 680"/>
+                <a:gd name="T1" fmla="*/ 0 h 1440"/>
+                <a:gd name="T2" fmla="*/ 337 w 680"/>
+                <a:gd name="T3" fmla="*/ 1440 h 1440"/>
+              </a:gdLst>
+              <a:ahLst/>
+              <a:cxnLst>
+                <a:cxn ang="0">
+                  <a:pos x="T0" y="T1"/>
+                </a:cxn>
+                <a:cxn ang="0">
+                  <a:pos x="T2" y="T3"/>
+                </a:cxn>
+              </a:cxnLst>
+              <a:rect l="0" t="0" r="r" b="b"/>
+              <a:pathLst>
+                <a:path w="680" h="1440">
+                  <a:moveTo>
+                    <a:pt x="680" y="0"/>
+                  </a:moveTo>
+                  <a:cubicBezTo>
+                    <a:pt x="257" y="265"/>
+                    <a:pt x="0" y="1026"/>
+                    <a:pt x="337" y="1440"/>
+                  </a:cubicBezTo>
+                </a:path>
+              </a:pathLst>
+            </a:custGeom>
+            <a:noFill/>
+            <a:ln w="9525" cap="flat">
+              <a:solidFill>
+                <a:schemeClr val="tx1">
+                  <a:alpha val="20000"/>
+                </a:schemeClr>
+              </a:solidFill>
+              <a:prstDash val="solid"/>
+              <a:miter lim="800000"/>
+              <a:headEnd/>
+              <a:tailEnd/>
+            </a:ln>
+            <a:extLst>
+              <a:ext uri="{909E8E84-426E-40DD-AFC4-6F175D3DCCD1}">
+                <a14:hiddenFill xmlns:a14="http://schemas.microsoft.com/office/drawing/2010/main">
+                  <a:solidFill>
+                    <a:srgbClr val="FFFFFF"/>
+                  </a:solidFill>
+                </a14:hiddenFill>
+              </a:ext>
+            </a:extLst>
+          </p:spPr>
+          <p:txBody>
+            <a:bodyPr vert="horz" wrap="square" lIns="91440" tIns="45720" rIns="91440" bIns="45720" numCol="1" anchor="t" anchorCtr="0" compatLnSpc="1">
+              <a:prstTxWarp prst="textNoShape">
+                <a:avLst/>
+              </a:prstTxWarp>
+            </a:bodyPr>
+            <a:lstStyle/>
+            <a:p>
+              <a:endParaRPr lang="en-US"/>
+            </a:p>
+          </p:txBody>
+        </p:sp>
+        <p:sp>
+          <p:nvSpPr>
+            <p:cNvPr id="55" name="Freeform 17">
+              <a:extLst>
+                <a:ext uri="{FF2B5EF4-FFF2-40B4-BE49-F238E27FC236}">
+                  <a16:creationId xmlns:a16="http://schemas.microsoft.com/office/drawing/2014/main" id="{A2C20B7F-80D6-4D48-BB2A-9AEC85494897}"/>
+                </a:ext>
+                <a:ext uri="{C183D7F6-B498-43B3-948B-1728B52AA6E4}">
+                  <adec:decorative xmlns:adec="http://schemas.microsoft.com/office/drawing/2017/decorative" val="1"/>
+                </a:ext>
+              </a:extLst>
+            </p:cNvPr>
+            <p:cNvSpPr>
+              <a:spLocks/>
+            </p:cNvSpPr>
+            <p:nvPr>
+              <p:extLst>
+                <p:ext uri="{386F3935-93C4-4BCD-93E2-E3B085C9AB24}">
+                  <p16:designElem xmlns:p16="http://schemas.microsoft.com/office/powerpoint/2015/main" val="1"/>
+                </p:ext>
+              </p:extLst>
+            </p:nvPr>
+          </p:nvSpPr>
+          <p:spPr bwMode="auto">
+            <a:xfrm>
+              <a:off x="10979150" y="5694363"/>
+              <a:ext cx="1187450" cy="1149350"/>
+            </a:xfrm>
+            <a:custGeom>
+              <a:avLst/>
+              <a:gdLst>
+                <a:gd name="T0" fmla="*/ 0 w 250"/>
+                <a:gd name="T1" fmla="*/ 242 h 242"/>
+                <a:gd name="T2" fmla="*/ 250 w 250"/>
+                <a:gd name="T3" fmla="*/ 0 h 242"/>
+              </a:gdLst>
+              <a:ahLst/>
+              <a:cxnLst>
+                <a:cxn ang="0">
+                  <a:pos x="T0" y="T1"/>
+                </a:cxn>
+                <a:cxn ang="0">
+                  <a:pos x="T2" y="T3"/>
+                </a:cxn>
+              </a:cxnLst>
+              <a:rect l="0" t="0" r="r" b="b"/>
+              <a:pathLst>
+                <a:path w="250" h="242">
+                  <a:moveTo>
+                    <a:pt x="0" y="242"/>
+                  </a:moveTo>
+                  <a:cubicBezTo>
+                    <a:pt x="88" y="166"/>
+                    <a:pt x="172" y="85"/>
+                    <a:pt x="250" y="0"/>
+                  </a:cubicBezTo>
+                </a:path>
+              </a:pathLst>
+            </a:custGeom>
+            <a:noFill/>
+            <a:ln w="9525" cap="flat">
+              <a:solidFill>
+                <a:schemeClr val="tx1">
+                  <a:alpha val="20000"/>
+                </a:schemeClr>
+              </a:solidFill>
+              <a:prstDash val="solid"/>
+              <a:miter lim="800000"/>
+              <a:headEnd/>
+              <a:tailEnd/>
+            </a:ln>
+            <a:extLst>
+              <a:ext uri="{909E8E84-426E-40DD-AFC4-6F175D3DCCD1}">
+                <a14:hiddenFill xmlns:a14="http://schemas.microsoft.com/office/drawing/2010/main">
+                  <a:solidFill>
+                    <a:srgbClr val="FFFFFF"/>
+                  </a:solidFill>
+                </a14:hiddenFill>
+              </a:ext>
+            </a:extLst>
+          </p:spPr>
+          <p:txBody>
+            <a:bodyPr vert="horz" wrap="square" lIns="91440" tIns="45720" rIns="91440" bIns="45720" numCol="1" anchor="t" anchorCtr="0" compatLnSpc="1">
+              <a:prstTxWarp prst="textNoShape">
+                <a:avLst/>
+              </a:prstTxWarp>
+            </a:bodyPr>
+            <a:lstStyle/>
+            <a:p>
+              <a:endParaRPr lang="en-US"/>
+            </a:p>
+          </p:txBody>
+        </p:sp>
+        <p:sp>
+          <p:nvSpPr>
+            <p:cNvPr id="56" name="Freeform 18">
+              <a:extLst>
+                <a:ext uri="{FF2B5EF4-FFF2-40B4-BE49-F238E27FC236}">
+                  <a16:creationId xmlns:a16="http://schemas.microsoft.com/office/drawing/2014/main" id="{55589882-0BB8-42B0-B42F-32A75B191835}"/>
+                </a:ext>
+                <a:ext uri="{C183D7F6-B498-43B3-948B-1728B52AA6E4}">
+                  <adec:decorative xmlns:adec="http://schemas.microsoft.com/office/drawing/2017/decorative" val="1"/>
+                </a:ext>
+              </a:extLst>
+            </p:cNvPr>
+            <p:cNvSpPr>
+              <a:spLocks/>
+            </p:cNvSpPr>
+            <p:nvPr>
+              <p:extLst>
+                <p:ext uri="{386F3935-93C4-4BCD-93E2-E3B085C9AB24}">
+                  <p16:designElem xmlns:p16="http://schemas.microsoft.com/office/powerpoint/2015/main" val="1"/>
+                </p:ext>
+              </p:extLst>
+            </p:nvPr>
+          </p:nvSpPr>
+          <p:spPr bwMode="auto">
+            <a:xfrm>
+              <a:off x="484188" y="0"/>
+              <a:ext cx="3421063" cy="6843713"/>
+            </a:xfrm>
+            <a:custGeom>
+              <a:avLst/>
+              <a:gdLst>
+                <a:gd name="T0" fmla="*/ 720 w 720"/>
+                <a:gd name="T1" fmla="*/ 0 h 1440"/>
+                <a:gd name="T2" fmla="*/ 362 w 720"/>
+                <a:gd name="T3" fmla="*/ 1440 h 1440"/>
+              </a:gdLst>
+              <a:ahLst/>
+              <a:cxnLst>
+                <a:cxn ang="0">
+                  <a:pos x="T0" y="T1"/>
+                </a:cxn>
+                <a:cxn ang="0">
+                  <a:pos x="T2" y="T3"/>
+                </a:cxn>
+              </a:cxnLst>
+              <a:rect l="0" t="0" r="r" b="b"/>
+              <a:pathLst>
+                <a:path w="720" h="1440">
+                  <a:moveTo>
+                    <a:pt x="720" y="0"/>
+                  </a:moveTo>
+                  <a:cubicBezTo>
+                    <a:pt x="316" y="282"/>
+                    <a:pt x="0" y="1018"/>
+                    <a:pt x="362" y="1440"/>
+                  </a:cubicBezTo>
+                </a:path>
+              </a:pathLst>
+            </a:custGeom>
+            <a:noFill/>
+            <a:ln w="9525" cap="flat">
+              <a:solidFill>
+                <a:schemeClr val="tx1">
+                  <a:alpha val="20000"/>
+                </a:schemeClr>
+              </a:solidFill>
+              <a:prstDash val="solid"/>
+              <a:miter lim="800000"/>
+              <a:headEnd/>
+              <a:tailEnd/>
+            </a:ln>
+            <a:extLst>
+              <a:ext uri="{909E8E84-426E-40DD-AFC4-6F175D3DCCD1}">
+                <a14:hiddenFill xmlns:a14="http://schemas.microsoft.com/office/drawing/2010/main">
+                  <a:solidFill>
+                    <a:srgbClr val="FFFFFF"/>
+                  </a:solidFill>
+                </a14:hiddenFill>
+              </a:ext>
+            </a:extLst>
+          </p:spPr>
+          <p:txBody>
+            <a:bodyPr vert="horz" wrap="square" lIns="91440" tIns="45720" rIns="91440" bIns="45720" numCol="1" anchor="t" anchorCtr="0" compatLnSpc="1">
+              <a:prstTxWarp prst="textNoShape">
+                <a:avLst/>
+              </a:prstTxWarp>
+            </a:bodyPr>
+            <a:lstStyle/>
+            <a:p>
+              <a:endParaRPr lang="en-US"/>
+            </a:p>
+          </p:txBody>
+        </p:sp>
+        <p:sp>
+          <p:nvSpPr>
+            <p:cNvPr id="57" name="Freeform 19">
+              <a:extLst>
+                <a:ext uri="{FF2B5EF4-FFF2-40B4-BE49-F238E27FC236}">
+                  <a16:creationId xmlns:a16="http://schemas.microsoft.com/office/drawing/2014/main" id="{53673B9F-5864-445E-82E7-0A8324FA8549}"/>
+                </a:ext>
+                <a:ext uri="{C183D7F6-B498-43B3-948B-1728B52AA6E4}">
+                  <adec:decorative xmlns:adec="http://schemas.microsoft.com/office/drawing/2017/decorative" val="1"/>
+                </a:ext>
+              </a:extLst>
+            </p:cNvPr>
+            <p:cNvSpPr>
+              <a:spLocks/>
+            </p:cNvSpPr>
+            <p:nvPr>
+              <p:extLst>
+                <p:ext uri="{386F3935-93C4-4BCD-93E2-E3B085C9AB24}">
+                  <p16:designElem xmlns:p16="http://schemas.microsoft.com/office/powerpoint/2015/main" val="1"/>
+                </p:ext>
+              </p:extLst>
+            </p:nvPr>
+          </p:nvSpPr>
+          <p:spPr bwMode="auto">
+            <a:xfrm>
+              <a:off x="11287125" y="6049963"/>
+              <a:ext cx="879475" cy="793750"/>
+            </a:xfrm>
+            <a:custGeom>
+              <a:avLst/>
+              <a:gdLst>
+                <a:gd name="T0" fmla="*/ 0 w 185"/>
+                <a:gd name="T1" fmla="*/ 167 h 167"/>
+                <a:gd name="T2" fmla="*/ 185 w 185"/>
+                <a:gd name="T3" fmla="*/ 0 h 167"/>
+              </a:gdLst>
+              <a:ahLst/>
+              <a:cxnLst>
+                <a:cxn ang="0">
+                  <a:pos x="T0" y="T1"/>
+                </a:cxn>
+                <a:cxn ang="0">
+                  <a:pos x="T2" y="T3"/>
+                </a:cxn>
+              </a:cxnLst>
+              <a:rect l="0" t="0" r="r" b="b"/>
+              <a:pathLst>
+                <a:path w="185" h="167">
+                  <a:moveTo>
+                    <a:pt x="0" y="167"/>
+                  </a:moveTo>
+                  <a:cubicBezTo>
+                    <a:pt x="63" y="114"/>
+                    <a:pt x="125" y="58"/>
+                    <a:pt x="185" y="0"/>
+                  </a:cubicBezTo>
+                </a:path>
+              </a:pathLst>
+            </a:custGeom>
+            <a:noFill/>
+            <a:ln w="9525" cap="flat">
+              <a:solidFill>
+                <a:schemeClr val="tx1">
+                  <a:alpha val="20000"/>
+                </a:schemeClr>
+              </a:solidFill>
+              <a:prstDash val="solid"/>
+              <a:miter lim="800000"/>
+              <a:headEnd/>
+              <a:tailEnd/>
+            </a:ln>
+            <a:extLst>
+              <a:ext uri="{909E8E84-426E-40DD-AFC4-6F175D3DCCD1}">
+                <a14:hiddenFill xmlns:a14="http://schemas.microsoft.com/office/drawing/2010/main">
+                  <a:solidFill>
+                    <a:srgbClr val="FFFFFF"/>
+                  </a:solidFill>
+                </a14:hiddenFill>
+              </a:ext>
+            </a:extLst>
+          </p:spPr>
+          <p:txBody>
+            <a:bodyPr vert="horz" wrap="square" lIns="91440" tIns="45720" rIns="91440" bIns="45720" numCol="1" anchor="t" anchorCtr="0" compatLnSpc="1">
+              <a:prstTxWarp prst="textNoShape">
+                <a:avLst/>
+              </a:prstTxWarp>
+            </a:bodyPr>
+            <a:lstStyle/>
+            <a:p>
+              <a:endParaRPr lang="en-US"/>
+            </a:p>
+          </p:txBody>
+        </p:sp>
+        <p:sp>
+          <p:nvSpPr>
+            <p:cNvPr id="58" name="Freeform 20">
+              <a:extLst>
+                <a:ext uri="{FF2B5EF4-FFF2-40B4-BE49-F238E27FC236}">
+                  <a16:creationId xmlns:a16="http://schemas.microsoft.com/office/drawing/2014/main" id="{16FF3B3D-59FE-4AE1-AA54-14A691D6BFEA}"/>
+                </a:ext>
+                <a:ext uri="{C183D7F6-B498-43B3-948B-1728B52AA6E4}">
+                  <adec:decorative xmlns:adec="http://schemas.microsoft.com/office/drawing/2017/decorative" val="1"/>
+                </a:ext>
+              </a:extLst>
+            </p:cNvPr>
+            <p:cNvSpPr>
+              <a:spLocks/>
+            </p:cNvSpPr>
+            <p:nvPr>
+              <p:extLst>
+                <p:ext uri="{386F3935-93C4-4BCD-93E2-E3B085C9AB24}">
+                  <p16:designElem xmlns:p16="http://schemas.microsoft.com/office/powerpoint/2015/main" val="1"/>
+                </p:ext>
+              </p:extLst>
+            </p:nvPr>
+          </p:nvSpPr>
+          <p:spPr bwMode="auto">
+            <a:xfrm>
+              <a:off x="598488" y="0"/>
+              <a:ext cx="2717800" cy="6843713"/>
+            </a:xfrm>
+            <a:custGeom>
+              <a:avLst/>
+              <a:gdLst>
+                <a:gd name="T0" fmla="*/ 572 w 572"/>
+                <a:gd name="T1" fmla="*/ 0 h 1440"/>
+                <a:gd name="T2" fmla="*/ 164 w 572"/>
+                <a:gd name="T3" fmla="*/ 1440 h 1440"/>
+              </a:gdLst>
+              <a:ahLst/>
+              <a:cxnLst>
+                <a:cxn ang="0">
+                  <a:pos x="T0" y="T1"/>
+                </a:cxn>
+                <a:cxn ang="0">
+                  <a:pos x="T2" y="T3"/>
+                </a:cxn>
+              </a:cxnLst>
+              <a:rect l="0" t="0" r="r" b="b"/>
+              <a:pathLst>
+                <a:path w="572" h="1440">
+                  <a:moveTo>
+                    <a:pt x="572" y="0"/>
+                  </a:moveTo>
+                  <a:cubicBezTo>
+                    <a:pt x="213" y="320"/>
+                    <a:pt x="0" y="979"/>
+                    <a:pt x="164" y="1440"/>
+                  </a:cubicBezTo>
+                </a:path>
+              </a:pathLst>
+            </a:custGeom>
+            <a:noFill/>
+            <a:ln w="12700" cap="flat">
+              <a:solidFill>
+                <a:schemeClr val="tx1">
+                  <a:alpha val="20000"/>
+                </a:schemeClr>
+              </a:solidFill>
+              <a:prstDash val="dashDot"/>
+              <a:miter lim="800000"/>
+              <a:headEnd/>
+              <a:tailEnd/>
+            </a:ln>
+            <a:extLst>
+              <a:ext uri="{909E8E84-426E-40DD-AFC4-6F175D3DCCD1}">
+                <a14:hiddenFill xmlns:a14="http://schemas.microsoft.com/office/drawing/2010/main">
+                  <a:solidFill>
+                    <a:srgbClr val="FFFFFF"/>
+                  </a:solidFill>
+                </a14:hiddenFill>
+              </a:ext>
+            </a:extLst>
+          </p:spPr>
+          <p:txBody>
+            <a:bodyPr vert="horz" wrap="square" lIns="91440" tIns="45720" rIns="91440" bIns="45720" numCol="1" anchor="t" anchorCtr="0" compatLnSpc="1">
+              <a:prstTxWarp prst="textNoShape">
+                <a:avLst/>
+              </a:prstTxWarp>
+            </a:bodyPr>
+            <a:lstStyle/>
+            <a:p>
+              <a:endParaRPr lang="en-US"/>
+            </a:p>
+          </p:txBody>
+        </p:sp>
+        <p:sp>
+          <p:nvSpPr>
+            <p:cNvPr id="59" name="Freeform 21">
+              <a:extLst>
+                <a:ext uri="{FF2B5EF4-FFF2-40B4-BE49-F238E27FC236}">
+                  <a16:creationId xmlns:a16="http://schemas.microsoft.com/office/drawing/2014/main" id="{901CA0F0-4962-4EC5-BA5B-3F0A967FC8AC}"/>
+                </a:ext>
+                <a:ext uri="{C183D7F6-B498-43B3-948B-1728B52AA6E4}">
+                  <adec:decorative xmlns:adec="http://schemas.microsoft.com/office/drawing/2017/decorative" val="1"/>
+                </a:ext>
+              </a:extLst>
+            </p:cNvPr>
+            <p:cNvSpPr>
+              <a:spLocks/>
+            </p:cNvSpPr>
+            <p:nvPr>
+              <p:extLst>
+                <p:ext uri="{386F3935-93C4-4BCD-93E2-E3B085C9AB24}">
+                  <p16:designElem xmlns:p16="http://schemas.microsoft.com/office/powerpoint/2015/main" val="1"/>
+                </p:ext>
+              </p:extLst>
+            </p:nvPr>
+          </p:nvSpPr>
+          <p:spPr bwMode="auto">
+            <a:xfrm>
+              <a:off x="261938" y="0"/>
+              <a:ext cx="2944813" cy="6843713"/>
+            </a:xfrm>
+            <a:custGeom>
+              <a:avLst/>
+              <a:gdLst>
+                <a:gd name="T0" fmla="*/ 620 w 620"/>
+                <a:gd name="T1" fmla="*/ 0 h 1440"/>
+                <a:gd name="T2" fmla="*/ 186 w 620"/>
+                <a:gd name="T3" fmla="*/ 1440 h 1440"/>
+              </a:gdLst>
+              <a:ahLst/>
+              <a:cxnLst>
+                <a:cxn ang="0">
+                  <a:pos x="T0" y="T1"/>
+                </a:cxn>
+                <a:cxn ang="0">
+                  <a:pos x="T2" y="T3"/>
+                </a:cxn>
+              </a:cxnLst>
+              <a:rect l="0" t="0" r="r" b="b"/>
+              <a:pathLst>
+                <a:path w="620" h="1440">
+                  <a:moveTo>
+                    <a:pt x="620" y="0"/>
+                  </a:moveTo>
+                  <a:cubicBezTo>
+                    <a:pt x="248" y="325"/>
+                    <a:pt x="0" y="960"/>
+                    <a:pt x="186" y="1440"/>
+                  </a:cubicBezTo>
+                </a:path>
+              </a:pathLst>
+            </a:custGeom>
+            <a:noFill/>
+            <a:ln w="9525" cap="flat">
+              <a:solidFill>
+                <a:schemeClr val="tx1">
+                  <a:alpha val="20000"/>
+                </a:schemeClr>
+              </a:solidFill>
+              <a:prstDash val="lgDash"/>
+              <a:miter lim="800000"/>
+              <a:headEnd/>
+              <a:tailEnd/>
+            </a:ln>
+            <a:extLst>
+              <a:ext uri="{909E8E84-426E-40DD-AFC4-6F175D3DCCD1}">
+                <a14:hiddenFill xmlns:a14="http://schemas.microsoft.com/office/drawing/2010/main">
+                  <a:solidFill>
+                    <a:srgbClr val="FFFFFF"/>
+                  </a:solidFill>
+                </a14:hiddenFill>
+              </a:ext>
+            </a:extLst>
+          </p:spPr>
+          <p:txBody>
+            <a:bodyPr vert="horz" wrap="square" lIns="91440" tIns="45720" rIns="91440" bIns="45720" numCol="1" anchor="t" anchorCtr="0" compatLnSpc="1">
+              <a:prstTxWarp prst="textNoShape">
+                <a:avLst/>
+              </a:prstTxWarp>
+            </a:bodyPr>
+            <a:lstStyle/>
+            <a:p>
+              <a:endParaRPr lang="en-US"/>
+            </a:p>
+          </p:txBody>
+        </p:sp>
+        <p:sp>
+          <p:nvSpPr>
+            <p:cNvPr id="60" name="Freeform 22">
+              <a:extLst>
+                <a:ext uri="{FF2B5EF4-FFF2-40B4-BE49-F238E27FC236}">
+                  <a16:creationId xmlns:a16="http://schemas.microsoft.com/office/drawing/2014/main" id="{3DD02E26-C2AD-4062-85BD-28D172C9E74C}"/>
+                </a:ext>
+                <a:ext uri="{C183D7F6-B498-43B3-948B-1728B52AA6E4}">
+                  <adec:decorative xmlns:adec="http://schemas.microsoft.com/office/drawing/2017/decorative" val="1"/>
+                </a:ext>
+              </a:extLst>
+            </p:cNvPr>
+            <p:cNvSpPr>
+              <a:spLocks/>
+            </p:cNvSpPr>
+            <p:nvPr>
+              <p:extLst>
+                <p:ext uri="{386F3935-93C4-4BCD-93E2-E3B085C9AB24}">
+                  <p16:designElem xmlns:p16="http://schemas.microsoft.com/office/powerpoint/2015/main" val="1"/>
+                </p:ext>
+              </p:extLst>
+            </p:nvPr>
+          </p:nvSpPr>
+          <p:spPr bwMode="auto">
+            <a:xfrm>
+              <a:off x="-417513" y="0"/>
+              <a:ext cx="2403475" cy="6843713"/>
+            </a:xfrm>
+            <a:custGeom>
+              <a:avLst/>
+              <a:gdLst>
+                <a:gd name="T0" fmla="*/ 506 w 506"/>
+                <a:gd name="T1" fmla="*/ 0 h 1440"/>
+                <a:gd name="T2" fmla="*/ 171 w 506"/>
+                <a:gd name="T3" fmla="*/ 1440 h 1440"/>
+              </a:gdLst>
+              <a:ahLst/>
+              <a:cxnLst>
+                <a:cxn ang="0">
+                  <a:pos x="T0" y="T1"/>
+                </a:cxn>
+                <a:cxn ang="0">
+                  <a:pos x="T2" y="T3"/>
+                </a:cxn>
+              </a:cxnLst>
+              <a:rect l="0" t="0" r="r" b="b"/>
+              <a:pathLst>
+                <a:path w="506" h="1440">
+                  <a:moveTo>
+                    <a:pt x="506" y="0"/>
+                  </a:moveTo>
+                  <a:cubicBezTo>
+                    <a:pt x="109" y="356"/>
+                    <a:pt x="0" y="943"/>
+                    <a:pt x="171" y="1440"/>
+                  </a:cubicBezTo>
+                </a:path>
+              </a:pathLst>
+            </a:custGeom>
+            <a:noFill/>
+            <a:ln w="9525" cap="flat">
+              <a:solidFill>
+                <a:schemeClr val="tx1">
+                  <a:alpha val="20000"/>
+                </a:schemeClr>
+              </a:solidFill>
+              <a:prstDash val="solid"/>
+              <a:miter lim="800000"/>
+              <a:headEnd/>
+              <a:tailEnd/>
+            </a:ln>
+            <a:extLst>
+              <a:ext uri="{909E8E84-426E-40DD-AFC4-6F175D3DCCD1}">
+                <a14:hiddenFill xmlns:a14="http://schemas.microsoft.com/office/drawing/2010/main">
+                  <a:solidFill>
+                    <a:srgbClr val="FFFFFF"/>
+                  </a:solidFill>
+                </a14:hiddenFill>
+              </a:ext>
+            </a:extLst>
+          </p:spPr>
+          <p:txBody>
+            <a:bodyPr vert="horz" wrap="square" lIns="91440" tIns="45720" rIns="91440" bIns="45720" numCol="1" anchor="t" anchorCtr="0" compatLnSpc="1">
+              <a:prstTxWarp prst="textNoShape">
+                <a:avLst/>
+              </a:prstTxWarp>
+            </a:bodyPr>
+            <a:lstStyle/>
+            <a:p>
+              <a:endParaRPr lang="en-US"/>
+            </a:p>
+          </p:txBody>
+        </p:sp>
+        <p:sp>
+          <p:nvSpPr>
+            <p:cNvPr id="61" name="Freeform 23">
+              <a:extLst>
+                <a:ext uri="{FF2B5EF4-FFF2-40B4-BE49-F238E27FC236}">
+                  <a16:creationId xmlns:a16="http://schemas.microsoft.com/office/drawing/2014/main" id="{D7B60BD4-07C1-461F-B38E-B39EBACA3A55}"/>
+                </a:ext>
+                <a:ext uri="{C183D7F6-B498-43B3-948B-1728B52AA6E4}">
+                  <adec:decorative xmlns:adec="http://schemas.microsoft.com/office/drawing/2017/decorative" val="1"/>
+                </a:ext>
+              </a:extLst>
+            </p:cNvPr>
+            <p:cNvSpPr>
+              <a:spLocks/>
+            </p:cNvSpPr>
+            <p:nvPr>
+              <p:extLst>
+                <p:ext uri="{386F3935-93C4-4BCD-93E2-E3B085C9AB24}">
+                  <p16:designElem xmlns:p16="http://schemas.microsoft.com/office/powerpoint/2015/main" val="1"/>
+                </p:ext>
+              </p:extLst>
+            </p:nvPr>
+          </p:nvSpPr>
+          <p:spPr bwMode="auto">
+            <a:xfrm>
+              <a:off x="14288" y="9525"/>
+              <a:ext cx="1771650" cy="3198813"/>
+            </a:xfrm>
+            <a:custGeom>
+              <a:avLst/>
+              <a:gdLst>
+                <a:gd name="T0" fmla="*/ 373 w 373"/>
+                <a:gd name="T1" fmla="*/ 0 h 673"/>
+                <a:gd name="T2" fmla="*/ 0 w 373"/>
+                <a:gd name="T3" fmla="*/ 673 h 673"/>
+              </a:gdLst>
+              <a:ahLst/>
+              <a:cxnLst>
+                <a:cxn ang="0">
+                  <a:pos x="T0" y="T1"/>
+                </a:cxn>
+                <a:cxn ang="0">
+                  <a:pos x="T2" y="T3"/>
+                </a:cxn>
+              </a:cxnLst>
+              <a:rect l="0" t="0" r="r" b="b"/>
+              <a:pathLst>
+                <a:path w="373" h="673">
+                  <a:moveTo>
+                    <a:pt x="373" y="0"/>
+                  </a:moveTo>
+                  <a:cubicBezTo>
+                    <a:pt x="175" y="183"/>
+                    <a:pt x="51" y="409"/>
+                    <a:pt x="0" y="673"/>
+                  </a:cubicBezTo>
+                </a:path>
+              </a:pathLst>
+            </a:custGeom>
+            <a:noFill/>
+            <a:ln w="9525" cap="flat">
+              <a:solidFill>
+                <a:schemeClr val="tx1">
+                  <a:alpha val="20000"/>
+                </a:schemeClr>
+              </a:solidFill>
+              <a:prstDash val="solid"/>
+              <a:miter lim="800000"/>
+              <a:headEnd/>
+              <a:tailEnd/>
+            </a:ln>
+            <a:extLst>
+              <a:ext uri="{909E8E84-426E-40DD-AFC4-6F175D3DCCD1}">
+                <a14:hiddenFill xmlns:a14="http://schemas.microsoft.com/office/drawing/2010/main">
+                  <a:solidFill>
+                    <a:srgbClr val="FFFFFF"/>
+                  </a:solidFill>
+                </a14:hiddenFill>
+              </a:ext>
+            </a:extLst>
+          </p:spPr>
+          <p:txBody>
+            <a:bodyPr vert="horz" wrap="square" lIns="91440" tIns="45720" rIns="91440" bIns="45720" numCol="1" anchor="t" anchorCtr="0" compatLnSpc="1">
+              <a:prstTxWarp prst="textNoShape">
+                <a:avLst/>
+              </a:prstTxWarp>
+            </a:bodyPr>
+            <a:lstStyle/>
+            <a:p>
+              <a:endParaRPr lang="en-US"/>
+            </a:p>
+          </p:txBody>
+        </p:sp>
+        <p:sp>
+          <p:nvSpPr>
+            <p:cNvPr id="62" name="Freeform 24">
+              <a:extLst>
+                <a:ext uri="{FF2B5EF4-FFF2-40B4-BE49-F238E27FC236}">
+                  <a16:creationId xmlns:a16="http://schemas.microsoft.com/office/drawing/2014/main" id="{D81BB3F7-E4A5-4BD9-A70D-FDA6C9127F93}"/>
+                </a:ext>
+                <a:ext uri="{C183D7F6-B498-43B3-948B-1728B52AA6E4}">
+                  <adec:decorative xmlns:adec="http://schemas.microsoft.com/office/drawing/2017/decorative" val="1"/>
+                </a:ext>
+              </a:extLst>
+            </p:cNvPr>
+            <p:cNvSpPr>
+              <a:spLocks/>
+            </p:cNvSpPr>
+            <p:nvPr>
+              <p:extLst>
+                <p:ext uri="{386F3935-93C4-4BCD-93E2-E3B085C9AB24}">
+                  <p16:designElem xmlns:p16="http://schemas.microsoft.com/office/powerpoint/2015/main" val="1"/>
+                </p:ext>
+              </p:extLst>
+            </p:nvPr>
+          </p:nvSpPr>
+          <p:spPr bwMode="auto">
+            <a:xfrm>
+              <a:off x="4763" y="6016625"/>
+              <a:ext cx="214313" cy="827088"/>
+            </a:xfrm>
+            <a:custGeom>
+              <a:avLst/>
+              <a:gdLst>
+                <a:gd name="T0" fmla="*/ 0 w 45"/>
+                <a:gd name="T1" fmla="*/ 0 h 174"/>
+                <a:gd name="T2" fmla="*/ 45 w 45"/>
+                <a:gd name="T3" fmla="*/ 174 h 174"/>
+              </a:gdLst>
+              <a:ahLst/>
+              <a:cxnLst>
+                <a:cxn ang="0">
+                  <a:pos x="T0" y="T1"/>
+                </a:cxn>
+                <a:cxn ang="0">
+                  <a:pos x="T2" y="T3"/>
+                </a:cxn>
+              </a:cxnLst>
+              <a:rect l="0" t="0" r="r" b="b"/>
+              <a:pathLst>
+                <a:path w="45" h="174">
+                  <a:moveTo>
+                    <a:pt x="0" y="0"/>
+                  </a:moveTo>
+                  <a:cubicBezTo>
+                    <a:pt x="11" y="59"/>
+                    <a:pt x="26" y="118"/>
+                    <a:pt x="45" y="174"/>
+                  </a:cubicBezTo>
+                </a:path>
+              </a:pathLst>
+            </a:custGeom>
+            <a:noFill/>
+            <a:ln w="9525" cap="flat">
+              <a:solidFill>
+                <a:schemeClr val="tx1">
+                  <a:alpha val="20000"/>
+                </a:schemeClr>
+              </a:solidFill>
+              <a:prstDash val="solid"/>
+              <a:miter lim="800000"/>
+              <a:headEnd/>
+              <a:tailEnd/>
+            </a:ln>
+            <a:extLst>
+              <a:ext uri="{909E8E84-426E-40DD-AFC4-6F175D3DCCD1}">
+                <a14:hiddenFill xmlns:a14="http://schemas.microsoft.com/office/drawing/2010/main">
+                  <a:solidFill>
+                    <a:srgbClr val="FFFFFF"/>
+                  </a:solidFill>
+                </a14:hiddenFill>
+              </a:ext>
+            </a:extLst>
+          </p:spPr>
+          <p:txBody>
+            <a:bodyPr vert="horz" wrap="square" lIns="91440" tIns="45720" rIns="91440" bIns="45720" numCol="1" anchor="t" anchorCtr="0" compatLnSpc="1">
+              <a:prstTxWarp prst="textNoShape">
+                <a:avLst/>
+              </a:prstTxWarp>
+            </a:bodyPr>
+            <a:lstStyle/>
+            <a:p>
+              <a:endParaRPr lang="en-US"/>
+            </a:p>
+          </p:txBody>
+        </p:sp>
+        <p:sp>
+          <p:nvSpPr>
+            <p:cNvPr id="63" name="Freeform 25">
+              <a:extLst>
+                <a:ext uri="{FF2B5EF4-FFF2-40B4-BE49-F238E27FC236}">
+                  <a16:creationId xmlns:a16="http://schemas.microsoft.com/office/drawing/2014/main" id="{B93A80B5-32BA-48BB-941A-4FC64AC62EF7}"/>
+                </a:ext>
+                <a:ext uri="{C183D7F6-B498-43B3-948B-1728B52AA6E4}">
+                  <adec:decorative xmlns:adec="http://schemas.microsoft.com/office/drawing/2017/decorative" val="1"/>
+                </a:ext>
+              </a:extLst>
+            </p:cNvPr>
+            <p:cNvSpPr>
+              <a:spLocks/>
+            </p:cNvSpPr>
+            <p:nvPr>
+              <p:extLst>
+                <p:ext uri="{386F3935-93C4-4BCD-93E2-E3B085C9AB24}">
+                  <p16:designElem xmlns:p16="http://schemas.microsoft.com/office/powerpoint/2015/main" val="1"/>
+                </p:ext>
+              </p:extLst>
+            </p:nvPr>
+          </p:nvSpPr>
+          <p:spPr bwMode="auto">
+            <a:xfrm>
+              <a:off x="14288" y="0"/>
+              <a:ext cx="1562100" cy="2228850"/>
+            </a:xfrm>
+            <a:custGeom>
+              <a:avLst/>
+              <a:gdLst>
+                <a:gd name="T0" fmla="*/ 329 w 329"/>
+                <a:gd name="T1" fmla="*/ 0 h 469"/>
+                <a:gd name="T2" fmla="*/ 0 w 329"/>
+                <a:gd name="T3" fmla="*/ 469 h 469"/>
+              </a:gdLst>
+              <a:ahLst/>
+              <a:cxnLst>
+                <a:cxn ang="0">
+                  <a:pos x="T0" y="T1"/>
+                </a:cxn>
+                <a:cxn ang="0">
+                  <a:pos x="T2" y="T3"/>
+                </a:cxn>
+              </a:cxnLst>
+              <a:rect l="0" t="0" r="r" b="b"/>
+              <a:pathLst>
+                <a:path w="329" h="469">
+                  <a:moveTo>
+                    <a:pt x="329" y="0"/>
+                  </a:moveTo>
+                  <a:cubicBezTo>
+                    <a:pt x="189" y="133"/>
+                    <a:pt x="69" y="288"/>
+                    <a:pt x="0" y="469"/>
+                  </a:cubicBezTo>
+                </a:path>
+              </a:pathLst>
+            </a:custGeom>
+            <a:noFill/>
+            <a:ln w="9525" cap="flat">
+              <a:solidFill>
+                <a:schemeClr val="tx1">
+                  <a:alpha val="20000"/>
+                </a:schemeClr>
+              </a:solidFill>
+              <a:prstDash val="solid"/>
+              <a:miter lim="800000"/>
+              <a:headEnd/>
+              <a:tailEnd/>
+            </a:ln>
+            <a:extLst>
+              <a:ext uri="{909E8E84-426E-40DD-AFC4-6F175D3DCCD1}">
+                <a14:hiddenFill xmlns:a14="http://schemas.microsoft.com/office/drawing/2010/main">
+                  <a:solidFill>
+                    <a:srgbClr val="FFFFFF"/>
+                  </a:solidFill>
+                </a14:hiddenFill>
+              </a:ext>
+            </a:extLst>
+          </p:spPr>
+          <p:txBody>
+            <a:bodyPr vert="horz" wrap="square" lIns="91440" tIns="45720" rIns="91440" bIns="45720" numCol="1" anchor="t" anchorCtr="0" compatLnSpc="1">
+              <a:prstTxWarp prst="textNoShape">
+                <a:avLst/>
+              </a:prstTxWarp>
+            </a:bodyPr>
+            <a:lstStyle/>
+            <a:p>
+              <a:endParaRPr lang="en-US"/>
+            </a:p>
+          </p:txBody>
+        </p:sp>
+      </p:grpSp>
+      <p:sp>
+        <p:nvSpPr>
+          <p:cNvPr id="71" name="Rectangle 64">
+            <a:extLst>
+              <a:ext uri="{FF2B5EF4-FFF2-40B4-BE49-F238E27FC236}">
+                <a16:creationId xmlns:a16="http://schemas.microsoft.com/office/drawing/2014/main" id="{9C057A66-6E97-4BA5-B4B3-2690ACE3CE80}"/>
+              </a:ext>
+              <a:ext uri="{C183D7F6-B498-43B3-948B-1728B52AA6E4}">
+                <adec:decorative xmlns:adec="http://schemas.microsoft.com/office/drawing/2017/decorative" val="1"/>
+              </a:ext>
+            </a:extLst>
+          </p:cNvPr>
+          <p:cNvSpPr>
+            <a:spLocks noGrp="1" noRot="1" noChangeAspect="1" noMove="1" noResize="1" noEditPoints="1" noAdjustHandles="1" noChangeArrowheads="1" noChangeShapeType="1" noTextEdit="1"/>
+          </p:cNvSpPr>
+          <p:nvPr>
+            <p:extLst>
+              <p:ext uri="{386F3935-93C4-4BCD-93E2-E3B085C9AB24}">
+                <p16:designElem xmlns:p16="http://schemas.microsoft.com/office/powerpoint/2015/main" val="1"/>
+              </p:ext>
+            </p:extLst>
+          </p:nvPr>
+        </p:nvSpPr>
+        <p:spPr>
+          <a:xfrm>
+            <a:off x="791682" y="1047102"/>
+            <a:ext cx="5936885" cy="502920"/>
+          </a:xfrm>
+          <a:prstGeom prst="rect">
+            <a:avLst/>
+          </a:prstGeom>
+          <a:solidFill>
+            <a:schemeClr val="accent1"/>
+          </a:solidFill>
+          <a:ln>
+            <a:noFill/>
+          </a:ln>
+        </p:spPr>
+        <p:style>
+          <a:lnRef idx="2">
+            <a:schemeClr val="accent1">
+              <a:shade val="50000"/>
+            </a:schemeClr>
+          </a:lnRef>
+          <a:fillRef idx="1">
+            <a:schemeClr val="accent1"/>
+          </a:fillRef>
+          <a:effectRef idx="0">
+            <a:schemeClr val="accent1"/>
+          </a:effectRef>
+          <a:fontRef idx="minor">
+            <a:schemeClr val="lt1"/>
+          </a:fontRef>
+        </p:style>
+        <p:txBody>
+          <a:bodyPr rtlCol="0" anchor="ctr"/>
+          <a:lstStyle/>
+          <a:p>
+            <a:pPr algn="ctr"/>
+            <a:endParaRPr lang="en-US"/>
+          </a:p>
+        </p:txBody>
+      </p:sp>
+      <p:sp>
+        <p:nvSpPr>
+          <p:cNvPr id="67" name="Isosceles Triangle 22">
+            <a:extLst>
+              <a:ext uri="{FF2B5EF4-FFF2-40B4-BE49-F238E27FC236}">
+                <a16:creationId xmlns:a16="http://schemas.microsoft.com/office/drawing/2014/main" id="{764884A8-16DD-467F-A648-70B32E20BA99}"/>
+              </a:ext>
+              <a:ext uri="{C183D7F6-B498-43B3-948B-1728B52AA6E4}">
+                <adec:decorative xmlns:adec="http://schemas.microsoft.com/office/drawing/2017/decorative" val="1"/>
+              </a:ext>
+            </a:extLst>
+          </p:cNvPr>
+          <p:cNvSpPr>
+            <a:spLocks noGrp="1" noRot="1" noChangeAspect="1" noMove="1" noResize="1" noEditPoints="1" noAdjustHandles="1" noChangeArrowheads="1" noChangeShapeType="1" noTextEdit="1"/>
+          </p:cNvSpPr>
+          <p:nvPr>
+            <p:extLst>
+              <p:ext uri="{386F3935-93C4-4BCD-93E2-E3B085C9AB24}">
+                <p16:designElem xmlns:p16="http://schemas.microsoft.com/office/powerpoint/2015/main" val="1"/>
+              </p:ext>
+            </p:extLst>
+          </p:nvPr>
+        </p:nvSpPr>
+        <p:spPr>
+          <a:xfrm rot="10800000">
+            <a:off x="3602131" y="5546507"/>
+            <a:ext cx="315988" cy="272403"/>
+          </a:xfrm>
+          <a:prstGeom prst="triangle">
+            <a:avLst/>
+          </a:prstGeom>
+          <a:solidFill>
+            <a:schemeClr val="accent1"/>
+          </a:solidFill>
+          <a:ln>
+            <a:noFill/>
+          </a:ln>
+        </p:spPr>
+        <p:style>
+          <a:lnRef idx="2">
+            <a:schemeClr val="accent1">
+              <a:shade val="50000"/>
+            </a:schemeClr>
+          </a:lnRef>
+          <a:fillRef idx="1">
+            <a:schemeClr val="accent1"/>
+          </a:fillRef>
+          <a:effectRef idx="0">
+            <a:schemeClr val="accent1"/>
+          </a:effectRef>
+          <a:fontRef idx="minor">
+            <a:schemeClr val="lt1"/>
+          </a:fontRef>
+        </p:style>
+        <p:txBody>
+          <a:bodyPr rtlCol="0" anchor="ctr"/>
+          <a:lstStyle/>
+          <a:p>
+            <a:pPr algn="ctr"/>
+            <a:endParaRPr lang="en-US"/>
+          </a:p>
+        </p:txBody>
+      </p:sp>
+      <p:sp>
+        <p:nvSpPr>
+          <p:cNvPr id="72" name="Rectangle 68">
+            <a:extLst>
+              <a:ext uri="{FF2B5EF4-FFF2-40B4-BE49-F238E27FC236}">
+                <a16:creationId xmlns:a16="http://schemas.microsoft.com/office/drawing/2014/main" id="{276681CD-6924-4550-926C-667FC2C6A8B5}"/>
+              </a:ext>
+              <a:ext uri="{C183D7F6-B498-43B3-948B-1728B52AA6E4}">
+                <adec:decorative xmlns:adec="http://schemas.microsoft.com/office/drawing/2017/decorative" val="1"/>
+              </a:ext>
+            </a:extLst>
+          </p:cNvPr>
+          <p:cNvSpPr>
+            <a:spLocks noGrp="1" noRot="1" noChangeAspect="1" noMove="1" noResize="1" noEditPoints="1" noAdjustHandles="1" noChangeArrowheads="1" noChangeShapeType="1" noTextEdit="1"/>
+          </p:cNvSpPr>
+          <p:nvPr>
+            <p:extLst>
+              <p:ext uri="{386F3935-93C4-4BCD-93E2-E3B085C9AB24}">
+                <p16:designElem xmlns:p16="http://schemas.microsoft.com/office/powerpoint/2015/main" val="1"/>
+              </p:ext>
+            </p:extLst>
+          </p:nvPr>
+        </p:nvSpPr>
+        <p:spPr>
+          <a:xfrm>
+            <a:off x="791682" y="1634393"/>
+            <a:ext cx="5935796" cy="3917307"/>
+          </a:xfrm>
+          <a:prstGeom prst="rect">
+            <a:avLst/>
+          </a:prstGeom>
+          <a:solidFill>
+            <a:schemeClr val="accent1"/>
+          </a:solidFill>
+          <a:ln>
+            <a:noFill/>
+          </a:ln>
+        </p:spPr>
+        <p:style>
+          <a:lnRef idx="2">
+            <a:schemeClr val="accent1">
+              <a:shade val="50000"/>
+            </a:schemeClr>
+          </a:lnRef>
+          <a:fillRef idx="1">
+            <a:schemeClr val="accent1"/>
+          </a:fillRef>
+          <a:effectRef idx="0">
+            <a:schemeClr val="accent1"/>
+          </a:effectRef>
+          <a:fontRef idx="minor">
+            <a:schemeClr val="lt1"/>
+          </a:fontRef>
+        </p:style>
+        <p:txBody>
+          <a:bodyPr rtlCol="0" anchor="ctr"/>
+          <a:lstStyle/>
+          <a:p>
+            <a:pPr algn="ctr"/>
+            <a:endParaRPr lang="en-US"/>
+          </a:p>
+        </p:txBody>
+      </p:sp>
+      <p:sp>
+        <p:nvSpPr>
+          <p:cNvPr id="2" name="Title 1">
+            <a:extLst>
+              <a:ext uri="{FF2B5EF4-FFF2-40B4-BE49-F238E27FC236}">
+                <a16:creationId xmlns:a16="http://schemas.microsoft.com/office/drawing/2014/main" id="{9AFCDCB1-665D-4E18-A1AB-198301188C0D}"/>
+              </a:ext>
+            </a:extLst>
+          </p:cNvPr>
+          <p:cNvSpPr>
+            <a:spLocks noGrp="1"/>
+          </p:cNvSpPr>
+          <p:nvPr>
+            <p:ph type="title"/>
+          </p:nvPr>
+        </p:nvSpPr>
+        <p:spPr>
+          <a:xfrm>
+            <a:off x="873978" y="1718735"/>
+            <a:ext cx="5767566" cy="1072378"/>
+          </a:xfrm>
+        </p:spPr>
+        <p:txBody>
+          <a:bodyPr anchor="ctr">
+            <a:normAutofit/>
+          </a:bodyPr>
+          <a:lstStyle/>
+          <a:p>
+            <a:r>
+              <a:rPr lang="en-US" sz="3600" dirty="0"/>
+              <a:t>ABSTRACT</a:t>
+            </a:r>
+          </a:p>
+        </p:txBody>
+      </p:sp>
+      <p:sp>
+        <p:nvSpPr>
+          <p:cNvPr id="3" name="Content Placeholder 2">
+            <a:extLst>
+              <a:ext uri="{FF2B5EF4-FFF2-40B4-BE49-F238E27FC236}">
+                <a16:creationId xmlns:a16="http://schemas.microsoft.com/office/drawing/2014/main" id="{6A1FF52C-1424-4304-9EA1-14A70911E442}"/>
+              </a:ext>
+            </a:extLst>
+          </p:cNvPr>
+          <p:cNvSpPr>
+            <a:spLocks noGrp="1"/>
+          </p:cNvSpPr>
+          <p:nvPr>
+            <p:ph idx="1"/>
+          </p:nvPr>
+        </p:nvSpPr>
+        <p:spPr>
+          <a:xfrm>
+            <a:off x="873102" y="2789239"/>
+            <a:ext cx="5768442" cy="2683606"/>
+          </a:xfrm>
+        </p:spPr>
+        <p:txBody>
+          <a:bodyPr>
+            <a:normAutofit lnSpcReduction="10000"/>
+          </a:bodyPr>
+          <a:lstStyle/>
+          <a:p>
+            <a:pPr marL="0" indent="0">
+              <a:buClr>
+                <a:srgbClr val="C19C7C"/>
+              </a:buClr>
+              <a:buNone/>
+            </a:pPr>
+            <a:endParaRPr lang="en-US" sz="1600" dirty="0">
+              <a:solidFill>
+                <a:srgbClr val="FFFFFE"/>
+              </a:solidFill>
+            </a:endParaRPr>
+          </a:p>
+          <a:p>
+            <a:pPr>
+              <a:buClr>
+                <a:srgbClr val="C19C7C"/>
+              </a:buClr>
+            </a:pPr>
+            <a:r>
+              <a:rPr lang="en-US" sz="2400" dirty="0">
+                <a:solidFill>
+                  <a:srgbClr val="FFFFFE"/>
+                </a:solidFill>
+              </a:rPr>
+              <a:t>To find the variance in impact around the globe of education, employment and financial independence on special programs aimed towards women.</a:t>
+            </a:r>
+          </a:p>
+          <a:p>
+            <a:pPr>
+              <a:buClr>
+                <a:srgbClr val="C19C7C"/>
+              </a:buClr>
+            </a:pPr>
+            <a:endParaRPr lang="en-US" sz="1600" dirty="0">
+              <a:solidFill>
+                <a:srgbClr val="FFFFFE"/>
+              </a:solidFill>
+            </a:endParaRPr>
+          </a:p>
+        </p:txBody>
+      </p:sp>
+      <p:pic>
+        <p:nvPicPr>
+          <p:cNvPr id="5" name="Picture 4">
+            <a:extLst>
+              <a:ext uri="{FF2B5EF4-FFF2-40B4-BE49-F238E27FC236}">
+                <a16:creationId xmlns:a16="http://schemas.microsoft.com/office/drawing/2014/main" id="{A2BABFE5-BF1B-454A-9E46-21A9B2799219}"/>
+              </a:ext>
+            </a:extLst>
+          </p:cNvPr>
+          <p:cNvPicPr>
+            <a:picLocks noChangeAspect="1"/>
+          </p:cNvPicPr>
+          <p:nvPr/>
+        </p:nvPicPr>
+        <p:blipFill rotWithShape="1">
+          <a:blip r:embed="rId2">
+            <a:extLst>
+              <a:ext uri="{28A0092B-C50C-407E-A947-70E740481C1C}">
+                <a14:useLocalDpi xmlns:a14="http://schemas.microsoft.com/office/drawing/2010/main" val="0"/>
+              </a:ext>
+            </a:extLst>
+          </a:blip>
+          <a:srcRect l="29518" r="28517" b="-1"/>
+          <a:stretch/>
+        </p:blipFill>
+        <p:spPr>
+          <a:xfrm>
+            <a:off x="7549862" y="227"/>
+            <a:ext cx="4641833" cy="6858000"/>
+          </a:xfrm>
+          <a:prstGeom prst="rect">
+            <a:avLst/>
+          </a:prstGeom>
+        </p:spPr>
+      </p:pic>
+    </p:spTree>
+    <p:extLst>
+      <p:ext uri="{BB962C8B-B14F-4D97-AF65-F5344CB8AC3E}">
+        <p14:creationId xmlns:p14="http://schemas.microsoft.com/office/powerpoint/2010/main" val="3099141666"/>
+      </p:ext>
+    </p:extLst>
+  </p:cSld>
+  <p:clrMapOvr>
+    <a:masterClrMapping/>
+  </p:clrMapOvr>
+</p:sld>
+</file>
+
+<file path=ppt/slides/slide3.xml><?xml version="1.0" encoding="utf-8"?>
+<p:sld xmlns:a="http://schemas.openxmlformats.org/drawingml/2006/main" xmlns:r="http://schemas.openxmlformats.org/officeDocument/2006/relationships" xmlns:p="http://schemas.openxmlformats.org/presentationml/2006/main">
+  <p:cSld>
+    <p:spTree>
+      <p:nvGrpSpPr>
+        <p:cNvPr id="1" name=""/>
+        <p:cNvGrpSpPr/>
+        <p:nvPr/>
+      </p:nvGrpSpPr>
+      <p:grpSpPr>
+        <a:xfrm>
+          <a:off x="0" y="0"/>
+          <a:ext cx="0" cy="0"/>
+          <a:chOff x="0" y="0"/>
+          <a:chExt cx="0" cy="0"/>
+        </a:xfrm>
+      </p:grpSpPr>
+      <p:sp>
+        <p:nvSpPr>
+          <p:cNvPr id="2" name="Title 1">
+            <a:extLst>
+              <a:ext uri="{FF2B5EF4-FFF2-40B4-BE49-F238E27FC236}">
+                <a16:creationId xmlns:a16="http://schemas.microsoft.com/office/drawing/2014/main" id="{D826A6AC-2F4F-4E2D-8E32-DCAE791AA5D5}"/>
+              </a:ext>
+            </a:extLst>
+          </p:cNvPr>
+          <p:cNvSpPr>
+            <a:spLocks noGrp="1"/>
+          </p:cNvSpPr>
+          <p:nvPr>
+            <p:ph type="title"/>
+          </p:nvPr>
+        </p:nvSpPr>
+        <p:spPr/>
+        <p:txBody>
+          <a:bodyPr/>
+          <a:lstStyle/>
+          <a:p>
+            <a:r>
+              <a:rPr lang="en-US" dirty="0"/>
+              <a:t>Question 1:</a:t>
+            </a:r>
+            <a:br>
+              <a:rPr lang="en-US" dirty="0"/>
+            </a:br>
+            <a:r>
+              <a:rPr lang="en-US" dirty="0"/>
+              <a:t>Problem</a:t>
+            </a:r>
+          </a:p>
+        </p:txBody>
+      </p:sp>
+      <p:sp>
+        <p:nvSpPr>
+          <p:cNvPr id="3" name="Content Placeholder 2">
+            <a:extLst>
+              <a:ext uri="{FF2B5EF4-FFF2-40B4-BE49-F238E27FC236}">
+                <a16:creationId xmlns:a16="http://schemas.microsoft.com/office/drawing/2014/main" id="{451FBA7D-BD43-41D1-BB55-7C158D90C823}"/>
+              </a:ext>
+            </a:extLst>
+          </p:cNvPr>
+          <p:cNvSpPr>
+            <a:spLocks noGrp="1"/>
+          </p:cNvSpPr>
+          <p:nvPr>
+            <p:ph idx="1"/>
+          </p:nvPr>
+        </p:nvSpPr>
+        <p:spPr/>
+        <p:txBody>
+          <a:bodyPr>
+            <a:normAutofit/>
+          </a:bodyPr>
+          <a:lstStyle/>
+          <a:p>
+            <a:r>
+              <a:rPr lang="en-US" sz="2800" dirty="0"/>
+              <a:t>Identify the countries where percentage of female graduates is less than 30%.</a:t>
+            </a:r>
+          </a:p>
+        </p:txBody>
+      </p:sp>
+    </p:spTree>
+    <p:extLst>
+      <p:ext uri="{BB962C8B-B14F-4D97-AF65-F5344CB8AC3E}">
+        <p14:creationId xmlns:p14="http://schemas.microsoft.com/office/powerpoint/2010/main" val="818375715"/>
+      </p:ext>
+    </p:extLst>
+  </p:cSld>
+  <p:clrMapOvr>
+    <a:masterClrMapping/>
+  </p:clrMapOvr>
+</p:sld>
+</file>
+
+<file path=ppt/slides/slide4.xml><?xml version="1.0" encoding="utf-8"?>
+<p:sld xmlns:a="http://schemas.openxmlformats.org/drawingml/2006/main" xmlns:r="http://schemas.openxmlformats.org/officeDocument/2006/relationships" xmlns:p="http://schemas.openxmlformats.org/presentationml/2006/main">
+  <p:cSld>
+    <p:spTree>
+      <p:nvGrpSpPr>
+        <p:cNvPr id="1" name=""/>
+        <p:cNvGrpSpPr/>
+        <p:nvPr/>
+      </p:nvGrpSpPr>
+      <p:grpSpPr>
+        <a:xfrm>
+          <a:off x="0" y="0"/>
+          <a:ext cx="0" cy="0"/>
+          <a:chOff x="0" y="0"/>
+          <a:chExt cx="0" cy="0"/>
+        </a:xfrm>
+      </p:grpSpPr>
+      <p:sp>
+        <p:nvSpPr>
+          <p:cNvPr id="2" name="Title 1">
+            <a:extLst>
+              <a:ext uri="{FF2B5EF4-FFF2-40B4-BE49-F238E27FC236}">
+                <a16:creationId xmlns:a16="http://schemas.microsoft.com/office/drawing/2014/main" id="{F6766159-B4E4-4F80-A411-47ACEEC88C43}"/>
+              </a:ext>
+            </a:extLst>
+          </p:cNvPr>
+          <p:cNvSpPr>
+            <a:spLocks noGrp="1"/>
+          </p:cNvSpPr>
+          <p:nvPr>
+            <p:ph type="title"/>
+          </p:nvPr>
+        </p:nvSpPr>
+        <p:spPr/>
+        <p:txBody>
+          <a:bodyPr/>
+          <a:lstStyle/>
+          <a:p>
+            <a:r>
+              <a:rPr lang="en-US" dirty="0"/>
+              <a:t>Question 1:</a:t>
+            </a:r>
+            <a:br>
+              <a:rPr lang="en-US" dirty="0"/>
+            </a:br>
+            <a:r>
+              <a:rPr lang="en-US" dirty="0"/>
+              <a:t>Solution</a:t>
+            </a:r>
+          </a:p>
+        </p:txBody>
+      </p:sp>
+      <p:sp>
+        <p:nvSpPr>
+          <p:cNvPr id="3" name="Content Placeholder 2">
+            <a:extLst>
+              <a:ext uri="{FF2B5EF4-FFF2-40B4-BE49-F238E27FC236}">
+                <a16:creationId xmlns:a16="http://schemas.microsoft.com/office/drawing/2014/main" id="{A3002ECF-622A-4D78-973B-53E0823FB955}"/>
+              </a:ext>
+            </a:extLst>
+          </p:cNvPr>
+          <p:cNvSpPr>
+            <a:spLocks noGrp="1"/>
+          </p:cNvSpPr>
+          <p:nvPr>
+            <p:ph idx="1"/>
+          </p:nvPr>
+        </p:nvSpPr>
+        <p:spPr/>
+        <p:txBody>
+          <a:bodyPr/>
+          <a:lstStyle/>
+          <a:p>
+            <a:r>
+              <a:rPr lang="en-US" sz="2400" dirty="0"/>
+              <a:t>Using </a:t>
+            </a:r>
+            <a:r>
+              <a:rPr lang="en-US" sz="2400" u="sng" dirty="0"/>
+              <a:t>MapReduce</a:t>
+            </a:r>
+            <a:r>
+              <a:rPr lang="en-US" sz="2400" dirty="0"/>
+              <a:t>, find the most recent years for non-null values for gross graduation ratio for females in tertiary education up to five years combined.</a:t>
+            </a:r>
+          </a:p>
+          <a:p>
+            <a:r>
+              <a:rPr lang="en-US" sz="2400" dirty="0"/>
+              <a:t> Take these percentages and find the average by dividing the sum of the percentages by the number of percentages (years accounted for) isolating below 30%.</a:t>
+            </a:r>
+          </a:p>
+          <a:p>
+            <a:endParaRPr lang="en-US" dirty="0"/>
+          </a:p>
+        </p:txBody>
+      </p:sp>
+    </p:spTree>
+    <p:extLst>
+      <p:ext uri="{BB962C8B-B14F-4D97-AF65-F5344CB8AC3E}">
+        <p14:creationId xmlns:p14="http://schemas.microsoft.com/office/powerpoint/2010/main" val="2622632423"/>
+      </p:ext>
+    </p:extLst>
+  </p:cSld>
+  <p:clrMapOvr>
+    <a:masterClrMapping/>
+  </p:clrMapOvr>
+</p:sld>
+</file>
+
+<file path=ppt/slides/slide5.xml><?xml version="1.0" encoding="utf-8"?>
+<p:sld xmlns:a="http://schemas.openxmlformats.org/drawingml/2006/main" xmlns:r="http://schemas.openxmlformats.org/officeDocument/2006/relationships" xmlns:p="http://schemas.openxmlformats.org/presentationml/2006/main">
+  <p:cSld>
+    <p:spTree>
+      <p:nvGrpSpPr>
+        <p:cNvPr id="1" name=""/>
+        <p:cNvGrpSpPr/>
+        <p:nvPr/>
+      </p:nvGrpSpPr>
+      <p:grpSpPr>
+        <a:xfrm>
+          <a:off x="0" y="0"/>
+          <a:ext cx="0" cy="0"/>
+          <a:chOff x="0" y="0"/>
+          <a:chExt cx="0" cy="0"/>
+        </a:xfrm>
+      </p:grpSpPr>
+      <p:sp>
+        <p:nvSpPr>
+          <p:cNvPr id="2" name="Title 1">
+            <a:extLst>
+              <a:ext uri="{FF2B5EF4-FFF2-40B4-BE49-F238E27FC236}">
+                <a16:creationId xmlns:a16="http://schemas.microsoft.com/office/drawing/2014/main" id="{8EE522C7-E96C-444A-B7FE-736128F8E281}"/>
+              </a:ext>
+            </a:extLst>
+          </p:cNvPr>
+          <p:cNvSpPr>
+            <a:spLocks noGrp="1"/>
+          </p:cNvSpPr>
+          <p:nvPr>
+            <p:ph type="title"/>
+          </p:nvPr>
+        </p:nvSpPr>
+        <p:spPr/>
+        <p:txBody>
+          <a:bodyPr/>
+          <a:lstStyle/>
+          <a:p>
+            <a:r>
+              <a:rPr lang="en-US" dirty="0"/>
+              <a:t>Question 1:</a:t>
+            </a:r>
+            <a:br>
+              <a:rPr lang="en-US" dirty="0"/>
+            </a:br>
+            <a:r>
+              <a:rPr lang="en-US" dirty="0"/>
+              <a:t>Conclusions</a:t>
+            </a:r>
+          </a:p>
+        </p:txBody>
+      </p:sp>
+      <p:sp>
+        <p:nvSpPr>
+          <p:cNvPr id="3" name="Content Placeholder 2">
+            <a:extLst>
+              <a:ext uri="{FF2B5EF4-FFF2-40B4-BE49-F238E27FC236}">
+                <a16:creationId xmlns:a16="http://schemas.microsoft.com/office/drawing/2014/main" id="{65B5D6B6-E34B-43EC-9C9B-6A94D79E5ABA}"/>
+              </a:ext>
+            </a:extLst>
+          </p:cNvPr>
+          <p:cNvSpPr>
+            <a:spLocks noGrp="1"/>
+          </p:cNvSpPr>
+          <p:nvPr>
+            <p:ph idx="1"/>
+          </p:nvPr>
+        </p:nvSpPr>
+        <p:spPr/>
+        <p:txBody>
+          <a:bodyPr/>
+          <a:lstStyle/>
+          <a:p>
+            <a:r>
+              <a:rPr lang="en-US" sz="2400" dirty="0"/>
+              <a:t>Out of 89 nations, the vast majority in the final output are Third World. Sub-Saharan Africa are on average on the lower end of the percentage range while Asian and some South American countries are closer to the cap of 30%.</a:t>
+            </a:r>
+          </a:p>
+          <a:p>
+            <a:endParaRPr lang="en-US" dirty="0"/>
+          </a:p>
+        </p:txBody>
+      </p:sp>
+    </p:spTree>
+    <p:extLst>
+      <p:ext uri="{BB962C8B-B14F-4D97-AF65-F5344CB8AC3E}">
+        <p14:creationId xmlns:p14="http://schemas.microsoft.com/office/powerpoint/2010/main" val="3382101351"/>
+      </p:ext>
+    </p:extLst>
+  </p:cSld>
+  <p:clrMapOvr>
+    <a:masterClrMapping/>
+  </p:clrMapOvr>
+</p:sld>
+</file>
+
+<file path=ppt/slides/slide6.xml><?xml version="1.0" encoding="utf-8"?>
+<p:sld xmlns:a="http://schemas.openxmlformats.org/drawingml/2006/main" xmlns:r="http://schemas.openxmlformats.org/officeDocument/2006/relationships" xmlns:p="http://schemas.openxmlformats.org/presentationml/2006/main">
+  <p:cSld>
+    <p:spTree>
+      <p:nvGrpSpPr>
+        <p:cNvPr id="1" name=""/>
+        <p:cNvGrpSpPr/>
+        <p:nvPr/>
+      </p:nvGrpSpPr>
+      <p:grpSpPr>
+        <a:xfrm>
+          <a:off x="0" y="0"/>
+          <a:ext cx="0" cy="0"/>
+          <a:chOff x="0" y="0"/>
+          <a:chExt cx="0" cy="0"/>
+        </a:xfrm>
+      </p:grpSpPr>
+      <p:sp>
+        <p:nvSpPr>
+          <p:cNvPr id="2" name="Title 1">
+            <a:extLst>
+              <a:ext uri="{FF2B5EF4-FFF2-40B4-BE49-F238E27FC236}">
+                <a16:creationId xmlns:a16="http://schemas.microsoft.com/office/drawing/2014/main" id="{5D679F68-176B-4EEE-8F0F-3223E4812EC3}"/>
+              </a:ext>
+            </a:extLst>
+          </p:cNvPr>
+          <p:cNvSpPr>
+            <a:spLocks noGrp="1"/>
+          </p:cNvSpPr>
+          <p:nvPr>
+            <p:ph type="title"/>
+          </p:nvPr>
+        </p:nvSpPr>
+        <p:spPr/>
+        <p:txBody>
+          <a:bodyPr/>
+          <a:lstStyle/>
+          <a:p>
+            <a:r>
+              <a:rPr lang="en-US" dirty="0"/>
+              <a:t>Question 3:</a:t>
+            </a:r>
+            <a:br>
+              <a:rPr lang="en-US" dirty="0"/>
+            </a:br>
+            <a:r>
+              <a:rPr lang="en-US" dirty="0"/>
+              <a:t>Problem</a:t>
+            </a:r>
+          </a:p>
+        </p:txBody>
+      </p:sp>
+      <p:sp>
+        <p:nvSpPr>
+          <p:cNvPr id="3" name="Content Placeholder 2">
+            <a:extLst>
+              <a:ext uri="{FF2B5EF4-FFF2-40B4-BE49-F238E27FC236}">
+                <a16:creationId xmlns:a16="http://schemas.microsoft.com/office/drawing/2014/main" id="{76888587-F232-4C02-BF45-9505D8DF2C47}"/>
+              </a:ext>
+            </a:extLst>
+          </p:cNvPr>
+          <p:cNvSpPr>
+            <a:spLocks noGrp="1"/>
+          </p:cNvSpPr>
+          <p:nvPr>
+            <p:ph idx="1"/>
+          </p:nvPr>
+        </p:nvSpPr>
+        <p:spPr/>
+        <p:txBody>
+          <a:bodyPr>
+            <a:normAutofit/>
+          </a:bodyPr>
+          <a:lstStyle/>
+          <a:p>
+            <a:r>
+              <a:rPr lang="en-US" sz="2800" dirty="0"/>
+              <a:t>List the percentage of change made in male employment from the year 2000.</a:t>
+            </a:r>
+          </a:p>
+        </p:txBody>
+      </p:sp>
+    </p:spTree>
+    <p:extLst>
+      <p:ext uri="{BB962C8B-B14F-4D97-AF65-F5344CB8AC3E}">
+        <p14:creationId xmlns:p14="http://schemas.microsoft.com/office/powerpoint/2010/main" val="2706574137"/>
+      </p:ext>
+    </p:extLst>
+  </p:cSld>
+  <p:clrMapOvr>
+    <a:masterClrMapping/>
+  </p:clrMapOvr>
+</p:sld>
+</file>
+
+<file path=ppt/slides/slide7.xml><?xml version="1.0" encoding="utf-8"?>
+<p:sld xmlns:a="http://schemas.openxmlformats.org/drawingml/2006/main" xmlns:r="http://schemas.openxmlformats.org/officeDocument/2006/relationships" xmlns:p="http://schemas.openxmlformats.org/presentationml/2006/main">
+  <p:cSld>
+    <p:spTree>
+      <p:nvGrpSpPr>
+        <p:cNvPr id="1" name=""/>
+        <p:cNvGrpSpPr/>
+        <p:nvPr/>
+      </p:nvGrpSpPr>
+      <p:grpSpPr>
+        <a:xfrm>
+          <a:off x="0" y="0"/>
+          <a:ext cx="0" cy="0"/>
+          <a:chOff x="0" y="0"/>
+          <a:chExt cx="0" cy="0"/>
+        </a:xfrm>
+      </p:grpSpPr>
+      <p:sp>
+        <p:nvSpPr>
+          <p:cNvPr id="2" name="Title 1">
+            <a:extLst>
+              <a:ext uri="{FF2B5EF4-FFF2-40B4-BE49-F238E27FC236}">
+                <a16:creationId xmlns:a16="http://schemas.microsoft.com/office/drawing/2014/main" id="{1773B9D7-A615-42E7-9E47-1383CC94285F}"/>
+              </a:ext>
+            </a:extLst>
+          </p:cNvPr>
+          <p:cNvSpPr>
+            <a:spLocks noGrp="1"/>
+          </p:cNvSpPr>
+          <p:nvPr>
+            <p:ph type="title"/>
+          </p:nvPr>
+        </p:nvSpPr>
+        <p:spPr/>
+        <p:txBody>
+          <a:bodyPr/>
+          <a:lstStyle/>
+          <a:p>
+            <a:r>
+              <a:rPr lang="en-US" dirty="0"/>
+              <a:t>Question 3:</a:t>
+            </a:r>
+            <a:br>
+              <a:rPr lang="en-US" dirty="0"/>
+            </a:br>
+            <a:r>
+              <a:rPr lang="en-US" dirty="0"/>
+              <a:t>Solution</a:t>
+            </a:r>
+          </a:p>
+        </p:txBody>
+      </p:sp>
+      <p:sp>
+        <p:nvSpPr>
+          <p:cNvPr id="3" name="Content Placeholder 2">
+            <a:extLst>
+              <a:ext uri="{FF2B5EF4-FFF2-40B4-BE49-F238E27FC236}">
+                <a16:creationId xmlns:a16="http://schemas.microsoft.com/office/drawing/2014/main" id="{35FA2E86-D06A-4281-B944-3201C66D658A}"/>
+              </a:ext>
+            </a:extLst>
+          </p:cNvPr>
+          <p:cNvSpPr>
+            <a:spLocks noGrp="1"/>
+          </p:cNvSpPr>
+          <p:nvPr>
+            <p:ph idx="1"/>
+          </p:nvPr>
+        </p:nvSpPr>
+        <p:spPr/>
+        <p:txBody>
+          <a:bodyPr/>
+          <a:lstStyle/>
+          <a:p>
+            <a:r>
+              <a:rPr lang="en-US" sz="2400" dirty="0"/>
+              <a:t>Using </a:t>
+            </a:r>
+            <a:r>
+              <a:rPr lang="en-US" sz="2400" u="sng" dirty="0"/>
+              <a:t>MapReduce</a:t>
+            </a:r>
+            <a:r>
+              <a:rPr lang="en-US" sz="2400" dirty="0"/>
+              <a:t>, find the percent of employment for the year 2000 and compare it to 2016 or the most recent year. Take both of these percentages.</a:t>
+            </a:r>
+          </a:p>
+          <a:p>
+            <a:endParaRPr lang="en-US" dirty="0"/>
+          </a:p>
+        </p:txBody>
+      </p:sp>
+    </p:spTree>
+    <p:extLst>
+      <p:ext uri="{BB962C8B-B14F-4D97-AF65-F5344CB8AC3E}">
+        <p14:creationId xmlns:p14="http://schemas.microsoft.com/office/powerpoint/2010/main" val="2345647446"/>
+      </p:ext>
+    </p:extLst>
+  </p:cSld>
+  <p:clrMapOvr>
+    <a:masterClrMapping/>
+  </p:clrMapOvr>
+</p:sld>
+</file>
+
+<file path=ppt/slides/slide8.xml><?xml version="1.0" encoding="utf-8"?>
+<p:sld xmlns:a="http://schemas.openxmlformats.org/drawingml/2006/main" xmlns:r="http://schemas.openxmlformats.org/officeDocument/2006/relationships" xmlns:p="http://schemas.openxmlformats.org/presentationml/2006/main">
+  <p:cSld>
+    <p:spTree>
+      <p:nvGrpSpPr>
+        <p:cNvPr id="1" name=""/>
+        <p:cNvGrpSpPr/>
+        <p:nvPr/>
+      </p:nvGrpSpPr>
+      <p:grpSpPr>
+        <a:xfrm>
+          <a:off x="0" y="0"/>
+          <a:ext cx="0" cy="0"/>
+          <a:chOff x="0" y="0"/>
+          <a:chExt cx="0" cy="0"/>
+        </a:xfrm>
+      </p:grpSpPr>
+      <p:sp>
+        <p:nvSpPr>
+          <p:cNvPr id="2" name="Title 1">
+            <a:extLst>
+              <a:ext uri="{FF2B5EF4-FFF2-40B4-BE49-F238E27FC236}">
+                <a16:creationId xmlns:a16="http://schemas.microsoft.com/office/drawing/2014/main" id="{EB5533B3-BD83-4C3D-9FCD-C8EDB9B49CF8}"/>
+              </a:ext>
+            </a:extLst>
+          </p:cNvPr>
+          <p:cNvSpPr>
+            <a:spLocks noGrp="1"/>
+          </p:cNvSpPr>
+          <p:nvPr>
+            <p:ph type="title"/>
+          </p:nvPr>
+        </p:nvSpPr>
+        <p:spPr/>
+        <p:txBody>
+          <a:bodyPr/>
+          <a:lstStyle/>
+          <a:p>
+            <a:r>
+              <a:rPr lang="en-US" dirty="0"/>
+              <a:t>Question 3:</a:t>
+            </a:r>
+            <a:br>
+              <a:rPr lang="en-US" dirty="0"/>
+            </a:br>
+            <a:r>
+              <a:rPr lang="en-US" dirty="0"/>
+              <a:t>Conclusions</a:t>
+            </a:r>
+          </a:p>
+        </p:txBody>
+      </p:sp>
+      <p:sp>
+        <p:nvSpPr>
+          <p:cNvPr id="3" name="Content Placeholder 2">
+            <a:extLst>
+              <a:ext uri="{FF2B5EF4-FFF2-40B4-BE49-F238E27FC236}">
+                <a16:creationId xmlns:a16="http://schemas.microsoft.com/office/drawing/2014/main" id="{DDD3B212-9504-44DC-9D84-C08F942659BE}"/>
+              </a:ext>
+            </a:extLst>
+          </p:cNvPr>
+          <p:cNvSpPr>
+            <a:spLocks noGrp="1"/>
+          </p:cNvSpPr>
+          <p:nvPr>
+            <p:ph idx="1"/>
+          </p:nvPr>
+        </p:nvSpPr>
+        <p:spPr/>
+        <p:txBody>
+          <a:bodyPr/>
+          <a:lstStyle/>
+          <a:p>
+            <a:r>
+              <a:rPr lang="en-US" sz="2400" dirty="0"/>
+              <a:t>Mostly European countries fell into the negative values for change in male employment since the year 2000 while South American countries’ numbers are rising.</a:t>
+            </a:r>
+          </a:p>
+          <a:p>
+            <a:endParaRPr lang="en-US" dirty="0"/>
+          </a:p>
+        </p:txBody>
+      </p:sp>
+    </p:spTree>
+    <p:extLst>
+      <p:ext uri="{BB962C8B-B14F-4D97-AF65-F5344CB8AC3E}">
+        <p14:creationId xmlns:p14="http://schemas.microsoft.com/office/powerpoint/2010/main" val="3359120508"/>
+      </p:ext>
+    </p:extLst>
+  </p:cSld>
+  <p:clrMapOvr>
+    <a:masterClrMapping/>
+  </p:clrMapOvr>
+</p:sld>
+</file>
+
+<file path=ppt/slides/slide9.xml><?xml version="1.0" encoding="utf-8"?>
+<p:sld xmlns:a="http://schemas.openxmlformats.org/drawingml/2006/main" xmlns:r="http://schemas.openxmlformats.org/officeDocument/2006/relationships" xmlns:p="http://schemas.openxmlformats.org/presentationml/2006/main">
+  <p:cSld>
+    <p:spTree>
+      <p:nvGrpSpPr>
+        <p:cNvPr id="1" name=""/>
+        <p:cNvGrpSpPr/>
+        <p:nvPr/>
+      </p:nvGrpSpPr>
+      <p:grpSpPr>
+        <a:xfrm>
+          <a:off x="0" y="0"/>
+          <a:ext cx="0" cy="0"/>
+          <a:chOff x="0" y="0"/>
+          <a:chExt cx="0" cy="0"/>
+        </a:xfrm>
+      </p:grpSpPr>
+      <p:sp>
+        <p:nvSpPr>
+          <p:cNvPr id="2" name="Title 1">
+            <a:extLst>
+              <a:ext uri="{FF2B5EF4-FFF2-40B4-BE49-F238E27FC236}">
+                <a16:creationId xmlns:a16="http://schemas.microsoft.com/office/drawing/2014/main" id="{D0E2B187-47DA-4BF4-93A6-010D03A1D9BC}"/>
+              </a:ext>
+            </a:extLst>
+          </p:cNvPr>
+          <p:cNvSpPr>
+            <a:spLocks noGrp="1"/>
+          </p:cNvSpPr>
+          <p:nvPr>
+            <p:ph type="title"/>
+          </p:nvPr>
+        </p:nvSpPr>
+        <p:spPr/>
+        <p:txBody>
+          <a:bodyPr/>
+          <a:lstStyle/>
+          <a:p>
+            <a:r>
+              <a:rPr lang="en-US" dirty="0"/>
+              <a:t>Question 2:</a:t>
+            </a:r>
+            <a:br>
+              <a:rPr lang="en-US" dirty="0"/>
+            </a:br>
+            <a:r>
+              <a:rPr lang="en-US" dirty="0"/>
+              <a:t>Problem</a:t>
+            </a:r>
+          </a:p>
+        </p:txBody>
+      </p:sp>
+      <p:sp>
+        <p:nvSpPr>
+          <p:cNvPr id="3" name="Content Placeholder 2">
+            <a:extLst>
+              <a:ext uri="{FF2B5EF4-FFF2-40B4-BE49-F238E27FC236}">
+                <a16:creationId xmlns:a16="http://schemas.microsoft.com/office/drawing/2014/main" id="{EFD57D37-12B9-4B8C-B6F5-14E463857494}"/>
+              </a:ext>
+            </a:extLst>
+          </p:cNvPr>
+          <p:cNvSpPr>
+            <a:spLocks noGrp="1"/>
+          </p:cNvSpPr>
+          <p:nvPr>
+            <p:ph idx="1"/>
+          </p:nvPr>
+        </p:nvSpPr>
+        <p:spPr/>
+        <p:txBody>
+          <a:bodyPr>
+            <a:normAutofit/>
+          </a:bodyPr>
+          <a:lstStyle/>
+          <a:p>
+            <a:r>
+              <a:rPr lang="en-US" sz="2800" dirty="0"/>
+              <a:t>List the average increase in female education in the U.S. from the year 2000.</a:t>
+            </a:r>
+          </a:p>
+        </p:txBody>
+      </p:sp>
+    </p:spTree>
+    <p:extLst>
+      <p:ext uri="{BB962C8B-B14F-4D97-AF65-F5344CB8AC3E}">
+        <p14:creationId xmlns:p14="http://schemas.microsoft.com/office/powerpoint/2010/main" val="1212466376"/>
       </p:ext>
     </p:extLst>
   </p:cSld>

--- a/Project 2 Presentation.pptx
+++ b/Project 2 Presentation.pptx
@@ -7,21 +7,28 @@
   <p:sldIdLst>
     <p:sldId id="256" r:id="rId2"/>
     <p:sldId id="257" r:id="rId3"/>
-    <p:sldId id="258" r:id="rId4"/>
-    <p:sldId id="269" r:id="rId5"/>
-    <p:sldId id="270" r:id="rId6"/>
-    <p:sldId id="260" r:id="rId7"/>
-    <p:sldId id="271" r:id="rId8"/>
-    <p:sldId id="272" r:id="rId9"/>
-    <p:sldId id="262" r:id="rId10"/>
-    <p:sldId id="273" r:id="rId11"/>
-    <p:sldId id="274" r:id="rId12"/>
-    <p:sldId id="275" r:id="rId13"/>
-    <p:sldId id="264" r:id="rId14"/>
-    <p:sldId id="276" r:id="rId15"/>
-    <p:sldId id="277" r:id="rId16"/>
-    <p:sldId id="266" r:id="rId17"/>
-    <p:sldId id="268" r:id="rId18"/>
+    <p:sldId id="286" r:id="rId4"/>
+    <p:sldId id="258" r:id="rId5"/>
+    <p:sldId id="269" r:id="rId6"/>
+    <p:sldId id="270" r:id="rId7"/>
+    <p:sldId id="285" r:id="rId8"/>
+    <p:sldId id="260" r:id="rId9"/>
+    <p:sldId id="271" r:id="rId10"/>
+    <p:sldId id="272" r:id="rId11"/>
+    <p:sldId id="284" r:id="rId12"/>
+    <p:sldId id="262" r:id="rId13"/>
+    <p:sldId id="273" r:id="rId14"/>
+    <p:sldId id="274" r:id="rId15"/>
+    <p:sldId id="275" r:id="rId16"/>
+    <p:sldId id="283" r:id="rId17"/>
+    <p:sldId id="264" r:id="rId18"/>
+    <p:sldId id="276" r:id="rId19"/>
+    <p:sldId id="277" r:id="rId20"/>
+    <p:sldId id="282" r:id="rId21"/>
+    <p:sldId id="266" r:id="rId22"/>
+    <p:sldId id="287" r:id="rId23"/>
+    <p:sldId id="288" r:id="rId24"/>
+    <p:sldId id="268" r:id="rId25"/>
   </p:sldIdLst>
   <p:sldSz cx="12192000" cy="6858000"/>
   <p:notesSz cx="6858000" cy="9144000"/>
@@ -15959,7 +15966,7 @@
           <p:cNvPr id="2" name="Title 1">
             <a:extLst>
               <a:ext uri="{FF2B5EF4-FFF2-40B4-BE49-F238E27FC236}">
-                <a16:creationId xmlns:a16="http://schemas.microsoft.com/office/drawing/2014/main" id="{F48A6AE1-7F93-4DDA-9073-E2E059B93C86}"/>
+                <a16:creationId xmlns:a16="http://schemas.microsoft.com/office/drawing/2014/main" id="{EB5533B3-BD83-4C3D-9FCD-C8EDB9B49CF8}"/>
               </a:ext>
             </a:extLst>
           </p:cNvPr>
@@ -15976,7 +15983,305 @@
           <a:lstStyle/>
           <a:p>
             <a:r>
+              <a:rPr lang="en-US" b="1" dirty="0"/>
+              <a:t>Question 3:</a:t>
+            </a:r>
+            <a:br>
               <a:rPr lang="en-US" dirty="0"/>
+            </a:br>
+            <a:r>
+              <a:rPr lang="en-US" dirty="0"/>
+              <a:t>Conclusions</a:t>
+            </a:r>
+          </a:p>
+        </p:txBody>
+      </p:sp>
+      <p:sp>
+        <p:nvSpPr>
+          <p:cNvPr id="3" name="Content Placeholder 2">
+            <a:extLst>
+              <a:ext uri="{FF2B5EF4-FFF2-40B4-BE49-F238E27FC236}">
+                <a16:creationId xmlns:a16="http://schemas.microsoft.com/office/drawing/2014/main" id="{DDD3B212-9504-44DC-9D84-C08F942659BE}"/>
+              </a:ext>
+            </a:extLst>
+          </p:cNvPr>
+          <p:cNvSpPr>
+            <a:spLocks noGrp="1"/>
+          </p:cNvSpPr>
+          <p:nvPr>
+            <p:ph idx="1"/>
+          </p:nvPr>
+        </p:nvSpPr>
+        <p:spPr/>
+        <p:txBody>
+          <a:bodyPr/>
+          <a:lstStyle/>
+          <a:p>
+            <a:r>
+              <a:rPr lang="en-US" sz="2400" dirty="0"/>
+              <a:t>Mostly European countries fell into the negative values for change in male employment since the year 2000 while South American countries’ numbers are rising.</a:t>
+            </a:r>
+          </a:p>
+          <a:p>
+            <a:endParaRPr lang="en-US" dirty="0"/>
+          </a:p>
+        </p:txBody>
+      </p:sp>
+    </p:spTree>
+    <p:extLst>
+      <p:ext uri="{BB962C8B-B14F-4D97-AF65-F5344CB8AC3E}">
+        <p14:creationId xmlns:p14="http://schemas.microsoft.com/office/powerpoint/2010/main" val="3359120508"/>
+      </p:ext>
+    </p:extLst>
+  </p:cSld>
+  <p:clrMapOvr>
+    <a:masterClrMapping/>
+  </p:clrMapOvr>
+</p:sld>
+</file>
+
+<file path=ppt/slides/slide11.xml><?xml version="1.0" encoding="utf-8"?>
+<p:sld xmlns:a="http://schemas.openxmlformats.org/drawingml/2006/main" xmlns:r="http://schemas.openxmlformats.org/officeDocument/2006/relationships" xmlns:p="http://schemas.openxmlformats.org/presentationml/2006/main">
+  <p:cSld>
+    <p:spTree>
+      <p:nvGrpSpPr>
+        <p:cNvPr id="1" name=""/>
+        <p:cNvGrpSpPr/>
+        <p:nvPr/>
+      </p:nvGrpSpPr>
+      <p:grpSpPr>
+        <a:xfrm>
+          <a:off x="0" y="0"/>
+          <a:ext cx="0" cy="0"/>
+          <a:chOff x="0" y="0"/>
+          <a:chExt cx="0" cy="0"/>
+        </a:xfrm>
+      </p:grpSpPr>
+      <p:sp>
+        <p:nvSpPr>
+          <p:cNvPr id="4" name="Title 3">
+            <a:extLst>
+              <a:ext uri="{FF2B5EF4-FFF2-40B4-BE49-F238E27FC236}">
+                <a16:creationId xmlns:a16="http://schemas.microsoft.com/office/drawing/2014/main" id="{7BEA6E11-7F5C-490F-88D1-86E9B1C5E3DA}"/>
+              </a:ext>
+            </a:extLst>
+          </p:cNvPr>
+          <p:cNvSpPr>
+            <a:spLocks noGrp="1"/>
+          </p:cNvSpPr>
+          <p:nvPr>
+            <p:ph type="title"/>
+          </p:nvPr>
+        </p:nvSpPr>
+        <p:spPr>
+          <a:xfrm>
+            <a:off x="3344216" y="2327953"/>
+            <a:ext cx="5490224" cy="1689390"/>
+          </a:xfrm>
+        </p:spPr>
+        <p:txBody>
+          <a:bodyPr>
+            <a:normAutofit/>
+          </a:bodyPr>
+          <a:lstStyle/>
+          <a:p>
+            <a:r>
+              <a:rPr lang="en-US" sz="6000" b="1" dirty="0"/>
+              <a:t>Question 2</a:t>
+            </a:r>
+          </a:p>
+        </p:txBody>
+      </p:sp>
+      <p:sp>
+        <p:nvSpPr>
+          <p:cNvPr id="2" name="TextBox 1">
+            <a:extLst>
+              <a:ext uri="{FF2B5EF4-FFF2-40B4-BE49-F238E27FC236}">
+                <a16:creationId xmlns:a16="http://schemas.microsoft.com/office/drawing/2014/main" id="{CB792D28-15E9-41FF-B043-77F76969FAFB}"/>
+              </a:ext>
+            </a:extLst>
+          </p:cNvPr>
+          <p:cNvSpPr txBox="1"/>
+          <p:nvPr/>
+        </p:nvSpPr>
+        <p:spPr>
+          <a:xfrm>
+            <a:off x="4098749" y="1294228"/>
+            <a:ext cx="3981157" cy="523220"/>
+          </a:xfrm>
+          <a:prstGeom prst="rect">
+            <a:avLst/>
+          </a:prstGeom>
+          <a:noFill/>
+        </p:spPr>
+        <p:txBody>
+          <a:bodyPr wrap="square" rtlCol="0">
+            <a:spAutoFit/>
+          </a:bodyPr>
+          <a:lstStyle/>
+          <a:p>
+            <a:pPr algn="ctr"/>
+            <a:r>
+              <a:rPr lang="en-US" sz="2800" dirty="0">
+                <a:solidFill>
+                  <a:schemeClr val="bg1"/>
+                </a:solidFill>
+                <a:latin typeface="Aharoni" panose="020B0604020202020204" pitchFamily="2" charset="-79"/>
+                <a:cs typeface="Aharoni" panose="020B0604020202020204" pitchFamily="2" charset="-79"/>
+              </a:rPr>
+              <a:t>HIVE</a:t>
+            </a:r>
+          </a:p>
+        </p:txBody>
+      </p:sp>
+    </p:spTree>
+    <p:extLst>
+      <p:ext uri="{BB962C8B-B14F-4D97-AF65-F5344CB8AC3E}">
+        <p14:creationId xmlns:p14="http://schemas.microsoft.com/office/powerpoint/2010/main" val="2098667753"/>
+      </p:ext>
+    </p:extLst>
+  </p:cSld>
+  <p:clrMapOvr>
+    <a:masterClrMapping/>
+  </p:clrMapOvr>
+</p:sld>
+</file>
+
+<file path=ppt/slides/slide12.xml><?xml version="1.0" encoding="utf-8"?>
+<p:sld xmlns:a="http://schemas.openxmlformats.org/drawingml/2006/main" xmlns:r="http://schemas.openxmlformats.org/officeDocument/2006/relationships" xmlns:p="http://schemas.openxmlformats.org/presentationml/2006/main">
+  <p:cSld>
+    <p:spTree>
+      <p:nvGrpSpPr>
+        <p:cNvPr id="1" name=""/>
+        <p:cNvGrpSpPr/>
+        <p:nvPr/>
+      </p:nvGrpSpPr>
+      <p:grpSpPr>
+        <a:xfrm>
+          <a:off x="0" y="0"/>
+          <a:ext cx="0" cy="0"/>
+          <a:chOff x="0" y="0"/>
+          <a:chExt cx="0" cy="0"/>
+        </a:xfrm>
+      </p:grpSpPr>
+      <p:sp>
+        <p:nvSpPr>
+          <p:cNvPr id="2" name="Title 1">
+            <a:extLst>
+              <a:ext uri="{FF2B5EF4-FFF2-40B4-BE49-F238E27FC236}">
+                <a16:creationId xmlns:a16="http://schemas.microsoft.com/office/drawing/2014/main" id="{D0E2B187-47DA-4BF4-93A6-010D03A1D9BC}"/>
+              </a:ext>
+            </a:extLst>
+          </p:cNvPr>
+          <p:cNvSpPr>
+            <a:spLocks noGrp="1"/>
+          </p:cNvSpPr>
+          <p:nvPr>
+            <p:ph type="title"/>
+          </p:nvPr>
+        </p:nvSpPr>
+        <p:spPr/>
+        <p:txBody>
+          <a:bodyPr/>
+          <a:lstStyle/>
+          <a:p>
+            <a:r>
+              <a:rPr lang="en-US" b="1" dirty="0"/>
+              <a:t>Question 2:</a:t>
+            </a:r>
+            <a:br>
+              <a:rPr lang="en-US" dirty="0"/>
+            </a:br>
+            <a:r>
+              <a:rPr lang="en-US" dirty="0"/>
+              <a:t>Problem</a:t>
+            </a:r>
+          </a:p>
+        </p:txBody>
+      </p:sp>
+      <p:sp>
+        <p:nvSpPr>
+          <p:cNvPr id="3" name="Content Placeholder 2">
+            <a:extLst>
+              <a:ext uri="{FF2B5EF4-FFF2-40B4-BE49-F238E27FC236}">
+                <a16:creationId xmlns:a16="http://schemas.microsoft.com/office/drawing/2014/main" id="{EFD57D37-12B9-4B8C-B6F5-14E463857494}"/>
+              </a:ext>
+            </a:extLst>
+          </p:cNvPr>
+          <p:cNvSpPr>
+            <a:spLocks noGrp="1"/>
+          </p:cNvSpPr>
+          <p:nvPr>
+            <p:ph idx="1"/>
+          </p:nvPr>
+        </p:nvSpPr>
+        <p:spPr/>
+        <p:txBody>
+          <a:bodyPr>
+            <a:normAutofit/>
+          </a:bodyPr>
+          <a:lstStyle/>
+          <a:p>
+            <a:r>
+              <a:rPr lang="en-US" sz="2800" dirty="0"/>
+              <a:t>List the average increase in female education in the U.S. from the year 2000.</a:t>
+            </a:r>
+          </a:p>
+        </p:txBody>
+      </p:sp>
+    </p:spTree>
+    <p:extLst>
+      <p:ext uri="{BB962C8B-B14F-4D97-AF65-F5344CB8AC3E}">
+        <p14:creationId xmlns:p14="http://schemas.microsoft.com/office/powerpoint/2010/main" val="1212466376"/>
+      </p:ext>
+    </p:extLst>
+  </p:cSld>
+  <p:clrMapOvr>
+    <a:masterClrMapping/>
+  </p:clrMapOvr>
+</p:sld>
+</file>
+
+<file path=ppt/slides/slide13.xml><?xml version="1.0" encoding="utf-8"?>
+<p:sld xmlns:a="http://schemas.openxmlformats.org/drawingml/2006/main" xmlns:r="http://schemas.openxmlformats.org/officeDocument/2006/relationships" xmlns:p="http://schemas.openxmlformats.org/presentationml/2006/main">
+  <p:cSld>
+    <p:spTree>
+      <p:nvGrpSpPr>
+        <p:cNvPr id="1" name=""/>
+        <p:cNvGrpSpPr/>
+        <p:nvPr/>
+      </p:nvGrpSpPr>
+      <p:grpSpPr>
+        <a:xfrm>
+          <a:off x="0" y="0"/>
+          <a:ext cx="0" cy="0"/>
+          <a:chOff x="0" y="0"/>
+          <a:chExt cx="0" cy="0"/>
+        </a:xfrm>
+      </p:grpSpPr>
+      <p:sp>
+        <p:nvSpPr>
+          <p:cNvPr id="2" name="Title 1">
+            <a:extLst>
+              <a:ext uri="{FF2B5EF4-FFF2-40B4-BE49-F238E27FC236}">
+                <a16:creationId xmlns:a16="http://schemas.microsoft.com/office/drawing/2014/main" id="{F48A6AE1-7F93-4DDA-9073-E2E059B93C86}"/>
+              </a:ext>
+            </a:extLst>
+          </p:cNvPr>
+          <p:cNvSpPr>
+            <a:spLocks noGrp="1"/>
+          </p:cNvSpPr>
+          <p:nvPr>
+            <p:ph type="title"/>
+          </p:nvPr>
+        </p:nvSpPr>
+        <p:spPr/>
+        <p:txBody>
+          <a:bodyPr/>
+          <a:lstStyle/>
+          <a:p>
+            <a:r>
+              <a:rPr lang="en-US" b="1" dirty="0"/>
               <a:t>Question 2:</a:t>
             </a:r>
             <a:br>
@@ -16033,7 +16338,7 @@
 </p:sld>
 </file>
 
-<file path=ppt/slides/slide11.xml><?xml version="1.0" encoding="utf-8"?>
+<file path=ppt/slides/slide14.xml><?xml version="1.0" encoding="utf-8"?>
 <p:sld xmlns:a="http://schemas.openxmlformats.org/drawingml/2006/main" xmlns:r="http://schemas.openxmlformats.org/officeDocument/2006/relationships" xmlns:p="http://schemas.openxmlformats.org/presentationml/2006/main">
   <p:cSld>
     <p:spTree>
@@ -16072,7 +16377,7 @@
           <a:lstStyle/>
           <a:p>
             <a:r>
-              <a:rPr lang="en-US" dirty="0"/>
+              <a:rPr lang="en-US" b="1" dirty="0"/>
               <a:t>Question 2:</a:t>
             </a:r>
             <a:br>
@@ -16128,7 +16433,7 @@
 </p:sld>
 </file>
 
-<file path=ppt/slides/slide12.xml><?xml version="1.0" encoding="utf-8"?>
+<file path=ppt/slides/slide15.xml><?xml version="1.0" encoding="utf-8"?>
 <p:sld xmlns:a="http://schemas.openxmlformats.org/drawingml/2006/main" xmlns:r="http://schemas.openxmlformats.org/officeDocument/2006/relationships" xmlns:p="http://schemas.openxmlformats.org/presentationml/2006/main">
   <p:cSld>
     <p:spTree>
@@ -16167,7 +16472,7 @@
           <a:lstStyle/>
           <a:p>
             <a:r>
-              <a:rPr lang="en-US" dirty="0"/>
+              <a:rPr lang="en-US" b="1" dirty="0"/>
               <a:t>Question 2:</a:t>
             </a:r>
             <a:br>
@@ -16223,7 +16528,114 @@
 </p:sld>
 </file>
 
-<file path=ppt/slides/slide13.xml><?xml version="1.0" encoding="utf-8"?>
+<file path=ppt/slides/slide16.xml><?xml version="1.0" encoding="utf-8"?>
+<p:sld xmlns:a="http://schemas.openxmlformats.org/drawingml/2006/main" xmlns:r="http://schemas.openxmlformats.org/officeDocument/2006/relationships" xmlns:p="http://schemas.openxmlformats.org/presentationml/2006/main">
+  <p:cSld>
+    <p:spTree>
+      <p:nvGrpSpPr>
+        <p:cNvPr id="1" name=""/>
+        <p:cNvGrpSpPr/>
+        <p:nvPr/>
+      </p:nvGrpSpPr>
+      <p:grpSpPr>
+        <a:xfrm>
+          <a:off x="0" y="0"/>
+          <a:ext cx="0" cy="0"/>
+          <a:chOff x="0" y="0"/>
+          <a:chExt cx="0" cy="0"/>
+        </a:xfrm>
+      </p:grpSpPr>
+      <p:sp>
+        <p:nvSpPr>
+          <p:cNvPr id="4" name="Title 3">
+            <a:extLst>
+              <a:ext uri="{FF2B5EF4-FFF2-40B4-BE49-F238E27FC236}">
+                <a16:creationId xmlns:a16="http://schemas.microsoft.com/office/drawing/2014/main" id="{7BEA6E11-7F5C-490F-88D1-86E9B1C5E3DA}"/>
+              </a:ext>
+            </a:extLst>
+          </p:cNvPr>
+          <p:cNvSpPr>
+            <a:spLocks noGrp="1"/>
+          </p:cNvSpPr>
+          <p:nvPr>
+            <p:ph type="title"/>
+          </p:nvPr>
+        </p:nvSpPr>
+        <p:spPr>
+          <a:xfrm>
+            <a:off x="3344216" y="2327953"/>
+            <a:ext cx="5490224" cy="1689390"/>
+          </a:xfrm>
+        </p:spPr>
+        <p:txBody>
+          <a:bodyPr>
+            <a:normAutofit/>
+          </a:bodyPr>
+          <a:lstStyle/>
+          <a:p>
+            <a:r>
+              <a:rPr lang="en-US" sz="6000" b="1" dirty="0"/>
+              <a:t>Question 4</a:t>
+            </a:r>
+          </a:p>
+        </p:txBody>
+      </p:sp>
+      <p:sp>
+        <p:nvSpPr>
+          <p:cNvPr id="2" name="TextBox 1">
+            <a:extLst>
+              <a:ext uri="{FF2B5EF4-FFF2-40B4-BE49-F238E27FC236}">
+                <a16:creationId xmlns:a16="http://schemas.microsoft.com/office/drawing/2014/main" id="{CB792D28-15E9-41FF-B043-77F76969FAFB}"/>
+              </a:ext>
+            </a:extLst>
+          </p:cNvPr>
+          <p:cNvSpPr txBox="1"/>
+          <p:nvPr/>
+        </p:nvSpPr>
+        <p:spPr>
+          <a:xfrm>
+            <a:off x="4098749" y="1294228"/>
+            <a:ext cx="3981157" cy="523220"/>
+          </a:xfrm>
+          <a:prstGeom prst="rect">
+            <a:avLst/>
+          </a:prstGeom>
+          <a:noFill/>
+        </p:spPr>
+        <p:txBody>
+          <a:bodyPr wrap="square" rtlCol="0">
+            <a:spAutoFit/>
+          </a:bodyPr>
+          <a:lstStyle/>
+          <a:p>
+            <a:pPr algn="ctr"/>
+            <a:r>
+              <a:rPr lang="en-US" sz="2800" dirty="0">
+                <a:solidFill>
+                  <a:schemeClr val="bg1"/>
+                </a:solidFill>
+                <a:latin typeface="Aharoni" panose="020B0604020202020204" pitchFamily="2" charset="-79"/>
+                <a:cs typeface="Aharoni" panose="020B0604020202020204" pitchFamily="2" charset="-79"/>
+              </a:rPr>
+              <a:t>HIVE</a:t>
+            </a:r>
+          </a:p>
+        </p:txBody>
+      </p:sp>
+    </p:spTree>
+    <p:extLst>
+      <p:ext uri="{BB962C8B-B14F-4D97-AF65-F5344CB8AC3E}">
+        <p14:creationId xmlns:p14="http://schemas.microsoft.com/office/powerpoint/2010/main" val="3495686585"/>
+      </p:ext>
+    </p:extLst>
+  </p:cSld>
+  <p:clrMapOvr>
+    <a:masterClrMapping/>
+  </p:clrMapOvr>
+</p:sld>
+</file>
+
+<file path=ppt/slides/slide17.xml><?xml version="1.0" encoding="utf-8"?>
 <p:sld xmlns:a="http://schemas.openxmlformats.org/drawingml/2006/main" xmlns:r="http://schemas.openxmlformats.org/officeDocument/2006/relationships" xmlns:p="http://schemas.openxmlformats.org/presentationml/2006/main">
   <p:cSld>
     <p:spTree>
@@ -16262,7 +16674,7 @@
           <a:lstStyle/>
           <a:p>
             <a:r>
-              <a:rPr lang="en-US" dirty="0"/>
+              <a:rPr lang="en-US" b="1" dirty="0"/>
               <a:t>Question 4:</a:t>
             </a:r>
             <a:br>
@@ -16318,7 +16730,7 @@
 </p:sld>
 </file>
 
-<file path=ppt/slides/slide14.xml><?xml version="1.0" encoding="utf-8"?>
+<file path=ppt/slides/slide18.xml><?xml version="1.0" encoding="utf-8"?>
 <p:sld xmlns:a="http://schemas.openxmlformats.org/drawingml/2006/main" xmlns:r="http://schemas.openxmlformats.org/officeDocument/2006/relationships" xmlns:p="http://schemas.openxmlformats.org/presentationml/2006/main">
   <p:cSld>
     <p:spTree>
@@ -16357,7 +16769,7 @@
           <a:lstStyle/>
           <a:p>
             <a:r>
-              <a:rPr lang="en-US" dirty="0"/>
+              <a:rPr lang="en-US" b="1" dirty="0"/>
               <a:t>Question 4:</a:t>
             </a:r>
             <a:br>
@@ -16413,7 +16825,7 @@
 </p:sld>
 </file>
 
-<file path=ppt/slides/slide15.xml><?xml version="1.0" encoding="utf-8"?>
+<file path=ppt/slides/slide19.xml><?xml version="1.0" encoding="utf-8"?>
 <p:sld xmlns:a="http://schemas.openxmlformats.org/drawingml/2006/main" xmlns:r="http://schemas.openxmlformats.org/officeDocument/2006/relationships" xmlns:p="http://schemas.openxmlformats.org/presentationml/2006/main">
   <p:cSld>
     <p:spTree>
@@ -16452,7 +16864,7 @@
           <a:lstStyle/>
           <a:p>
             <a:r>
-              <a:rPr lang="en-US" dirty="0"/>
+              <a:rPr lang="en-US" b="1" dirty="0"/>
               <a:t>Question 4:</a:t>
             </a:r>
             <a:br>
@@ -16508,7 +16920,2525 @@
 </p:sld>
 </file>
 
-<file path=ppt/slides/slide16.xml><?xml version="1.0" encoding="utf-8"?>
+<file path=ppt/slides/slide2.xml><?xml version="1.0" encoding="utf-8"?>
+<p:sld xmlns:a="http://schemas.openxmlformats.org/drawingml/2006/main" xmlns:r="http://schemas.openxmlformats.org/officeDocument/2006/relationships" xmlns:p="http://schemas.openxmlformats.org/presentationml/2006/main">
+  <p:cSld>
+    <p:bg>
+      <p:bgPr>
+        <a:solidFill>
+          <a:schemeClr val="bg1"/>
+        </a:solidFill>
+        <a:effectLst/>
+      </p:bgPr>
+    </p:bg>
+    <p:spTree>
+      <p:nvGrpSpPr>
+        <p:cNvPr id="1" name=""/>
+        <p:cNvGrpSpPr/>
+        <p:nvPr/>
+      </p:nvGrpSpPr>
+      <p:grpSpPr>
+        <a:xfrm>
+          <a:off x="0" y="0"/>
+          <a:ext cx="0" cy="0"/>
+          <a:chOff x="0" y="0"/>
+          <a:chExt cx="0" cy="0"/>
+        </a:xfrm>
+      </p:grpSpPr>
+      <p:sp useBgFill="1">
+        <p:nvSpPr>
+          <p:cNvPr id="40" name="Rectangle 39">
+            <a:extLst>
+              <a:ext uri="{FF2B5EF4-FFF2-40B4-BE49-F238E27FC236}">
+                <a16:creationId xmlns:a16="http://schemas.microsoft.com/office/drawing/2014/main" id="{EDFF257A-042C-46B5-80D1-3E8CFD33446E}"/>
+              </a:ext>
+              <a:ext uri="{C183D7F6-B498-43B3-948B-1728B52AA6E4}">
+                <adec:decorative xmlns:adec="http://schemas.microsoft.com/office/drawing/2017/decorative" val="1"/>
+              </a:ext>
+            </a:extLst>
+          </p:cNvPr>
+          <p:cNvSpPr>
+            <a:spLocks noGrp="1" noRot="1" noChangeAspect="1" noMove="1" noResize="1" noEditPoints="1" noAdjustHandles="1" noChangeArrowheads="1" noChangeShapeType="1" noTextEdit="1"/>
+          </p:cNvSpPr>
+          <p:nvPr>
+            <p:extLst>
+              <p:ext uri="{386F3935-93C4-4BCD-93E2-E3B085C9AB24}">
+                <p16:designElem xmlns:p16="http://schemas.microsoft.com/office/powerpoint/2015/main" val="1"/>
+              </p:ext>
+            </p:extLst>
+          </p:nvPr>
+        </p:nvSpPr>
+        <p:spPr>
+          <a:xfrm>
+            <a:off x="0" y="0"/>
+            <a:ext cx="12191695" cy="6858000"/>
+          </a:xfrm>
+          <a:prstGeom prst="rect">
+            <a:avLst/>
+          </a:prstGeom>
+          <a:ln>
+            <a:noFill/>
+          </a:ln>
+        </p:spPr>
+        <p:style>
+          <a:lnRef idx="2">
+            <a:schemeClr val="accent1">
+              <a:shade val="50000"/>
+            </a:schemeClr>
+          </a:lnRef>
+          <a:fillRef idx="1">
+            <a:schemeClr val="accent1"/>
+          </a:fillRef>
+          <a:effectRef idx="0">
+            <a:schemeClr val="accent1"/>
+          </a:effectRef>
+          <a:fontRef idx="minor">
+            <a:schemeClr val="lt1"/>
+          </a:fontRef>
+        </p:style>
+        <p:txBody>
+          <a:bodyPr rtlCol="0" anchor="ctr"/>
+          <a:lstStyle/>
+          <a:p>
+            <a:pPr algn="ctr"/>
+            <a:endParaRPr lang="en-US"/>
+          </a:p>
+        </p:txBody>
+      </p:sp>
+      <p:grpSp>
+        <p:nvGrpSpPr>
+          <p:cNvPr id="42" name="Group 41">
+            <a:extLst>
+              <a:ext uri="{FF2B5EF4-FFF2-40B4-BE49-F238E27FC236}">
+                <a16:creationId xmlns:a16="http://schemas.microsoft.com/office/drawing/2014/main" id="{E2836BD6-A1CD-4253-813F-3EDA642A7ACC}"/>
+              </a:ext>
+              <a:ext uri="{C183D7F6-B498-43B3-948B-1728B52AA6E4}">
+                <adec:decorative xmlns:adec="http://schemas.microsoft.com/office/drawing/2017/decorative" val="1"/>
+              </a:ext>
+            </a:extLst>
+          </p:cNvPr>
+          <p:cNvGrpSpPr>
+            <a:grpSpLocks noGrp="1" noUngrp="1" noRot="1" noChangeAspect="1" noMove="1" noResize="1"/>
+          </p:cNvGrpSpPr>
+          <p:nvPr>
+            <p:extLst>
+              <p:ext uri="{386F3935-93C4-4BCD-93E2-E3B085C9AB24}">
+                <p16:designElem xmlns:p16="http://schemas.microsoft.com/office/powerpoint/2015/main" val="1"/>
+              </p:ext>
+            </p:extLst>
+          </p:nvPr>
+        </p:nvGrpSpPr>
+        <p:grpSpPr>
+          <a:xfrm>
+            <a:off x="-417513" y="0"/>
+            <a:ext cx="12584114" cy="6853238"/>
+            <a:chOff x="-417513" y="0"/>
+            <a:chExt cx="12584114" cy="6853238"/>
+          </a:xfrm>
+        </p:grpSpPr>
+        <p:sp>
+          <p:nvSpPr>
+            <p:cNvPr id="43" name="Freeform 5">
+              <a:extLst>
+                <a:ext uri="{FF2B5EF4-FFF2-40B4-BE49-F238E27FC236}">
+                  <a16:creationId xmlns:a16="http://schemas.microsoft.com/office/drawing/2014/main" id="{63EE4AB3-C905-497E-988B-4D7394894B2F}"/>
+                </a:ext>
+                <a:ext uri="{C183D7F6-B498-43B3-948B-1728B52AA6E4}">
+                  <adec:decorative xmlns:adec="http://schemas.microsoft.com/office/drawing/2017/decorative" val="1"/>
+                </a:ext>
+              </a:extLst>
+            </p:cNvPr>
+            <p:cNvSpPr>
+              <a:spLocks/>
+            </p:cNvSpPr>
+            <p:nvPr>
+              <p:extLst>
+                <p:ext uri="{386F3935-93C4-4BCD-93E2-E3B085C9AB24}">
+                  <p16:designElem xmlns:p16="http://schemas.microsoft.com/office/powerpoint/2015/main" val="1"/>
+                </p:ext>
+              </p:extLst>
+            </p:nvPr>
+          </p:nvSpPr>
+          <p:spPr bwMode="auto">
+            <a:xfrm>
+              <a:off x="1306513" y="0"/>
+              <a:ext cx="3862388" cy="6843713"/>
+            </a:xfrm>
+            <a:custGeom>
+              <a:avLst/>
+              <a:gdLst>
+                <a:gd name="T0" fmla="*/ 813 w 813"/>
+                <a:gd name="T1" fmla="*/ 0 h 1440"/>
+                <a:gd name="T2" fmla="*/ 435 w 813"/>
+                <a:gd name="T3" fmla="*/ 1440 h 1440"/>
+              </a:gdLst>
+              <a:ahLst/>
+              <a:cxnLst>
+                <a:cxn ang="0">
+                  <a:pos x="T0" y="T1"/>
+                </a:cxn>
+                <a:cxn ang="0">
+                  <a:pos x="T2" y="T3"/>
+                </a:cxn>
+              </a:cxnLst>
+              <a:rect l="0" t="0" r="r" b="b"/>
+              <a:pathLst>
+                <a:path w="813" h="1440">
+                  <a:moveTo>
+                    <a:pt x="813" y="0"/>
+                  </a:moveTo>
+                  <a:cubicBezTo>
+                    <a:pt x="331" y="221"/>
+                    <a:pt x="0" y="1039"/>
+                    <a:pt x="435" y="1440"/>
+                  </a:cubicBezTo>
+                </a:path>
+              </a:pathLst>
+            </a:custGeom>
+            <a:noFill/>
+            <a:ln w="9525" cap="flat">
+              <a:solidFill>
+                <a:schemeClr val="tx1">
+                  <a:alpha val="20000"/>
+                </a:schemeClr>
+              </a:solidFill>
+              <a:prstDash val="solid"/>
+              <a:miter lim="800000"/>
+              <a:headEnd/>
+              <a:tailEnd/>
+            </a:ln>
+            <a:extLst>
+              <a:ext uri="{909E8E84-426E-40DD-AFC4-6F175D3DCCD1}">
+                <a14:hiddenFill xmlns:a14="http://schemas.microsoft.com/office/drawing/2010/main">
+                  <a:solidFill>
+                    <a:srgbClr val="FFFFFF"/>
+                  </a:solidFill>
+                </a14:hiddenFill>
+              </a:ext>
+            </a:extLst>
+          </p:spPr>
+          <p:txBody>
+            <a:bodyPr vert="horz" wrap="square" lIns="91440" tIns="45720" rIns="91440" bIns="45720" numCol="1" anchor="t" anchorCtr="0" compatLnSpc="1">
+              <a:prstTxWarp prst="textNoShape">
+                <a:avLst/>
+              </a:prstTxWarp>
+            </a:bodyPr>
+            <a:lstStyle/>
+            <a:p>
+              <a:endParaRPr lang="en-US"/>
+            </a:p>
+          </p:txBody>
+        </p:sp>
+        <p:sp>
+          <p:nvSpPr>
+            <p:cNvPr id="44" name="Freeform 6">
+              <a:extLst>
+                <a:ext uri="{FF2B5EF4-FFF2-40B4-BE49-F238E27FC236}">
+                  <a16:creationId xmlns:a16="http://schemas.microsoft.com/office/drawing/2014/main" id="{774DC5FF-D912-4C9F-811A-337208A3B4BF}"/>
+                </a:ext>
+                <a:ext uri="{C183D7F6-B498-43B3-948B-1728B52AA6E4}">
+                  <adec:decorative xmlns:adec="http://schemas.microsoft.com/office/drawing/2017/decorative" val="1"/>
+                </a:ext>
+              </a:extLst>
+            </p:cNvPr>
+            <p:cNvSpPr>
+              <a:spLocks/>
+            </p:cNvSpPr>
+            <p:nvPr>
+              <p:extLst>
+                <p:ext uri="{386F3935-93C4-4BCD-93E2-E3B085C9AB24}">
+                  <p16:designElem xmlns:p16="http://schemas.microsoft.com/office/powerpoint/2015/main" val="1"/>
+                </p:ext>
+              </p:extLst>
+            </p:nvPr>
+          </p:nvSpPr>
+          <p:spPr bwMode="auto">
+            <a:xfrm>
+              <a:off x="10626725" y="9525"/>
+              <a:ext cx="1539875" cy="555625"/>
+            </a:xfrm>
+            <a:custGeom>
+              <a:avLst/>
+              <a:gdLst>
+                <a:gd name="T0" fmla="*/ 324 w 324"/>
+                <a:gd name="T1" fmla="*/ 117 h 117"/>
+                <a:gd name="T2" fmla="*/ 0 w 324"/>
+                <a:gd name="T3" fmla="*/ 0 h 117"/>
+              </a:gdLst>
+              <a:ahLst/>
+              <a:cxnLst>
+                <a:cxn ang="0">
+                  <a:pos x="T0" y="T1"/>
+                </a:cxn>
+                <a:cxn ang="0">
+                  <a:pos x="T2" y="T3"/>
+                </a:cxn>
+              </a:cxnLst>
+              <a:rect l="0" t="0" r="r" b="b"/>
+              <a:pathLst>
+                <a:path w="324" h="117">
+                  <a:moveTo>
+                    <a:pt x="324" y="117"/>
+                  </a:moveTo>
+                  <a:cubicBezTo>
+                    <a:pt x="223" y="64"/>
+                    <a:pt x="107" y="28"/>
+                    <a:pt x="0" y="0"/>
+                  </a:cubicBezTo>
+                </a:path>
+              </a:pathLst>
+            </a:custGeom>
+            <a:noFill/>
+            <a:ln w="9525" cap="flat">
+              <a:solidFill>
+                <a:schemeClr val="tx1">
+                  <a:alpha val="20000"/>
+                </a:schemeClr>
+              </a:solidFill>
+              <a:prstDash val="solid"/>
+              <a:miter lim="800000"/>
+              <a:headEnd/>
+              <a:tailEnd/>
+            </a:ln>
+            <a:extLst>
+              <a:ext uri="{909E8E84-426E-40DD-AFC4-6F175D3DCCD1}">
+                <a14:hiddenFill xmlns:a14="http://schemas.microsoft.com/office/drawing/2010/main">
+                  <a:solidFill>
+                    <a:srgbClr val="FFFFFF"/>
+                  </a:solidFill>
+                </a14:hiddenFill>
+              </a:ext>
+            </a:extLst>
+          </p:spPr>
+          <p:txBody>
+            <a:bodyPr vert="horz" wrap="square" lIns="91440" tIns="45720" rIns="91440" bIns="45720" numCol="1" anchor="t" anchorCtr="0" compatLnSpc="1">
+              <a:prstTxWarp prst="textNoShape">
+                <a:avLst/>
+              </a:prstTxWarp>
+            </a:bodyPr>
+            <a:lstStyle/>
+            <a:p>
+              <a:endParaRPr lang="en-US"/>
+            </a:p>
+          </p:txBody>
+        </p:sp>
+        <p:sp>
+          <p:nvSpPr>
+            <p:cNvPr id="45" name="Freeform 7">
+              <a:extLst>
+                <a:ext uri="{FF2B5EF4-FFF2-40B4-BE49-F238E27FC236}">
+                  <a16:creationId xmlns:a16="http://schemas.microsoft.com/office/drawing/2014/main" id="{E04E6A71-624A-4806-A53E-87BC73A85B3F}"/>
+                </a:ext>
+                <a:ext uri="{C183D7F6-B498-43B3-948B-1728B52AA6E4}">
+                  <adec:decorative xmlns:adec="http://schemas.microsoft.com/office/drawing/2017/decorative" val="1"/>
+                </a:ext>
+              </a:extLst>
+            </p:cNvPr>
+            <p:cNvSpPr>
+              <a:spLocks/>
+            </p:cNvSpPr>
+            <p:nvPr>
+              <p:extLst>
+                <p:ext uri="{386F3935-93C4-4BCD-93E2-E3B085C9AB24}">
+                  <p16:designElem xmlns:p16="http://schemas.microsoft.com/office/powerpoint/2015/main" val="1"/>
+                </p:ext>
+              </p:extLst>
+            </p:nvPr>
+          </p:nvSpPr>
+          <p:spPr bwMode="auto">
+            <a:xfrm>
+              <a:off x="10247313" y="5013325"/>
+              <a:ext cx="1919288" cy="1830388"/>
+            </a:xfrm>
+            <a:custGeom>
+              <a:avLst/>
+              <a:gdLst>
+                <a:gd name="T0" fmla="*/ 0 w 404"/>
+                <a:gd name="T1" fmla="*/ 385 h 385"/>
+                <a:gd name="T2" fmla="*/ 404 w 404"/>
+                <a:gd name="T3" fmla="*/ 0 h 385"/>
+              </a:gdLst>
+              <a:ahLst/>
+              <a:cxnLst>
+                <a:cxn ang="0">
+                  <a:pos x="T0" y="T1"/>
+                </a:cxn>
+                <a:cxn ang="0">
+                  <a:pos x="T2" y="T3"/>
+                </a:cxn>
+              </a:cxnLst>
+              <a:rect l="0" t="0" r="r" b="b"/>
+              <a:pathLst>
+                <a:path w="404" h="385">
+                  <a:moveTo>
+                    <a:pt x="0" y="385"/>
+                  </a:moveTo>
+                  <a:cubicBezTo>
+                    <a:pt x="146" y="272"/>
+                    <a:pt x="285" y="142"/>
+                    <a:pt x="404" y="0"/>
+                  </a:cubicBezTo>
+                </a:path>
+              </a:pathLst>
+            </a:custGeom>
+            <a:noFill/>
+            <a:ln w="9525" cap="flat">
+              <a:solidFill>
+                <a:schemeClr val="tx1">
+                  <a:alpha val="20000"/>
+                </a:schemeClr>
+              </a:solidFill>
+              <a:prstDash val="solid"/>
+              <a:miter lim="800000"/>
+              <a:headEnd/>
+              <a:tailEnd/>
+            </a:ln>
+            <a:extLst>
+              <a:ext uri="{909E8E84-426E-40DD-AFC4-6F175D3DCCD1}">
+                <a14:hiddenFill xmlns:a14="http://schemas.microsoft.com/office/drawing/2010/main">
+                  <a:solidFill>
+                    <a:srgbClr val="FFFFFF"/>
+                  </a:solidFill>
+                </a14:hiddenFill>
+              </a:ext>
+            </a:extLst>
+          </p:spPr>
+          <p:txBody>
+            <a:bodyPr vert="horz" wrap="square" lIns="91440" tIns="45720" rIns="91440" bIns="45720" numCol="1" anchor="t" anchorCtr="0" compatLnSpc="1">
+              <a:prstTxWarp prst="textNoShape">
+                <a:avLst/>
+              </a:prstTxWarp>
+            </a:bodyPr>
+            <a:lstStyle/>
+            <a:p>
+              <a:endParaRPr lang="en-US"/>
+            </a:p>
+          </p:txBody>
+        </p:sp>
+        <p:sp>
+          <p:nvSpPr>
+            <p:cNvPr id="46" name="Freeform 8">
+              <a:extLst>
+                <a:ext uri="{FF2B5EF4-FFF2-40B4-BE49-F238E27FC236}">
+                  <a16:creationId xmlns:a16="http://schemas.microsoft.com/office/drawing/2014/main" id="{E1871C83-254F-49CD-8EA7-8CB7089B8087}"/>
+                </a:ext>
+                <a:ext uri="{C183D7F6-B498-43B3-948B-1728B52AA6E4}">
+                  <adec:decorative xmlns:adec="http://schemas.microsoft.com/office/drawing/2017/decorative" val="1"/>
+                </a:ext>
+              </a:extLst>
+            </p:cNvPr>
+            <p:cNvSpPr>
+              <a:spLocks/>
+            </p:cNvSpPr>
+            <p:nvPr>
+              <p:extLst>
+                <p:ext uri="{386F3935-93C4-4BCD-93E2-E3B085C9AB24}">
+                  <p16:designElem xmlns:p16="http://schemas.microsoft.com/office/powerpoint/2015/main" val="1"/>
+                </p:ext>
+              </p:extLst>
+            </p:nvPr>
+          </p:nvSpPr>
+          <p:spPr bwMode="auto">
+            <a:xfrm>
+              <a:off x="1120775" y="0"/>
+              <a:ext cx="3676650" cy="6843713"/>
+            </a:xfrm>
+            <a:custGeom>
+              <a:avLst/>
+              <a:gdLst>
+                <a:gd name="T0" fmla="*/ 774 w 774"/>
+                <a:gd name="T1" fmla="*/ 0 h 1440"/>
+                <a:gd name="T2" fmla="*/ 411 w 774"/>
+                <a:gd name="T3" fmla="*/ 1440 h 1440"/>
+              </a:gdLst>
+              <a:ahLst/>
+              <a:cxnLst>
+                <a:cxn ang="0">
+                  <a:pos x="T0" y="T1"/>
+                </a:cxn>
+                <a:cxn ang="0">
+                  <a:pos x="T2" y="T3"/>
+                </a:cxn>
+              </a:cxnLst>
+              <a:rect l="0" t="0" r="r" b="b"/>
+              <a:pathLst>
+                <a:path w="774" h="1440">
+                  <a:moveTo>
+                    <a:pt x="774" y="0"/>
+                  </a:moveTo>
+                  <a:cubicBezTo>
+                    <a:pt x="312" y="240"/>
+                    <a:pt x="0" y="1034"/>
+                    <a:pt x="411" y="1440"/>
+                  </a:cubicBezTo>
+                </a:path>
+              </a:pathLst>
+            </a:custGeom>
+            <a:noFill/>
+            <a:ln w="9525" cap="flat">
+              <a:solidFill>
+                <a:schemeClr val="tx1">
+                  <a:alpha val="20000"/>
+                </a:schemeClr>
+              </a:solidFill>
+              <a:prstDash val="dash"/>
+              <a:miter lim="800000"/>
+              <a:headEnd/>
+              <a:tailEnd/>
+            </a:ln>
+            <a:extLst>
+              <a:ext uri="{909E8E84-426E-40DD-AFC4-6F175D3DCCD1}">
+                <a14:hiddenFill xmlns:a14="http://schemas.microsoft.com/office/drawing/2010/main">
+                  <a:solidFill>
+                    <a:srgbClr val="FFFFFF"/>
+                  </a:solidFill>
+                </a14:hiddenFill>
+              </a:ext>
+            </a:extLst>
+          </p:spPr>
+          <p:txBody>
+            <a:bodyPr vert="horz" wrap="square" lIns="91440" tIns="45720" rIns="91440" bIns="45720" numCol="1" anchor="t" anchorCtr="0" compatLnSpc="1">
+              <a:prstTxWarp prst="textNoShape">
+                <a:avLst/>
+              </a:prstTxWarp>
+            </a:bodyPr>
+            <a:lstStyle/>
+            <a:p>
+              <a:endParaRPr lang="en-US"/>
+            </a:p>
+          </p:txBody>
+        </p:sp>
+        <p:sp>
+          <p:nvSpPr>
+            <p:cNvPr id="47" name="Freeform 9">
+              <a:extLst>
+                <a:ext uri="{FF2B5EF4-FFF2-40B4-BE49-F238E27FC236}">
+                  <a16:creationId xmlns:a16="http://schemas.microsoft.com/office/drawing/2014/main" id="{427141DF-5457-4673-B816-C6C5C72AE915}"/>
+                </a:ext>
+                <a:ext uri="{C183D7F6-B498-43B3-948B-1728B52AA6E4}">
+                  <adec:decorative xmlns:adec="http://schemas.microsoft.com/office/drawing/2017/decorative" val="1"/>
+                </a:ext>
+              </a:extLst>
+            </p:cNvPr>
+            <p:cNvSpPr>
+              <a:spLocks/>
+            </p:cNvSpPr>
+            <p:nvPr>
+              <p:extLst>
+                <p:ext uri="{386F3935-93C4-4BCD-93E2-E3B085C9AB24}">
+                  <p16:designElem xmlns:p16="http://schemas.microsoft.com/office/powerpoint/2015/main" val="1"/>
+                </p:ext>
+              </p:extLst>
+            </p:nvPr>
+          </p:nvSpPr>
+          <p:spPr bwMode="auto">
+            <a:xfrm>
+              <a:off x="11202988" y="9525"/>
+              <a:ext cx="963613" cy="366713"/>
+            </a:xfrm>
+            <a:custGeom>
+              <a:avLst/>
+              <a:gdLst>
+                <a:gd name="T0" fmla="*/ 203 w 203"/>
+                <a:gd name="T1" fmla="*/ 77 h 77"/>
+                <a:gd name="T2" fmla="*/ 0 w 203"/>
+                <a:gd name="T3" fmla="*/ 0 h 77"/>
+              </a:gdLst>
+              <a:ahLst/>
+              <a:cxnLst>
+                <a:cxn ang="0">
+                  <a:pos x="T0" y="T1"/>
+                </a:cxn>
+                <a:cxn ang="0">
+                  <a:pos x="T2" y="T3"/>
+                </a:cxn>
+              </a:cxnLst>
+              <a:rect l="0" t="0" r="r" b="b"/>
+              <a:pathLst>
+                <a:path w="203" h="77">
+                  <a:moveTo>
+                    <a:pt x="203" y="77"/>
+                  </a:moveTo>
+                  <a:cubicBezTo>
+                    <a:pt x="138" y="46"/>
+                    <a:pt x="68" y="21"/>
+                    <a:pt x="0" y="0"/>
+                  </a:cubicBezTo>
+                </a:path>
+              </a:pathLst>
+            </a:custGeom>
+            <a:noFill/>
+            <a:ln w="9525" cap="flat">
+              <a:solidFill>
+                <a:schemeClr val="tx1">
+                  <a:alpha val="20000"/>
+                </a:schemeClr>
+              </a:solidFill>
+              <a:prstDash val="dash"/>
+              <a:miter lim="800000"/>
+              <a:headEnd/>
+              <a:tailEnd/>
+            </a:ln>
+            <a:extLst>
+              <a:ext uri="{909E8E84-426E-40DD-AFC4-6F175D3DCCD1}">
+                <a14:hiddenFill xmlns:a14="http://schemas.microsoft.com/office/drawing/2010/main">
+                  <a:solidFill>
+                    <a:srgbClr val="FFFFFF"/>
+                  </a:solidFill>
+                </a14:hiddenFill>
+              </a:ext>
+            </a:extLst>
+          </p:spPr>
+          <p:txBody>
+            <a:bodyPr vert="horz" wrap="square" lIns="91440" tIns="45720" rIns="91440" bIns="45720" numCol="1" anchor="t" anchorCtr="0" compatLnSpc="1">
+              <a:prstTxWarp prst="textNoShape">
+                <a:avLst/>
+              </a:prstTxWarp>
+            </a:bodyPr>
+            <a:lstStyle/>
+            <a:p>
+              <a:endParaRPr lang="en-US"/>
+            </a:p>
+          </p:txBody>
+        </p:sp>
+        <p:sp>
+          <p:nvSpPr>
+            <p:cNvPr id="48" name="Freeform 10">
+              <a:extLst>
+                <a:ext uri="{FF2B5EF4-FFF2-40B4-BE49-F238E27FC236}">
+                  <a16:creationId xmlns:a16="http://schemas.microsoft.com/office/drawing/2014/main" id="{BC9A176E-C84F-4816-97D4-426B396FC0BE}"/>
+                </a:ext>
+                <a:ext uri="{C183D7F6-B498-43B3-948B-1728B52AA6E4}">
+                  <adec:decorative xmlns:adec="http://schemas.microsoft.com/office/drawing/2017/decorative" val="1"/>
+                </a:ext>
+              </a:extLst>
+            </p:cNvPr>
+            <p:cNvSpPr>
+              <a:spLocks/>
+            </p:cNvSpPr>
+            <p:nvPr>
+              <p:extLst>
+                <p:ext uri="{386F3935-93C4-4BCD-93E2-E3B085C9AB24}">
+                  <p16:designElem xmlns:p16="http://schemas.microsoft.com/office/powerpoint/2015/main" val="1"/>
+                </p:ext>
+              </p:extLst>
+            </p:nvPr>
+          </p:nvSpPr>
+          <p:spPr bwMode="auto">
+            <a:xfrm>
+              <a:off x="10494963" y="5275263"/>
+              <a:ext cx="1666875" cy="1577975"/>
+            </a:xfrm>
+            <a:custGeom>
+              <a:avLst/>
+              <a:gdLst>
+                <a:gd name="T0" fmla="*/ 0 w 351"/>
+                <a:gd name="T1" fmla="*/ 332 h 332"/>
+                <a:gd name="T2" fmla="*/ 351 w 351"/>
+                <a:gd name="T3" fmla="*/ 0 h 332"/>
+              </a:gdLst>
+              <a:ahLst/>
+              <a:cxnLst>
+                <a:cxn ang="0">
+                  <a:pos x="T0" y="T1"/>
+                </a:cxn>
+                <a:cxn ang="0">
+                  <a:pos x="T2" y="T3"/>
+                </a:cxn>
+              </a:cxnLst>
+              <a:rect l="0" t="0" r="r" b="b"/>
+              <a:pathLst>
+                <a:path w="351" h="332">
+                  <a:moveTo>
+                    <a:pt x="0" y="332"/>
+                  </a:moveTo>
+                  <a:cubicBezTo>
+                    <a:pt x="125" y="232"/>
+                    <a:pt x="245" y="121"/>
+                    <a:pt x="351" y="0"/>
+                  </a:cubicBezTo>
+                </a:path>
+              </a:pathLst>
+            </a:custGeom>
+            <a:noFill/>
+            <a:ln w="9525" cap="flat">
+              <a:solidFill>
+                <a:schemeClr val="tx1">
+                  <a:alpha val="20000"/>
+                </a:schemeClr>
+              </a:solidFill>
+              <a:prstDash val="dash"/>
+              <a:miter lim="800000"/>
+              <a:headEnd/>
+              <a:tailEnd/>
+            </a:ln>
+            <a:extLst>
+              <a:ext uri="{909E8E84-426E-40DD-AFC4-6F175D3DCCD1}">
+                <a14:hiddenFill xmlns:a14="http://schemas.microsoft.com/office/drawing/2010/main">
+                  <a:solidFill>
+                    <a:srgbClr val="FFFFFF"/>
+                  </a:solidFill>
+                </a14:hiddenFill>
+              </a:ext>
+            </a:extLst>
+          </p:spPr>
+          <p:txBody>
+            <a:bodyPr vert="horz" wrap="square" lIns="91440" tIns="45720" rIns="91440" bIns="45720" numCol="1" anchor="t" anchorCtr="0" compatLnSpc="1">
+              <a:prstTxWarp prst="textNoShape">
+                <a:avLst/>
+              </a:prstTxWarp>
+            </a:bodyPr>
+            <a:lstStyle/>
+            <a:p>
+              <a:endParaRPr lang="en-US"/>
+            </a:p>
+          </p:txBody>
+        </p:sp>
+        <p:sp>
+          <p:nvSpPr>
+            <p:cNvPr id="49" name="Freeform 11">
+              <a:extLst>
+                <a:ext uri="{FF2B5EF4-FFF2-40B4-BE49-F238E27FC236}">
+                  <a16:creationId xmlns:a16="http://schemas.microsoft.com/office/drawing/2014/main" id="{981B905A-332A-49BC-9456-7D0337D9BD35}"/>
+                </a:ext>
+                <a:ext uri="{C183D7F6-B498-43B3-948B-1728B52AA6E4}">
+                  <adec:decorative xmlns:adec="http://schemas.microsoft.com/office/drawing/2017/decorative" val="1"/>
+                </a:ext>
+              </a:extLst>
+            </p:cNvPr>
+            <p:cNvSpPr>
+              <a:spLocks/>
+            </p:cNvSpPr>
+            <p:nvPr>
+              <p:extLst>
+                <p:ext uri="{386F3935-93C4-4BCD-93E2-E3B085C9AB24}">
+                  <p16:designElem xmlns:p16="http://schemas.microsoft.com/office/powerpoint/2015/main" val="1"/>
+                </p:ext>
+              </p:extLst>
+            </p:nvPr>
+          </p:nvSpPr>
+          <p:spPr bwMode="auto">
+            <a:xfrm>
+              <a:off x="1001713" y="0"/>
+              <a:ext cx="3621088" cy="6843713"/>
+            </a:xfrm>
+            <a:custGeom>
+              <a:avLst/>
+              <a:gdLst>
+                <a:gd name="T0" fmla="*/ 762 w 762"/>
+                <a:gd name="T1" fmla="*/ 0 h 1440"/>
+                <a:gd name="T2" fmla="*/ 403 w 762"/>
+                <a:gd name="T3" fmla="*/ 1440 h 1440"/>
+              </a:gdLst>
+              <a:ahLst/>
+              <a:cxnLst>
+                <a:cxn ang="0">
+                  <a:pos x="T0" y="T1"/>
+                </a:cxn>
+                <a:cxn ang="0">
+                  <a:pos x="T2" y="T3"/>
+                </a:cxn>
+              </a:cxnLst>
+              <a:rect l="0" t="0" r="r" b="b"/>
+              <a:pathLst>
+                <a:path w="762" h="1440">
+                  <a:moveTo>
+                    <a:pt x="762" y="0"/>
+                  </a:moveTo>
+                  <a:cubicBezTo>
+                    <a:pt x="308" y="245"/>
+                    <a:pt x="0" y="1033"/>
+                    <a:pt x="403" y="1440"/>
+                  </a:cubicBezTo>
+                </a:path>
+              </a:pathLst>
+            </a:custGeom>
+            <a:noFill/>
+            <a:ln w="9525" cap="flat">
+              <a:solidFill>
+                <a:schemeClr val="tx1">
+                  <a:alpha val="20000"/>
+                </a:schemeClr>
+              </a:solidFill>
+              <a:prstDash val="solid"/>
+              <a:miter lim="800000"/>
+              <a:headEnd/>
+              <a:tailEnd/>
+            </a:ln>
+            <a:extLst>
+              <a:ext uri="{909E8E84-426E-40DD-AFC4-6F175D3DCCD1}">
+                <a14:hiddenFill xmlns:a14="http://schemas.microsoft.com/office/drawing/2010/main">
+                  <a:solidFill>
+                    <a:srgbClr val="FFFFFF"/>
+                  </a:solidFill>
+                </a14:hiddenFill>
+              </a:ext>
+            </a:extLst>
+          </p:spPr>
+          <p:txBody>
+            <a:bodyPr vert="horz" wrap="square" lIns="91440" tIns="45720" rIns="91440" bIns="45720" numCol="1" anchor="t" anchorCtr="0" compatLnSpc="1">
+              <a:prstTxWarp prst="textNoShape">
+                <a:avLst/>
+              </a:prstTxWarp>
+            </a:bodyPr>
+            <a:lstStyle/>
+            <a:p>
+              <a:endParaRPr lang="en-US"/>
+            </a:p>
+          </p:txBody>
+        </p:sp>
+        <p:sp>
+          <p:nvSpPr>
+            <p:cNvPr id="50" name="Freeform 12">
+              <a:extLst>
+                <a:ext uri="{FF2B5EF4-FFF2-40B4-BE49-F238E27FC236}">
+                  <a16:creationId xmlns:a16="http://schemas.microsoft.com/office/drawing/2014/main" id="{2EBD9769-DFB9-4970-91FF-137E685AF6BA}"/>
+                </a:ext>
+                <a:ext uri="{C183D7F6-B498-43B3-948B-1728B52AA6E4}">
+                  <adec:decorative xmlns:adec="http://schemas.microsoft.com/office/drawing/2017/decorative" val="1"/>
+                </a:ext>
+              </a:extLst>
+            </p:cNvPr>
+            <p:cNvSpPr>
+              <a:spLocks/>
+            </p:cNvSpPr>
+            <p:nvPr>
+              <p:extLst>
+                <p:ext uri="{386F3935-93C4-4BCD-93E2-E3B085C9AB24}">
+                  <p16:designElem xmlns:p16="http://schemas.microsoft.com/office/powerpoint/2015/main" val="1"/>
+                </p:ext>
+              </p:extLst>
+            </p:nvPr>
+          </p:nvSpPr>
+          <p:spPr bwMode="auto">
+            <a:xfrm>
+              <a:off x="11501438" y="9525"/>
+              <a:ext cx="665163" cy="257175"/>
+            </a:xfrm>
+            <a:custGeom>
+              <a:avLst/>
+              <a:gdLst>
+                <a:gd name="T0" fmla="*/ 140 w 140"/>
+                <a:gd name="T1" fmla="*/ 54 h 54"/>
+                <a:gd name="T2" fmla="*/ 0 w 140"/>
+                <a:gd name="T3" fmla="*/ 0 h 54"/>
+              </a:gdLst>
+              <a:ahLst/>
+              <a:cxnLst>
+                <a:cxn ang="0">
+                  <a:pos x="T0" y="T1"/>
+                </a:cxn>
+                <a:cxn ang="0">
+                  <a:pos x="T2" y="T3"/>
+                </a:cxn>
+              </a:cxnLst>
+              <a:rect l="0" t="0" r="r" b="b"/>
+              <a:pathLst>
+                <a:path w="140" h="54">
+                  <a:moveTo>
+                    <a:pt x="140" y="54"/>
+                  </a:moveTo>
+                  <a:cubicBezTo>
+                    <a:pt x="95" y="34"/>
+                    <a:pt x="48" y="16"/>
+                    <a:pt x="0" y="0"/>
+                  </a:cubicBezTo>
+                </a:path>
+              </a:pathLst>
+            </a:custGeom>
+            <a:noFill/>
+            <a:ln w="9525" cap="flat">
+              <a:solidFill>
+                <a:schemeClr val="tx1">
+                  <a:alpha val="20000"/>
+                </a:schemeClr>
+              </a:solidFill>
+              <a:prstDash val="solid"/>
+              <a:miter lim="800000"/>
+              <a:headEnd/>
+              <a:tailEnd/>
+            </a:ln>
+            <a:extLst>
+              <a:ext uri="{909E8E84-426E-40DD-AFC4-6F175D3DCCD1}">
+                <a14:hiddenFill xmlns:a14="http://schemas.microsoft.com/office/drawing/2010/main">
+                  <a:solidFill>
+                    <a:srgbClr val="FFFFFF"/>
+                  </a:solidFill>
+                </a14:hiddenFill>
+              </a:ext>
+            </a:extLst>
+          </p:spPr>
+          <p:txBody>
+            <a:bodyPr vert="horz" wrap="square" lIns="91440" tIns="45720" rIns="91440" bIns="45720" numCol="1" anchor="t" anchorCtr="0" compatLnSpc="1">
+              <a:prstTxWarp prst="textNoShape">
+                <a:avLst/>
+              </a:prstTxWarp>
+            </a:bodyPr>
+            <a:lstStyle/>
+            <a:p>
+              <a:endParaRPr lang="en-US"/>
+            </a:p>
+          </p:txBody>
+        </p:sp>
+        <p:sp>
+          <p:nvSpPr>
+            <p:cNvPr id="51" name="Freeform 13">
+              <a:extLst>
+                <a:ext uri="{FF2B5EF4-FFF2-40B4-BE49-F238E27FC236}">
+                  <a16:creationId xmlns:a16="http://schemas.microsoft.com/office/drawing/2014/main" id="{21DCB916-2D3C-46BC-9A95-EFC166D96CFB}"/>
+                </a:ext>
+                <a:ext uri="{C183D7F6-B498-43B3-948B-1728B52AA6E4}">
+                  <adec:decorative xmlns:adec="http://schemas.microsoft.com/office/drawing/2017/decorative" val="1"/>
+                </a:ext>
+              </a:extLst>
+            </p:cNvPr>
+            <p:cNvSpPr>
+              <a:spLocks/>
+            </p:cNvSpPr>
+            <p:nvPr>
+              <p:extLst>
+                <p:ext uri="{386F3935-93C4-4BCD-93E2-E3B085C9AB24}">
+                  <p16:designElem xmlns:p16="http://schemas.microsoft.com/office/powerpoint/2015/main" val="1"/>
+                </p:ext>
+              </p:extLst>
+            </p:nvPr>
+          </p:nvSpPr>
+          <p:spPr bwMode="auto">
+            <a:xfrm>
+              <a:off x="10641013" y="5408613"/>
+              <a:ext cx="1525588" cy="1435100"/>
+            </a:xfrm>
+            <a:custGeom>
+              <a:avLst/>
+              <a:gdLst>
+                <a:gd name="T0" fmla="*/ 0 w 321"/>
+                <a:gd name="T1" fmla="*/ 302 h 302"/>
+                <a:gd name="T2" fmla="*/ 321 w 321"/>
+                <a:gd name="T3" fmla="*/ 0 h 302"/>
+              </a:gdLst>
+              <a:ahLst/>
+              <a:cxnLst>
+                <a:cxn ang="0">
+                  <a:pos x="T0" y="T1"/>
+                </a:cxn>
+                <a:cxn ang="0">
+                  <a:pos x="T2" y="T3"/>
+                </a:cxn>
+              </a:cxnLst>
+              <a:rect l="0" t="0" r="r" b="b"/>
+              <a:pathLst>
+                <a:path w="321" h="302">
+                  <a:moveTo>
+                    <a:pt x="0" y="302"/>
+                  </a:moveTo>
+                  <a:cubicBezTo>
+                    <a:pt x="114" y="210"/>
+                    <a:pt x="223" y="109"/>
+                    <a:pt x="321" y="0"/>
+                  </a:cubicBezTo>
+                </a:path>
+              </a:pathLst>
+            </a:custGeom>
+            <a:noFill/>
+            <a:ln w="9525" cap="flat">
+              <a:solidFill>
+                <a:schemeClr val="tx1">
+                  <a:alpha val="20000"/>
+                </a:schemeClr>
+              </a:solidFill>
+              <a:prstDash val="solid"/>
+              <a:miter lim="800000"/>
+              <a:headEnd/>
+              <a:tailEnd/>
+            </a:ln>
+            <a:extLst>
+              <a:ext uri="{909E8E84-426E-40DD-AFC4-6F175D3DCCD1}">
+                <a14:hiddenFill xmlns:a14="http://schemas.microsoft.com/office/drawing/2010/main">
+                  <a:solidFill>
+                    <a:srgbClr val="FFFFFF"/>
+                  </a:solidFill>
+                </a14:hiddenFill>
+              </a:ext>
+            </a:extLst>
+          </p:spPr>
+          <p:txBody>
+            <a:bodyPr vert="horz" wrap="square" lIns="91440" tIns="45720" rIns="91440" bIns="45720" numCol="1" anchor="t" anchorCtr="0" compatLnSpc="1">
+              <a:prstTxWarp prst="textNoShape">
+                <a:avLst/>
+              </a:prstTxWarp>
+            </a:bodyPr>
+            <a:lstStyle/>
+            <a:p>
+              <a:endParaRPr lang="en-US"/>
+            </a:p>
+          </p:txBody>
+        </p:sp>
+        <p:sp>
+          <p:nvSpPr>
+            <p:cNvPr id="52" name="Freeform 14">
+              <a:extLst>
+                <a:ext uri="{FF2B5EF4-FFF2-40B4-BE49-F238E27FC236}">
+                  <a16:creationId xmlns:a16="http://schemas.microsoft.com/office/drawing/2014/main" id="{189DAD37-FFF7-49FA-8FBB-D20A992D48FD}"/>
+                </a:ext>
+                <a:ext uri="{C183D7F6-B498-43B3-948B-1728B52AA6E4}">
+                  <adec:decorative xmlns:adec="http://schemas.microsoft.com/office/drawing/2017/decorative" val="1"/>
+                </a:ext>
+              </a:extLst>
+            </p:cNvPr>
+            <p:cNvSpPr>
+              <a:spLocks/>
+            </p:cNvSpPr>
+            <p:nvPr>
+              <p:extLst>
+                <p:ext uri="{386F3935-93C4-4BCD-93E2-E3B085C9AB24}">
+                  <p16:designElem xmlns:p16="http://schemas.microsoft.com/office/powerpoint/2015/main" val="1"/>
+                </p:ext>
+              </p:extLst>
+            </p:nvPr>
+          </p:nvSpPr>
+          <p:spPr bwMode="auto">
+            <a:xfrm>
+              <a:off x="1001713" y="0"/>
+              <a:ext cx="3244850" cy="6843713"/>
+            </a:xfrm>
+            <a:custGeom>
+              <a:avLst/>
+              <a:gdLst>
+                <a:gd name="T0" fmla="*/ 683 w 683"/>
+                <a:gd name="T1" fmla="*/ 0 h 1440"/>
+                <a:gd name="T2" fmla="*/ 355 w 683"/>
+                <a:gd name="T3" fmla="*/ 1440 h 1440"/>
+              </a:gdLst>
+              <a:ahLst/>
+              <a:cxnLst>
+                <a:cxn ang="0">
+                  <a:pos x="T0" y="T1"/>
+                </a:cxn>
+                <a:cxn ang="0">
+                  <a:pos x="T2" y="T3"/>
+                </a:cxn>
+              </a:cxnLst>
+              <a:rect l="0" t="0" r="r" b="b"/>
+              <a:pathLst>
+                <a:path w="683" h="1440">
+                  <a:moveTo>
+                    <a:pt x="683" y="0"/>
+                  </a:moveTo>
+                  <a:cubicBezTo>
+                    <a:pt x="258" y="256"/>
+                    <a:pt x="0" y="1041"/>
+                    <a:pt x="355" y="1440"/>
+                  </a:cubicBezTo>
+                </a:path>
+              </a:pathLst>
+            </a:custGeom>
+            <a:noFill/>
+            <a:ln w="9525" cap="flat">
+              <a:solidFill>
+                <a:schemeClr val="tx1">
+                  <a:alpha val="20000"/>
+                </a:schemeClr>
+              </a:solidFill>
+              <a:prstDash val="solid"/>
+              <a:miter lim="800000"/>
+              <a:headEnd/>
+              <a:tailEnd/>
+            </a:ln>
+            <a:extLst>
+              <a:ext uri="{909E8E84-426E-40DD-AFC4-6F175D3DCCD1}">
+                <a14:hiddenFill xmlns:a14="http://schemas.microsoft.com/office/drawing/2010/main">
+                  <a:solidFill>
+                    <a:srgbClr val="FFFFFF"/>
+                  </a:solidFill>
+                </a14:hiddenFill>
+              </a:ext>
+            </a:extLst>
+          </p:spPr>
+          <p:txBody>
+            <a:bodyPr vert="horz" wrap="square" lIns="91440" tIns="45720" rIns="91440" bIns="45720" numCol="1" anchor="t" anchorCtr="0" compatLnSpc="1">
+              <a:prstTxWarp prst="textNoShape">
+                <a:avLst/>
+              </a:prstTxWarp>
+            </a:bodyPr>
+            <a:lstStyle/>
+            <a:p>
+              <a:endParaRPr lang="en-US"/>
+            </a:p>
+          </p:txBody>
+        </p:sp>
+        <p:sp>
+          <p:nvSpPr>
+            <p:cNvPr id="53" name="Freeform 15">
+              <a:extLst>
+                <a:ext uri="{FF2B5EF4-FFF2-40B4-BE49-F238E27FC236}">
+                  <a16:creationId xmlns:a16="http://schemas.microsoft.com/office/drawing/2014/main" id="{D148A64A-D598-4309-BCA9-F67ADE72CB4D}"/>
+                </a:ext>
+                <a:ext uri="{C183D7F6-B498-43B3-948B-1728B52AA6E4}">
+                  <adec:decorative xmlns:adec="http://schemas.microsoft.com/office/drawing/2017/decorative" val="1"/>
+                </a:ext>
+              </a:extLst>
+            </p:cNvPr>
+            <p:cNvSpPr>
+              <a:spLocks/>
+            </p:cNvSpPr>
+            <p:nvPr>
+              <p:extLst>
+                <p:ext uri="{386F3935-93C4-4BCD-93E2-E3B085C9AB24}">
+                  <p16:designElem xmlns:p16="http://schemas.microsoft.com/office/powerpoint/2015/main" val="1"/>
+                </p:ext>
+              </p:extLst>
+            </p:nvPr>
+          </p:nvSpPr>
+          <p:spPr bwMode="auto">
+            <a:xfrm>
+              <a:off x="10802938" y="5518150"/>
+              <a:ext cx="1363663" cy="1325563"/>
+            </a:xfrm>
+            <a:custGeom>
+              <a:avLst/>
+              <a:gdLst>
+                <a:gd name="T0" fmla="*/ 0 w 287"/>
+                <a:gd name="T1" fmla="*/ 279 h 279"/>
+                <a:gd name="T2" fmla="*/ 287 w 287"/>
+                <a:gd name="T3" fmla="*/ 0 h 279"/>
+              </a:gdLst>
+              <a:ahLst/>
+              <a:cxnLst>
+                <a:cxn ang="0">
+                  <a:pos x="T0" y="T1"/>
+                </a:cxn>
+                <a:cxn ang="0">
+                  <a:pos x="T2" y="T3"/>
+                </a:cxn>
+              </a:cxnLst>
+              <a:rect l="0" t="0" r="r" b="b"/>
+              <a:pathLst>
+                <a:path w="287" h="279">
+                  <a:moveTo>
+                    <a:pt x="0" y="279"/>
+                  </a:moveTo>
+                  <a:cubicBezTo>
+                    <a:pt x="101" y="193"/>
+                    <a:pt x="198" y="100"/>
+                    <a:pt x="287" y="0"/>
+                  </a:cubicBezTo>
+                </a:path>
+              </a:pathLst>
+            </a:custGeom>
+            <a:noFill/>
+            <a:ln w="9525" cap="flat">
+              <a:solidFill>
+                <a:schemeClr val="tx1">
+                  <a:alpha val="20000"/>
+                </a:schemeClr>
+              </a:solidFill>
+              <a:prstDash val="solid"/>
+              <a:miter lim="800000"/>
+              <a:headEnd/>
+              <a:tailEnd/>
+            </a:ln>
+            <a:extLst>
+              <a:ext uri="{909E8E84-426E-40DD-AFC4-6F175D3DCCD1}">
+                <a14:hiddenFill xmlns:a14="http://schemas.microsoft.com/office/drawing/2010/main">
+                  <a:solidFill>
+                    <a:srgbClr val="FFFFFF"/>
+                  </a:solidFill>
+                </a14:hiddenFill>
+              </a:ext>
+            </a:extLst>
+          </p:spPr>
+          <p:txBody>
+            <a:bodyPr vert="horz" wrap="square" lIns="91440" tIns="45720" rIns="91440" bIns="45720" numCol="1" anchor="t" anchorCtr="0" compatLnSpc="1">
+              <a:prstTxWarp prst="textNoShape">
+                <a:avLst/>
+              </a:prstTxWarp>
+            </a:bodyPr>
+            <a:lstStyle/>
+            <a:p>
+              <a:endParaRPr lang="en-US"/>
+            </a:p>
+          </p:txBody>
+        </p:sp>
+        <p:sp>
+          <p:nvSpPr>
+            <p:cNvPr id="54" name="Freeform 16">
+              <a:extLst>
+                <a:ext uri="{FF2B5EF4-FFF2-40B4-BE49-F238E27FC236}">
+                  <a16:creationId xmlns:a16="http://schemas.microsoft.com/office/drawing/2014/main" id="{38A95D77-7745-4551-BBD5-3515A074D3D5}"/>
+                </a:ext>
+                <a:ext uri="{C183D7F6-B498-43B3-948B-1728B52AA6E4}">
+                  <adec:decorative xmlns:adec="http://schemas.microsoft.com/office/drawing/2017/decorative" val="1"/>
+                </a:ext>
+              </a:extLst>
+            </p:cNvPr>
+            <p:cNvSpPr>
+              <a:spLocks/>
+            </p:cNvSpPr>
+            <p:nvPr>
+              <p:extLst>
+                <p:ext uri="{386F3935-93C4-4BCD-93E2-E3B085C9AB24}">
+                  <p16:designElem xmlns:p16="http://schemas.microsoft.com/office/powerpoint/2015/main" val="1"/>
+                </p:ext>
+              </p:extLst>
+            </p:nvPr>
+          </p:nvSpPr>
+          <p:spPr bwMode="auto">
+            <a:xfrm>
+              <a:off x="889000" y="0"/>
+              <a:ext cx="3230563" cy="6843713"/>
+            </a:xfrm>
+            <a:custGeom>
+              <a:avLst/>
+              <a:gdLst>
+                <a:gd name="T0" fmla="*/ 680 w 680"/>
+                <a:gd name="T1" fmla="*/ 0 h 1440"/>
+                <a:gd name="T2" fmla="*/ 337 w 680"/>
+                <a:gd name="T3" fmla="*/ 1440 h 1440"/>
+              </a:gdLst>
+              <a:ahLst/>
+              <a:cxnLst>
+                <a:cxn ang="0">
+                  <a:pos x="T0" y="T1"/>
+                </a:cxn>
+                <a:cxn ang="0">
+                  <a:pos x="T2" y="T3"/>
+                </a:cxn>
+              </a:cxnLst>
+              <a:rect l="0" t="0" r="r" b="b"/>
+              <a:pathLst>
+                <a:path w="680" h="1440">
+                  <a:moveTo>
+                    <a:pt x="680" y="0"/>
+                  </a:moveTo>
+                  <a:cubicBezTo>
+                    <a:pt x="257" y="265"/>
+                    <a:pt x="0" y="1026"/>
+                    <a:pt x="337" y="1440"/>
+                  </a:cubicBezTo>
+                </a:path>
+              </a:pathLst>
+            </a:custGeom>
+            <a:noFill/>
+            <a:ln w="9525" cap="flat">
+              <a:solidFill>
+                <a:schemeClr val="tx1">
+                  <a:alpha val="20000"/>
+                </a:schemeClr>
+              </a:solidFill>
+              <a:prstDash val="solid"/>
+              <a:miter lim="800000"/>
+              <a:headEnd/>
+              <a:tailEnd/>
+            </a:ln>
+            <a:extLst>
+              <a:ext uri="{909E8E84-426E-40DD-AFC4-6F175D3DCCD1}">
+                <a14:hiddenFill xmlns:a14="http://schemas.microsoft.com/office/drawing/2010/main">
+                  <a:solidFill>
+                    <a:srgbClr val="FFFFFF"/>
+                  </a:solidFill>
+                </a14:hiddenFill>
+              </a:ext>
+            </a:extLst>
+          </p:spPr>
+          <p:txBody>
+            <a:bodyPr vert="horz" wrap="square" lIns="91440" tIns="45720" rIns="91440" bIns="45720" numCol="1" anchor="t" anchorCtr="0" compatLnSpc="1">
+              <a:prstTxWarp prst="textNoShape">
+                <a:avLst/>
+              </a:prstTxWarp>
+            </a:bodyPr>
+            <a:lstStyle/>
+            <a:p>
+              <a:endParaRPr lang="en-US"/>
+            </a:p>
+          </p:txBody>
+        </p:sp>
+        <p:sp>
+          <p:nvSpPr>
+            <p:cNvPr id="55" name="Freeform 17">
+              <a:extLst>
+                <a:ext uri="{FF2B5EF4-FFF2-40B4-BE49-F238E27FC236}">
+                  <a16:creationId xmlns:a16="http://schemas.microsoft.com/office/drawing/2014/main" id="{A2C20B7F-80D6-4D48-BB2A-9AEC85494897}"/>
+                </a:ext>
+                <a:ext uri="{C183D7F6-B498-43B3-948B-1728B52AA6E4}">
+                  <adec:decorative xmlns:adec="http://schemas.microsoft.com/office/drawing/2017/decorative" val="1"/>
+                </a:ext>
+              </a:extLst>
+            </p:cNvPr>
+            <p:cNvSpPr>
+              <a:spLocks/>
+            </p:cNvSpPr>
+            <p:nvPr>
+              <p:extLst>
+                <p:ext uri="{386F3935-93C4-4BCD-93E2-E3B085C9AB24}">
+                  <p16:designElem xmlns:p16="http://schemas.microsoft.com/office/powerpoint/2015/main" val="1"/>
+                </p:ext>
+              </p:extLst>
+            </p:nvPr>
+          </p:nvSpPr>
+          <p:spPr bwMode="auto">
+            <a:xfrm>
+              <a:off x="10979150" y="5694363"/>
+              <a:ext cx="1187450" cy="1149350"/>
+            </a:xfrm>
+            <a:custGeom>
+              <a:avLst/>
+              <a:gdLst>
+                <a:gd name="T0" fmla="*/ 0 w 250"/>
+                <a:gd name="T1" fmla="*/ 242 h 242"/>
+                <a:gd name="T2" fmla="*/ 250 w 250"/>
+                <a:gd name="T3" fmla="*/ 0 h 242"/>
+              </a:gdLst>
+              <a:ahLst/>
+              <a:cxnLst>
+                <a:cxn ang="0">
+                  <a:pos x="T0" y="T1"/>
+                </a:cxn>
+                <a:cxn ang="0">
+                  <a:pos x="T2" y="T3"/>
+                </a:cxn>
+              </a:cxnLst>
+              <a:rect l="0" t="0" r="r" b="b"/>
+              <a:pathLst>
+                <a:path w="250" h="242">
+                  <a:moveTo>
+                    <a:pt x="0" y="242"/>
+                  </a:moveTo>
+                  <a:cubicBezTo>
+                    <a:pt x="88" y="166"/>
+                    <a:pt x="172" y="85"/>
+                    <a:pt x="250" y="0"/>
+                  </a:cubicBezTo>
+                </a:path>
+              </a:pathLst>
+            </a:custGeom>
+            <a:noFill/>
+            <a:ln w="9525" cap="flat">
+              <a:solidFill>
+                <a:schemeClr val="tx1">
+                  <a:alpha val="20000"/>
+                </a:schemeClr>
+              </a:solidFill>
+              <a:prstDash val="solid"/>
+              <a:miter lim="800000"/>
+              <a:headEnd/>
+              <a:tailEnd/>
+            </a:ln>
+            <a:extLst>
+              <a:ext uri="{909E8E84-426E-40DD-AFC4-6F175D3DCCD1}">
+                <a14:hiddenFill xmlns:a14="http://schemas.microsoft.com/office/drawing/2010/main">
+                  <a:solidFill>
+                    <a:srgbClr val="FFFFFF"/>
+                  </a:solidFill>
+                </a14:hiddenFill>
+              </a:ext>
+            </a:extLst>
+          </p:spPr>
+          <p:txBody>
+            <a:bodyPr vert="horz" wrap="square" lIns="91440" tIns="45720" rIns="91440" bIns="45720" numCol="1" anchor="t" anchorCtr="0" compatLnSpc="1">
+              <a:prstTxWarp prst="textNoShape">
+                <a:avLst/>
+              </a:prstTxWarp>
+            </a:bodyPr>
+            <a:lstStyle/>
+            <a:p>
+              <a:endParaRPr lang="en-US"/>
+            </a:p>
+          </p:txBody>
+        </p:sp>
+        <p:sp>
+          <p:nvSpPr>
+            <p:cNvPr id="56" name="Freeform 18">
+              <a:extLst>
+                <a:ext uri="{FF2B5EF4-FFF2-40B4-BE49-F238E27FC236}">
+                  <a16:creationId xmlns:a16="http://schemas.microsoft.com/office/drawing/2014/main" id="{55589882-0BB8-42B0-B42F-32A75B191835}"/>
+                </a:ext>
+                <a:ext uri="{C183D7F6-B498-43B3-948B-1728B52AA6E4}">
+                  <adec:decorative xmlns:adec="http://schemas.microsoft.com/office/drawing/2017/decorative" val="1"/>
+                </a:ext>
+              </a:extLst>
+            </p:cNvPr>
+            <p:cNvSpPr>
+              <a:spLocks/>
+            </p:cNvSpPr>
+            <p:nvPr>
+              <p:extLst>
+                <p:ext uri="{386F3935-93C4-4BCD-93E2-E3B085C9AB24}">
+                  <p16:designElem xmlns:p16="http://schemas.microsoft.com/office/powerpoint/2015/main" val="1"/>
+                </p:ext>
+              </p:extLst>
+            </p:nvPr>
+          </p:nvSpPr>
+          <p:spPr bwMode="auto">
+            <a:xfrm>
+              <a:off x="484188" y="0"/>
+              <a:ext cx="3421063" cy="6843713"/>
+            </a:xfrm>
+            <a:custGeom>
+              <a:avLst/>
+              <a:gdLst>
+                <a:gd name="T0" fmla="*/ 720 w 720"/>
+                <a:gd name="T1" fmla="*/ 0 h 1440"/>
+                <a:gd name="T2" fmla="*/ 362 w 720"/>
+                <a:gd name="T3" fmla="*/ 1440 h 1440"/>
+              </a:gdLst>
+              <a:ahLst/>
+              <a:cxnLst>
+                <a:cxn ang="0">
+                  <a:pos x="T0" y="T1"/>
+                </a:cxn>
+                <a:cxn ang="0">
+                  <a:pos x="T2" y="T3"/>
+                </a:cxn>
+              </a:cxnLst>
+              <a:rect l="0" t="0" r="r" b="b"/>
+              <a:pathLst>
+                <a:path w="720" h="1440">
+                  <a:moveTo>
+                    <a:pt x="720" y="0"/>
+                  </a:moveTo>
+                  <a:cubicBezTo>
+                    <a:pt x="316" y="282"/>
+                    <a:pt x="0" y="1018"/>
+                    <a:pt x="362" y="1440"/>
+                  </a:cubicBezTo>
+                </a:path>
+              </a:pathLst>
+            </a:custGeom>
+            <a:noFill/>
+            <a:ln w="9525" cap="flat">
+              <a:solidFill>
+                <a:schemeClr val="tx1">
+                  <a:alpha val="20000"/>
+                </a:schemeClr>
+              </a:solidFill>
+              <a:prstDash val="solid"/>
+              <a:miter lim="800000"/>
+              <a:headEnd/>
+              <a:tailEnd/>
+            </a:ln>
+            <a:extLst>
+              <a:ext uri="{909E8E84-426E-40DD-AFC4-6F175D3DCCD1}">
+                <a14:hiddenFill xmlns:a14="http://schemas.microsoft.com/office/drawing/2010/main">
+                  <a:solidFill>
+                    <a:srgbClr val="FFFFFF"/>
+                  </a:solidFill>
+                </a14:hiddenFill>
+              </a:ext>
+            </a:extLst>
+          </p:spPr>
+          <p:txBody>
+            <a:bodyPr vert="horz" wrap="square" lIns="91440" tIns="45720" rIns="91440" bIns="45720" numCol="1" anchor="t" anchorCtr="0" compatLnSpc="1">
+              <a:prstTxWarp prst="textNoShape">
+                <a:avLst/>
+              </a:prstTxWarp>
+            </a:bodyPr>
+            <a:lstStyle/>
+            <a:p>
+              <a:endParaRPr lang="en-US"/>
+            </a:p>
+          </p:txBody>
+        </p:sp>
+        <p:sp>
+          <p:nvSpPr>
+            <p:cNvPr id="57" name="Freeform 19">
+              <a:extLst>
+                <a:ext uri="{FF2B5EF4-FFF2-40B4-BE49-F238E27FC236}">
+                  <a16:creationId xmlns:a16="http://schemas.microsoft.com/office/drawing/2014/main" id="{53673B9F-5864-445E-82E7-0A8324FA8549}"/>
+                </a:ext>
+                <a:ext uri="{C183D7F6-B498-43B3-948B-1728B52AA6E4}">
+                  <adec:decorative xmlns:adec="http://schemas.microsoft.com/office/drawing/2017/decorative" val="1"/>
+                </a:ext>
+              </a:extLst>
+            </p:cNvPr>
+            <p:cNvSpPr>
+              <a:spLocks/>
+            </p:cNvSpPr>
+            <p:nvPr>
+              <p:extLst>
+                <p:ext uri="{386F3935-93C4-4BCD-93E2-E3B085C9AB24}">
+                  <p16:designElem xmlns:p16="http://schemas.microsoft.com/office/powerpoint/2015/main" val="1"/>
+                </p:ext>
+              </p:extLst>
+            </p:nvPr>
+          </p:nvSpPr>
+          <p:spPr bwMode="auto">
+            <a:xfrm>
+              <a:off x="11287125" y="6049963"/>
+              <a:ext cx="879475" cy="793750"/>
+            </a:xfrm>
+            <a:custGeom>
+              <a:avLst/>
+              <a:gdLst>
+                <a:gd name="T0" fmla="*/ 0 w 185"/>
+                <a:gd name="T1" fmla="*/ 167 h 167"/>
+                <a:gd name="T2" fmla="*/ 185 w 185"/>
+                <a:gd name="T3" fmla="*/ 0 h 167"/>
+              </a:gdLst>
+              <a:ahLst/>
+              <a:cxnLst>
+                <a:cxn ang="0">
+                  <a:pos x="T0" y="T1"/>
+                </a:cxn>
+                <a:cxn ang="0">
+                  <a:pos x="T2" y="T3"/>
+                </a:cxn>
+              </a:cxnLst>
+              <a:rect l="0" t="0" r="r" b="b"/>
+              <a:pathLst>
+                <a:path w="185" h="167">
+                  <a:moveTo>
+                    <a:pt x="0" y="167"/>
+                  </a:moveTo>
+                  <a:cubicBezTo>
+                    <a:pt x="63" y="114"/>
+                    <a:pt x="125" y="58"/>
+                    <a:pt x="185" y="0"/>
+                  </a:cubicBezTo>
+                </a:path>
+              </a:pathLst>
+            </a:custGeom>
+            <a:noFill/>
+            <a:ln w="9525" cap="flat">
+              <a:solidFill>
+                <a:schemeClr val="tx1">
+                  <a:alpha val="20000"/>
+                </a:schemeClr>
+              </a:solidFill>
+              <a:prstDash val="solid"/>
+              <a:miter lim="800000"/>
+              <a:headEnd/>
+              <a:tailEnd/>
+            </a:ln>
+            <a:extLst>
+              <a:ext uri="{909E8E84-426E-40DD-AFC4-6F175D3DCCD1}">
+                <a14:hiddenFill xmlns:a14="http://schemas.microsoft.com/office/drawing/2010/main">
+                  <a:solidFill>
+                    <a:srgbClr val="FFFFFF"/>
+                  </a:solidFill>
+                </a14:hiddenFill>
+              </a:ext>
+            </a:extLst>
+          </p:spPr>
+          <p:txBody>
+            <a:bodyPr vert="horz" wrap="square" lIns="91440" tIns="45720" rIns="91440" bIns="45720" numCol="1" anchor="t" anchorCtr="0" compatLnSpc="1">
+              <a:prstTxWarp prst="textNoShape">
+                <a:avLst/>
+              </a:prstTxWarp>
+            </a:bodyPr>
+            <a:lstStyle/>
+            <a:p>
+              <a:endParaRPr lang="en-US"/>
+            </a:p>
+          </p:txBody>
+        </p:sp>
+        <p:sp>
+          <p:nvSpPr>
+            <p:cNvPr id="58" name="Freeform 20">
+              <a:extLst>
+                <a:ext uri="{FF2B5EF4-FFF2-40B4-BE49-F238E27FC236}">
+                  <a16:creationId xmlns:a16="http://schemas.microsoft.com/office/drawing/2014/main" id="{16FF3B3D-59FE-4AE1-AA54-14A691D6BFEA}"/>
+                </a:ext>
+                <a:ext uri="{C183D7F6-B498-43B3-948B-1728B52AA6E4}">
+                  <adec:decorative xmlns:adec="http://schemas.microsoft.com/office/drawing/2017/decorative" val="1"/>
+                </a:ext>
+              </a:extLst>
+            </p:cNvPr>
+            <p:cNvSpPr>
+              <a:spLocks/>
+            </p:cNvSpPr>
+            <p:nvPr>
+              <p:extLst>
+                <p:ext uri="{386F3935-93C4-4BCD-93E2-E3B085C9AB24}">
+                  <p16:designElem xmlns:p16="http://schemas.microsoft.com/office/powerpoint/2015/main" val="1"/>
+                </p:ext>
+              </p:extLst>
+            </p:nvPr>
+          </p:nvSpPr>
+          <p:spPr bwMode="auto">
+            <a:xfrm>
+              <a:off x="598488" y="0"/>
+              <a:ext cx="2717800" cy="6843713"/>
+            </a:xfrm>
+            <a:custGeom>
+              <a:avLst/>
+              <a:gdLst>
+                <a:gd name="T0" fmla="*/ 572 w 572"/>
+                <a:gd name="T1" fmla="*/ 0 h 1440"/>
+                <a:gd name="T2" fmla="*/ 164 w 572"/>
+                <a:gd name="T3" fmla="*/ 1440 h 1440"/>
+              </a:gdLst>
+              <a:ahLst/>
+              <a:cxnLst>
+                <a:cxn ang="0">
+                  <a:pos x="T0" y="T1"/>
+                </a:cxn>
+                <a:cxn ang="0">
+                  <a:pos x="T2" y="T3"/>
+                </a:cxn>
+              </a:cxnLst>
+              <a:rect l="0" t="0" r="r" b="b"/>
+              <a:pathLst>
+                <a:path w="572" h="1440">
+                  <a:moveTo>
+                    <a:pt x="572" y="0"/>
+                  </a:moveTo>
+                  <a:cubicBezTo>
+                    <a:pt x="213" y="320"/>
+                    <a:pt x="0" y="979"/>
+                    <a:pt x="164" y="1440"/>
+                  </a:cubicBezTo>
+                </a:path>
+              </a:pathLst>
+            </a:custGeom>
+            <a:noFill/>
+            <a:ln w="12700" cap="flat">
+              <a:solidFill>
+                <a:schemeClr val="tx1">
+                  <a:alpha val="20000"/>
+                </a:schemeClr>
+              </a:solidFill>
+              <a:prstDash val="dashDot"/>
+              <a:miter lim="800000"/>
+              <a:headEnd/>
+              <a:tailEnd/>
+            </a:ln>
+            <a:extLst>
+              <a:ext uri="{909E8E84-426E-40DD-AFC4-6F175D3DCCD1}">
+                <a14:hiddenFill xmlns:a14="http://schemas.microsoft.com/office/drawing/2010/main">
+                  <a:solidFill>
+                    <a:srgbClr val="FFFFFF"/>
+                  </a:solidFill>
+                </a14:hiddenFill>
+              </a:ext>
+            </a:extLst>
+          </p:spPr>
+          <p:txBody>
+            <a:bodyPr vert="horz" wrap="square" lIns="91440" tIns="45720" rIns="91440" bIns="45720" numCol="1" anchor="t" anchorCtr="0" compatLnSpc="1">
+              <a:prstTxWarp prst="textNoShape">
+                <a:avLst/>
+              </a:prstTxWarp>
+            </a:bodyPr>
+            <a:lstStyle/>
+            <a:p>
+              <a:endParaRPr lang="en-US"/>
+            </a:p>
+          </p:txBody>
+        </p:sp>
+        <p:sp>
+          <p:nvSpPr>
+            <p:cNvPr id="59" name="Freeform 21">
+              <a:extLst>
+                <a:ext uri="{FF2B5EF4-FFF2-40B4-BE49-F238E27FC236}">
+                  <a16:creationId xmlns:a16="http://schemas.microsoft.com/office/drawing/2014/main" id="{901CA0F0-4962-4EC5-BA5B-3F0A967FC8AC}"/>
+                </a:ext>
+                <a:ext uri="{C183D7F6-B498-43B3-948B-1728B52AA6E4}">
+                  <adec:decorative xmlns:adec="http://schemas.microsoft.com/office/drawing/2017/decorative" val="1"/>
+                </a:ext>
+              </a:extLst>
+            </p:cNvPr>
+            <p:cNvSpPr>
+              <a:spLocks/>
+            </p:cNvSpPr>
+            <p:nvPr>
+              <p:extLst>
+                <p:ext uri="{386F3935-93C4-4BCD-93E2-E3B085C9AB24}">
+                  <p16:designElem xmlns:p16="http://schemas.microsoft.com/office/powerpoint/2015/main" val="1"/>
+                </p:ext>
+              </p:extLst>
+            </p:nvPr>
+          </p:nvSpPr>
+          <p:spPr bwMode="auto">
+            <a:xfrm>
+              <a:off x="261938" y="0"/>
+              <a:ext cx="2944813" cy="6843713"/>
+            </a:xfrm>
+            <a:custGeom>
+              <a:avLst/>
+              <a:gdLst>
+                <a:gd name="T0" fmla="*/ 620 w 620"/>
+                <a:gd name="T1" fmla="*/ 0 h 1440"/>
+                <a:gd name="T2" fmla="*/ 186 w 620"/>
+                <a:gd name="T3" fmla="*/ 1440 h 1440"/>
+              </a:gdLst>
+              <a:ahLst/>
+              <a:cxnLst>
+                <a:cxn ang="0">
+                  <a:pos x="T0" y="T1"/>
+                </a:cxn>
+                <a:cxn ang="0">
+                  <a:pos x="T2" y="T3"/>
+                </a:cxn>
+              </a:cxnLst>
+              <a:rect l="0" t="0" r="r" b="b"/>
+              <a:pathLst>
+                <a:path w="620" h="1440">
+                  <a:moveTo>
+                    <a:pt x="620" y="0"/>
+                  </a:moveTo>
+                  <a:cubicBezTo>
+                    <a:pt x="248" y="325"/>
+                    <a:pt x="0" y="960"/>
+                    <a:pt x="186" y="1440"/>
+                  </a:cubicBezTo>
+                </a:path>
+              </a:pathLst>
+            </a:custGeom>
+            <a:noFill/>
+            <a:ln w="9525" cap="flat">
+              <a:solidFill>
+                <a:schemeClr val="tx1">
+                  <a:alpha val="20000"/>
+                </a:schemeClr>
+              </a:solidFill>
+              <a:prstDash val="lgDash"/>
+              <a:miter lim="800000"/>
+              <a:headEnd/>
+              <a:tailEnd/>
+            </a:ln>
+            <a:extLst>
+              <a:ext uri="{909E8E84-426E-40DD-AFC4-6F175D3DCCD1}">
+                <a14:hiddenFill xmlns:a14="http://schemas.microsoft.com/office/drawing/2010/main">
+                  <a:solidFill>
+                    <a:srgbClr val="FFFFFF"/>
+                  </a:solidFill>
+                </a14:hiddenFill>
+              </a:ext>
+            </a:extLst>
+          </p:spPr>
+          <p:txBody>
+            <a:bodyPr vert="horz" wrap="square" lIns="91440" tIns="45720" rIns="91440" bIns="45720" numCol="1" anchor="t" anchorCtr="0" compatLnSpc="1">
+              <a:prstTxWarp prst="textNoShape">
+                <a:avLst/>
+              </a:prstTxWarp>
+            </a:bodyPr>
+            <a:lstStyle/>
+            <a:p>
+              <a:endParaRPr lang="en-US"/>
+            </a:p>
+          </p:txBody>
+        </p:sp>
+        <p:sp>
+          <p:nvSpPr>
+            <p:cNvPr id="60" name="Freeform 22">
+              <a:extLst>
+                <a:ext uri="{FF2B5EF4-FFF2-40B4-BE49-F238E27FC236}">
+                  <a16:creationId xmlns:a16="http://schemas.microsoft.com/office/drawing/2014/main" id="{3DD02E26-C2AD-4062-85BD-28D172C9E74C}"/>
+                </a:ext>
+                <a:ext uri="{C183D7F6-B498-43B3-948B-1728B52AA6E4}">
+                  <adec:decorative xmlns:adec="http://schemas.microsoft.com/office/drawing/2017/decorative" val="1"/>
+                </a:ext>
+              </a:extLst>
+            </p:cNvPr>
+            <p:cNvSpPr>
+              <a:spLocks/>
+            </p:cNvSpPr>
+            <p:nvPr>
+              <p:extLst>
+                <p:ext uri="{386F3935-93C4-4BCD-93E2-E3B085C9AB24}">
+                  <p16:designElem xmlns:p16="http://schemas.microsoft.com/office/powerpoint/2015/main" val="1"/>
+                </p:ext>
+              </p:extLst>
+            </p:nvPr>
+          </p:nvSpPr>
+          <p:spPr bwMode="auto">
+            <a:xfrm>
+              <a:off x="-417513" y="0"/>
+              <a:ext cx="2403475" cy="6843713"/>
+            </a:xfrm>
+            <a:custGeom>
+              <a:avLst/>
+              <a:gdLst>
+                <a:gd name="T0" fmla="*/ 506 w 506"/>
+                <a:gd name="T1" fmla="*/ 0 h 1440"/>
+                <a:gd name="T2" fmla="*/ 171 w 506"/>
+                <a:gd name="T3" fmla="*/ 1440 h 1440"/>
+              </a:gdLst>
+              <a:ahLst/>
+              <a:cxnLst>
+                <a:cxn ang="0">
+                  <a:pos x="T0" y="T1"/>
+                </a:cxn>
+                <a:cxn ang="0">
+                  <a:pos x="T2" y="T3"/>
+                </a:cxn>
+              </a:cxnLst>
+              <a:rect l="0" t="0" r="r" b="b"/>
+              <a:pathLst>
+                <a:path w="506" h="1440">
+                  <a:moveTo>
+                    <a:pt x="506" y="0"/>
+                  </a:moveTo>
+                  <a:cubicBezTo>
+                    <a:pt x="109" y="356"/>
+                    <a:pt x="0" y="943"/>
+                    <a:pt x="171" y="1440"/>
+                  </a:cubicBezTo>
+                </a:path>
+              </a:pathLst>
+            </a:custGeom>
+            <a:noFill/>
+            <a:ln w="9525" cap="flat">
+              <a:solidFill>
+                <a:schemeClr val="tx1">
+                  <a:alpha val="20000"/>
+                </a:schemeClr>
+              </a:solidFill>
+              <a:prstDash val="solid"/>
+              <a:miter lim="800000"/>
+              <a:headEnd/>
+              <a:tailEnd/>
+            </a:ln>
+            <a:extLst>
+              <a:ext uri="{909E8E84-426E-40DD-AFC4-6F175D3DCCD1}">
+                <a14:hiddenFill xmlns:a14="http://schemas.microsoft.com/office/drawing/2010/main">
+                  <a:solidFill>
+                    <a:srgbClr val="FFFFFF"/>
+                  </a:solidFill>
+                </a14:hiddenFill>
+              </a:ext>
+            </a:extLst>
+          </p:spPr>
+          <p:txBody>
+            <a:bodyPr vert="horz" wrap="square" lIns="91440" tIns="45720" rIns="91440" bIns="45720" numCol="1" anchor="t" anchorCtr="0" compatLnSpc="1">
+              <a:prstTxWarp prst="textNoShape">
+                <a:avLst/>
+              </a:prstTxWarp>
+            </a:bodyPr>
+            <a:lstStyle/>
+            <a:p>
+              <a:endParaRPr lang="en-US"/>
+            </a:p>
+          </p:txBody>
+        </p:sp>
+        <p:sp>
+          <p:nvSpPr>
+            <p:cNvPr id="61" name="Freeform 23">
+              <a:extLst>
+                <a:ext uri="{FF2B5EF4-FFF2-40B4-BE49-F238E27FC236}">
+                  <a16:creationId xmlns:a16="http://schemas.microsoft.com/office/drawing/2014/main" id="{D7B60BD4-07C1-461F-B38E-B39EBACA3A55}"/>
+                </a:ext>
+                <a:ext uri="{C183D7F6-B498-43B3-948B-1728B52AA6E4}">
+                  <adec:decorative xmlns:adec="http://schemas.microsoft.com/office/drawing/2017/decorative" val="1"/>
+                </a:ext>
+              </a:extLst>
+            </p:cNvPr>
+            <p:cNvSpPr>
+              <a:spLocks/>
+            </p:cNvSpPr>
+            <p:nvPr>
+              <p:extLst>
+                <p:ext uri="{386F3935-93C4-4BCD-93E2-E3B085C9AB24}">
+                  <p16:designElem xmlns:p16="http://schemas.microsoft.com/office/powerpoint/2015/main" val="1"/>
+                </p:ext>
+              </p:extLst>
+            </p:nvPr>
+          </p:nvSpPr>
+          <p:spPr bwMode="auto">
+            <a:xfrm>
+              <a:off x="14288" y="9525"/>
+              <a:ext cx="1771650" cy="3198813"/>
+            </a:xfrm>
+            <a:custGeom>
+              <a:avLst/>
+              <a:gdLst>
+                <a:gd name="T0" fmla="*/ 373 w 373"/>
+                <a:gd name="T1" fmla="*/ 0 h 673"/>
+                <a:gd name="T2" fmla="*/ 0 w 373"/>
+                <a:gd name="T3" fmla="*/ 673 h 673"/>
+              </a:gdLst>
+              <a:ahLst/>
+              <a:cxnLst>
+                <a:cxn ang="0">
+                  <a:pos x="T0" y="T1"/>
+                </a:cxn>
+                <a:cxn ang="0">
+                  <a:pos x="T2" y="T3"/>
+                </a:cxn>
+              </a:cxnLst>
+              <a:rect l="0" t="0" r="r" b="b"/>
+              <a:pathLst>
+                <a:path w="373" h="673">
+                  <a:moveTo>
+                    <a:pt x="373" y="0"/>
+                  </a:moveTo>
+                  <a:cubicBezTo>
+                    <a:pt x="175" y="183"/>
+                    <a:pt x="51" y="409"/>
+                    <a:pt x="0" y="673"/>
+                  </a:cubicBezTo>
+                </a:path>
+              </a:pathLst>
+            </a:custGeom>
+            <a:noFill/>
+            <a:ln w="9525" cap="flat">
+              <a:solidFill>
+                <a:schemeClr val="tx1">
+                  <a:alpha val="20000"/>
+                </a:schemeClr>
+              </a:solidFill>
+              <a:prstDash val="solid"/>
+              <a:miter lim="800000"/>
+              <a:headEnd/>
+              <a:tailEnd/>
+            </a:ln>
+            <a:extLst>
+              <a:ext uri="{909E8E84-426E-40DD-AFC4-6F175D3DCCD1}">
+                <a14:hiddenFill xmlns:a14="http://schemas.microsoft.com/office/drawing/2010/main">
+                  <a:solidFill>
+                    <a:srgbClr val="FFFFFF"/>
+                  </a:solidFill>
+                </a14:hiddenFill>
+              </a:ext>
+            </a:extLst>
+          </p:spPr>
+          <p:txBody>
+            <a:bodyPr vert="horz" wrap="square" lIns="91440" tIns="45720" rIns="91440" bIns="45720" numCol="1" anchor="t" anchorCtr="0" compatLnSpc="1">
+              <a:prstTxWarp prst="textNoShape">
+                <a:avLst/>
+              </a:prstTxWarp>
+            </a:bodyPr>
+            <a:lstStyle/>
+            <a:p>
+              <a:endParaRPr lang="en-US"/>
+            </a:p>
+          </p:txBody>
+        </p:sp>
+        <p:sp>
+          <p:nvSpPr>
+            <p:cNvPr id="62" name="Freeform 24">
+              <a:extLst>
+                <a:ext uri="{FF2B5EF4-FFF2-40B4-BE49-F238E27FC236}">
+                  <a16:creationId xmlns:a16="http://schemas.microsoft.com/office/drawing/2014/main" id="{D81BB3F7-E4A5-4BD9-A70D-FDA6C9127F93}"/>
+                </a:ext>
+                <a:ext uri="{C183D7F6-B498-43B3-948B-1728B52AA6E4}">
+                  <adec:decorative xmlns:adec="http://schemas.microsoft.com/office/drawing/2017/decorative" val="1"/>
+                </a:ext>
+              </a:extLst>
+            </p:cNvPr>
+            <p:cNvSpPr>
+              <a:spLocks/>
+            </p:cNvSpPr>
+            <p:nvPr>
+              <p:extLst>
+                <p:ext uri="{386F3935-93C4-4BCD-93E2-E3B085C9AB24}">
+                  <p16:designElem xmlns:p16="http://schemas.microsoft.com/office/powerpoint/2015/main" val="1"/>
+                </p:ext>
+              </p:extLst>
+            </p:nvPr>
+          </p:nvSpPr>
+          <p:spPr bwMode="auto">
+            <a:xfrm>
+              <a:off x="4763" y="6016625"/>
+              <a:ext cx="214313" cy="827088"/>
+            </a:xfrm>
+            <a:custGeom>
+              <a:avLst/>
+              <a:gdLst>
+                <a:gd name="T0" fmla="*/ 0 w 45"/>
+                <a:gd name="T1" fmla="*/ 0 h 174"/>
+                <a:gd name="T2" fmla="*/ 45 w 45"/>
+                <a:gd name="T3" fmla="*/ 174 h 174"/>
+              </a:gdLst>
+              <a:ahLst/>
+              <a:cxnLst>
+                <a:cxn ang="0">
+                  <a:pos x="T0" y="T1"/>
+                </a:cxn>
+                <a:cxn ang="0">
+                  <a:pos x="T2" y="T3"/>
+                </a:cxn>
+              </a:cxnLst>
+              <a:rect l="0" t="0" r="r" b="b"/>
+              <a:pathLst>
+                <a:path w="45" h="174">
+                  <a:moveTo>
+                    <a:pt x="0" y="0"/>
+                  </a:moveTo>
+                  <a:cubicBezTo>
+                    <a:pt x="11" y="59"/>
+                    <a:pt x="26" y="118"/>
+                    <a:pt x="45" y="174"/>
+                  </a:cubicBezTo>
+                </a:path>
+              </a:pathLst>
+            </a:custGeom>
+            <a:noFill/>
+            <a:ln w="9525" cap="flat">
+              <a:solidFill>
+                <a:schemeClr val="tx1">
+                  <a:alpha val="20000"/>
+                </a:schemeClr>
+              </a:solidFill>
+              <a:prstDash val="solid"/>
+              <a:miter lim="800000"/>
+              <a:headEnd/>
+              <a:tailEnd/>
+            </a:ln>
+            <a:extLst>
+              <a:ext uri="{909E8E84-426E-40DD-AFC4-6F175D3DCCD1}">
+                <a14:hiddenFill xmlns:a14="http://schemas.microsoft.com/office/drawing/2010/main">
+                  <a:solidFill>
+                    <a:srgbClr val="FFFFFF"/>
+                  </a:solidFill>
+                </a14:hiddenFill>
+              </a:ext>
+            </a:extLst>
+          </p:spPr>
+          <p:txBody>
+            <a:bodyPr vert="horz" wrap="square" lIns="91440" tIns="45720" rIns="91440" bIns="45720" numCol="1" anchor="t" anchorCtr="0" compatLnSpc="1">
+              <a:prstTxWarp prst="textNoShape">
+                <a:avLst/>
+              </a:prstTxWarp>
+            </a:bodyPr>
+            <a:lstStyle/>
+            <a:p>
+              <a:endParaRPr lang="en-US"/>
+            </a:p>
+          </p:txBody>
+        </p:sp>
+        <p:sp>
+          <p:nvSpPr>
+            <p:cNvPr id="63" name="Freeform 25">
+              <a:extLst>
+                <a:ext uri="{FF2B5EF4-FFF2-40B4-BE49-F238E27FC236}">
+                  <a16:creationId xmlns:a16="http://schemas.microsoft.com/office/drawing/2014/main" id="{B93A80B5-32BA-48BB-941A-4FC64AC62EF7}"/>
+                </a:ext>
+                <a:ext uri="{C183D7F6-B498-43B3-948B-1728B52AA6E4}">
+                  <adec:decorative xmlns:adec="http://schemas.microsoft.com/office/drawing/2017/decorative" val="1"/>
+                </a:ext>
+              </a:extLst>
+            </p:cNvPr>
+            <p:cNvSpPr>
+              <a:spLocks/>
+            </p:cNvSpPr>
+            <p:nvPr>
+              <p:extLst>
+                <p:ext uri="{386F3935-93C4-4BCD-93E2-E3B085C9AB24}">
+                  <p16:designElem xmlns:p16="http://schemas.microsoft.com/office/powerpoint/2015/main" val="1"/>
+                </p:ext>
+              </p:extLst>
+            </p:nvPr>
+          </p:nvSpPr>
+          <p:spPr bwMode="auto">
+            <a:xfrm>
+              <a:off x="14288" y="0"/>
+              <a:ext cx="1562100" cy="2228850"/>
+            </a:xfrm>
+            <a:custGeom>
+              <a:avLst/>
+              <a:gdLst>
+                <a:gd name="T0" fmla="*/ 329 w 329"/>
+                <a:gd name="T1" fmla="*/ 0 h 469"/>
+                <a:gd name="T2" fmla="*/ 0 w 329"/>
+                <a:gd name="T3" fmla="*/ 469 h 469"/>
+              </a:gdLst>
+              <a:ahLst/>
+              <a:cxnLst>
+                <a:cxn ang="0">
+                  <a:pos x="T0" y="T1"/>
+                </a:cxn>
+                <a:cxn ang="0">
+                  <a:pos x="T2" y="T3"/>
+                </a:cxn>
+              </a:cxnLst>
+              <a:rect l="0" t="0" r="r" b="b"/>
+              <a:pathLst>
+                <a:path w="329" h="469">
+                  <a:moveTo>
+                    <a:pt x="329" y="0"/>
+                  </a:moveTo>
+                  <a:cubicBezTo>
+                    <a:pt x="189" y="133"/>
+                    <a:pt x="69" y="288"/>
+                    <a:pt x="0" y="469"/>
+                  </a:cubicBezTo>
+                </a:path>
+              </a:pathLst>
+            </a:custGeom>
+            <a:noFill/>
+            <a:ln w="9525" cap="flat">
+              <a:solidFill>
+                <a:schemeClr val="tx1">
+                  <a:alpha val="20000"/>
+                </a:schemeClr>
+              </a:solidFill>
+              <a:prstDash val="solid"/>
+              <a:miter lim="800000"/>
+              <a:headEnd/>
+              <a:tailEnd/>
+            </a:ln>
+            <a:extLst>
+              <a:ext uri="{909E8E84-426E-40DD-AFC4-6F175D3DCCD1}">
+                <a14:hiddenFill xmlns:a14="http://schemas.microsoft.com/office/drawing/2010/main">
+                  <a:solidFill>
+                    <a:srgbClr val="FFFFFF"/>
+                  </a:solidFill>
+                </a14:hiddenFill>
+              </a:ext>
+            </a:extLst>
+          </p:spPr>
+          <p:txBody>
+            <a:bodyPr vert="horz" wrap="square" lIns="91440" tIns="45720" rIns="91440" bIns="45720" numCol="1" anchor="t" anchorCtr="0" compatLnSpc="1">
+              <a:prstTxWarp prst="textNoShape">
+                <a:avLst/>
+              </a:prstTxWarp>
+            </a:bodyPr>
+            <a:lstStyle/>
+            <a:p>
+              <a:endParaRPr lang="en-US"/>
+            </a:p>
+          </p:txBody>
+        </p:sp>
+      </p:grpSp>
+      <p:sp>
+        <p:nvSpPr>
+          <p:cNvPr id="71" name="Rectangle 64">
+            <a:extLst>
+              <a:ext uri="{FF2B5EF4-FFF2-40B4-BE49-F238E27FC236}">
+                <a16:creationId xmlns:a16="http://schemas.microsoft.com/office/drawing/2014/main" id="{9C057A66-6E97-4BA5-B4B3-2690ACE3CE80}"/>
+              </a:ext>
+              <a:ext uri="{C183D7F6-B498-43B3-948B-1728B52AA6E4}">
+                <adec:decorative xmlns:adec="http://schemas.microsoft.com/office/drawing/2017/decorative" val="1"/>
+              </a:ext>
+            </a:extLst>
+          </p:cNvPr>
+          <p:cNvSpPr>
+            <a:spLocks noGrp="1" noRot="1" noChangeAspect="1" noMove="1" noResize="1" noEditPoints="1" noAdjustHandles="1" noChangeArrowheads="1" noChangeShapeType="1" noTextEdit="1"/>
+          </p:cNvSpPr>
+          <p:nvPr>
+            <p:extLst>
+              <p:ext uri="{386F3935-93C4-4BCD-93E2-E3B085C9AB24}">
+                <p16:designElem xmlns:p16="http://schemas.microsoft.com/office/powerpoint/2015/main" val="1"/>
+              </p:ext>
+            </p:extLst>
+          </p:nvPr>
+        </p:nvSpPr>
+        <p:spPr>
+          <a:xfrm>
+            <a:off x="791682" y="1047102"/>
+            <a:ext cx="5936885" cy="502920"/>
+          </a:xfrm>
+          <a:prstGeom prst="rect">
+            <a:avLst/>
+          </a:prstGeom>
+          <a:solidFill>
+            <a:schemeClr val="accent1"/>
+          </a:solidFill>
+          <a:ln>
+            <a:noFill/>
+          </a:ln>
+        </p:spPr>
+        <p:style>
+          <a:lnRef idx="2">
+            <a:schemeClr val="accent1">
+              <a:shade val="50000"/>
+            </a:schemeClr>
+          </a:lnRef>
+          <a:fillRef idx="1">
+            <a:schemeClr val="accent1"/>
+          </a:fillRef>
+          <a:effectRef idx="0">
+            <a:schemeClr val="accent1"/>
+          </a:effectRef>
+          <a:fontRef idx="minor">
+            <a:schemeClr val="lt1"/>
+          </a:fontRef>
+        </p:style>
+        <p:txBody>
+          <a:bodyPr rtlCol="0" anchor="ctr"/>
+          <a:lstStyle/>
+          <a:p>
+            <a:pPr algn="ctr"/>
+            <a:endParaRPr lang="en-US"/>
+          </a:p>
+        </p:txBody>
+      </p:sp>
+      <p:sp>
+        <p:nvSpPr>
+          <p:cNvPr id="67" name="Isosceles Triangle 22">
+            <a:extLst>
+              <a:ext uri="{FF2B5EF4-FFF2-40B4-BE49-F238E27FC236}">
+                <a16:creationId xmlns:a16="http://schemas.microsoft.com/office/drawing/2014/main" id="{764884A8-16DD-467F-A648-70B32E20BA99}"/>
+              </a:ext>
+              <a:ext uri="{C183D7F6-B498-43B3-948B-1728B52AA6E4}">
+                <adec:decorative xmlns:adec="http://schemas.microsoft.com/office/drawing/2017/decorative" val="1"/>
+              </a:ext>
+            </a:extLst>
+          </p:cNvPr>
+          <p:cNvSpPr>
+            <a:spLocks noGrp="1" noRot="1" noChangeAspect="1" noMove="1" noResize="1" noEditPoints="1" noAdjustHandles="1" noChangeArrowheads="1" noChangeShapeType="1" noTextEdit="1"/>
+          </p:cNvSpPr>
+          <p:nvPr>
+            <p:extLst>
+              <p:ext uri="{386F3935-93C4-4BCD-93E2-E3B085C9AB24}">
+                <p16:designElem xmlns:p16="http://schemas.microsoft.com/office/powerpoint/2015/main" val="1"/>
+              </p:ext>
+            </p:extLst>
+          </p:nvPr>
+        </p:nvSpPr>
+        <p:spPr>
+          <a:xfrm rot="10800000">
+            <a:off x="3602131" y="5546507"/>
+            <a:ext cx="315988" cy="272403"/>
+          </a:xfrm>
+          <a:prstGeom prst="triangle">
+            <a:avLst/>
+          </a:prstGeom>
+          <a:solidFill>
+            <a:schemeClr val="accent1"/>
+          </a:solidFill>
+          <a:ln>
+            <a:noFill/>
+          </a:ln>
+        </p:spPr>
+        <p:style>
+          <a:lnRef idx="2">
+            <a:schemeClr val="accent1">
+              <a:shade val="50000"/>
+            </a:schemeClr>
+          </a:lnRef>
+          <a:fillRef idx="1">
+            <a:schemeClr val="accent1"/>
+          </a:fillRef>
+          <a:effectRef idx="0">
+            <a:schemeClr val="accent1"/>
+          </a:effectRef>
+          <a:fontRef idx="minor">
+            <a:schemeClr val="lt1"/>
+          </a:fontRef>
+        </p:style>
+        <p:txBody>
+          <a:bodyPr rtlCol="0" anchor="ctr"/>
+          <a:lstStyle/>
+          <a:p>
+            <a:pPr algn="ctr"/>
+            <a:endParaRPr lang="en-US"/>
+          </a:p>
+        </p:txBody>
+      </p:sp>
+      <p:sp>
+        <p:nvSpPr>
+          <p:cNvPr id="72" name="Rectangle 68">
+            <a:extLst>
+              <a:ext uri="{FF2B5EF4-FFF2-40B4-BE49-F238E27FC236}">
+                <a16:creationId xmlns:a16="http://schemas.microsoft.com/office/drawing/2014/main" id="{276681CD-6924-4550-926C-667FC2C6A8B5}"/>
+              </a:ext>
+              <a:ext uri="{C183D7F6-B498-43B3-948B-1728B52AA6E4}">
+                <adec:decorative xmlns:adec="http://schemas.microsoft.com/office/drawing/2017/decorative" val="1"/>
+              </a:ext>
+            </a:extLst>
+          </p:cNvPr>
+          <p:cNvSpPr>
+            <a:spLocks noGrp="1" noRot="1" noChangeAspect="1" noMove="1" noResize="1" noEditPoints="1" noAdjustHandles="1" noChangeArrowheads="1" noChangeShapeType="1" noTextEdit="1"/>
+          </p:cNvSpPr>
+          <p:nvPr>
+            <p:extLst>
+              <p:ext uri="{386F3935-93C4-4BCD-93E2-E3B085C9AB24}">
+                <p16:designElem xmlns:p16="http://schemas.microsoft.com/office/powerpoint/2015/main" val="1"/>
+              </p:ext>
+            </p:extLst>
+          </p:nvPr>
+        </p:nvSpPr>
+        <p:spPr>
+          <a:xfrm>
+            <a:off x="791682" y="1634393"/>
+            <a:ext cx="5935796" cy="3917307"/>
+          </a:xfrm>
+          <a:prstGeom prst="rect">
+            <a:avLst/>
+          </a:prstGeom>
+          <a:solidFill>
+            <a:schemeClr val="accent1"/>
+          </a:solidFill>
+          <a:ln>
+            <a:noFill/>
+          </a:ln>
+        </p:spPr>
+        <p:style>
+          <a:lnRef idx="2">
+            <a:schemeClr val="accent1">
+              <a:shade val="50000"/>
+            </a:schemeClr>
+          </a:lnRef>
+          <a:fillRef idx="1">
+            <a:schemeClr val="accent1"/>
+          </a:fillRef>
+          <a:effectRef idx="0">
+            <a:schemeClr val="accent1"/>
+          </a:effectRef>
+          <a:fontRef idx="minor">
+            <a:schemeClr val="lt1"/>
+          </a:fontRef>
+        </p:style>
+        <p:txBody>
+          <a:bodyPr rtlCol="0" anchor="ctr"/>
+          <a:lstStyle/>
+          <a:p>
+            <a:pPr algn="ctr"/>
+            <a:endParaRPr lang="en-US"/>
+          </a:p>
+        </p:txBody>
+      </p:sp>
+      <p:sp>
+        <p:nvSpPr>
+          <p:cNvPr id="2" name="Title 1">
+            <a:extLst>
+              <a:ext uri="{FF2B5EF4-FFF2-40B4-BE49-F238E27FC236}">
+                <a16:creationId xmlns:a16="http://schemas.microsoft.com/office/drawing/2014/main" id="{9AFCDCB1-665D-4E18-A1AB-198301188C0D}"/>
+              </a:ext>
+            </a:extLst>
+          </p:cNvPr>
+          <p:cNvSpPr>
+            <a:spLocks noGrp="1"/>
+          </p:cNvSpPr>
+          <p:nvPr>
+            <p:ph type="title"/>
+          </p:nvPr>
+        </p:nvSpPr>
+        <p:spPr>
+          <a:xfrm>
+            <a:off x="873978" y="1718735"/>
+            <a:ext cx="5767566" cy="1072378"/>
+          </a:xfrm>
+        </p:spPr>
+        <p:txBody>
+          <a:bodyPr anchor="ctr">
+            <a:normAutofit/>
+          </a:bodyPr>
+          <a:lstStyle/>
+          <a:p>
+            <a:r>
+              <a:rPr lang="en-US" sz="3600" dirty="0"/>
+              <a:t>ABSTRACT</a:t>
+            </a:r>
+          </a:p>
+        </p:txBody>
+      </p:sp>
+      <p:sp>
+        <p:nvSpPr>
+          <p:cNvPr id="3" name="Content Placeholder 2">
+            <a:extLst>
+              <a:ext uri="{FF2B5EF4-FFF2-40B4-BE49-F238E27FC236}">
+                <a16:creationId xmlns:a16="http://schemas.microsoft.com/office/drawing/2014/main" id="{6A1FF52C-1424-4304-9EA1-14A70911E442}"/>
+              </a:ext>
+            </a:extLst>
+          </p:cNvPr>
+          <p:cNvSpPr>
+            <a:spLocks noGrp="1"/>
+          </p:cNvSpPr>
+          <p:nvPr>
+            <p:ph idx="1"/>
+          </p:nvPr>
+        </p:nvSpPr>
+        <p:spPr>
+          <a:xfrm>
+            <a:off x="873102" y="2789239"/>
+            <a:ext cx="5768442" cy="2683606"/>
+          </a:xfrm>
+        </p:spPr>
+        <p:txBody>
+          <a:bodyPr>
+            <a:normAutofit lnSpcReduction="10000"/>
+          </a:bodyPr>
+          <a:lstStyle/>
+          <a:p>
+            <a:pPr marL="0" indent="0">
+              <a:buClr>
+                <a:srgbClr val="C19C7C"/>
+              </a:buClr>
+              <a:buNone/>
+            </a:pPr>
+            <a:endParaRPr lang="en-US" sz="1600" dirty="0">
+              <a:solidFill>
+                <a:srgbClr val="FFFFFE"/>
+              </a:solidFill>
+            </a:endParaRPr>
+          </a:p>
+          <a:p>
+            <a:pPr>
+              <a:buClr>
+                <a:srgbClr val="C19C7C"/>
+              </a:buClr>
+            </a:pPr>
+            <a:r>
+              <a:rPr lang="en-US" sz="2400" dirty="0">
+                <a:solidFill>
+                  <a:srgbClr val="FFFFFE"/>
+                </a:solidFill>
+              </a:rPr>
+              <a:t>To find the variance in impact around the globe of education, employment and financial independence on special programs aimed towards women.</a:t>
+            </a:r>
+          </a:p>
+          <a:p>
+            <a:pPr>
+              <a:buClr>
+                <a:srgbClr val="C19C7C"/>
+              </a:buClr>
+            </a:pPr>
+            <a:endParaRPr lang="en-US" sz="1600" dirty="0">
+              <a:solidFill>
+                <a:srgbClr val="FFFFFE"/>
+              </a:solidFill>
+            </a:endParaRPr>
+          </a:p>
+        </p:txBody>
+      </p:sp>
+      <p:pic>
+        <p:nvPicPr>
+          <p:cNvPr id="5" name="Picture 4">
+            <a:extLst>
+              <a:ext uri="{FF2B5EF4-FFF2-40B4-BE49-F238E27FC236}">
+                <a16:creationId xmlns:a16="http://schemas.microsoft.com/office/drawing/2014/main" id="{A2BABFE5-BF1B-454A-9E46-21A9B2799219}"/>
+              </a:ext>
+            </a:extLst>
+          </p:cNvPr>
+          <p:cNvPicPr>
+            <a:picLocks noChangeAspect="1"/>
+          </p:cNvPicPr>
+          <p:nvPr/>
+        </p:nvPicPr>
+        <p:blipFill rotWithShape="1">
+          <a:blip r:embed="rId2">
+            <a:extLst>
+              <a:ext uri="{28A0092B-C50C-407E-A947-70E740481C1C}">
+                <a14:useLocalDpi xmlns:a14="http://schemas.microsoft.com/office/drawing/2010/main" val="0"/>
+              </a:ext>
+            </a:extLst>
+          </a:blip>
+          <a:srcRect l="29518" r="28517" b="-1"/>
+          <a:stretch/>
+        </p:blipFill>
+        <p:spPr>
+          <a:xfrm>
+            <a:off x="7549862" y="227"/>
+            <a:ext cx="4641833" cy="6858000"/>
+          </a:xfrm>
+          <a:prstGeom prst="rect">
+            <a:avLst/>
+          </a:prstGeom>
+        </p:spPr>
+      </p:pic>
+    </p:spTree>
+    <p:extLst>
+      <p:ext uri="{BB962C8B-B14F-4D97-AF65-F5344CB8AC3E}">
+        <p14:creationId xmlns:p14="http://schemas.microsoft.com/office/powerpoint/2010/main" val="3099141666"/>
+      </p:ext>
+    </p:extLst>
+  </p:cSld>
+  <p:clrMapOvr>
+    <a:masterClrMapping/>
+  </p:clrMapOvr>
+</p:sld>
+</file>
+
+<file path=ppt/slides/slide20.xml><?xml version="1.0" encoding="utf-8"?>
+<p:sld xmlns:a="http://schemas.openxmlformats.org/drawingml/2006/main" xmlns:r="http://schemas.openxmlformats.org/officeDocument/2006/relationships" xmlns:p="http://schemas.openxmlformats.org/presentationml/2006/main">
+  <p:cSld>
+    <p:spTree>
+      <p:nvGrpSpPr>
+        <p:cNvPr id="1" name=""/>
+        <p:cNvGrpSpPr/>
+        <p:nvPr/>
+      </p:nvGrpSpPr>
+      <p:grpSpPr>
+        <a:xfrm>
+          <a:off x="0" y="0"/>
+          <a:ext cx="0" cy="0"/>
+          <a:chOff x="0" y="0"/>
+          <a:chExt cx="0" cy="0"/>
+        </a:xfrm>
+      </p:grpSpPr>
+      <p:sp>
+        <p:nvSpPr>
+          <p:cNvPr id="4" name="Title 3">
+            <a:extLst>
+              <a:ext uri="{FF2B5EF4-FFF2-40B4-BE49-F238E27FC236}">
+                <a16:creationId xmlns:a16="http://schemas.microsoft.com/office/drawing/2014/main" id="{7BEA6E11-7F5C-490F-88D1-86E9B1C5E3DA}"/>
+              </a:ext>
+            </a:extLst>
+          </p:cNvPr>
+          <p:cNvSpPr>
+            <a:spLocks noGrp="1"/>
+          </p:cNvSpPr>
+          <p:nvPr>
+            <p:ph type="title"/>
+          </p:nvPr>
+        </p:nvSpPr>
+        <p:spPr>
+          <a:xfrm>
+            <a:off x="3344216" y="2327953"/>
+            <a:ext cx="5490224" cy="1689390"/>
+          </a:xfrm>
+        </p:spPr>
+        <p:txBody>
+          <a:bodyPr>
+            <a:normAutofit/>
+          </a:bodyPr>
+          <a:lstStyle/>
+          <a:p>
+            <a:r>
+              <a:rPr lang="en-US" sz="6000" b="1" dirty="0"/>
+              <a:t>Question 5</a:t>
+            </a:r>
+          </a:p>
+        </p:txBody>
+      </p:sp>
+      <p:sp>
+        <p:nvSpPr>
+          <p:cNvPr id="2" name="TextBox 1">
+            <a:extLst>
+              <a:ext uri="{FF2B5EF4-FFF2-40B4-BE49-F238E27FC236}">
+                <a16:creationId xmlns:a16="http://schemas.microsoft.com/office/drawing/2014/main" id="{CB792D28-15E9-41FF-B043-77F76969FAFB}"/>
+              </a:ext>
+            </a:extLst>
+          </p:cNvPr>
+          <p:cNvSpPr txBox="1"/>
+          <p:nvPr/>
+        </p:nvSpPr>
+        <p:spPr>
+          <a:xfrm>
+            <a:off x="4098749" y="1294228"/>
+            <a:ext cx="3981157" cy="523220"/>
+          </a:xfrm>
+          <a:prstGeom prst="rect">
+            <a:avLst/>
+          </a:prstGeom>
+          <a:noFill/>
+        </p:spPr>
+        <p:txBody>
+          <a:bodyPr wrap="square" rtlCol="0">
+            <a:spAutoFit/>
+          </a:bodyPr>
+          <a:lstStyle/>
+          <a:p>
+            <a:pPr algn="ctr"/>
+            <a:r>
+              <a:rPr lang="en-US" sz="2800" dirty="0">
+                <a:solidFill>
+                  <a:schemeClr val="bg1"/>
+                </a:solidFill>
+                <a:latin typeface="Aharoni" panose="020B0604020202020204" pitchFamily="2" charset="-79"/>
+                <a:cs typeface="Aharoni" panose="020B0604020202020204" pitchFamily="2" charset="-79"/>
+              </a:rPr>
+              <a:t>OOZIE</a:t>
+            </a:r>
+          </a:p>
+        </p:txBody>
+      </p:sp>
+    </p:spTree>
+    <p:extLst>
+      <p:ext uri="{BB962C8B-B14F-4D97-AF65-F5344CB8AC3E}">
+        <p14:creationId xmlns:p14="http://schemas.microsoft.com/office/powerpoint/2010/main" val="1422951813"/>
+      </p:ext>
+    </p:extLst>
+  </p:cSld>
+  <p:clrMapOvr>
+    <a:masterClrMapping/>
+  </p:clrMapOvr>
+</p:sld>
+</file>
+
+<file path=ppt/slides/slide21.xml><?xml version="1.0" encoding="utf-8"?>
 <p:sld xmlns:a="http://schemas.openxmlformats.org/drawingml/2006/main" xmlns:r="http://schemas.openxmlformats.org/officeDocument/2006/relationships" xmlns:p="http://schemas.openxmlformats.org/presentationml/2006/main">
   <p:cSld>
     <p:spTree>
@@ -16547,8 +19477,15 @@
           <a:lstStyle/>
           <a:p>
             <a:r>
+              <a:rPr lang="en-US" b="1" dirty="0"/>
+              <a:t>Question 5:</a:t>
+            </a:r>
+            <a:br>
               <a:rPr lang="en-US" dirty="0"/>
-              <a:t>Question 5</a:t>
+            </a:br>
+            <a:r>
+              <a:rPr lang="en-US" dirty="0"/>
+              <a:t>Problem</a:t>
             </a:r>
           </a:p>
         </p:txBody>
@@ -16571,18 +19508,14 @@
         </p:nvSpPr>
         <p:spPr/>
         <p:txBody>
-          <a:bodyPr/>
+          <a:bodyPr>
+            <a:normAutofit/>
+          </a:bodyPr>
           <a:lstStyle/>
           <a:p>
             <a:r>
-              <a:rPr lang="en-US" dirty="0"/>
-              <a:t>Problem: List the percentage of women who are financially independent in all countries.</a:t>
-            </a:r>
-          </a:p>
-          <a:p>
-            <a:r>
-              <a:rPr lang="en-US" dirty="0"/>
-              <a:t>Solution: </a:t>
+              <a:rPr lang="en-US" sz="2800" dirty="0"/>
+              <a:t>List the percentage of women who are financially independent in all countries.</a:t>
             </a:r>
           </a:p>
         </p:txBody>
@@ -16600,7 +19533,192 @@
 </p:sld>
 </file>
 
-<file path=ppt/slides/slide17.xml><?xml version="1.0" encoding="utf-8"?>
+<file path=ppt/slides/slide22.xml><?xml version="1.0" encoding="utf-8"?>
+<p:sld xmlns:a="http://schemas.openxmlformats.org/drawingml/2006/main" xmlns:r="http://schemas.openxmlformats.org/officeDocument/2006/relationships" xmlns:p="http://schemas.openxmlformats.org/presentationml/2006/main">
+  <p:cSld>
+    <p:spTree>
+      <p:nvGrpSpPr>
+        <p:cNvPr id="1" name=""/>
+        <p:cNvGrpSpPr/>
+        <p:nvPr/>
+      </p:nvGrpSpPr>
+      <p:grpSpPr>
+        <a:xfrm>
+          <a:off x="0" y="0"/>
+          <a:ext cx="0" cy="0"/>
+          <a:chOff x="0" y="0"/>
+          <a:chExt cx="0" cy="0"/>
+        </a:xfrm>
+      </p:grpSpPr>
+      <p:sp>
+        <p:nvSpPr>
+          <p:cNvPr id="2" name="Title 1">
+            <a:extLst>
+              <a:ext uri="{FF2B5EF4-FFF2-40B4-BE49-F238E27FC236}">
+                <a16:creationId xmlns:a16="http://schemas.microsoft.com/office/drawing/2014/main" id="{AB8EC600-85F2-401B-AF75-3204C0035BE3}"/>
+              </a:ext>
+            </a:extLst>
+          </p:cNvPr>
+          <p:cNvSpPr>
+            <a:spLocks noGrp="1"/>
+          </p:cNvSpPr>
+          <p:nvPr>
+            <p:ph type="title"/>
+          </p:nvPr>
+        </p:nvSpPr>
+        <p:spPr/>
+        <p:txBody>
+          <a:bodyPr/>
+          <a:lstStyle/>
+          <a:p>
+            <a:r>
+              <a:rPr lang="en-US" b="1" dirty="0"/>
+              <a:t>Question 5:</a:t>
+            </a:r>
+            <a:br>
+              <a:rPr lang="en-US" dirty="0"/>
+            </a:br>
+            <a:r>
+              <a:rPr lang="en-US" dirty="0"/>
+              <a:t>Solution</a:t>
+            </a:r>
+          </a:p>
+        </p:txBody>
+      </p:sp>
+      <p:sp>
+        <p:nvSpPr>
+          <p:cNvPr id="3" name="Content Placeholder 2">
+            <a:extLst>
+              <a:ext uri="{FF2B5EF4-FFF2-40B4-BE49-F238E27FC236}">
+                <a16:creationId xmlns:a16="http://schemas.microsoft.com/office/drawing/2014/main" id="{2E996CAC-33FD-4472-869A-D1AB2553FA6F}"/>
+              </a:ext>
+            </a:extLst>
+          </p:cNvPr>
+          <p:cNvSpPr>
+            <a:spLocks noGrp="1"/>
+          </p:cNvSpPr>
+          <p:nvPr>
+            <p:ph idx="1"/>
+          </p:nvPr>
+        </p:nvSpPr>
+        <p:spPr/>
+        <p:txBody>
+          <a:bodyPr>
+            <a:normAutofit/>
+          </a:bodyPr>
+          <a:lstStyle/>
+          <a:p>
+            <a:r>
+              <a:rPr lang="en-US" sz="2400" dirty="0"/>
+              <a:t>Using Oozie, find the weighted percentage of female financial independence in all countries with non-null values in each of the five measured categories.</a:t>
+            </a:r>
+          </a:p>
+        </p:txBody>
+      </p:sp>
+    </p:spTree>
+    <p:extLst>
+      <p:ext uri="{BB962C8B-B14F-4D97-AF65-F5344CB8AC3E}">
+        <p14:creationId xmlns:p14="http://schemas.microsoft.com/office/powerpoint/2010/main" val="1963860692"/>
+      </p:ext>
+    </p:extLst>
+  </p:cSld>
+  <p:clrMapOvr>
+    <a:masterClrMapping/>
+  </p:clrMapOvr>
+</p:sld>
+</file>
+
+<file path=ppt/slides/slide23.xml><?xml version="1.0" encoding="utf-8"?>
+<p:sld xmlns:a="http://schemas.openxmlformats.org/drawingml/2006/main" xmlns:r="http://schemas.openxmlformats.org/officeDocument/2006/relationships" xmlns:p="http://schemas.openxmlformats.org/presentationml/2006/main">
+  <p:cSld>
+    <p:spTree>
+      <p:nvGrpSpPr>
+        <p:cNvPr id="1" name=""/>
+        <p:cNvGrpSpPr/>
+        <p:nvPr/>
+      </p:nvGrpSpPr>
+      <p:grpSpPr>
+        <a:xfrm>
+          <a:off x="0" y="0"/>
+          <a:ext cx="0" cy="0"/>
+          <a:chOff x="0" y="0"/>
+          <a:chExt cx="0" cy="0"/>
+        </a:xfrm>
+      </p:grpSpPr>
+      <p:sp>
+        <p:nvSpPr>
+          <p:cNvPr id="2" name="Title 1">
+            <a:extLst>
+              <a:ext uri="{FF2B5EF4-FFF2-40B4-BE49-F238E27FC236}">
+                <a16:creationId xmlns:a16="http://schemas.microsoft.com/office/drawing/2014/main" id="{29CAFF1F-0481-461B-BB06-6DEB855C311F}"/>
+              </a:ext>
+            </a:extLst>
+          </p:cNvPr>
+          <p:cNvSpPr>
+            <a:spLocks noGrp="1"/>
+          </p:cNvSpPr>
+          <p:nvPr>
+            <p:ph type="title"/>
+          </p:nvPr>
+        </p:nvSpPr>
+        <p:spPr/>
+        <p:txBody>
+          <a:bodyPr/>
+          <a:lstStyle/>
+          <a:p>
+            <a:r>
+              <a:rPr lang="en-US" b="1" dirty="0"/>
+              <a:t>Question 5:</a:t>
+            </a:r>
+            <a:br>
+              <a:rPr lang="en-US" dirty="0"/>
+            </a:br>
+            <a:r>
+              <a:rPr lang="en-US" dirty="0"/>
+              <a:t>Conclusions</a:t>
+            </a:r>
+          </a:p>
+        </p:txBody>
+      </p:sp>
+      <p:sp>
+        <p:nvSpPr>
+          <p:cNvPr id="3" name="Content Placeholder 2">
+            <a:extLst>
+              <a:ext uri="{FF2B5EF4-FFF2-40B4-BE49-F238E27FC236}">
+                <a16:creationId xmlns:a16="http://schemas.microsoft.com/office/drawing/2014/main" id="{99977A7E-6D0C-444D-92ED-0C13CE9B97EB}"/>
+              </a:ext>
+            </a:extLst>
+          </p:cNvPr>
+          <p:cNvSpPr>
+            <a:spLocks noGrp="1"/>
+          </p:cNvSpPr>
+          <p:nvPr>
+            <p:ph idx="1"/>
+          </p:nvPr>
+        </p:nvSpPr>
+        <p:spPr/>
+        <p:txBody>
+          <a:bodyPr/>
+          <a:lstStyle/>
+          <a:p>
+            <a:endParaRPr lang="en-US"/>
+          </a:p>
+        </p:txBody>
+      </p:sp>
+    </p:spTree>
+    <p:extLst>
+      <p:ext uri="{BB962C8B-B14F-4D97-AF65-F5344CB8AC3E}">
+        <p14:creationId xmlns:p14="http://schemas.microsoft.com/office/powerpoint/2010/main" val="15134711"/>
+      </p:ext>
+    </p:extLst>
+  </p:cSld>
+  <p:clrMapOvr>
+    <a:masterClrMapping/>
+  </p:clrMapOvr>
+</p:sld>
+</file>
+
+<file path=ppt/slides/slide24.xml><?xml version="1.0" encoding="utf-8"?>
 <p:sld xmlns:a="http://schemas.openxmlformats.org/drawingml/2006/main" xmlns:r="http://schemas.openxmlformats.org/officeDocument/2006/relationships" xmlns:p="http://schemas.openxmlformats.org/presentationml/2006/main">
   <p:cSld>
     <p:bg>
@@ -20207,2417 +23325,6 @@
 </p:sld>
 </file>
 
-<file path=ppt/slides/slide2.xml><?xml version="1.0" encoding="utf-8"?>
-<p:sld xmlns:a="http://schemas.openxmlformats.org/drawingml/2006/main" xmlns:r="http://schemas.openxmlformats.org/officeDocument/2006/relationships" xmlns:p="http://schemas.openxmlformats.org/presentationml/2006/main">
-  <p:cSld>
-    <p:bg>
-      <p:bgPr>
-        <a:solidFill>
-          <a:schemeClr val="bg1"/>
-        </a:solidFill>
-        <a:effectLst/>
-      </p:bgPr>
-    </p:bg>
-    <p:spTree>
-      <p:nvGrpSpPr>
-        <p:cNvPr id="1" name=""/>
-        <p:cNvGrpSpPr/>
-        <p:nvPr/>
-      </p:nvGrpSpPr>
-      <p:grpSpPr>
-        <a:xfrm>
-          <a:off x="0" y="0"/>
-          <a:ext cx="0" cy="0"/>
-          <a:chOff x="0" y="0"/>
-          <a:chExt cx="0" cy="0"/>
-        </a:xfrm>
-      </p:grpSpPr>
-      <p:sp useBgFill="1">
-        <p:nvSpPr>
-          <p:cNvPr id="40" name="Rectangle 39">
-            <a:extLst>
-              <a:ext uri="{FF2B5EF4-FFF2-40B4-BE49-F238E27FC236}">
-                <a16:creationId xmlns:a16="http://schemas.microsoft.com/office/drawing/2014/main" id="{EDFF257A-042C-46B5-80D1-3E8CFD33446E}"/>
-              </a:ext>
-              <a:ext uri="{C183D7F6-B498-43B3-948B-1728B52AA6E4}">
-                <adec:decorative xmlns:adec="http://schemas.microsoft.com/office/drawing/2017/decorative" val="1"/>
-              </a:ext>
-            </a:extLst>
-          </p:cNvPr>
-          <p:cNvSpPr>
-            <a:spLocks noGrp="1" noRot="1" noChangeAspect="1" noMove="1" noResize="1" noEditPoints="1" noAdjustHandles="1" noChangeArrowheads="1" noChangeShapeType="1" noTextEdit="1"/>
-          </p:cNvSpPr>
-          <p:nvPr>
-            <p:extLst>
-              <p:ext uri="{386F3935-93C4-4BCD-93E2-E3B085C9AB24}">
-                <p16:designElem xmlns:p16="http://schemas.microsoft.com/office/powerpoint/2015/main" val="1"/>
-              </p:ext>
-            </p:extLst>
-          </p:nvPr>
-        </p:nvSpPr>
-        <p:spPr>
-          <a:xfrm>
-            <a:off x="0" y="0"/>
-            <a:ext cx="12191695" cy="6858000"/>
-          </a:xfrm>
-          <a:prstGeom prst="rect">
-            <a:avLst/>
-          </a:prstGeom>
-          <a:ln>
-            <a:noFill/>
-          </a:ln>
-        </p:spPr>
-        <p:style>
-          <a:lnRef idx="2">
-            <a:schemeClr val="accent1">
-              <a:shade val="50000"/>
-            </a:schemeClr>
-          </a:lnRef>
-          <a:fillRef idx="1">
-            <a:schemeClr val="accent1"/>
-          </a:fillRef>
-          <a:effectRef idx="0">
-            <a:schemeClr val="accent1"/>
-          </a:effectRef>
-          <a:fontRef idx="minor">
-            <a:schemeClr val="lt1"/>
-          </a:fontRef>
-        </p:style>
-        <p:txBody>
-          <a:bodyPr rtlCol="0" anchor="ctr"/>
-          <a:lstStyle/>
-          <a:p>
-            <a:pPr algn="ctr"/>
-            <a:endParaRPr lang="en-US"/>
-          </a:p>
-        </p:txBody>
-      </p:sp>
-      <p:grpSp>
-        <p:nvGrpSpPr>
-          <p:cNvPr id="42" name="Group 41">
-            <a:extLst>
-              <a:ext uri="{FF2B5EF4-FFF2-40B4-BE49-F238E27FC236}">
-                <a16:creationId xmlns:a16="http://schemas.microsoft.com/office/drawing/2014/main" id="{E2836BD6-A1CD-4253-813F-3EDA642A7ACC}"/>
-              </a:ext>
-              <a:ext uri="{C183D7F6-B498-43B3-948B-1728B52AA6E4}">
-                <adec:decorative xmlns:adec="http://schemas.microsoft.com/office/drawing/2017/decorative" val="1"/>
-              </a:ext>
-            </a:extLst>
-          </p:cNvPr>
-          <p:cNvGrpSpPr>
-            <a:grpSpLocks noGrp="1" noUngrp="1" noRot="1" noChangeAspect="1" noMove="1" noResize="1"/>
-          </p:cNvGrpSpPr>
-          <p:nvPr>
-            <p:extLst>
-              <p:ext uri="{386F3935-93C4-4BCD-93E2-E3B085C9AB24}">
-                <p16:designElem xmlns:p16="http://schemas.microsoft.com/office/powerpoint/2015/main" val="1"/>
-              </p:ext>
-            </p:extLst>
-          </p:nvPr>
-        </p:nvGrpSpPr>
-        <p:grpSpPr>
-          <a:xfrm>
-            <a:off x="-417513" y="0"/>
-            <a:ext cx="12584114" cy="6853238"/>
-            <a:chOff x="-417513" y="0"/>
-            <a:chExt cx="12584114" cy="6853238"/>
-          </a:xfrm>
-        </p:grpSpPr>
-        <p:sp>
-          <p:nvSpPr>
-            <p:cNvPr id="43" name="Freeform 5">
-              <a:extLst>
-                <a:ext uri="{FF2B5EF4-FFF2-40B4-BE49-F238E27FC236}">
-                  <a16:creationId xmlns:a16="http://schemas.microsoft.com/office/drawing/2014/main" id="{63EE4AB3-C905-497E-988B-4D7394894B2F}"/>
-                </a:ext>
-                <a:ext uri="{C183D7F6-B498-43B3-948B-1728B52AA6E4}">
-                  <adec:decorative xmlns:adec="http://schemas.microsoft.com/office/drawing/2017/decorative" val="1"/>
-                </a:ext>
-              </a:extLst>
-            </p:cNvPr>
-            <p:cNvSpPr>
-              <a:spLocks/>
-            </p:cNvSpPr>
-            <p:nvPr>
-              <p:extLst>
-                <p:ext uri="{386F3935-93C4-4BCD-93E2-E3B085C9AB24}">
-                  <p16:designElem xmlns:p16="http://schemas.microsoft.com/office/powerpoint/2015/main" val="1"/>
-                </p:ext>
-              </p:extLst>
-            </p:nvPr>
-          </p:nvSpPr>
-          <p:spPr bwMode="auto">
-            <a:xfrm>
-              <a:off x="1306513" y="0"/>
-              <a:ext cx="3862388" cy="6843713"/>
-            </a:xfrm>
-            <a:custGeom>
-              <a:avLst/>
-              <a:gdLst>
-                <a:gd name="T0" fmla="*/ 813 w 813"/>
-                <a:gd name="T1" fmla="*/ 0 h 1440"/>
-                <a:gd name="T2" fmla="*/ 435 w 813"/>
-                <a:gd name="T3" fmla="*/ 1440 h 1440"/>
-              </a:gdLst>
-              <a:ahLst/>
-              <a:cxnLst>
-                <a:cxn ang="0">
-                  <a:pos x="T0" y="T1"/>
-                </a:cxn>
-                <a:cxn ang="0">
-                  <a:pos x="T2" y="T3"/>
-                </a:cxn>
-              </a:cxnLst>
-              <a:rect l="0" t="0" r="r" b="b"/>
-              <a:pathLst>
-                <a:path w="813" h="1440">
-                  <a:moveTo>
-                    <a:pt x="813" y="0"/>
-                  </a:moveTo>
-                  <a:cubicBezTo>
-                    <a:pt x="331" y="221"/>
-                    <a:pt x="0" y="1039"/>
-                    <a:pt x="435" y="1440"/>
-                  </a:cubicBezTo>
-                </a:path>
-              </a:pathLst>
-            </a:custGeom>
-            <a:noFill/>
-            <a:ln w="9525" cap="flat">
-              <a:solidFill>
-                <a:schemeClr val="tx1">
-                  <a:alpha val="20000"/>
-                </a:schemeClr>
-              </a:solidFill>
-              <a:prstDash val="solid"/>
-              <a:miter lim="800000"/>
-              <a:headEnd/>
-              <a:tailEnd/>
-            </a:ln>
-            <a:extLst>
-              <a:ext uri="{909E8E84-426E-40DD-AFC4-6F175D3DCCD1}">
-                <a14:hiddenFill xmlns:a14="http://schemas.microsoft.com/office/drawing/2010/main">
-                  <a:solidFill>
-                    <a:srgbClr val="FFFFFF"/>
-                  </a:solidFill>
-                </a14:hiddenFill>
-              </a:ext>
-            </a:extLst>
-          </p:spPr>
-          <p:txBody>
-            <a:bodyPr vert="horz" wrap="square" lIns="91440" tIns="45720" rIns="91440" bIns="45720" numCol="1" anchor="t" anchorCtr="0" compatLnSpc="1">
-              <a:prstTxWarp prst="textNoShape">
-                <a:avLst/>
-              </a:prstTxWarp>
-            </a:bodyPr>
-            <a:lstStyle/>
-            <a:p>
-              <a:endParaRPr lang="en-US"/>
-            </a:p>
-          </p:txBody>
-        </p:sp>
-        <p:sp>
-          <p:nvSpPr>
-            <p:cNvPr id="44" name="Freeform 6">
-              <a:extLst>
-                <a:ext uri="{FF2B5EF4-FFF2-40B4-BE49-F238E27FC236}">
-                  <a16:creationId xmlns:a16="http://schemas.microsoft.com/office/drawing/2014/main" id="{774DC5FF-D912-4C9F-811A-337208A3B4BF}"/>
-                </a:ext>
-                <a:ext uri="{C183D7F6-B498-43B3-948B-1728B52AA6E4}">
-                  <adec:decorative xmlns:adec="http://schemas.microsoft.com/office/drawing/2017/decorative" val="1"/>
-                </a:ext>
-              </a:extLst>
-            </p:cNvPr>
-            <p:cNvSpPr>
-              <a:spLocks/>
-            </p:cNvSpPr>
-            <p:nvPr>
-              <p:extLst>
-                <p:ext uri="{386F3935-93C4-4BCD-93E2-E3B085C9AB24}">
-                  <p16:designElem xmlns:p16="http://schemas.microsoft.com/office/powerpoint/2015/main" val="1"/>
-                </p:ext>
-              </p:extLst>
-            </p:nvPr>
-          </p:nvSpPr>
-          <p:spPr bwMode="auto">
-            <a:xfrm>
-              <a:off x="10626725" y="9525"/>
-              <a:ext cx="1539875" cy="555625"/>
-            </a:xfrm>
-            <a:custGeom>
-              <a:avLst/>
-              <a:gdLst>
-                <a:gd name="T0" fmla="*/ 324 w 324"/>
-                <a:gd name="T1" fmla="*/ 117 h 117"/>
-                <a:gd name="T2" fmla="*/ 0 w 324"/>
-                <a:gd name="T3" fmla="*/ 0 h 117"/>
-              </a:gdLst>
-              <a:ahLst/>
-              <a:cxnLst>
-                <a:cxn ang="0">
-                  <a:pos x="T0" y="T1"/>
-                </a:cxn>
-                <a:cxn ang="0">
-                  <a:pos x="T2" y="T3"/>
-                </a:cxn>
-              </a:cxnLst>
-              <a:rect l="0" t="0" r="r" b="b"/>
-              <a:pathLst>
-                <a:path w="324" h="117">
-                  <a:moveTo>
-                    <a:pt x="324" y="117"/>
-                  </a:moveTo>
-                  <a:cubicBezTo>
-                    <a:pt x="223" y="64"/>
-                    <a:pt x="107" y="28"/>
-                    <a:pt x="0" y="0"/>
-                  </a:cubicBezTo>
-                </a:path>
-              </a:pathLst>
-            </a:custGeom>
-            <a:noFill/>
-            <a:ln w="9525" cap="flat">
-              <a:solidFill>
-                <a:schemeClr val="tx1">
-                  <a:alpha val="20000"/>
-                </a:schemeClr>
-              </a:solidFill>
-              <a:prstDash val="solid"/>
-              <a:miter lim="800000"/>
-              <a:headEnd/>
-              <a:tailEnd/>
-            </a:ln>
-            <a:extLst>
-              <a:ext uri="{909E8E84-426E-40DD-AFC4-6F175D3DCCD1}">
-                <a14:hiddenFill xmlns:a14="http://schemas.microsoft.com/office/drawing/2010/main">
-                  <a:solidFill>
-                    <a:srgbClr val="FFFFFF"/>
-                  </a:solidFill>
-                </a14:hiddenFill>
-              </a:ext>
-            </a:extLst>
-          </p:spPr>
-          <p:txBody>
-            <a:bodyPr vert="horz" wrap="square" lIns="91440" tIns="45720" rIns="91440" bIns="45720" numCol="1" anchor="t" anchorCtr="0" compatLnSpc="1">
-              <a:prstTxWarp prst="textNoShape">
-                <a:avLst/>
-              </a:prstTxWarp>
-            </a:bodyPr>
-            <a:lstStyle/>
-            <a:p>
-              <a:endParaRPr lang="en-US"/>
-            </a:p>
-          </p:txBody>
-        </p:sp>
-        <p:sp>
-          <p:nvSpPr>
-            <p:cNvPr id="45" name="Freeform 7">
-              <a:extLst>
-                <a:ext uri="{FF2B5EF4-FFF2-40B4-BE49-F238E27FC236}">
-                  <a16:creationId xmlns:a16="http://schemas.microsoft.com/office/drawing/2014/main" id="{E04E6A71-624A-4806-A53E-87BC73A85B3F}"/>
-                </a:ext>
-                <a:ext uri="{C183D7F6-B498-43B3-948B-1728B52AA6E4}">
-                  <adec:decorative xmlns:adec="http://schemas.microsoft.com/office/drawing/2017/decorative" val="1"/>
-                </a:ext>
-              </a:extLst>
-            </p:cNvPr>
-            <p:cNvSpPr>
-              <a:spLocks/>
-            </p:cNvSpPr>
-            <p:nvPr>
-              <p:extLst>
-                <p:ext uri="{386F3935-93C4-4BCD-93E2-E3B085C9AB24}">
-                  <p16:designElem xmlns:p16="http://schemas.microsoft.com/office/powerpoint/2015/main" val="1"/>
-                </p:ext>
-              </p:extLst>
-            </p:nvPr>
-          </p:nvSpPr>
-          <p:spPr bwMode="auto">
-            <a:xfrm>
-              <a:off x="10247313" y="5013325"/>
-              <a:ext cx="1919288" cy="1830388"/>
-            </a:xfrm>
-            <a:custGeom>
-              <a:avLst/>
-              <a:gdLst>
-                <a:gd name="T0" fmla="*/ 0 w 404"/>
-                <a:gd name="T1" fmla="*/ 385 h 385"/>
-                <a:gd name="T2" fmla="*/ 404 w 404"/>
-                <a:gd name="T3" fmla="*/ 0 h 385"/>
-              </a:gdLst>
-              <a:ahLst/>
-              <a:cxnLst>
-                <a:cxn ang="0">
-                  <a:pos x="T0" y="T1"/>
-                </a:cxn>
-                <a:cxn ang="0">
-                  <a:pos x="T2" y="T3"/>
-                </a:cxn>
-              </a:cxnLst>
-              <a:rect l="0" t="0" r="r" b="b"/>
-              <a:pathLst>
-                <a:path w="404" h="385">
-                  <a:moveTo>
-                    <a:pt x="0" y="385"/>
-                  </a:moveTo>
-                  <a:cubicBezTo>
-                    <a:pt x="146" y="272"/>
-                    <a:pt x="285" y="142"/>
-                    <a:pt x="404" y="0"/>
-                  </a:cubicBezTo>
-                </a:path>
-              </a:pathLst>
-            </a:custGeom>
-            <a:noFill/>
-            <a:ln w="9525" cap="flat">
-              <a:solidFill>
-                <a:schemeClr val="tx1">
-                  <a:alpha val="20000"/>
-                </a:schemeClr>
-              </a:solidFill>
-              <a:prstDash val="solid"/>
-              <a:miter lim="800000"/>
-              <a:headEnd/>
-              <a:tailEnd/>
-            </a:ln>
-            <a:extLst>
-              <a:ext uri="{909E8E84-426E-40DD-AFC4-6F175D3DCCD1}">
-                <a14:hiddenFill xmlns:a14="http://schemas.microsoft.com/office/drawing/2010/main">
-                  <a:solidFill>
-                    <a:srgbClr val="FFFFFF"/>
-                  </a:solidFill>
-                </a14:hiddenFill>
-              </a:ext>
-            </a:extLst>
-          </p:spPr>
-          <p:txBody>
-            <a:bodyPr vert="horz" wrap="square" lIns="91440" tIns="45720" rIns="91440" bIns="45720" numCol="1" anchor="t" anchorCtr="0" compatLnSpc="1">
-              <a:prstTxWarp prst="textNoShape">
-                <a:avLst/>
-              </a:prstTxWarp>
-            </a:bodyPr>
-            <a:lstStyle/>
-            <a:p>
-              <a:endParaRPr lang="en-US"/>
-            </a:p>
-          </p:txBody>
-        </p:sp>
-        <p:sp>
-          <p:nvSpPr>
-            <p:cNvPr id="46" name="Freeform 8">
-              <a:extLst>
-                <a:ext uri="{FF2B5EF4-FFF2-40B4-BE49-F238E27FC236}">
-                  <a16:creationId xmlns:a16="http://schemas.microsoft.com/office/drawing/2014/main" id="{E1871C83-254F-49CD-8EA7-8CB7089B8087}"/>
-                </a:ext>
-                <a:ext uri="{C183D7F6-B498-43B3-948B-1728B52AA6E4}">
-                  <adec:decorative xmlns:adec="http://schemas.microsoft.com/office/drawing/2017/decorative" val="1"/>
-                </a:ext>
-              </a:extLst>
-            </p:cNvPr>
-            <p:cNvSpPr>
-              <a:spLocks/>
-            </p:cNvSpPr>
-            <p:nvPr>
-              <p:extLst>
-                <p:ext uri="{386F3935-93C4-4BCD-93E2-E3B085C9AB24}">
-                  <p16:designElem xmlns:p16="http://schemas.microsoft.com/office/powerpoint/2015/main" val="1"/>
-                </p:ext>
-              </p:extLst>
-            </p:nvPr>
-          </p:nvSpPr>
-          <p:spPr bwMode="auto">
-            <a:xfrm>
-              <a:off x="1120775" y="0"/>
-              <a:ext cx="3676650" cy="6843713"/>
-            </a:xfrm>
-            <a:custGeom>
-              <a:avLst/>
-              <a:gdLst>
-                <a:gd name="T0" fmla="*/ 774 w 774"/>
-                <a:gd name="T1" fmla="*/ 0 h 1440"/>
-                <a:gd name="T2" fmla="*/ 411 w 774"/>
-                <a:gd name="T3" fmla="*/ 1440 h 1440"/>
-              </a:gdLst>
-              <a:ahLst/>
-              <a:cxnLst>
-                <a:cxn ang="0">
-                  <a:pos x="T0" y="T1"/>
-                </a:cxn>
-                <a:cxn ang="0">
-                  <a:pos x="T2" y="T3"/>
-                </a:cxn>
-              </a:cxnLst>
-              <a:rect l="0" t="0" r="r" b="b"/>
-              <a:pathLst>
-                <a:path w="774" h="1440">
-                  <a:moveTo>
-                    <a:pt x="774" y="0"/>
-                  </a:moveTo>
-                  <a:cubicBezTo>
-                    <a:pt x="312" y="240"/>
-                    <a:pt x="0" y="1034"/>
-                    <a:pt x="411" y="1440"/>
-                  </a:cubicBezTo>
-                </a:path>
-              </a:pathLst>
-            </a:custGeom>
-            <a:noFill/>
-            <a:ln w="9525" cap="flat">
-              <a:solidFill>
-                <a:schemeClr val="tx1">
-                  <a:alpha val="20000"/>
-                </a:schemeClr>
-              </a:solidFill>
-              <a:prstDash val="dash"/>
-              <a:miter lim="800000"/>
-              <a:headEnd/>
-              <a:tailEnd/>
-            </a:ln>
-            <a:extLst>
-              <a:ext uri="{909E8E84-426E-40DD-AFC4-6F175D3DCCD1}">
-                <a14:hiddenFill xmlns:a14="http://schemas.microsoft.com/office/drawing/2010/main">
-                  <a:solidFill>
-                    <a:srgbClr val="FFFFFF"/>
-                  </a:solidFill>
-                </a14:hiddenFill>
-              </a:ext>
-            </a:extLst>
-          </p:spPr>
-          <p:txBody>
-            <a:bodyPr vert="horz" wrap="square" lIns="91440" tIns="45720" rIns="91440" bIns="45720" numCol="1" anchor="t" anchorCtr="0" compatLnSpc="1">
-              <a:prstTxWarp prst="textNoShape">
-                <a:avLst/>
-              </a:prstTxWarp>
-            </a:bodyPr>
-            <a:lstStyle/>
-            <a:p>
-              <a:endParaRPr lang="en-US"/>
-            </a:p>
-          </p:txBody>
-        </p:sp>
-        <p:sp>
-          <p:nvSpPr>
-            <p:cNvPr id="47" name="Freeform 9">
-              <a:extLst>
-                <a:ext uri="{FF2B5EF4-FFF2-40B4-BE49-F238E27FC236}">
-                  <a16:creationId xmlns:a16="http://schemas.microsoft.com/office/drawing/2014/main" id="{427141DF-5457-4673-B816-C6C5C72AE915}"/>
-                </a:ext>
-                <a:ext uri="{C183D7F6-B498-43B3-948B-1728B52AA6E4}">
-                  <adec:decorative xmlns:adec="http://schemas.microsoft.com/office/drawing/2017/decorative" val="1"/>
-                </a:ext>
-              </a:extLst>
-            </p:cNvPr>
-            <p:cNvSpPr>
-              <a:spLocks/>
-            </p:cNvSpPr>
-            <p:nvPr>
-              <p:extLst>
-                <p:ext uri="{386F3935-93C4-4BCD-93E2-E3B085C9AB24}">
-                  <p16:designElem xmlns:p16="http://schemas.microsoft.com/office/powerpoint/2015/main" val="1"/>
-                </p:ext>
-              </p:extLst>
-            </p:nvPr>
-          </p:nvSpPr>
-          <p:spPr bwMode="auto">
-            <a:xfrm>
-              <a:off x="11202988" y="9525"/>
-              <a:ext cx="963613" cy="366713"/>
-            </a:xfrm>
-            <a:custGeom>
-              <a:avLst/>
-              <a:gdLst>
-                <a:gd name="T0" fmla="*/ 203 w 203"/>
-                <a:gd name="T1" fmla="*/ 77 h 77"/>
-                <a:gd name="T2" fmla="*/ 0 w 203"/>
-                <a:gd name="T3" fmla="*/ 0 h 77"/>
-              </a:gdLst>
-              <a:ahLst/>
-              <a:cxnLst>
-                <a:cxn ang="0">
-                  <a:pos x="T0" y="T1"/>
-                </a:cxn>
-                <a:cxn ang="0">
-                  <a:pos x="T2" y="T3"/>
-                </a:cxn>
-              </a:cxnLst>
-              <a:rect l="0" t="0" r="r" b="b"/>
-              <a:pathLst>
-                <a:path w="203" h="77">
-                  <a:moveTo>
-                    <a:pt x="203" y="77"/>
-                  </a:moveTo>
-                  <a:cubicBezTo>
-                    <a:pt x="138" y="46"/>
-                    <a:pt x="68" y="21"/>
-                    <a:pt x="0" y="0"/>
-                  </a:cubicBezTo>
-                </a:path>
-              </a:pathLst>
-            </a:custGeom>
-            <a:noFill/>
-            <a:ln w="9525" cap="flat">
-              <a:solidFill>
-                <a:schemeClr val="tx1">
-                  <a:alpha val="20000"/>
-                </a:schemeClr>
-              </a:solidFill>
-              <a:prstDash val="dash"/>
-              <a:miter lim="800000"/>
-              <a:headEnd/>
-              <a:tailEnd/>
-            </a:ln>
-            <a:extLst>
-              <a:ext uri="{909E8E84-426E-40DD-AFC4-6F175D3DCCD1}">
-                <a14:hiddenFill xmlns:a14="http://schemas.microsoft.com/office/drawing/2010/main">
-                  <a:solidFill>
-                    <a:srgbClr val="FFFFFF"/>
-                  </a:solidFill>
-                </a14:hiddenFill>
-              </a:ext>
-            </a:extLst>
-          </p:spPr>
-          <p:txBody>
-            <a:bodyPr vert="horz" wrap="square" lIns="91440" tIns="45720" rIns="91440" bIns="45720" numCol="1" anchor="t" anchorCtr="0" compatLnSpc="1">
-              <a:prstTxWarp prst="textNoShape">
-                <a:avLst/>
-              </a:prstTxWarp>
-            </a:bodyPr>
-            <a:lstStyle/>
-            <a:p>
-              <a:endParaRPr lang="en-US"/>
-            </a:p>
-          </p:txBody>
-        </p:sp>
-        <p:sp>
-          <p:nvSpPr>
-            <p:cNvPr id="48" name="Freeform 10">
-              <a:extLst>
-                <a:ext uri="{FF2B5EF4-FFF2-40B4-BE49-F238E27FC236}">
-                  <a16:creationId xmlns:a16="http://schemas.microsoft.com/office/drawing/2014/main" id="{BC9A176E-C84F-4816-97D4-426B396FC0BE}"/>
-                </a:ext>
-                <a:ext uri="{C183D7F6-B498-43B3-948B-1728B52AA6E4}">
-                  <adec:decorative xmlns:adec="http://schemas.microsoft.com/office/drawing/2017/decorative" val="1"/>
-                </a:ext>
-              </a:extLst>
-            </p:cNvPr>
-            <p:cNvSpPr>
-              <a:spLocks/>
-            </p:cNvSpPr>
-            <p:nvPr>
-              <p:extLst>
-                <p:ext uri="{386F3935-93C4-4BCD-93E2-E3B085C9AB24}">
-                  <p16:designElem xmlns:p16="http://schemas.microsoft.com/office/powerpoint/2015/main" val="1"/>
-                </p:ext>
-              </p:extLst>
-            </p:nvPr>
-          </p:nvSpPr>
-          <p:spPr bwMode="auto">
-            <a:xfrm>
-              <a:off x="10494963" y="5275263"/>
-              <a:ext cx="1666875" cy="1577975"/>
-            </a:xfrm>
-            <a:custGeom>
-              <a:avLst/>
-              <a:gdLst>
-                <a:gd name="T0" fmla="*/ 0 w 351"/>
-                <a:gd name="T1" fmla="*/ 332 h 332"/>
-                <a:gd name="T2" fmla="*/ 351 w 351"/>
-                <a:gd name="T3" fmla="*/ 0 h 332"/>
-              </a:gdLst>
-              <a:ahLst/>
-              <a:cxnLst>
-                <a:cxn ang="0">
-                  <a:pos x="T0" y="T1"/>
-                </a:cxn>
-                <a:cxn ang="0">
-                  <a:pos x="T2" y="T3"/>
-                </a:cxn>
-              </a:cxnLst>
-              <a:rect l="0" t="0" r="r" b="b"/>
-              <a:pathLst>
-                <a:path w="351" h="332">
-                  <a:moveTo>
-                    <a:pt x="0" y="332"/>
-                  </a:moveTo>
-                  <a:cubicBezTo>
-                    <a:pt x="125" y="232"/>
-                    <a:pt x="245" y="121"/>
-                    <a:pt x="351" y="0"/>
-                  </a:cubicBezTo>
-                </a:path>
-              </a:pathLst>
-            </a:custGeom>
-            <a:noFill/>
-            <a:ln w="9525" cap="flat">
-              <a:solidFill>
-                <a:schemeClr val="tx1">
-                  <a:alpha val="20000"/>
-                </a:schemeClr>
-              </a:solidFill>
-              <a:prstDash val="dash"/>
-              <a:miter lim="800000"/>
-              <a:headEnd/>
-              <a:tailEnd/>
-            </a:ln>
-            <a:extLst>
-              <a:ext uri="{909E8E84-426E-40DD-AFC4-6F175D3DCCD1}">
-                <a14:hiddenFill xmlns:a14="http://schemas.microsoft.com/office/drawing/2010/main">
-                  <a:solidFill>
-                    <a:srgbClr val="FFFFFF"/>
-                  </a:solidFill>
-                </a14:hiddenFill>
-              </a:ext>
-            </a:extLst>
-          </p:spPr>
-          <p:txBody>
-            <a:bodyPr vert="horz" wrap="square" lIns="91440" tIns="45720" rIns="91440" bIns="45720" numCol="1" anchor="t" anchorCtr="0" compatLnSpc="1">
-              <a:prstTxWarp prst="textNoShape">
-                <a:avLst/>
-              </a:prstTxWarp>
-            </a:bodyPr>
-            <a:lstStyle/>
-            <a:p>
-              <a:endParaRPr lang="en-US"/>
-            </a:p>
-          </p:txBody>
-        </p:sp>
-        <p:sp>
-          <p:nvSpPr>
-            <p:cNvPr id="49" name="Freeform 11">
-              <a:extLst>
-                <a:ext uri="{FF2B5EF4-FFF2-40B4-BE49-F238E27FC236}">
-                  <a16:creationId xmlns:a16="http://schemas.microsoft.com/office/drawing/2014/main" id="{981B905A-332A-49BC-9456-7D0337D9BD35}"/>
-                </a:ext>
-                <a:ext uri="{C183D7F6-B498-43B3-948B-1728B52AA6E4}">
-                  <adec:decorative xmlns:adec="http://schemas.microsoft.com/office/drawing/2017/decorative" val="1"/>
-                </a:ext>
-              </a:extLst>
-            </p:cNvPr>
-            <p:cNvSpPr>
-              <a:spLocks/>
-            </p:cNvSpPr>
-            <p:nvPr>
-              <p:extLst>
-                <p:ext uri="{386F3935-93C4-4BCD-93E2-E3B085C9AB24}">
-                  <p16:designElem xmlns:p16="http://schemas.microsoft.com/office/powerpoint/2015/main" val="1"/>
-                </p:ext>
-              </p:extLst>
-            </p:nvPr>
-          </p:nvSpPr>
-          <p:spPr bwMode="auto">
-            <a:xfrm>
-              <a:off x="1001713" y="0"/>
-              <a:ext cx="3621088" cy="6843713"/>
-            </a:xfrm>
-            <a:custGeom>
-              <a:avLst/>
-              <a:gdLst>
-                <a:gd name="T0" fmla="*/ 762 w 762"/>
-                <a:gd name="T1" fmla="*/ 0 h 1440"/>
-                <a:gd name="T2" fmla="*/ 403 w 762"/>
-                <a:gd name="T3" fmla="*/ 1440 h 1440"/>
-              </a:gdLst>
-              <a:ahLst/>
-              <a:cxnLst>
-                <a:cxn ang="0">
-                  <a:pos x="T0" y="T1"/>
-                </a:cxn>
-                <a:cxn ang="0">
-                  <a:pos x="T2" y="T3"/>
-                </a:cxn>
-              </a:cxnLst>
-              <a:rect l="0" t="0" r="r" b="b"/>
-              <a:pathLst>
-                <a:path w="762" h="1440">
-                  <a:moveTo>
-                    <a:pt x="762" y="0"/>
-                  </a:moveTo>
-                  <a:cubicBezTo>
-                    <a:pt x="308" y="245"/>
-                    <a:pt x="0" y="1033"/>
-                    <a:pt x="403" y="1440"/>
-                  </a:cubicBezTo>
-                </a:path>
-              </a:pathLst>
-            </a:custGeom>
-            <a:noFill/>
-            <a:ln w="9525" cap="flat">
-              <a:solidFill>
-                <a:schemeClr val="tx1">
-                  <a:alpha val="20000"/>
-                </a:schemeClr>
-              </a:solidFill>
-              <a:prstDash val="solid"/>
-              <a:miter lim="800000"/>
-              <a:headEnd/>
-              <a:tailEnd/>
-            </a:ln>
-            <a:extLst>
-              <a:ext uri="{909E8E84-426E-40DD-AFC4-6F175D3DCCD1}">
-                <a14:hiddenFill xmlns:a14="http://schemas.microsoft.com/office/drawing/2010/main">
-                  <a:solidFill>
-                    <a:srgbClr val="FFFFFF"/>
-                  </a:solidFill>
-                </a14:hiddenFill>
-              </a:ext>
-            </a:extLst>
-          </p:spPr>
-          <p:txBody>
-            <a:bodyPr vert="horz" wrap="square" lIns="91440" tIns="45720" rIns="91440" bIns="45720" numCol="1" anchor="t" anchorCtr="0" compatLnSpc="1">
-              <a:prstTxWarp prst="textNoShape">
-                <a:avLst/>
-              </a:prstTxWarp>
-            </a:bodyPr>
-            <a:lstStyle/>
-            <a:p>
-              <a:endParaRPr lang="en-US"/>
-            </a:p>
-          </p:txBody>
-        </p:sp>
-        <p:sp>
-          <p:nvSpPr>
-            <p:cNvPr id="50" name="Freeform 12">
-              <a:extLst>
-                <a:ext uri="{FF2B5EF4-FFF2-40B4-BE49-F238E27FC236}">
-                  <a16:creationId xmlns:a16="http://schemas.microsoft.com/office/drawing/2014/main" id="{2EBD9769-DFB9-4970-91FF-137E685AF6BA}"/>
-                </a:ext>
-                <a:ext uri="{C183D7F6-B498-43B3-948B-1728B52AA6E4}">
-                  <adec:decorative xmlns:adec="http://schemas.microsoft.com/office/drawing/2017/decorative" val="1"/>
-                </a:ext>
-              </a:extLst>
-            </p:cNvPr>
-            <p:cNvSpPr>
-              <a:spLocks/>
-            </p:cNvSpPr>
-            <p:nvPr>
-              <p:extLst>
-                <p:ext uri="{386F3935-93C4-4BCD-93E2-E3B085C9AB24}">
-                  <p16:designElem xmlns:p16="http://schemas.microsoft.com/office/powerpoint/2015/main" val="1"/>
-                </p:ext>
-              </p:extLst>
-            </p:nvPr>
-          </p:nvSpPr>
-          <p:spPr bwMode="auto">
-            <a:xfrm>
-              <a:off x="11501438" y="9525"/>
-              <a:ext cx="665163" cy="257175"/>
-            </a:xfrm>
-            <a:custGeom>
-              <a:avLst/>
-              <a:gdLst>
-                <a:gd name="T0" fmla="*/ 140 w 140"/>
-                <a:gd name="T1" fmla="*/ 54 h 54"/>
-                <a:gd name="T2" fmla="*/ 0 w 140"/>
-                <a:gd name="T3" fmla="*/ 0 h 54"/>
-              </a:gdLst>
-              <a:ahLst/>
-              <a:cxnLst>
-                <a:cxn ang="0">
-                  <a:pos x="T0" y="T1"/>
-                </a:cxn>
-                <a:cxn ang="0">
-                  <a:pos x="T2" y="T3"/>
-                </a:cxn>
-              </a:cxnLst>
-              <a:rect l="0" t="0" r="r" b="b"/>
-              <a:pathLst>
-                <a:path w="140" h="54">
-                  <a:moveTo>
-                    <a:pt x="140" y="54"/>
-                  </a:moveTo>
-                  <a:cubicBezTo>
-                    <a:pt x="95" y="34"/>
-                    <a:pt x="48" y="16"/>
-                    <a:pt x="0" y="0"/>
-                  </a:cubicBezTo>
-                </a:path>
-              </a:pathLst>
-            </a:custGeom>
-            <a:noFill/>
-            <a:ln w="9525" cap="flat">
-              <a:solidFill>
-                <a:schemeClr val="tx1">
-                  <a:alpha val="20000"/>
-                </a:schemeClr>
-              </a:solidFill>
-              <a:prstDash val="solid"/>
-              <a:miter lim="800000"/>
-              <a:headEnd/>
-              <a:tailEnd/>
-            </a:ln>
-            <a:extLst>
-              <a:ext uri="{909E8E84-426E-40DD-AFC4-6F175D3DCCD1}">
-                <a14:hiddenFill xmlns:a14="http://schemas.microsoft.com/office/drawing/2010/main">
-                  <a:solidFill>
-                    <a:srgbClr val="FFFFFF"/>
-                  </a:solidFill>
-                </a14:hiddenFill>
-              </a:ext>
-            </a:extLst>
-          </p:spPr>
-          <p:txBody>
-            <a:bodyPr vert="horz" wrap="square" lIns="91440" tIns="45720" rIns="91440" bIns="45720" numCol="1" anchor="t" anchorCtr="0" compatLnSpc="1">
-              <a:prstTxWarp prst="textNoShape">
-                <a:avLst/>
-              </a:prstTxWarp>
-            </a:bodyPr>
-            <a:lstStyle/>
-            <a:p>
-              <a:endParaRPr lang="en-US"/>
-            </a:p>
-          </p:txBody>
-        </p:sp>
-        <p:sp>
-          <p:nvSpPr>
-            <p:cNvPr id="51" name="Freeform 13">
-              <a:extLst>
-                <a:ext uri="{FF2B5EF4-FFF2-40B4-BE49-F238E27FC236}">
-                  <a16:creationId xmlns:a16="http://schemas.microsoft.com/office/drawing/2014/main" id="{21DCB916-2D3C-46BC-9A95-EFC166D96CFB}"/>
-                </a:ext>
-                <a:ext uri="{C183D7F6-B498-43B3-948B-1728B52AA6E4}">
-                  <adec:decorative xmlns:adec="http://schemas.microsoft.com/office/drawing/2017/decorative" val="1"/>
-                </a:ext>
-              </a:extLst>
-            </p:cNvPr>
-            <p:cNvSpPr>
-              <a:spLocks/>
-            </p:cNvSpPr>
-            <p:nvPr>
-              <p:extLst>
-                <p:ext uri="{386F3935-93C4-4BCD-93E2-E3B085C9AB24}">
-                  <p16:designElem xmlns:p16="http://schemas.microsoft.com/office/powerpoint/2015/main" val="1"/>
-                </p:ext>
-              </p:extLst>
-            </p:nvPr>
-          </p:nvSpPr>
-          <p:spPr bwMode="auto">
-            <a:xfrm>
-              <a:off x="10641013" y="5408613"/>
-              <a:ext cx="1525588" cy="1435100"/>
-            </a:xfrm>
-            <a:custGeom>
-              <a:avLst/>
-              <a:gdLst>
-                <a:gd name="T0" fmla="*/ 0 w 321"/>
-                <a:gd name="T1" fmla="*/ 302 h 302"/>
-                <a:gd name="T2" fmla="*/ 321 w 321"/>
-                <a:gd name="T3" fmla="*/ 0 h 302"/>
-              </a:gdLst>
-              <a:ahLst/>
-              <a:cxnLst>
-                <a:cxn ang="0">
-                  <a:pos x="T0" y="T1"/>
-                </a:cxn>
-                <a:cxn ang="0">
-                  <a:pos x="T2" y="T3"/>
-                </a:cxn>
-              </a:cxnLst>
-              <a:rect l="0" t="0" r="r" b="b"/>
-              <a:pathLst>
-                <a:path w="321" h="302">
-                  <a:moveTo>
-                    <a:pt x="0" y="302"/>
-                  </a:moveTo>
-                  <a:cubicBezTo>
-                    <a:pt x="114" y="210"/>
-                    <a:pt x="223" y="109"/>
-                    <a:pt x="321" y="0"/>
-                  </a:cubicBezTo>
-                </a:path>
-              </a:pathLst>
-            </a:custGeom>
-            <a:noFill/>
-            <a:ln w="9525" cap="flat">
-              <a:solidFill>
-                <a:schemeClr val="tx1">
-                  <a:alpha val="20000"/>
-                </a:schemeClr>
-              </a:solidFill>
-              <a:prstDash val="solid"/>
-              <a:miter lim="800000"/>
-              <a:headEnd/>
-              <a:tailEnd/>
-            </a:ln>
-            <a:extLst>
-              <a:ext uri="{909E8E84-426E-40DD-AFC4-6F175D3DCCD1}">
-                <a14:hiddenFill xmlns:a14="http://schemas.microsoft.com/office/drawing/2010/main">
-                  <a:solidFill>
-                    <a:srgbClr val="FFFFFF"/>
-                  </a:solidFill>
-                </a14:hiddenFill>
-              </a:ext>
-            </a:extLst>
-          </p:spPr>
-          <p:txBody>
-            <a:bodyPr vert="horz" wrap="square" lIns="91440" tIns="45720" rIns="91440" bIns="45720" numCol="1" anchor="t" anchorCtr="0" compatLnSpc="1">
-              <a:prstTxWarp prst="textNoShape">
-                <a:avLst/>
-              </a:prstTxWarp>
-            </a:bodyPr>
-            <a:lstStyle/>
-            <a:p>
-              <a:endParaRPr lang="en-US"/>
-            </a:p>
-          </p:txBody>
-        </p:sp>
-        <p:sp>
-          <p:nvSpPr>
-            <p:cNvPr id="52" name="Freeform 14">
-              <a:extLst>
-                <a:ext uri="{FF2B5EF4-FFF2-40B4-BE49-F238E27FC236}">
-                  <a16:creationId xmlns:a16="http://schemas.microsoft.com/office/drawing/2014/main" id="{189DAD37-FFF7-49FA-8FBB-D20A992D48FD}"/>
-                </a:ext>
-                <a:ext uri="{C183D7F6-B498-43B3-948B-1728B52AA6E4}">
-                  <adec:decorative xmlns:adec="http://schemas.microsoft.com/office/drawing/2017/decorative" val="1"/>
-                </a:ext>
-              </a:extLst>
-            </p:cNvPr>
-            <p:cNvSpPr>
-              <a:spLocks/>
-            </p:cNvSpPr>
-            <p:nvPr>
-              <p:extLst>
-                <p:ext uri="{386F3935-93C4-4BCD-93E2-E3B085C9AB24}">
-                  <p16:designElem xmlns:p16="http://schemas.microsoft.com/office/powerpoint/2015/main" val="1"/>
-                </p:ext>
-              </p:extLst>
-            </p:nvPr>
-          </p:nvSpPr>
-          <p:spPr bwMode="auto">
-            <a:xfrm>
-              <a:off x="1001713" y="0"/>
-              <a:ext cx="3244850" cy="6843713"/>
-            </a:xfrm>
-            <a:custGeom>
-              <a:avLst/>
-              <a:gdLst>
-                <a:gd name="T0" fmla="*/ 683 w 683"/>
-                <a:gd name="T1" fmla="*/ 0 h 1440"/>
-                <a:gd name="T2" fmla="*/ 355 w 683"/>
-                <a:gd name="T3" fmla="*/ 1440 h 1440"/>
-              </a:gdLst>
-              <a:ahLst/>
-              <a:cxnLst>
-                <a:cxn ang="0">
-                  <a:pos x="T0" y="T1"/>
-                </a:cxn>
-                <a:cxn ang="0">
-                  <a:pos x="T2" y="T3"/>
-                </a:cxn>
-              </a:cxnLst>
-              <a:rect l="0" t="0" r="r" b="b"/>
-              <a:pathLst>
-                <a:path w="683" h="1440">
-                  <a:moveTo>
-                    <a:pt x="683" y="0"/>
-                  </a:moveTo>
-                  <a:cubicBezTo>
-                    <a:pt x="258" y="256"/>
-                    <a:pt x="0" y="1041"/>
-                    <a:pt x="355" y="1440"/>
-                  </a:cubicBezTo>
-                </a:path>
-              </a:pathLst>
-            </a:custGeom>
-            <a:noFill/>
-            <a:ln w="9525" cap="flat">
-              <a:solidFill>
-                <a:schemeClr val="tx1">
-                  <a:alpha val="20000"/>
-                </a:schemeClr>
-              </a:solidFill>
-              <a:prstDash val="solid"/>
-              <a:miter lim="800000"/>
-              <a:headEnd/>
-              <a:tailEnd/>
-            </a:ln>
-            <a:extLst>
-              <a:ext uri="{909E8E84-426E-40DD-AFC4-6F175D3DCCD1}">
-                <a14:hiddenFill xmlns:a14="http://schemas.microsoft.com/office/drawing/2010/main">
-                  <a:solidFill>
-                    <a:srgbClr val="FFFFFF"/>
-                  </a:solidFill>
-                </a14:hiddenFill>
-              </a:ext>
-            </a:extLst>
-          </p:spPr>
-          <p:txBody>
-            <a:bodyPr vert="horz" wrap="square" lIns="91440" tIns="45720" rIns="91440" bIns="45720" numCol="1" anchor="t" anchorCtr="0" compatLnSpc="1">
-              <a:prstTxWarp prst="textNoShape">
-                <a:avLst/>
-              </a:prstTxWarp>
-            </a:bodyPr>
-            <a:lstStyle/>
-            <a:p>
-              <a:endParaRPr lang="en-US"/>
-            </a:p>
-          </p:txBody>
-        </p:sp>
-        <p:sp>
-          <p:nvSpPr>
-            <p:cNvPr id="53" name="Freeform 15">
-              <a:extLst>
-                <a:ext uri="{FF2B5EF4-FFF2-40B4-BE49-F238E27FC236}">
-                  <a16:creationId xmlns:a16="http://schemas.microsoft.com/office/drawing/2014/main" id="{D148A64A-D598-4309-BCA9-F67ADE72CB4D}"/>
-                </a:ext>
-                <a:ext uri="{C183D7F6-B498-43B3-948B-1728B52AA6E4}">
-                  <adec:decorative xmlns:adec="http://schemas.microsoft.com/office/drawing/2017/decorative" val="1"/>
-                </a:ext>
-              </a:extLst>
-            </p:cNvPr>
-            <p:cNvSpPr>
-              <a:spLocks/>
-            </p:cNvSpPr>
-            <p:nvPr>
-              <p:extLst>
-                <p:ext uri="{386F3935-93C4-4BCD-93E2-E3B085C9AB24}">
-                  <p16:designElem xmlns:p16="http://schemas.microsoft.com/office/powerpoint/2015/main" val="1"/>
-                </p:ext>
-              </p:extLst>
-            </p:nvPr>
-          </p:nvSpPr>
-          <p:spPr bwMode="auto">
-            <a:xfrm>
-              <a:off x="10802938" y="5518150"/>
-              <a:ext cx="1363663" cy="1325563"/>
-            </a:xfrm>
-            <a:custGeom>
-              <a:avLst/>
-              <a:gdLst>
-                <a:gd name="T0" fmla="*/ 0 w 287"/>
-                <a:gd name="T1" fmla="*/ 279 h 279"/>
-                <a:gd name="T2" fmla="*/ 287 w 287"/>
-                <a:gd name="T3" fmla="*/ 0 h 279"/>
-              </a:gdLst>
-              <a:ahLst/>
-              <a:cxnLst>
-                <a:cxn ang="0">
-                  <a:pos x="T0" y="T1"/>
-                </a:cxn>
-                <a:cxn ang="0">
-                  <a:pos x="T2" y="T3"/>
-                </a:cxn>
-              </a:cxnLst>
-              <a:rect l="0" t="0" r="r" b="b"/>
-              <a:pathLst>
-                <a:path w="287" h="279">
-                  <a:moveTo>
-                    <a:pt x="0" y="279"/>
-                  </a:moveTo>
-                  <a:cubicBezTo>
-                    <a:pt x="101" y="193"/>
-                    <a:pt x="198" y="100"/>
-                    <a:pt x="287" y="0"/>
-                  </a:cubicBezTo>
-                </a:path>
-              </a:pathLst>
-            </a:custGeom>
-            <a:noFill/>
-            <a:ln w="9525" cap="flat">
-              <a:solidFill>
-                <a:schemeClr val="tx1">
-                  <a:alpha val="20000"/>
-                </a:schemeClr>
-              </a:solidFill>
-              <a:prstDash val="solid"/>
-              <a:miter lim="800000"/>
-              <a:headEnd/>
-              <a:tailEnd/>
-            </a:ln>
-            <a:extLst>
-              <a:ext uri="{909E8E84-426E-40DD-AFC4-6F175D3DCCD1}">
-                <a14:hiddenFill xmlns:a14="http://schemas.microsoft.com/office/drawing/2010/main">
-                  <a:solidFill>
-                    <a:srgbClr val="FFFFFF"/>
-                  </a:solidFill>
-                </a14:hiddenFill>
-              </a:ext>
-            </a:extLst>
-          </p:spPr>
-          <p:txBody>
-            <a:bodyPr vert="horz" wrap="square" lIns="91440" tIns="45720" rIns="91440" bIns="45720" numCol="1" anchor="t" anchorCtr="0" compatLnSpc="1">
-              <a:prstTxWarp prst="textNoShape">
-                <a:avLst/>
-              </a:prstTxWarp>
-            </a:bodyPr>
-            <a:lstStyle/>
-            <a:p>
-              <a:endParaRPr lang="en-US"/>
-            </a:p>
-          </p:txBody>
-        </p:sp>
-        <p:sp>
-          <p:nvSpPr>
-            <p:cNvPr id="54" name="Freeform 16">
-              <a:extLst>
-                <a:ext uri="{FF2B5EF4-FFF2-40B4-BE49-F238E27FC236}">
-                  <a16:creationId xmlns:a16="http://schemas.microsoft.com/office/drawing/2014/main" id="{38A95D77-7745-4551-BBD5-3515A074D3D5}"/>
-                </a:ext>
-                <a:ext uri="{C183D7F6-B498-43B3-948B-1728B52AA6E4}">
-                  <adec:decorative xmlns:adec="http://schemas.microsoft.com/office/drawing/2017/decorative" val="1"/>
-                </a:ext>
-              </a:extLst>
-            </p:cNvPr>
-            <p:cNvSpPr>
-              <a:spLocks/>
-            </p:cNvSpPr>
-            <p:nvPr>
-              <p:extLst>
-                <p:ext uri="{386F3935-93C4-4BCD-93E2-E3B085C9AB24}">
-                  <p16:designElem xmlns:p16="http://schemas.microsoft.com/office/powerpoint/2015/main" val="1"/>
-                </p:ext>
-              </p:extLst>
-            </p:nvPr>
-          </p:nvSpPr>
-          <p:spPr bwMode="auto">
-            <a:xfrm>
-              <a:off x="889000" y="0"/>
-              <a:ext cx="3230563" cy="6843713"/>
-            </a:xfrm>
-            <a:custGeom>
-              <a:avLst/>
-              <a:gdLst>
-                <a:gd name="T0" fmla="*/ 680 w 680"/>
-                <a:gd name="T1" fmla="*/ 0 h 1440"/>
-                <a:gd name="T2" fmla="*/ 337 w 680"/>
-                <a:gd name="T3" fmla="*/ 1440 h 1440"/>
-              </a:gdLst>
-              <a:ahLst/>
-              <a:cxnLst>
-                <a:cxn ang="0">
-                  <a:pos x="T0" y="T1"/>
-                </a:cxn>
-                <a:cxn ang="0">
-                  <a:pos x="T2" y="T3"/>
-                </a:cxn>
-              </a:cxnLst>
-              <a:rect l="0" t="0" r="r" b="b"/>
-              <a:pathLst>
-                <a:path w="680" h="1440">
-                  <a:moveTo>
-                    <a:pt x="680" y="0"/>
-                  </a:moveTo>
-                  <a:cubicBezTo>
-                    <a:pt x="257" y="265"/>
-                    <a:pt x="0" y="1026"/>
-                    <a:pt x="337" y="1440"/>
-                  </a:cubicBezTo>
-                </a:path>
-              </a:pathLst>
-            </a:custGeom>
-            <a:noFill/>
-            <a:ln w="9525" cap="flat">
-              <a:solidFill>
-                <a:schemeClr val="tx1">
-                  <a:alpha val="20000"/>
-                </a:schemeClr>
-              </a:solidFill>
-              <a:prstDash val="solid"/>
-              <a:miter lim="800000"/>
-              <a:headEnd/>
-              <a:tailEnd/>
-            </a:ln>
-            <a:extLst>
-              <a:ext uri="{909E8E84-426E-40DD-AFC4-6F175D3DCCD1}">
-                <a14:hiddenFill xmlns:a14="http://schemas.microsoft.com/office/drawing/2010/main">
-                  <a:solidFill>
-                    <a:srgbClr val="FFFFFF"/>
-                  </a:solidFill>
-                </a14:hiddenFill>
-              </a:ext>
-            </a:extLst>
-          </p:spPr>
-          <p:txBody>
-            <a:bodyPr vert="horz" wrap="square" lIns="91440" tIns="45720" rIns="91440" bIns="45720" numCol="1" anchor="t" anchorCtr="0" compatLnSpc="1">
-              <a:prstTxWarp prst="textNoShape">
-                <a:avLst/>
-              </a:prstTxWarp>
-            </a:bodyPr>
-            <a:lstStyle/>
-            <a:p>
-              <a:endParaRPr lang="en-US"/>
-            </a:p>
-          </p:txBody>
-        </p:sp>
-        <p:sp>
-          <p:nvSpPr>
-            <p:cNvPr id="55" name="Freeform 17">
-              <a:extLst>
-                <a:ext uri="{FF2B5EF4-FFF2-40B4-BE49-F238E27FC236}">
-                  <a16:creationId xmlns:a16="http://schemas.microsoft.com/office/drawing/2014/main" id="{A2C20B7F-80D6-4D48-BB2A-9AEC85494897}"/>
-                </a:ext>
-                <a:ext uri="{C183D7F6-B498-43B3-948B-1728B52AA6E4}">
-                  <adec:decorative xmlns:adec="http://schemas.microsoft.com/office/drawing/2017/decorative" val="1"/>
-                </a:ext>
-              </a:extLst>
-            </p:cNvPr>
-            <p:cNvSpPr>
-              <a:spLocks/>
-            </p:cNvSpPr>
-            <p:nvPr>
-              <p:extLst>
-                <p:ext uri="{386F3935-93C4-4BCD-93E2-E3B085C9AB24}">
-                  <p16:designElem xmlns:p16="http://schemas.microsoft.com/office/powerpoint/2015/main" val="1"/>
-                </p:ext>
-              </p:extLst>
-            </p:nvPr>
-          </p:nvSpPr>
-          <p:spPr bwMode="auto">
-            <a:xfrm>
-              <a:off x="10979150" y="5694363"/>
-              <a:ext cx="1187450" cy="1149350"/>
-            </a:xfrm>
-            <a:custGeom>
-              <a:avLst/>
-              <a:gdLst>
-                <a:gd name="T0" fmla="*/ 0 w 250"/>
-                <a:gd name="T1" fmla="*/ 242 h 242"/>
-                <a:gd name="T2" fmla="*/ 250 w 250"/>
-                <a:gd name="T3" fmla="*/ 0 h 242"/>
-              </a:gdLst>
-              <a:ahLst/>
-              <a:cxnLst>
-                <a:cxn ang="0">
-                  <a:pos x="T0" y="T1"/>
-                </a:cxn>
-                <a:cxn ang="0">
-                  <a:pos x="T2" y="T3"/>
-                </a:cxn>
-              </a:cxnLst>
-              <a:rect l="0" t="0" r="r" b="b"/>
-              <a:pathLst>
-                <a:path w="250" h="242">
-                  <a:moveTo>
-                    <a:pt x="0" y="242"/>
-                  </a:moveTo>
-                  <a:cubicBezTo>
-                    <a:pt x="88" y="166"/>
-                    <a:pt x="172" y="85"/>
-                    <a:pt x="250" y="0"/>
-                  </a:cubicBezTo>
-                </a:path>
-              </a:pathLst>
-            </a:custGeom>
-            <a:noFill/>
-            <a:ln w="9525" cap="flat">
-              <a:solidFill>
-                <a:schemeClr val="tx1">
-                  <a:alpha val="20000"/>
-                </a:schemeClr>
-              </a:solidFill>
-              <a:prstDash val="solid"/>
-              <a:miter lim="800000"/>
-              <a:headEnd/>
-              <a:tailEnd/>
-            </a:ln>
-            <a:extLst>
-              <a:ext uri="{909E8E84-426E-40DD-AFC4-6F175D3DCCD1}">
-                <a14:hiddenFill xmlns:a14="http://schemas.microsoft.com/office/drawing/2010/main">
-                  <a:solidFill>
-                    <a:srgbClr val="FFFFFF"/>
-                  </a:solidFill>
-                </a14:hiddenFill>
-              </a:ext>
-            </a:extLst>
-          </p:spPr>
-          <p:txBody>
-            <a:bodyPr vert="horz" wrap="square" lIns="91440" tIns="45720" rIns="91440" bIns="45720" numCol="1" anchor="t" anchorCtr="0" compatLnSpc="1">
-              <a:prstTxWarp prst="textNoShape">
-                <a:avLst/>
-              </a:prstTxWarp>
-            </a:bodyPr>
-            <a:lstStyle/>
-            <a:p>
-              <a:endParaRPr lang="en-US"/>
-            </a:p>
-          </p:txBody>
-        </p:sp>
-        <p:sp>
-          <p:nvSpPr>
-            <p:cNvPr id="56" name="Freeform 18">
-              <a:extLst>
-                <a:ext uri="{FF2B5EF4-FFF2-40B4-BE49-F238E27FC236}">
-                  <a16:creationId xmlns:a16="http://schemas.microsoft.com/office/drawing/2014/main" id="{55589882-0BB8-42B0-B42F-32A75B191835}"/>
-                </a:ext>
-                <a:ext uri="{C183D7F6-B498-43B3-948B-1728B52AA6E4}">
-                  <adec:decorative xmlns:adec="http://schemas.microsoft.com/office/drawing/2017/decorative" val="1"/>
-                </a:ext>
-              </a:extLst>
-            </p:cNvPr>
-            <p:cNvSpPr>
-              <a:spLocks/>
-            </p:cNvSpPr>
-            <p:nvPr>
-              <p:extLst>
-                <p:ext uri="{386F3935-93C4-4BCD-93E2-E3B085C9AB24}">
-                  <p16:designElem xmlns:p16="http://schemas.microsoft.com/office/powerpoint/2015/main" val="1"/>
-                </p:ext>
-              </p:extLst>
-            </p:nvPr>
-          </p:nvSpPr>
-          <p:spPr bwMode="auto">
-            <a:xfrm>
-              <a:off x="484188" y="0"/>
-              <a:ext cx="3421063" cy="6843713"/>
-            </a:xfrm>
-            <a:custGeom>
-              <a:avLst/>
-              <a:gdLst>
-                <a:gd name="T0" fmla="*/ 720 w 720"/>
-                <a:gd name="T1" fmla="*/ 0 h 1440"/>
-                <a:gd name="T2" fmla="*/ 362 w 720"/>
-                <a:gd name="T3" fmla="*/ 1440 h 1440"/>
-              </a:gdLst>
-              <a:ahLst/>
-              <a:cxnLst>
-                <a:cxn ang="0">
-                  <a:pos x="T0" y="T1"/>
-                </a:cxn>
-                <a:cxn ang="0">
-                  <a:pos x="T2" y="T3"/>
-                </a:cxn>
-              </a:cxnLst>
-              <a:rect l="0" t="0" r="r" b="b"/>
-              <a:pathLst>
-                <a:path w="720" h="1440">
-                  <a:moveTo>
-                    <a:pt x="720" y="0"/>
-                  </a:moveTo>
-                  <a:cubicBezTo>
-                    <a:pt x="316" y="282"/>
-                    <a:pt x="0" y="1018"/>
-                    <a:pt x="362" y="1440"/>
-                  </a:cubicBezTo>
-                </a:path>
-              </a:pathLst>
-            </a:custGeom>
-            <a:noFill/>
-            <a:ln w="9525" cap="flat">
-              <a:solidFill>
-                <a:schemeClr val="tx1">
-                  <a:alpha val="20000"/>
-                </a:schemeClr>
-              </a:solidFill>
-              <a:prstDash val="solid"/>
-              <a:miter lim="800000"/>
-              <a:headEnd/>
-              <a:tailEnd/>
-            </a:ln>
-            <a:extLst>
-              <a:ext uri="{909E8E84-426E-40DD-AFC4-6F175D3DCCD1}">
-                <a14:hiddenFill xmlns:a14="http://schemas.microsoft.com/office/drawing/2010/main">
-                  <a:solidFill>
-                    <a:srgbClr val="FFFFFF"/>
-                  </a:solidFill>
-                </a14:hiddenFill>
-              </a:ext>
-            </a:extLst>
-          </p:spPr>
-          <p:txBody>
-            <a:bodyPr vert="horz" wrap="square" lIns="91440" tIns="45720" rIns="91440" bIns="45720" numCol="1" anchor="t" anchorCtr="0" compatLnSpc="1">
-              <a:prstTxWarp prst="textNoShape">
-                <a:avLst/>
-              </a:prstTxWarp>
-            </a:bodyPr>
-            <a:lstStyle/>
-            <a:p>
-              <a:endParaRPr lang="en-US"/>
-            </a:p>
-          </p:txBody>
-        </p:sp>
-        <p:sp>
-          <p:nvSpPr>
-            <p:cNvPr id="57" name="Freeform 19">
-              <a:extLst>
-                <a:ext uri="{FF2B5EF4-FFF2-40B4-BE49-F238E27FC236}">
-                  <a16:creationId xmlns:a16="http://schemas.microsoft.com/office/drawing/2014/main" id="{53673B9F-5864-445E-82E7-0A8324FA8549}"/>
-                </a:ext>
-                <a:ext uri="{C183D7F6-B498-43B3-948B-1728B52AA6E4}">
-                  <adec:decorative xmlns:adec="http://schemas.microsoft.com/office/drawing/2017/decorative" val="1"/>
-                </a:ext>
-              </a:extLst>
-            </p:cNvPr>
-            <p:cNvSpPr>
-              <a:spLocks/>
-            </p:cNvSpPr>
-            <p:nvPr>
-              <p:extLst>
-                <p:ext uri="{386F3935-93C4-4BCD-93E2-E3B085C9AB24}">
-                  <p16:designElem xmlns:p16="http://schemas.microsoft.com/office/powerpoint/2015/main" val="1"/>
-                </p:ext>
-              </p:extLst>
-            </p:nvPr>
-          </p:nvSpPr>
-          <p:spPr bwMode="auto">
-            <a:xfrm>
-              <a:off x="11287125" y="6049963"/>
-              <a:ext cx="879475" cy="793750"/>
-            </a:xfrm>
-            <a:custGeom>
-              <a:avLst/>
-              <a:gdLst>
-                <a:gd name="T0" fmla="*/ 0 w 185"/>
-                <a:gd name="T1" fmla="*/ 167 h 167"/>
-                <a:gd name="T2" fmla="*/ 185 w 185"/>
-                <a:gd name="T3" fmla="*/ 0 h 167"/>
-              </a:gdLst>
-              <a:ahLst/>
-              <a:cxnLst>
-                <a:cxn ang="0">
-                  <a:pos x="T0" y="T1"/>
-                </a:cxn>
-                <a:cxn ang="0">
-                  <a:pos x="T2" y="T3"/>
-                </a:cxn>
-              </a:cxnLst>
-              <a:rect l="0" t="0" r="r" b="b"/>
-              <a:pathLst>
-                <a:path w="185" h="167">
-                  <a:moveTo>
-                    <a:pt x="0" y="167"/>
-                  </a:moveTo>
-                  <a:cubicBezTo>
-                    <a:pt x="63" y="114"/>
-                    <a:pt x="125" y="58"/>
-                    <a:pt x="185" y="0"/>
-                  </a:cubicBezTo>
-                </a:path>
-              </a:pathLst>
-            </a:custGeom>
-            <a:noFill/>
-            <a:ln w="9525" cap="flat">
-              <a:solidFill>
-                <a:schemeClr val="tx1">
-                  <a:alpha val="20000"/>
-                </a:schemeClr>
-              </a:solidFill>
-              <a:prstDash val="solid"/>
-              <a:miter lim="800000"/>
-              <a:headEnd/>
-              <a:tailEnd/>
-            </a:ln>
-            <a:extLst>
-              <a:ext uri="{909E8E84-426E-40DD-AFC4-6F175D3DCCD1}">
-                <a14:hiddenFill xmlns:a14="http://schemas.microsoft.com/office/drawing/2010/main">
-                  <a:solidFill>
-                    <a:srgbClr val="FFFFFF"/>
-                  </a:solidFill>
-                </a14:hiddenFill>
-              </a:ext>
-            </a:extLst>
-          </p:spPr>
-          <p:txBody>
-            <a:bodyPr vert="horz" wrap="square" lIns="91440" tIns="45720" rIns="91440" bIns="45720" numCol="1" anchor="t" anchorCtr="0" compatLnSpc="1">
-              <a:prstTxWarp prst="textNoShape">
-                <a:avLst/>
-              </a:prstTxWarp>
-            </a:bodyPr>
-            <a:lstStyle/>
-            <a:p>
-              <a:endParaRPr lang="en-US"/>
-            </a:p>
-          </p:txBody>
-        </p:sp>
-        <p:sp>
-          <p:nvSpPr>
-            <p:cNvPr id="58" name="Freeform 20">
-              <a:extLst>
-                <a:ext uri="{FF2B5EF4-FFF2-40B4-BE49-F238E27FC236}">
-                  <a16:creationId xmlns:a16="http://schemas.microsoft.com/office/drawing/2014/main" id="{16FF3B3D-59FE-4AE1-AA54-14A691D6BFEA}"/>
-                </a:ext>
-                <a:ext uri="{C183D7F6-B498-43B3-948B-1728B52AA6E4}">
-                  <adec:decorative xmlns:adec="http://schemas.microsoft.com/office/drawing/2017/decorative" val="1"/>
-                </a:ext>
-              </a:extLst>
-            </p:cNvPr>
-            <p:cNvSpPr>
-              <a:spLocks/>
-            </p:cNvSpPr>
-            <p:nvPr>
-              <p:extLst>
-                <p:ext uri="{386F3935-93C4-4BCD-93E2-E3B085C9AB24}">
-                  <p16:designElem xmlns:p16="http://schemas.microsoft.com/office/powerpoint/2015/main" val="1"/>
-                </p:ext>
-              </p:extLst>
-            </p:nvPr>
-          </p:nvSpPr>
-          <p:spPr bwMode="auto">
-            <a:xfrm>
-              <a:off x="598488" y="0"/>
-              <a:ext cx="2717800" cy="6843713"/>
-            </a:xfrm>
-            <a:custGeom>
-              <a:avLst/>
-              <a:gdLst>
-                <a:gd name="T0" fmla="*/ 572 w 572"/>
-                <a:gd name="T1" fmla="*/ 0 h 1440"/>
-                <a:gd name="T2" fmla="*/ 164 w 572"/>
-                <a:gd name="T3" fmla="*/ 1440 h 1440"/>
-              </a:gdLst>
-              <a:ahLst/>
-              <a:cxnLst>
-                <a:cxn ang="0">
-                  <a:pos x="T0" y="T1"/>
-                </a:cxn>
-                <a:cxn ang="0">
-                  <a:pos x="T2" y="T3"/>
-                </a:cxn>
-              </a:cxnLst>
-              <a:rect l="0" t="0" r="r" b="b"/>
-              <a:pathLst>
-                <a:path w="572" h="1440">
-                  <a:moveTo>
-                    <a:pt x="572" y="0"/>
-                  </a:moveTo>
-                  <a:cubicBezTo>
-                    <a:pt x="213" y="320"/>
-                    <a:pt x="0" y="979"/>
-                    <a:pt x="164" y="1440"/>
-                  </a:cubicBezTo>
-                </a:path>
-              </a:pathLst>
-            </a:custGeom>
-            <a:noFill/>
-            <a:ln w="12700" cap="flat">
-              <a:solidFill>
-                <a:schemeClr val="tx1">
-                  <a:alpha val="20000"/>
-                </a:schemeClr>
-              </a:solidFill>
-              <a:prstDash val="dashDot"/>
-              <a:miter lim="800000"/>
-              <a:headEnd/>
-              <a:tailEnd/>
-            </a:ln>
-            <a:extLst>
-              <a:ext uri="{909E8E84-426E-40DD-AFC4-6F175D3DCCD1}">
-                <a14:hiddenFill xmlns:a14="http://schemas.microsoft.com/office/drawing/2010/main">
-                  <a:solidFill>
-                    <a:srgbClr val="FFFFFF"/>
-                  </a:solidFill>
-                </a14:hiddenFill>
-              </a:ext>
-            </a:extLst>
-          </p:spPr>
-          <p:txBody>
-            <a:bodyPr vert="horz" wrap="square" lIns="91440" tIns="45720" rIns="91440" bIns="45720" numCol="1" anchor="t" anchorCtr="0" compatLnSpc="1">
-              <a:prstTxWarp prst="textNoShape">
-                <a:avLst/>
-              </a:prstTxWarp>
-            </a:bodyPr>
-            <a:lstStyle/>
-            <a:p>
-              <a:endParaRPr lang="en-US"/>
-            </a:p>
-          </p:txBody>
-        </p:sp>
-        <p:sp>
-          <p:nvSpPr>
-            <p:cNvPr id="59" name="Freeform 21">
-              <a:extLst>
-                <a:ext uri="{FF2B5EF4-FFF2-40B4-BE49-F238E27FC236}">
-                  <a16:creationId xmlns:a16="http://schemas.microsoft.com/office/drawing/2014/main" id="{901CA0F0-4962-4EC5-BA5B-3F0A967FC8AC}"/>
-                </a:ext>
-                <a:ext uri="{C183D7F6-B498-43B3-948B-1728B52AA6E4}">
-                  <adec:decorative xmlns:adec="http://schemas.microsoft.com/office/drawing/2017/decorative" val="1"/>
-                </a:ext>
-              </a:extLst>
-            </p:cNvPr>
-            <p:cNvSpPr>
-              <a:spLocks/>
-            </p:cNvSpPr>
-            <p:nvPr>
-              <p:extLst>
-                <p:ext uri="{386F3935-93C4-4BCD-93E2-E3B085C9AB24}">
-                  <p16:designElem xmlns:p16="http://schemas.microsoft.com/office/powerpoint/2015/main" val="1"/>
-                </p:ext>
-              </p:extLst>
-            </p:nvPr>
-          </p:nvSpPr>
-          <p:spPr bwMode="auto">
-            <a:xfrm>
-              <a:off x="261938" y="0"/>
-              <a:ext cx="2944813" cy="6843713"/>
-            </a:xfrm>
-            <a:custGeom>
-              <a:avLst/>
-              <a:gdLst>
-                <a:gd name="T0" fmla="*/ 620 w 620"/>
-                <a:gd name="T1" fmla="*/ 0 h 1440"/>
-                <a:gd name="T2" fmla="*/ 186 w 620"/>
-                <a:gd name="T3" fmla="*/ 1440 h 1440"/>
-              </a:gdLst>
-              <a:ahLst/>
-              <a:cxnLst>
-                <a:cxn ang="0">
-                  <a:pos x="T0" y="T1"/>
-                </a:cxn>
-                <a:cxn ang="0">
-                  <a:pos x="T2" y="T3"/>
-                </a:cxn>
-              </a:cxnLst>
-              <a:rect l="0" t="0" r="r" b="b"/>
-              <a:pathLst>
-                <a:path w="620" h="1440">
-                  <a:moveTo>
-                    <a:pt x="620" y="0"/>
-                  </a:moveTo>
-                  <a:cubicBezTo>
-                    <a:pt x="248" y="325"/>
-                    <a:pt x="0" y="960"/>
-                    <a:pt x="186" y="1440"/>
-                  </a:cubicBezTo>
-                </a:path>
-              </a:pathLst>
-            </a:custGeom>
-            <a:noFill/>
-            <a:ln w="9525" cap="flat">
-              <a:solidFill>
-                <a:schemeClr val="tx1">
-                  <a:alpha val="20000"/>
-                </a:schemeClr>
-              </a:solidFill>
-              <a:prstDash val="lgDash"/>
-              <a:miter lim="800000"/>
-              <a:headEnd/>
-              <a:tailEnd/>
-            </a:ln>
-            <a:extLst>
-              <a:ext uri="{909E8E84-426E-40DD-AFC4-6F175D3DCCD1}">
-                <a14:hiddenFill xmlns:a14="http://schemas.microsoft.com/office/drawing/2010/main">
-                  <a:solidFill>
-                    <a:srgbClr val="FFFFFF"/>
-                  </a:solidFill>
-                </a14:hiddenFill>
-              </a:ext>
-            </a:extLst>
-          </p:spPr>
-          <p:txBody>
-            <a:bodyPr vert="horz" wrap="square" lIns="91440" tIns="45720" rIns="91440" bIns="45720" numCol="1" anchor="t" anchorCtr="0" compatLnSpc="1">
-              <a:prstTxWarp prst="textNoShape">
-                <a:avLst/>
-              </a:prstTxWarp>
-            </a:bodyPr>
-            <a:lstStyle/>
-            <a:p>
-              <a:endParaRPr lang="en-US"/>
-            </a:p>
-          </p:txBody>
-        </p:sp>
-        <p:sp>
-          <p:nvSpPr>
-            <p:cNvPr id="60" name="Freeform 22">
-              <a:extLst>
-                <a:ext uri="{FF2B5EF4-FFF2-40B4-BE49-F238E27FC236}">
-                  <a16:creationId xmlns:a16="http://schemas.microsoft.com/office/drawing/2014/main" id="{3DD02E26-C2AD-4062-85BD-28D172C9E74C}"/>
-                </a:ext>
-                <a:ext uri="{C183D7F6-B498-43B3-948B-1728B52AA6E4}">
-                  <adec:decorative xmlns:adec="http://schemas.microsoft.com/office/drawing/2017/decorative" val="1"/>
-                </a:ext>
-              </a:extLst>
-            </p:cNvPr>
-            <p:cNvSpPr>
-              <a:spLocks/>
-            </p:cNvSpPr>
-            <p:nvPr>
-              <p:extLst>
-                <p:ext uri="{386F3935-93C4-4BCD-93E2-E3B085C9AB24}">
-                  <p16:designElem xmlns:p16="http://schemas.microsoft.com/office/powerpoint/2015/main" val="1"/>
-                </p:ext>
-              </p:extLst>
-            </p:nvPr>
-          </p:nvSpPr>
-          <p:spPr bwMode="auto">
-            <a:xfrm>
-              <a:off x="-417513" y="0"/>
-              <a:ext cx="2403475" cy="6843713"/>
-            </a:xfrm>
-            <a:custGeom>
-              <a:avLst/>
-              <a:gdLst>
-                <a:gd name="T0" fmla="*/ 506 w 506"/>
-                <a:gd name="T1" fmla="*/ 0 h 1440"/>
-                <a:gd name="T2" fmla="*/ 171 w 506"/>
-                <a:gd name="T3" fmla="*/ 1440 h 1440"/>
-              </a:gdLst>
-              <a:ahLst/>
-              <a:cxnLst>
-                <a:cxn ang="0">
-                  <a:pos x="T0" y="T1"/>
-                </a:cxn>
-                <a:cxn ang="0">
-                  <a:pos x="T2" y="T3"/>
-                </a:cxn>
-              </a:cxnLst>
-              <a:rect l="0" t="0" r="r" b="b"/>
-              <a:pathLst>
-                <a:path w="506" h="1440">
-                  <a:moveTo>
-                    <a:pt x="506" y="0"/>
-                  </a:moveTo>
-                  <a:cubicBezTo>
-                    <a:pt x="109" y="356"/>
-                    <a:pt x="0" y="943"/>
-                    <a:pt x="171" y="1440"/>
-                  </a:cubicBezTo>
-                </a:path>
-              </a:pathLst>
-            </a:custGeom>
-            <a:noFill/>
-            <a:ln w="9525" cap="flat">
-              <a:solidFill>
-                <a:schemeClr val="tx1">
-                  <a:alpha val="20000"/>
-                </a:schemeClr>
-              </a:solidFill>
-              <a:prstDash val="solid"/>
-              <a:miter lim="800000"/>
-              <a:headEnd/>
-              <a:tailEnd/>
-            </a:ln>
-            <a:extLst>
-              <a:ext uri="{909E8E84-426E-40DD-AFC4-6F175D3DCCD1}">
-                <a14:hiddenFill xmlns:a14="http://schemas.microsoft.com/office/drawing/2010/main">
-                  <a:solidFill>
-                    <a:srgbClr val="FFFFFF"/>
-                  </a:solidFill>
-                </a14:hiddenFill>
-              </a:ext>
-            </a:extLst>
-          </p:spPr>
-          <p:txBody>
-            <a:bodyPr vert="horz" wrap="square" lIns="91440" tIns="45720" rIns="91440" bIns="45720" numCol="1" anchor="t" anchorCtr="0" compatLnSpc="1">
-              <a:prstTxWarp prst="textNoShape">
-                <a:avLst/>
-              </a:prstTxWarp>
-            </a:bodyPr>
-            <a:lstStyle/>
-            <a:p>
-              <a:endParaRPr lang="en-US"/>
-            </a:p>
-          </p:txBody>
-        </p:sp>
-        <p:sp>
-          <p:nvSpPr>
-            <p:cNvPr id="61" name="Freeform 23">
-              <a:extLst>
-                <a:ext uri="{FF2B5EF4-FFF2-40B4-BE49-F238E27FC236}">
-                  <a16:creationId xmlns:a16="http://schemas.microsoft.com/office/drawing/2014/main" id="{D7B60BD4-07C1-461F-B38E-B39EBACA3A55}"/>
-                </a:ext>
-                <a:ext uri="{C183D7F6-B498-43B3-948B-1728B52AA6E4}">
-                  <adec:decorative xmlns:adec="http://schemas.microsoft.com/office/drawing/2017/decorative" val="1"/>
-                </a:ext>
-              </a:extLst>
-            </p:cNvPr>
-            <p:cNvSpPr>
-              <a:spLocks/>
-            </p:cNvSpPr>
-            <p:nvPr>
-              <p:extLst>
-                <p:ext uri="{386F3935-93C4-4BCD-93E2-E3B085C9AB24}">
-                  <p16:designElem xmlns:p16="http://schemas.microsoft.com/office/powerpoint/2015/main" val="1"/>
-                </p:ext>
-              </p:extLst>
-            </p:nvPr>
-          </p:nvSpPr>
-          <p:spPr bwMode="auto">
-            <a:xfrm>
-              <a:off x="14288" y="9525"/>
-              <a:ext cx="1771650" cy="3198813"/>
-            </a:xfrm>
-            <a:custGeom>
-              <a:avLst/>
-              <a:gdLst>
-                <a:gd name="T0" fmla="*/ 373 w 373"/>
-                <a:gd name="T1" fmla="*/ 0 h 673"/>
-                <a:gd name="T2" fmla="*/ 0 w 373"/>
-                <a:gd name="T3" fmla="*/ 673 h 673"/>
-              </a:gdLst>
-              <a:ahLst/>
-              <a:cxnLst>
-                <a:cxn ang="0">
-                  <a:pos x="T0" y="T1"/>
-                </a:cxn>
-                <a:cxn ang="0">
-                  <a:pos x="T2" y="T3"/>
-                </a:cxn>
-              </a:cxnLst>
-              <a:rect l="0" t="0" r="r" b="b"/>
-              <a:pathLst>
-                <a:path w="373" h="673">
-                  <a:moveTo>
-                    <a:pt x="373" y="0"/>
-                  </a:moveTo>
-                  <a:cubicBezTo>
-                    <a:pt x="175" y="183"/>
-                    <a:pt x="51" y="409"/>
-                    <a:pt x="0" y="673"/>
-                  </a:cubicBezTo>
-                </a:path>
-              </a:pathLst>
-            </a:custGeom>
-            <a:noFill/>
-            <a:ln w="9525" cap="flat">
-              <a:solidFill>
-                <a:schemeClr val="tx1">
-                  <a:alpha val="20000"/>
-                </a:schemeClr>
-              </a:solidFill>
-              <a:prstDash val="solid"/>
-              <a:miter lim="800000"/>
-              <a:headEnd/>
-              <a:tailEnd/>
-            </a:ln>
-            <a:extLst>
-              <a:ext uri="{909E8E84-426E-40DD-AFC4-6F175D3DCCD1}">
-                <a14:hiddenFill xmlns:a14="http://schemas.microsoft.com/office/drawing/2010/main">
-                  <a:solidFill>
-                    <a:srgbClr val="FFFFFF"/>
-                  </a:solidFill>
-                </a14:hiddenFill>
-              </a:ext>
-            </a:extLst>
-          </p:spPr>
-          <p:txBody>
-            <a:bodyPr vert="horz" wrap="square" lIns="91440" tIns="45720" rIns="91440" bIns="45720" numCol="1" anchor="t" anchorCtr="0" compatLnSpc="1">
-              <a:prstTxWarp prst="textNoShape">
-                <a:avLst/>
-              </a:prstTxWarp>
-            </a:bodyPr>
-            <a:lstStyle/>
-            <a:p>
-              <a:endParaRPr lang="en-US"/>
-            </a:p>
-          </p:txBody>
-        </p:sp>
-        <p:sp>
-          <p:nvSpPr>
-            <p:cNvPr id="62" name="Freeform 24">
-              <a:extLst>
-                <a:ext uri="{FF2B5EF4-FFF2-40B4-BE49-F238E27FC236}">
-                  <a16:creationId xmlns:a16="http://schemas.microsoft.com/office/drawing/2014/main" id="{D81BB3F7-E4A5-4BD9-A70D-FDA6C9127F93}"/>
-                </a:ext>
-                <a:ext uri="{C183D7F6-B498-43B3-948B-1728B52AA6E4}">
-                  <adec:decorative xmlns:adec="http://schemas.microsoft.com/office/drawing/2017/decorative" val="1"/>
-                </a:ext>
-              </a:extLst>
-            </p:cNvPr>
-            <p:cNvSpPr>
-              <a:spLocks/>
-            </p:cNvSpPr>
-            <p:nvPr>
-              <p:extLst>
-                <p:ext uri="{386F3935-93C4-4BCD-93E2-E3B085C9AB24}">
-                  <p16:designElem xmlns:p16="http://schemas.microsoft.com/office/powerpoint/2015/main" val="1"/>
-                </p:ext>
-              </p:extLst>
-            </p:nvPr>
-          </p:nvSpPr>
-          <p:spPr bwMode="auto">
-            <a:xfrm>
-              <a:off x="4763" y="6016625"/>
-              <a:ext cx="214313" cy="827088"/>
-            </a:xfrm>
-            <a:custGeom>
-              <a:avLst/>
-              <a:gdLst>
-                <a:gd name="T0" fmla="*/ 0 w 45"/>
-                <a:gd name="T1" fmla="*/ 0 h 174"/>
-                <a:gd name="T2" fmla="*/ 45 w 45"/>
-                <a:gd name="T3" fmla="*/ 174 h 174"/>
-              </a:gdLst>
-              <a:ahLst/>
-              <a:cxnLst>
-                <a:cxn ang="0">
-                  <a:pos x="T0" y="T1"/>
-                </a:cxn>
-                <a:cxn ang="0">
-                  <a:pos x="T2" y="T3"/>
-                </a:cxn>
-              </a:cxnLst>
-              <a:rect l="0" t="0" r="r" b="b"/>
-              <a:pathLst>
-                <a:path w="45" h="174">
-                  <a:moveTo>
-                    <a:pt x="0" y="0"/>
-                  </a:moveTo>
-                  <a:cubicBezTo>
-                    <a:pt x="11" y="59"/>
-                    <a:pt x="26" y="118"/>
-                    <a:pt x="45" y="174"/>
-                  </a:cubicBezTo>
-                </a:path>
-              </a:pathLst>
-            </a:custGeom>
-            <a:noFill/>
-            <a:ln w="9525" cap="flat">
-              <a:solidFill>
-                <a:schemeClr val="tx1">
-                  <a:alpha val="20000"/>
-                </a:schemeClr>
-              </a:solidFill>
-              <a:prstDash val="solid"/>
-              <a:miter lim="800000"/>
-              <a:headEnd/>
-              <a:tailEnd/>
-            </a:ln>
-            <a:extLst>
-              <a:ext uri="{909E8E84-426E-40DD-AFC4-6F175D3DCCD1}">
-                <a14:hiddenFill xmlns:a14="http://schemas.microsoft.com/office/drawing/2010/main">
-                  <a:solidFill>
-                    <a:srgbClr val="FFFFFF"/>
-                  </a:solidFill>
-                </a14:hiddenFill>
-              </a:ext>
-            </a:extLst>
-          </p:spPr>
-          <p:txBody>
-            <a:bodyPr vert="horz" wrap="square" lIns="91440" tIns="45720" rIns="91440" bIns="45720" numCol="1" anchor="t" anchorCtr="0" compatLnSpc="1">
-              <a:prstTxWarp prst="textNoShape">
-                <a:avLst/>
-              </a:prstTxWarp>
-            </a:bodyPr>
-            <a:lstStyle/>
-            <a:p>
-              <a:endParaRPr lang="en-US"/>
-            </a:p>
-          </p:txBody>
-        </p:sp>
-        <p:sp>
-          <p:nvSpPr>
-            <p:cNvPr id="63" name="Freeform 25">
-              <a:extLst>
-                <a:ext uri="{FF2B5EF4-FFF2-40B4-BE49-F238E27FC236}">
-                  <a16:creationId xmlns:a16="http://schemas.microsoft.com/office/drawing/2014/main" id="{B93A80B5-32BA-48BB-941A-4FC64AC62EF7}"/>
-                </a:ext>
-                <a:ext uri="{C183D7F6-B498-43B3-948B-1728B52AA6E4}">
-                  <adec:decorative xmlns:adec="http://schemas.microsoft.com/office/drawing/2017/decorative" val="1"/>
-                </a:ext>
-              </a:extLst>
-            </p:cNvPr>
-            <p:cNvSpPr>
-              <a:spLocks/>
-            </p:cNvSpPr>
-            <p:nvPr>
-              <p:extLst>
-                <p:ext uri="{386F3935-93C4-4BCD-93E2-E3B085C9AB24}">
-                  <p16:designElem xmlns:p16="http://schemas.microsoft.com/office/powerpoint/2015/main" val="1"/>
-                </p:ext>
-              </p:extLst>
-            </p:nvPr>
-          </p:nvSpPr>
-          <p:spPr bwMode="auto">
-            <a:xfrm>
-              <a:off x="14288" y="0"/>
-              <a:ext cx="1562100" cy="2228850"/>
-            </a:xfrm>
-            <a:custGeom>
-              <a:avLst/>
-              <a:gdLst>
-                <a:gd name="T0" fmla="*/ 329 w 329"/>
-                <a:gd name="T1" fmla="*/ 0 h 469"/>
-                <a:gd name="T2" fmla="*/ 0 w 329"/>
-                <a:gd name="T3" fmla="*/ 469 h 469"/>
-              </a:gdLst>
-              <a:ahLst/>
-              <a:cxnLst>
-                <a:cxn ang="0">
-                  <a:pos x="T0" y="T1"/>
-                </a:cxn>
-                <a:cxn ang="0">
-                  <a:pos x="T2" y="T3"/>
-                </a:cxn>
-              </a:cxnLst>
-              <a:rect l="0" t="0" r="r" b="b"/>
-              <a:pathLst>
-                <a:path w="329" h="469">
-                  <a:moveTo>
-                    <a:pt x="329" y="0"/>
-                  </a:moveTo>
-                  <a:cubicBezTo>
-                    <a:pt x="189" y="133"/>
-                    <a:pt x="69" y="288"/>
-                    <a:pt x="0" y="469"/>
-                  </a:cubicBezTo>
-                </a:path>
-              </a:pathLst>
-            </a:custGeom>
-            <a:noFill/>
-            <a:ln w="9525" cap="flat">
-              <a:solidFill>
-                <a:schemeClr val="tx1">
-                  <a:alpha val="20000"/>
-                </a:schemeClr>
-              </a:solidFill>
-              <a:prstDash val="solid"/>
-              <a:miter lim="800000"/>
-              <a:headEnd/>
-              <a:tailEnd/>
-            </a:ln>
-            <a:extLst>
-              <a:ext uri="{909E8E84-426E-40DD-AFC4-6F175D3DCCD1}">
-                <a14:hiddenFill xmlns:a14="http://schemas.microsoft.com/office/drawing/2010/main">
-                  <a:solidFill>
-                    <a:srgbClr val="FFFFFF"/>
-                  </a:solidFill>
-                </a14:hiddenFill>
-              </a:ext>
-            </a:extLst>
-          </p:spPr>
-          <p:txBody>
-            <a:bodyPr vert="horz" wrap="square" lIns="91440" tIns="45720" rIns="91440" bIns="45720" numCol="1" anchor="t" anchorCtr="0" compatLnSpc="1">
-              <a:prstTxWarp prst="textNoShape">
-                <a:avLst/>
-              </a:prstTxWarp>
-            </a:bodyPr>
-            <a:lstStyle/>
-            <a:p>
-              <a:endParaRPr lang="en-US"/>
-            </a:p>
-          </p:txBody>
-        </p:sp>
-      </p:grpSp>
-      <p:sp>
-        <p:nvSpPr>
-          <p:cNvPr id="71" name="Rectangle 64">
-            <a:extLst>
-              <a:ext uri="{FF2B5EF4-FFF2-40B4-BE49-F238E27FC236}">
-                <a16:creationId xmlns:a16="http://schemas.microsoft.com/office/drawing/2014/main" id="{9C057A66-6E97-4BA5-B4B3-2690ACE3CE80}"/>
-              </a:ext>
-              <a:ext uri="{C183D7F6-B498-43B3-948B-1728B52AA6E4}">
-                <adec:decorative xmlns:adec="http://schemas.microsoft.com/office/drawing/2017/decorative" val="1"/>
-              </a:ext>
-            </a:extLst>
-          </p:cNvPr>
-          <p:cNvSpPr>
-            <a:spLocks noGrp="1" noRot="1" noChangeAspect="1" noMove="1" noResize="1" noEditPoints="1" noAdjustHandles="1" noChangeArrowheads="1" noChangeShapeType="1" noTextEdit="1"/>
-          </p:cNvSpPr>
-          <p:nvPr>
-            <p:extLst>
-              <p:ext uri="{386F3935-93C4-4BCD-93E2-E3B085C9AB24}">
-                <p16:designElem xmlns:p16="http://schemas.microsoft.com/office/powerpoint/2015/main" val="1"/>
-              </p:ext>
-            </p:extLst>
-          </p:nvPr>
-        </p:nvSpPr>
-        <p:spPr>
-          <a:xfrm>
-            <a:off x="791682" y="1047102"/>
-            <a:ext cx="5936885" cy="502920"/>
-          </a:xfrm>
-          <a:prstGeom prst="rect">
-            <a:avLst/>
-          </a:prstGeom>
-          <a:solidFill>
-            <a:schemeClr val="accent1"/>
-          </a:solidFill>
-          <a:ln>
-            <a:noFill/>
-          </a:ln>
-        </p:spPr>
-        <p:style>
-          <a:lnRef idx="2">
-            <a:schemeClr val="accent1">
-              <a:shade val="50000"/>
-            </a:schemeClr>
-          </a:lnRef>
-          <a:fillRef idx="1">
-            <a:schemeClr val="accent1"/>
-          </a:fillRef>
-          <a:effectRef idx="0">
-            <a:schemeClr val="accent1"/>
-          </a:effectRef>
-          <a:fontRef idx="minor">
-            <a:schemeClr val="lt1"/>
-          </a:fontRef>
-        </p:style>
-        <p:txBody>
-          <a:bodyPr rtlCol="0" anchor="ctr"/>
-          <a:lstStyle/>
-          <a:p>
-            <a:pPr algn="ctr"/>
-            <a:endParaRPr lang="en-US"/>
-          </a:p>
-        </p:txBody>
-      </p:sp>
-      <p:sp>
-        <p:nvSpPr>
-          <p:cNvPr id="67" name="Isosceles Triangle 22">
-            <a:extLst>
-              <a:ext uri="{FF2B5EF4-FFF2-40B4-BE49-F238E27FC236}">
-                <a16:creationId xmlns:a16="http://schemas.microsoft.com/office/drawing/2014/main" id="{764884A8-16DD-467F-A648-70B32E20BA99}"/>
-              </a:ext>
-              <a:ext uri="{C183D7F6-B498-43B3-948B-1728B52AA6E4}">
-                <adec:decorative xmlns:adec="http://schemas.microsoft.com/office/drawing/2017/decorative" val="1"/>
-              </a:ext>
-            </a:extLst>
-          </p:cNvPr>
-          <p:cNvSpPr>
-            <a:spLocks noGrp="1" noRot="1" noChangeAspect="1" noMove="1" noResize="1" noEditPoints="1" noAdjustHandles="1" noChangeArrowheads="1" noChangeShapeType="1" noTextEdit="1"/>
-          </p:cNvSpPr>
-          <p:nvPr>
-            <p:extLst>
-              <p:ext uri="{386F3935-93C4-4BCD-93E2-E3B085C9AB24}">
-                <p16:designElem xmlns:p16="http://schemas.microsoft.com/office/powerpoint/2015/main" val="1"/>
-              </p:ext>
-            </p:extLst>
-          </p:nvPr>
-        </p:nvSpPr>
-        <p:spPr>
-          <a:xfrm rot="10800000">
-            <a:off x="3602131" y="5546507"/>
-            <a:ext cx="315988" cy="272403"/>
-          </a:xfrm>
-          <a:prstGeom prst="triangle">
-            <a:avLst/>
-          </a:prstGeom>
-          <a:solidFill>
-            <a:schemeClr val="accent1"/>
-          </a:solidFill>
-          <a:ln>
-            <a:noFill/>
-          </a:ln>
-        </p:spPr>
-        <p:style>
-          <a:lnRef idx="2">
-            <a:schemeClr val="accent1">
-              <a:shade val="50000"/>
-            </a:schemeClr>
-          </a:lnRef>
-          <a:fillRef idx="1">
-            <a:schemeClr val="accent1"/>
-          </a:fillRef>
-          <a:effectRef idx="0">
-            <a:schemeClr val="accent1"/>
-          </a:effectRef>
-          <a:fontRef idx="minor">
-            <a:schemeClr val="lt1"/>
-          </a:fontRef>
-        </p:style>
-        <p:txBody>
-          <a:bodyPr rtlCol="0" anchor="ctr"/>
-          <a:lstStyle/>
-          <a:p>
-            <a:pPr algn="ctr"/>
-            <a:endParaRPr lang="en-US"/>
-          </a:p>
-        </p:txBody>
-      </p:sp>
-      <p:sp>
-        <p:nvSpPr>
-          <p:cNvPr id="72" name="Rectangle 68">
-            <a:extLst>
-              <a:ext uri="{FF2B5EF4-FFF2-40B4-BE49-F238E27FC236}">
-                <a16:creationId xmlns:a16="http://schemas.microsoft.com/office/drawing/2014/main" id="{276681CD-6924-4550-926C-667FC2C6A8B5}"/>
-              </a:ext>
-              <a:ext uri="{C183D7F6-B498-43B3-948B-1728B52AA6E4}">
-                <adec:decorative xmlns:adec="http://schemas.microsoft.com/office/drawing/2017/decorative" val="1"/>
-              </a:ext>
-            </a:extLst>
-          </p:cNvPr>
-          <p:cNvSpPr>
-            <a:spLocks noGrp="1" noRot="1" noChangeAspect="1" noMove="1" noResize="1" noEditPoints="1" noAdjustHandles="1" noChangeArrowheads="1" noChangeShapeType="1" noTextEdit="1"/>
-          </p:cNvSpPr>
-          <p:nvPr>
-            <p:extLst>
-              <p:ext uri="{386F3935-93C4-4BCD-93E2-E3B085C9AB24}">
-                <p16:designElem xmlns:p16="http://schemas.microsoft.com/office/powerpoint/2015/main" val="1"/>
-              </p:ext>
-            </p:extLst>
-          </p:nvPr>
-        </p:nvSpPr>
-        <p:spPr>
-          <a:xfrm>
-            <a:off x="791682" y="1634393"/>
-            <a:ext cx="5935796" cy="3917307"/>
-          </a:xfrm>
-          <a:prstGeom prst="rect">
-            <a:avLst/>
-          </a:prstGeom>
-          <a:solidFill>
-            <a:schemeClr val="accent1"/>
-          </a:solidFill>
-          <a:ln>
-            <a:noFill/>
-          </a:ln>
-        </p:spPr>
-        <p:style>
-          <a:lnRef idx="2">
-            <a:schemeClr val="accent1">
-              <a:shade val="50000"/>
-            </a:schemeClr>
-          </a:lnRef>
-          <a:fillRef idx="1">
-            <a:schemeClr val="accent1"/>
-          </a:fillRef>
-          <a:effectRef idx="0">
-            <a:schemeClr val="accent1"/>
-          </a:effectRef>
-          <a:fontRef idx="minor">
-            <a:schemeClr val="lt1"/>
-          </a:fontRef>
-        </p:style>
-        <p:txBody>
-          <a:bodyPr rtlCol="0" anchor="ctr"/>
-          <a:lstStyle/>
-          <a:p>
-            <a:pPr algn="ctr"/>
-            <a:endParaRPr lang="en-US"/>
-          </a:p>
-        </p:txBody>
-      </p:sp>
-      <p:sp>
-        <p:nvSpPr>
-          <p:cNvPr id="2" name="Title 1">
-            <a:extLst>
-              <a:ext uri="{FF2B5EF4-FFF2-40B4-BE49-F238E27FC236}">
-                <a16:creationId xmlns:a16="http://schemas.microsoft.com/office/drawing/2014/main" id="{9AFCDCB1-665D-4E18-A1AB-198301188C0D}"/>
-              </a:ext>
-            </a:extLst>
-          </p:cNvPr>
-          <p:cNvSpPr>
-            <a:spLocks noGrp="1"/>
-          </p:cNvSpPr>
-          <p:nvPr>
-            <p:ph type="title"/>
-          </p:nvPr>
-        </p:nvSpPr>
-        <p:spPr>
-          <a:xfrm>
-            <a:off x="873978" y="1718735"/>
-            <a:ext cx="5767566" cy="1072378"/>
-          </a:xfrm>
-        </p:spPr>
-        <p:txBody>
-          <a:bodyPr anchor="ctr">
-            <a:normAutofit/>
-          </a:bodyPr>
-          <a:lstStyle/>
-          <a:p>
-            <a:r>
-              <a:rPr lang="en-US" sz="3600" dirty="0"/>
-              <a:t>ABSTRACT</a:t>
-            </a:r>
-          </a:p>
-        </p:txBody>
-      </p:sp>
-      <p:sp>
-        <p:nvSpPr>
-          <p:cNvPr id="3" name="Content Placeholder 2">
-            <a:extLst>
-              <a:ext uri="{FF2B5EF4-FFF2-40B4-BE49-F238E27FC236}">
-                <a16:creationId xmlns:a16="http://schemas.microsoft.com/office/drawing/2014/main" id="{6A1FF52C-1424-4304-9EA1-14A70911E442}"/>
-              </a:ext>
-            </a:extLst>
-          </p:cNvPr>
-          <p:cNvSpPr>
-            <a:spLocks noGrp="1"/>
-          </p:cNvSpPr>
-          <p:nvPr>
-            <p:ph idx="1"/>
-          </p:nvPr>
-        </p:nvSpPr>
-        <p:spPr>
-          <a:xfrm>
-            <a:off x="873102" y="2789239"/>
-            <a:ext cx="5768442" cy="2683606"/>
-          </a:xfrm>
-        </p:spPr>
-        <p:txBody>
-          <a:bodyPr>
-            <a:normAutofit lnSpcReduction="10000"/>
-          </a:bodyPr>
-          <a:lstStyle/>
-          <a:p>
-            <a:pPr marL="0" indent="0">
-              <a:buClr>
-                <a:srgbClr val="C19C7C"/>
-              </a:buClr>
-              <a:buNone/>
-            </a:pPr>
-            <a:endParaRPr lang="en-US" sz="1600" dirty="0">
-              <a:solidFill>
-                <a:srgbClr val="FFFFFE"/>
-              </a:solidFill>
-            </a:endParaRPr>
-          </a:p>
-          <a:p>
-            <a:pPr>
-              <a:buClr>
-                <a:srgbClr val="C19C7C"/>
-              </a:buClr>
-            </a:pPr>
-            <a:r>
-              <a:rPr lang="en-US" sz="2400" dirty="0">
-                <a:solidFill>
-                  <a:srgbClr val="FFFFFE"/>
-                </a:solidFill>
-              </a:rPr>
-              <a:t>To find the variance in impact around the globe of education, employment and financial independence on special programs aimed towards women.</a:t>
-            </a:r>
-          </a:p>
-          <a:p>
-            <a:pPr>
-              <a:buClr>
-                <a:srgbClr val="C19C7C"/>
-              </a:buClr>
-            </a:pPr>
-            <a:endParaRPr lang="en-US" sz="1600" dirty="0">
-              <a:solidFill>
-                <a:srgbClr val="FFFFFE"/>
-              </a:solidFill>
-            </a:endParaRPr>
-          </a:p>
-        </p:txBody>
-      </p:sp>
-      <p:pic>
-        <p:nvPicPr>
-          <p:cNvPr id="5" name="Picture 4">
-            <a:extLst>
-              <a:ext uri="{FF2B5EF4-FFF2-40B4-BE49-F238E27FC236}">
-                <a16:creationId xmlns:a16="http://schemas.microsoft.com/office/drawing/2014/main" id="{A2BABFE5-BF1B-454A-9E46-21A9B2799219}"/>
-              </a:ext>
-            </a:extLst>
-          </p:cNvPr>
-          <p:cNvPicPr>
-            <a:picLocks noChangeAspect="1"/>
-          </p:cNvPicPr>
-          <p:nvPr/>
-        </p:nvPicPr>
-        <p:blipFill rotWithShape="1">
-          <a:blip r:embed="rId2">
-            <a:extLst>
-              <a:ext uri="{28A0092B-C50C-407E-A947-70E740481C1C}">
-                <a14:useLocalDpi xmlns:a14="http://schemas.microsoft.com/office/drawing/2010/main" val="0"/>
-              </a:ext>
-            </a:extLst>
-          </a:blip>
-          <a:srcRect l="29518" r="28517" b="-1"/>
-          <a:stretch/>
-        </p:blipFill>
-        <p:spPr>
-          <a:xfrm>
-            <a:off x="7549862" y="227"/>
-            <a:ext cx="4641833" cy="6858000"/>
-          </a:xfrm>
-          <a:prstGeom prst="rect">
-            <a:avLst/>
-          </a:prstGeom>
-        </p:spPr>
-      </p:pic>
-    </p:spTree>
-    <p:extLst>
-      <p:ext uri="{BB962C8B-B14F-4D97-AF65-F5344CB8AC3E}">
-        <p14:creationId xmlns:p14="http://schemas.microsoft.com/office/powerpoint/2010/main" val="3099141666"/>
-      </p:ext>
-    </p:extLst>
-  </p:cSld>
-  <p:clrMapOvr>
-    <a:masterClrMapping/>
-  </p:clrMapOvr>
-</p:sld>
-</file>
-
 <file path=ppt/slides/slide3.xml><?xml version="1.0" encoding="utf-8"?>
 <p:sld xmlns:a="http://schemas.openxmlformats.org/drawingml/2006/main" xmlns:r="http://schemas.openxmlformats.org/officeDocument/2006/relationships" xmlns:p="http://schemas.openxmlformats.org/presentationml/2006/main">
   <p:cSld>
@@ -22637,6 +23344,113 @@
       </p:grpSpPr>
       <p:sp>
         <p:nvSpPr>
+          <p:cNvPr id="4" name="Title 3">
+            <a:extLst>
+              <a:ext uri="{FF2B5EF4-FFF2-40B4-BE49-F238E27FC236}">
+                <a16:creationId xmlns:a16="http://schemas.microsoft.com/office/drawing/2014/main" id="{7BEA6E11-7F5C-490F-88D1-86E9B1C5E3DA}"/>
+              </a:ext>
+            </a:extLst>
+          </p:cNvPr>
+          <p:cNvSpPr>
+            <a:spLocks noGrp="1"/>
+          </p:cNvSpPr>
+          <p:nvPr>
+            <p:ph type="title"/>
+          </p:nvPr>
+        </p:nvSpPr>
+        <p:spPr>
+          <a:xfrm>
+            <a:off x="3344216" y="2327953"/>
+            <a:ext cx="5490224" cy="1689390"/>
+          </a:xfrm>
+        </p:spPr>
+        <p:txBody>
+          <a:bodyPr>
+            <a:normAutofit/>
+          </a:bodyPr>
+          <a:lstStyle/>
+          <a:p>
+            <a:r>
+              <a:rPr lang="en-US" sz="6000" b="1" dirty="0"/>
+              <a:t>Question 1</a:t>
+            </a:r>
+          </a:p>
+        </p:txBody>
+      </p:sp>
+      <p:sp>
+        <p:nvSpPr>
+          <p:cNvPr id="2" name="TextBox 1">
+            <a:extLst>
+              <a:ext uri="{FF2B5EF4-FFF2-40B4-BE49-F238E27FC236}">
+                <a16:creationId xmlns:a16="http://schemas.microsoft.com/office/drawing/2014/main" id="{CB792D28-15E9-41FF-B043-77F76969FAFB}"/>
+              </a:ext>
+            </a:extLst>
+          </p:cNvPr>
+          <p:cNvSpPr txBox="1"/>
+          <p:nvPr/>
+        </p:nvSpPr>
+        <p:spPr>
+          <a:xfrm>
+            <a:off x="4098749" y="1294228"/>
+            <a:ext cx="3981157" cy="523220"/>
+          </a:xfrm>
+          <a:prstGeom prst="rect">
+            <a:avLst/>
+          </a:prstGeom>
+          <a:noFill/>
+        </p:spPr>
+        <p:txBody>
+          <a:bodyPr wrap="square" rtlCol="0">
+            <a:spAutoFit/>
+          </a:bodyPr>
+          <a:lstStyle/>
+          <a:p>
+            <a:pPr algn="ctr"/>
+            <a:r>
+              <a:rPr lang="en-US" sz="2800" dirty="0">
+                <a:solidFill>
+                  <a:schemeClr val="bg1"/>
+                </a:solidFill>
+                <a:latin typeface="Aharoni" panose="020B0604020202020204" pitchFamily="2" charset="-79"/>
+                <a:cs typeface="Aharoni" panose="020B0604020202020204" pitchFamily="2" charset="-79"/>
+              </a:rPr>
+              <a:t>MAPREDUCE</a:t>
+            </a:r>
+          </a:p>
+        </p:txBody>
+      </p:sp>
+    </p:spTree>
+    <p:extLst>
+      <p:ext uri="{BB962C8B-B14F-4D97-AF65-F5344CB8AC3E}">
+        <p14:creationId xmlns:p14="http://schemas.microsoft.com/office/powerpoint/2010/main" val="1003865070"/>
+      </p:ext>
+    </p:extLst>
+  </p:cSld>
+  <p:clrMapOvr>
+    <a:masterClrMapping/>
+  </p:clrMapOvr>
+</p:sld>
+</file>
+
+<file path=ppt/slides/slide4.xml><?xml version="1.0" encoding="utf-8"?>
+<p:sld xmlns:a="http://schemas.openxmlformats.org/drawingml/2006/main" xmlns:r="http://schemas.openxmlformats.org/officeDocument/2006/relationships" xmlns:p="http://schemas.openxmlformats.org/presentationml/2006/main">
+  <p:cSld>
+    <p:spTree>
+      <p:nvGrpSpPr>
+        <p:cNvPr id="1" name=""/>
+        <p:cNvGrpSpPr/>
+        <p:nvPr/>
+      </p:nvGrpSpPr>
+      <p:grpSpPr>
+        <a:xfrm>
+          <a:off x="0" y="0"/>
+          <a:ext cx="0" cy="0"/>
+          <a:chOff x="0" y="0"/>
+          <a:chExt cx="0" cy="0"/>
+        </a:xfrm>
+      </p:grpSpPr>
+      <p:sp>
+        <p:nvSpPr>
           <p:cNvPr id="2" name="Title 1">
             <a:extLst>
               <a:ext uri="{FF2B5EF4-FFF2-40B4-BE49-F238E27FC236}">
@@ -22657,7 +23471,7 @@
           <a:lstStyle/>
           <a:p>
             <a:r>
-              <a:rPr lang="en-US" dirty="0"/>
+              <a:rPr lang="en-US" b="1" dirty="0"/>
               <a:t>Question 1:</a:t>
             </a:r>
             <a:br>
@@ -22713,7 +23527,7 @@
 </p:sld>
 </file>
 
-<file path=ppt/slides/slide4.xml><?xml version="1.0" encoding="utf-8"?>
+<file path=ppt/slides/slide5.xml><?xml version="1.0" encoding="utf-8"?>
 <p:sld xmlns:a="http://schemas.openxmlformats.org/drawingml/2006/main" xmlns:r="http://schemas.openxmlformats.org/officeDocument/2006/relationships" xmlns:p="http://schemas.openxmlformats.org/presentationml/2006/main">
   <p:cSld>
     <p:spTree>
@@ -22752,7 +23566,7 @@
           <a:lstStyle/>
           <a:p>
             <a:r>
-              <a:rPr lang="en-US" dirty="0"/>
+              <a:rPr lang="en-US" b="1" dirty="0"/>
               <a:t>Question 1:</a:t>
             </a:r>
             <a:br>
@@ -22823,7 +23637,7 @@
 </p:sld>
 </file>
 
-<file path=ppt/slides/slide5.xml><?xml version="1.0" encoding="utf-8"?>
+<file path=ppt/slides/slide6.xml><?xml version="1.0" encoding="utf-8"?>
 <p:sld xmlns:a="http://schemas.openxmlformats.org/drawingml/2006/main" xmlns:r="http://schemas.openxmlformats.org/officeDocument/2006/relationships" xmlns:p="http://schemas.openxmlformats.org/presentationml/2006/main">
   <p:cSld>
     <p:spTree>
@@ -22862,7 +23676,7 @@
           <a:lstStyle/>
           <a:p>
             <a:r>
-              <a:rPr lang="en-US" dirty="0"/>
+              <a:rPr lang="en-US" b="1" dirty="0"/>
               <a:t>Question 1:</a:t>
             </a:r>
             <a:br>
@@ -22919,7 +23733,114 @@
 </p:sld>
 </file>
 
-<file path=ppt/slides/slide6.xml><?xml version="1.0" encoding="utf-8"?>
+<file path=ppt/slides/slide7.xml><?xml version="1.0" encoding="utf-8"?>
+<p:sld xmlns:a="http://schemas.openxmlformats.org/drawingml/2006/main" xmlns:r="http://schemas.openxmlformats.org/officeDocument/2006/relationships" xmlns:p="http://schemas.openxmlformats.org/presentationml/2006/main">
+  <p:cSld>
+    <p:spTree>
+      <p:nvGrpSpPr>
+        <p:cNvPr id="1" name=""/>
+        <p:cNvGrpSpPr/>
+        <p:nvPr/>
+      </p:nvGrpSpPr>
+      <p:grpSpPr>
+        <a:xfrm>
+          <a:off x="0" y="0"/>
+          <a:ext cx="0" cy="0"/>
+          <a:chOff x="0" y="0"/>
+          <a:chExt cx="0" cy="0"/>
+        </a:xfrm>
+      </p:grpSpPr>
+      <p:sp>
+        <p:nvSpPr>
+          <p:cNvPr id="4" name="Title 3">
+            <a:extLst>
+              <a:ext uri="{FF2B5EF4-FFF2-40B4-BE49-F238E27FC236}">
+                <a16:creationId xmlns:a16="http://schemas.microsoft.com/office/drawing/2014/main" id="{7BEA6E11-7F5C-490F-88D1-86E9B1C5E3DA}"/>
+              </a:ext>
+            </a:extLst>
+          </p:cNvPr>
+          <p:cNvSpPr>
+            <a:spLocks noGrp="1"/>
+          </p:cNvSpPr>
+          <p:nvPr>
+            <p:ph type="title"/>
+          </p:nvPr>
+        </p:nvSpPr>
+        <p:spPr>
+          <a:xfrm>
+            <a:off x="3344216" y="2327953"/>
+            <a:ext cx="5490224" cy="1689390"/>
+          </a:xfrm>
+        </p:spPr>
+        <p:txBody>
+          <a:bodyPr>
+            <a:normAutofit/>
+          </a:bodyPr>
+          <a:lstStyle/>
+          <a:p>
+            <a:r>
+              <a:rPr lang="en-US" sz="6000" b="1" dirty="0"/>
+              <a:t>Question 3</a:t>
+            </a:r>
+          </a:p>
+        </p:txBody>
+      </p:sp>
+      <p:sp>
+        <p:nvSpPr>
+          <p:cNvPr id="2" name="TextBox 1">
+            <a:extLst>
+              <a:ext uri="{FF2B5EF4-FFF2-40B4-BE49-F238E27FC236}">
+                <a16:creationId xmlns:a16="http://schemas.microsoft.com/office/drawing/2014/main" id="{CB792D28-15E9-41FF-B043-77F76969FAFB}"/>
+              </a:ext>
+            </a:extLst>
+          </p:cNvPr>
+          <p:cNvSpPr txBox="1"/>
+          <p:nvPr/>
+        </p:nvSpPr>
+        <p:spPr>
+          <a:xfrm>
+            <a:off x="4098749" y="1294228"/>
+            <a:ext cx="3981157" cy="523220"/>
+          </a:xfrm>
+          <a:prstGeom prst="rect">
+            <a:avLst/>
+          </a:prstGeom>
+          <a:noFill/>
+        </p:spPr>
+        <p:txBody>
+          <a:bodyPr wrap="square" rtlCol="0">
+            <a:spAutoFit/>
+          </a:bodyPr>
+          <a:lstStyle/>
+          <a:p>
+            <a:pPr algn="ctr"/>
+            <a:r>
+              <a:rPr lang="en-US" sz="2800" dirty="0">
+                <a:solidFill>
+                  <a:schemeClr val="bg1"/>
+                </a:solidFill>
+                <a:latin typeface="Aharoni" panose="020B0604020202020204" pitchFamily="2" charset="-79"/>
+                <a:cs typeface="Aharoni" panose="020B0604020202020204" pitchFamily="2" charset="-79"/>
+              </a:rPr>
+              <a:t>MAPREDUCE</a:t>
+            </a:r>
+          </a:p>
+        </p:txBody>
+      </p:sp>
+    </p:spTree>
+    <p:extLst>
+      <p:ext uri="{BB962C8B-B14F-4D97-AF65-F5344CB8AC3E}">
+        <p14:creationId xmlns:p14="http://schemas.microsoft.com/office/powerpoint/2010/main" val="1166403323"/>
+      </p:ext>
+    </p:extLst>
+  </p:cSld>
+  <p:clrMapOvr>
+    <a:masterClrMapping/>
+  </p:clrMapOvr>
+</p:sld>
+</file>
+
+<file path=ppt/slides/slide8.xml><?xml version="1.0" encoding="utf-8"?>
 <p:sld xmlns:a="http://schemas.openxmlformats.org/drawingml/2006/main" xmlns:r="http://schemas.openxmlformats.org/officeDocument/2006/relationships" xmlns:p="http://schemas.openxmlformats.org/presentationml/2006/main">
   <p:cSld>
     <p:spTree>
@@ -22958,7 +23879,7 @@
           <a:lstStyle/>
           <a:p>
             <a:r>
-              <a:rPr lang="en-US" dirty="0"/>
+              <a:rPr lang="en-US" b="1" dirty="0"/>
               <a:t>Question 3:</a:t>
             </a:r>
             <a:br>
@@ -23014,7 +23935,7 @@
 </p:sld>
 </file>
 
-<file path=ppt/slides/slide7.xml><?xml version="1.0" encoding="utf-8"?>
+<file path=ppt/slides/slide9.xml><?xml version="1.0" encoding="utf-8"?>
 <p:sld xmlns:a="http://schemas.openxmlformats.org/drawingml/2006/main" xmlns:r="http://schemas.openxmlformats.org/officeDocument/2006/relationships" xmlns:p="http://schemas.openxmlformats.org/presentationml/2006/main">
   <p:cSld>
     <p:spTree>
@@ -23053,7 +23974,7 @@
           <a:lstStyle/>
           <a:p>
             <a:r>
-              <a:rPr lang="en-US" dirty="0"/>
+              <a:rPr lang="en-US" b="1" dirty="0"/>
               <a:t>Question 3:</a:t>
             </a:r>
             <a:br>
@@ -23109,197 +24030,6 @@
     <p:extLst>
       <p:ext uri="{BB962C8B-B14F-4D97-AF65-F5344CB8AC3E}">
         <p14:creationId xmlns:p14="http://schemas.microsoft.com/office/powerpoint/2010/main" val="2345647446"/>
-      </p:ext>
-    </p:extLst>
-  </p:cSld>
-  <p:clrMapOvr>
-    <a:masterClrMapping/>
-  </p:clrMapOvr>
-</p:sld>
-</file>
-
-<file path=ppt/slides/slide8.xml><?xml version="1.0" encoding="utf-8"?>
-<p:sld xmlns:a="http://schemas.openxmlformats.org/drawingml/2006/main" xmlns:r="http://schemas.openxmlformats.org/officeDocument/2006/relationships" xmlns:p="http://schemas.openxmlformats.org/presentationml/2006/main">
-  <p:cSld>
-    <p:spTree>
-      <p:nvGrpSpPr>
-        <p:cNvPr id="1" name=""/>
-        <p:cNvGrpSpPr/>
-        <p:nvPr/>
-      </p:nvGrpSpPr>
-      <p:grpSpPr>
-        <a:xfrm>
-          <a:off x="0" y="0"/>
-          <a:ext cx="0" cy="0"/>
-          <a:chOff x="0" y="0"/>
-          <a:chExt cx="0" cy="0"/>
-        </a:xfrm>
-      </p:grpSpPr>
-      <p:sp>
-        <p:nvSpPr>
-          <p:cNvPr id="2" name="Title 1">
-            <a:extLst>
-              <a:ext uri="{FF2B5EF4-FFF2-40B4-BE49-F238E27FC236}">
-                <a16:creationId xmlns:a16="http://schemas.microsoft.com/office/drawing/2014/main" id="{EB5533B3-BD83-4C3D-9FCD-C8EDB9B49CF8}"/>
-              </a:ext>
-            </a:extLst>
-          </p:cNvPr>
-          <p:cNvSpPr>
-            <a:spLocks noGrp="1"/>
-          </p:cNvSpPr>
-          <p:nvPr>
-            <p:ph type="title"/>
-          </p:nvPr>
-        </p:nvSpPr>
-        <p:spPr/>
-        <p:txBody>
-          <a:bodyPr/>
-          <a:lstStyle/>
-          <a:p>
-            <a:r>
-              <a:rPr lang="en-US" dirty="0"/>
-              <a:t>Question 3:</a:t>
-            </a:r>
-            <a:br>
-              <a:rPr lang="en-US" dirty="0"/>
-            </a:br>
-            <a:r>
-              <a:rPr lang="en-US" dirty="0"/>
-              <a:t>Conclusions</a:t>
-            </a:r>
-          </a:p>
-        </p:txBody>
-      </p:sp>
-      <p:sp>
-        <p:nvSpPr>
-          <p:cNvPr id="3" name="Content Placeholder 2">
-            <a:extLst>
-              <a:ext uri="{FF2B5EF4-FFF2-40B4-BE49-F238E27FC236}">
-                <a16:creationId xmlns:a16="http://schemas.microsoft.com/office/drawing/2014/main" id="{DDD3B212-9504-44DC-9D84-C08F942659BE}"/>
-              </a:ext>
-            </a:extLst>
-          </p:cNvPr>
-          <p:cNvSpPr>
-            <a:spLocks noGrp="1"/>
-          </p:cNvSpPr>
-          <p:nvPr>
-            <p:ph idx="1"/>
-          </p:nvPr>
-        </p:nvSpPr>
-        <p:spPr/>
-        <p:txBody>
-          <a:bodyPr/>
-          <a:lstStyle/>
-          <a:p>
-            <a:r>
-              <a:rPr lang="en-US" sz="2400" dirty="0"/>
-              <a:t>Mostly European countries fell into the negative values for change in male employment since the year 2000 while South American countries’ numbers are rising.</a:t>
-            </a:r>
-          </a:p>
-          <a:p>
-            <a:endParaRPr lang="en-US" dirty="0"/>
-          </a:p>
-        </p:txBody>
-      </p:sp>
-    </p:spTree>
-    <p:extLst>
-      <p:ext uri="{BB962C8B-B14F-4D97-AF65-F5344CB8AC3E}">
-        <p14:creationId xmlns:p14="http://schemas.microsoft.com/office/powerpoint/2010/main" val="3359120508"/>
-      </p:ext>
-    </p:extLst>
-  </p:cSld>
-  <p:clrMapOvr>
-    <a:masterClrMapping/>
-  </p:clrMapOvr>
-</p:sld>
-</file>
-
-<file path=ppt/slides/slide9.xml><?xml version="1.0" encoding="utf-8"?>
-<p:sld xmlns:a="http://schemas.openxmlformats.org/drawingml/2006/main" xmlns:r="http://schemas.openxmlformats.org/officeDocument/2006/relationships" xmlns:p="http://schemas.openxmlformats.org/presentationml/2006/main">
-  <p:cSld>
-    <p:spTree>
-      <p:nvGrpSpPr>
-        <p:cNvPr id="1" name=""/>
-        <p:cNvGrpSpPr/>
-        <p:nvPr/>
-      </p:nvGrpSpPr>
-      <p:grpSpPr>
-        <a:xfrm>
-          <a:off x="0" y="0"/>
-          <a:ext cx="0" cy="0"/>
-          <a:chOff x="0" y="0"/>
-          <a:chExt cx="0" cy="0"/>
-        </a:xfrm>
-      </p:grpSpPr>
-      <p:sp>
-        <p:nvSpPr>
-          <p:cNvPr id="2" name="Title 1">
-            <a:extLst>
-              <a:ext uri="{FF2B5EF4-FFF2-40B4-BE49-F238E27FC236}">
-                <a16:creationId xmlns:a16="http://schemas.microsoft.com/office/drawing/2014/main" id="{D0E2B187-47DA-4BF4-93A6-010D03A1D9BC}"/>
-              </a:ext>
-            </a:extLst>
-          </p:cNvPr>
-          <p:cNvSpPr>
-            <a:spLocks noGrp="1"/>
-          </p:cNvSpPr>
-          <p:nvPr>
-            <p:ph type="title"/>
-          </p:nvPr>
-        </p:nvSpPr>
-        <p:spPr/>
-        <p:txBody>
-          <a:bodyPr/>
-          <a:lstStyle/>
-          <a:p>
-            <a:r>
-              <a:rPr lang="en-US" dirty="0"/>
-              <a:t>Question 2:</a:t>
-            </a:r>
-            <a:br>
-              <a:rPr lang="en-US" dirty="0"/>
-            </a:br>
-            <a:r>
-              <a:rPr lang="en-US" dirty="0"/>
-              <a:t>Problem</a:t>
-            </a:r>
-          </a:p>
-        </p:txBody>
-      </p:sp>
-      <p:sp>
-        <p:nvSpPr>
-          <p:cNvPr id="3" name="Content Placeholder 2">
-            <a:extLst>
-              <a:ext uri="{FF2B5EF4-FFF2-40B4-BE49-F238E27FC236}">
-                <a16:creationId xmlns:a16="http://schemas.microsoft.com/office/drawing/2014/main" id="{EFD57D37-12B9-4B8C-B6F5-14E463857494}"/>
-              </a:ext>
-            </a:extLst>
-          </p:cNvPr>
-          <p:cNvSpPr>
-            <a:spLocks noGrp="1"/>
-          </p:cNvSpPr>
-          <p:nvPr>
-            <p:ph idx="1"/>
-          </p:nvPr>
-        </p:nvSpPr>
-        <p:spPr/>
-        <p:txBody>
-          <a:bodyPr>
-            <a:normAutofit/>
-          </a:bodyPr>
-          <a:lstStyle/>
-          <a:p>
-            <a:r>
-              <a:rPr lang="en-US" sz="2800" dirty="0"/>
-              <a:t>List the average increase in female education in the U.S. from the year 2000.</a:t>
-            </a:r>
-          </a:p>
-        </p:txBody>
-      </p:sp>
-    </p:spTree>
-    <p:extLst>
-      <p:ext uri="{BB962C8B-B14F-4D97-AF65-F5344CB8AC3E}">
-        <p14:creationId xmlns:p14="http://schemas.microsoft.com/office/powerpoint/2010/main" val="1212466376"/>
       </p:ext>
     </p:extLst>
   </p:cSld>
